--- a/DynamicFilters_Presentation_Eng.pptx
+++ b/DynamicFilters_Presentation_Eng.pptx
@@ -3280,7 +3280,7 @@
           <a:p>
             <a:fld id="{61F4F17F-797E-F743-99C7-34FA65335D3C}" type="datetimeFigureOut">
               <a:rPr lang="en-US" smtClean="0"/>
-              <a:t>4/25/2019</a:t>
+              <a:t>4/29/2019</a:t>
             </a:fld>
             <a:endParaRPr lang="en-US"/>
           </a:p>
@@ -3446,7 +3446,7 @@
           <a:p>
             <a:fld id="{A76353FC-0869-45D3-95AF-CC29198471C2}" type="datetimeFigureOut">
               <a:rPr lang="en-US" smtClean="0"/>
-              <a:t>4/24/2019</a:t>
+              <a:t>4/29/2019</a:t>
             </a:fld>
             <a:endParaRPr lang="en-US"/>
           </a:p>
@@ -4854,7 +4854,13 @@
           <a:p>
             <a:r>
               <a:rPr lang="en-US" dirty="0"/>
-              <a:t>Let them know that everything they’re about to see is open source and available on GitHub</a:t>
+              <a:t>Let them know that everything they’re about to see is open source and available on GitHub.</a:t>
+            </a:r>
+          </a:p>
+          <a:p>
+            <a:r>
+              <a:rPr lang="en-US" dirty="0"/>
+              <a:t>Also, since I’ll be continuing on delivering this presentation in other channels, I’ll be continuously improving the project with time.</a:t>
             </a:r>
           </a:p>
         </p:txBody>
@@ -14883,13 +14889,13 @@
   <p:clrMapOvr>
     <a:masterClrMapping/>
   </p:clrMapOvr>
-  <mc:AlternateContent xmlns:mc="http://schemas.openxmlformats.org/markup-compatibility/2006">
-    <mc:Choice xmlns:p14="http://schemas.microsoft.com/office/powerpoint/2010/main" Requires="p14">
+  <mc:AlternateContent xmlns:mc="http://schemas.openxmlformats.org/markup-compatibility/2006" xmlns:p14="http://schemas.microsoft.com/office/powerpoint/2010/main">
+    <mc:Choice Requires="p14">
       <p:transition spd="med" p14:dur="700">
         <p:fade/>
       </p:transition>
     </mc:Choice>
-    <mc:Fallback>
+    <mc:Fallback xmlns="">
       <p:transition spd="med">
         <p:fade/>
       </p:transition>
@@ -18327,13 +18333,13 @@
   <p:clrMapOvr>
     <a:masterClrMapping/>
   </p:clrMapOvr>
-  <mc:AlternateContent xmlns:mc="http://schemas.openxmlformats.org/markup-compatibility/2006">
-    <mc:Choice xmlns:p14="http://schemas.microsoft.com/office/powerpoint/2010/main" Requires="p14">
+  <mc:AlternateContent xmlns:mc="http://schemas.openxmlformats.org/markup-compatibility/2006" xmlns:p14="http://schemas.microsoft.com/office/powerpoint/2010/main">
+    <mc:Choice Requires="p14">
       <p:transition spd="med" p14:dur="700">
         <p:fade/>
       </p:transition>
     </mc:Choice>
-    <mc:Fallback>
+    <mc:Fallback xmlns="">
       <p:transition spd="med">
         <p:fade/>
       </p:transition>

--- a/DynamicFilters_Presentation_Eng.pptx
+++ b/DynamicFilters_Presentation_Eng.pptx
@@ -3280,7 +3280,7 @@
           <a:p>
             <a:fld id="{61F4F17F-797E-F743-99C7-34FA65335D3C}" type="datetimeFigureOut">
               <a:rPr lang="en-US" smtClean="0"/>
-              <a:t>4/29/2019</a:t>
+              <a:t>4/30/2019</a:t>
             </a:fld>
             <a:endParaRPr lang="en-US"/>
           </a:p>
@@ -3446,7 +3446,7 @@
           <a:p>
             <a:fld id="{A76353FC-0869-45D3-95AF-CC29198471C2}" type="datetimeFigureOut">
               <a:rPr lang="en-US" smtClean="0"/>
-              <a:t>4/29/2019</a:t>
+              <a:t>4/30/2019</a:t>
             </a:fld>
             <a:endParaRPr lang="en-US"/>
           </a:p>
@@ -15410,30 +15410,60 @@
                             </p:stCondLst>
                             <p:childTnLst>
                               <p:par>
-                                <p:cTn id="37" presetID="26" presetClass="exit" presetSubtype="0" fill="hold" grpId="1" nodeType="clickEffect">
+                                <p:cTn id="37" presetID="15" presetClass="exit" presetSubtype="0" fill="hold" grpId="1" nodeType="clickEffect">
                                   <p:stCondLst>
                                     <p:cond delay="0"/>
                                   </p:stCondLst>
                                   <p:childTnLst>
-                                    <p:animEffect transition="out" filter="wipe(down)">
+                                    <p:anim calcmode="lin" valueType="num">
                                       <p:cBhvr>
-                                        <p:cTn id="38" dur="180" accel="50000">
-                                          <p:stCondLst>
-                                            <p:cond delay="1820"/>
-                                          </p:stCondLst>
-                                        </p:cTn>
+                                        <p:cTn id="38" dur="1000"/>
                                         <p:tgtEl>
                                           <p:spTgt spid="2"/>
                                         </p:tgtEl>
+                                        <p:attrNameLst>
+                                          <p:attrName>ppt_w</p:attrName>
+                                        </p:attrNameLst>
                                       </p:cBhvr>
-                                    </p:animEffect>
+                                      <p:tavLst>
+                                        <p:tav tm="0">
+                                          <p:val>
+                                            <p:strVal val="ppt_w"/>
+                                          </p:val>
+                                        </p:tav>
+                                        <p:tav tm="100000">
+                                          <p:val>
+                                            <p:fltVal val="0"/>
+                                          </p:val>
+                                        </p:tav>
+                                      </p:tavLst>
+                                    </p:anim>
                                     <p:anim calcmode="lin" valueType="num">
                                       <p:cBhvr>
-                                        <p:cTn id="39" dur="1822" tmFilter="0,0; 0.14,0.31; 0.43,0.73; 0.71,0.91; 1.0,1.0">
-                                          <p:stCondLst>
-                                            <p:cond delay="0"/>
-                                          </p:stCondLst>
-                                        </p:cTn>
+                                        <p:cTn id="39" dur="1000"/>
+                                        <p:tgtEl>
+                                          <p:spTgt spid="2"/>
+                                        </p:tgtEl>
+                                        <p:attrNameLst>
+                                          <p:attrName>ppt_h</p:attrName>
+                                        </p:attrNameLst>
+                                      </p:cBhvr>
+                                      <p:tavLst>
+                                        <p:tav tm="0">
+                                          <p:val>
+                                            <p:strVal val="ppt_h"/>
+                                          </p:val>
+                                        </p:tav>
+                                        <p:tav tm="100000">
+                                          <p:val>
+                                            <p:fltVal val="0"/>
+                                          </p:val>
+                                        </p:tav>
+                                      </p:tavLst>
+                                    </p:anim>
+                                    <p:anim calcmode="lin" valueType="num">
+                                      <p:cBhvr>
+                                        <p:cTn id="40" dur="1000"/>
                                         <p:tgtEl>
                                           <p:spTgt spid="2"/>
                                         </p:tgtEl>
@@ -15447,47 +15477,111 @@
                                             <p:strVal val="ppt_x"/>
                                           </p:val>
                                         </p:tav>
+                                        <p:tav tm="5000">
+                                          <p:val>
+                                            <p:strVal val="ppt_x+-0.0500*(ppt_x*0.9511+(1-ppt_y)*0.3090)"/>
+                                          </p:val>
+                                        </p:tav>
+                                        <p:tav tm="10000">
+                                          <p:val>
+                                            <p:strVal val="ppt_x+-0.1000*(ppt_x*0.8090+(1-ppt_y)*0.5878)"/>
+                                          </p:val>
+                                        </p:tav>
+                                        <p:tav tm="15000">
+                                          <p:val>
+                                            <p:strVal val="ppt_x+-0.1500*(ppt_x*0.5878+(1-ppt_y)*0.8090)"/>
+                                          </p:val>
+                                        </p:tav>
+                                        <p:tav tm="20000">
+                                          <p:val>
+                                            <p:strVal val="ppt_x+-0.2000*(ppt_x*0.3090+(1-ppt_y)*0.9511)"/>
+                                          </p:val>
+                                        </p:tav>
+                                        <p:tav tm="25000">
+                                          <p:val>
+                                            <p:strVal val="ppt_x+-0.2500*(ppt_x*-0.0000+(1-ppt_y)*1.0000)"/>
+                                          </p:val>
+                                        </p:tav>
+                                        <p:tav tm="30000">
+                                          <p:val>
+                                            <p:strVal val="ppt_x+-0.3000*(ppt_x*-0.3090+(1-ppt_y)*0.9511)"/>
+                                          </p:val>
+                                        </p:tav>
+                                        <p:tav tm="35000">
+                                          <p:val>
+                                            <p:strVal val="ppt_x+-0.3500*(ppt_x*-0.5878+(1-ppt_y)*0.8090)"/>
+                                          </p:val>
+                                        </p:tav>
+                                        <p:tav tm="40000">
+                                          <p:val>
+                                            <p:strVal val="ppt_x+-0.4000*(ppt_x*-0.8090+(1-ppt_y)*0.5878)"/>
+                                          </p:val>
+                                        </p:tav>
+                                        <p:tav tm="45000">
+                                          <p:val>
+                                            <p:strVal val="ppt_x+-0.4500*(ppt_x*-0.9511+(1-ppt_y)*0.3090)"/>
+                                          </p:val>
+                                        </p:tav>
+                                        <p:tav tm="50000">
+                                          <p:val>
+                                            <p:strVal val="ppt_x+-0.5000*(ppt_x*-1.0000+(1-ppt_y)*-0.0000)"/>
+                                          </p:val>
+                                        </p:tav>
+                                        <p:tav tm="55000">
+                                          <p:val>
+                                            <p:strVal val="ppt_x+-0.5500*(ppt_x*-0.9511+(1-ppt_y)*-0.3090)"/>
+                                          </p:val>
+                                        </p:tav>
+                                        <p:tav tm="60000">
+                                          <p:val>
+                                            <p:strVal val="ppt_x+-0.6000*(ppt_x*-0.8090+(1-ppt_y)*-0.5878)"/>
+                                          </p:val>
+                                        </p:tav>
+                                        <p:tav tm="65000">
+                                          <p:val>
+                                            <p:strVal val="ppt_x+-0.6500*(ppt_x*-0.5878+(1-ppt_y)*-0.8090)"/>
+                                          </p:val>
+                                        </p:tav>
+                                        <p:tav tm="70000">
+                                          <p:val>
+                                            <p:strVal val="ppt_x+-0.7000*(ppt_x*-0.3090+(1-ppt_y)*-0.9511)"/>
+                                          </p:val>
+                                        </p:tav>
+                                        <p:tav tm="75000">
+                                          <p:val>
+                                            <p:strVal val="ppt_x+-0.7500*(ppt_x*0.0000+(1-ppt_y)*-1.0000)"/>
+                                          </p:val>
+                                        </p:tav>
+                                        <p:tav tm="80000">
+                                          <p:val>
+                                            <p:strVal val="ppt_x+-0.8000*(ppt_x*0.3090+(1-ppt_y)*-0.9511)"/>
+                                          </p:val>
+                                        </p:tav>
+                                        <p:tav tm="85000">
+                                          <p:val>
+                                            <p:strVal val="ppt_x+-0.8500*(ppt_x*0.5878+(1-ppt_y)*-0.8090)"/>
+                                          </p:val>
+                                        </p:tav>
+                                        <p:tav tm="90000">
+                                          <p:val>
+                                            <p:strVal val="ppt_x+-0.9000*(ppt_x*0.8090+(1-ppt_y)*-0.5878)"/>
+                                          </p:val>
+                                        </p:tav>
+                                        <p:tav tm="95000">
+                                          <p:val>
+                                            <p:strVal val="ppt_x+-0.9500*(ppt_x*0.9511+(1-ppt_y)*-0.3090)"/>
+                                          </p:val>
+                                        </p:tav>
                                         <p:tav tm="100000">
                                           <p:val>
-                                            <p:strVal val="#ppt_x+0.25"/>
+                                            <p:strVal val="ppt_x+-1.0000*(ppt_x*1.0000+(1-ppt_y)*0.0000)"/>
                                           </p:val>
                                         </p:tav>
                                       </p:tavLst>
                                     </p:anim>
                                     <p:anim calcmode="lin" valueType="num">
                                       <p:cBhvr>
-                                        <p:cTn id="40" dur="178">
-                                          <p:stCondLst>
-                                            <p:cond delay="1822"/>
-                                          </p:stCondLst>
-                                        </p:cTn>
-                                        <p:tgtEl>
-                                          <p:spTgt spid="2"/>
-                                        </p:tgtEl>
-                                        <p:attrNameLst>
-                                          <p:attrName>ppt_x</p:attrName>
-                                        </p:attrNameLst>
-                                      </p:cBhvr>
-                                      <p:tavLst>
-                                        <p:tav tm="0">
-                                          <p:val>
-                                            <p:strVal val="ppt_x"/>
-                                          </p:val>
-                                        </p:tav>
-                                        <p:tav tm="100000">
-                                          <p:val>
-                                            <p:strVal val="ppt_x"/>
-                                          </p:val>
-                                        </p:tav>
-                                      </p:tavLst>
-                                    </p:anim>
-                                    <p:anim calcmode="lin" valueType="num">
-                                      <p:cBhvr>
-                                        <p:cTn id="41" dur="664" tmFilter="0.0,0.0;0.25,0.07;0.50,0.2;0.75,0.467;1.0,1.0">
-                                          <p:stCondLst>
-                                            <p:cond delay="0"/>
-                                          </p:stCondLst>
-                                        </p:cTn>
+                                        <p:cTn id="41" dur="1000"/>
                                         <p:tgtEl>
                                           <p:spTgt spid="2"/>
                                         </p:tgtEl>
@@ -15503,418 +15597,111 @@
                                         </p:tav>
                                         <p:tav tm="5000">
                                           <p:val>
-                                            <p:strVal val="ppt_y+0.026"/>
+                                            <p:strVal val="ppt_y+-0.0500*(ppt_x*0.3090-(1-ppt_y)*0.9511)"/>
                                           </p:val>
                                         </p:tav>
                                         <p:tav tm="10000">
                                           <p:val>
-                                            <p:strVal val="ppt_y+0.052"/>
+                                            <p:strVal val="ppt_y+-0.1000*(ppt_x*0.5878-(1-ppt_y)*0.8090)"/>
                                           </p:val>
                                         </p:tav>
                                         <p:tav tm="15000">
                                           <p:val>
-                                            <p:strVal val="ppt_y+0.078"/>
+                                            <p:strVal val="ppt_y+-0.1500*(ppt_x*0.8090-(1-ppt_y)*0.5878)"/>
                                           </p:val>
                                         </p:tav>
                                         <p:tav tm="20000">
                                           <p:val>
-                                            <p:strVal val="ppt_y+0.103"/>
+                                            <p:strVal val="ppt_y+-0.2000*(ppt_x*0.9511-(1-ppt_y)*0.3090)"/>
+                                          </p:val>
+                                        </p:tav>
+                                        <p:tav tm="25000">
+                                          <p:val>
+                                            <p:strVal val="ppt_y+-0.2500*(ppt_x*1.0000-(1-ppt_y)*-0.0000)"/>
                                           </p:val>
                                         </p:tav>
                                         <p:tav tm="30000">
                                           <p:val>
-                                            <p:strVal val="ppt_y+0.151"/>
+                                            <p:strVal val="ppt_y+-0.3000*(ppt_x*0.9511-(1-ppt_y)*-0.3090)"/>
+                                          </p:val>
+                                        </p:tav>
+                                        <p:tav tm="35000">
+                                          <p:val>
+                                            <p:strVal val="ppt_y+-0.3500*(ppt_x*0.8090-(1-ppt_y)*-0.5878)"/>
                                           </p:val>
                                         </p:tav>
                                         <p:tav tm="40000">
                                           <p:val>
-                                            <p:strVal val="ppt_y+0.196"/>
+                                            <p:strVal val="ppt_y+-0.4000*(ppt_x*0.5878-(1-ppt_y)*-0.8090)"/>
+                                          </p:val>
+                                        </p:tav>
+                                        <p:tav tm="45000">
+                                          <p:val>
+                                            <p:strVal val="ppt_y+-0.4500*(ppt_x*0.3090-(1-ppt_y)*-0.9511)"/>
                                           </p:val>
                                         </p:tav>
                                         <p:tav tm="50000">
                                           <p:val>
-                                            <p:strVal val="ppt_y+0.236"/>
+                                            <p:strVal val="ppt_y+-0.5000*(ppt_x*-0.0000-(1-ppt_y)*-1.0000)"/>
+                                          </p:val>
+                                        </p:tav>
+                                        <p:tav tm="55000">
+                                          <p:val>
+                                            <p:strVal val="ppt_y+-0.5500*(ppt_x*-0.3090-(1-ppt_y)*-0.9511)"/>
                                           </p:val>
                                         </p:tav>
                                         <p:tav tm="60000">
                                           <p:val>
-                                            <p:strVal val="ppt_y+0.270"/>
+                                            <p:strVal val="ppt_y+-0.6000*(ppt_x*-0.5878-(1-ppt_y)*-0.8090)"/>
+                                          </p:val>
+                                        </p:tav>
+                                        <p:tav tm="65000">
+                                          <p:val>
+                                            <p:strVal val="ppt_y+-0.6500*(ppt_x*-0.8090-(1-ppt_y)*-0.5878)"/>
                                           </p:val>
                                         </p:tav>
                                         <p:tav tm="70000">
                                           <p:val>
-                                            <p:strVal val="ppt_y+0.297"/>
+                                            <p:strVal val="ppt_y+-0.7000*(ppt_x*-0.9511-(1-ppt_y)*-0.3090)"/>
+                                          </p:val>
+                                        </p:tav>
+                                        <p:tav tm="75000">
+                                          <p:val>
+                                            <p:strVal val="ppt_y+-0.7500*(ppt_x*-1.0000-(1-ppt_y)*0.0000)"/>
                                           </p:val>
                                         </p:tav>
                                         <p:tav tm="80000">
                                           <p:val>
-                                            <p:strVal val="ppt_y+0.317"/>
+                                            <p:strVal val="ppt_y+-0.8000*(ppt_x*-0.9511-(1-ppt_y)*0.3090)"/>
+                                          </p:val>
+                                        </p:tav>
+                                        <p:tav tm="85000">
+                                          <p:val>
+                                            <p:strVal val="ppt_y+-0.8500*(ppt_x*-0.8090-(1-ppt_y)*0.5878)"/>
                                           </p:val>
                                         </p:tav>
                                         <p:tav tm="90000">
                                           <p:val>
-                                            <p:strVal val="ppt_y+0.329"/>
+                                            <p:strVal val="ppt_y+-0.9000*(ppt_x*-0.5878-(1-ppt_y)*0.8090)"/>
+                                          </p:val>
+                                        </p:tav>
+                                        <p:tav tm="95000">
+                                          <p:val>
+                                            <p:strVal val="ppt_y+-0.9500*(ppt_x*-0.3090-(1-ppt_y)*0.9511)"/>
                                           </p:val>
                                         </p:tav>
                                         <p:tav tm="100000">
                                           <p:val>
-                                            <p:strVal val="ppt_y+0.333"/>
+                                            <p:strVal val="ppt_y+-1.0000*(ppt_x*0.0000-(1-ppt_y)*1.0000)"/>
                                           </p:val>
                                         </p:tav>
                                       </p:tavLst>
                                     </p:anim>
-                                    <p:anim calcmode="lin" valueType="num">
-                                      <p:cBhvr>
-                                        <p:cTn id="42" dur="664" tmFilter="0, 0; 0.125,0.2665; 0.25,0.4; 0.375,0.465; 0.5,0.5;  0.625,0.535; 0.75,0.6; 0.875,0.7335; 1,1">
-                                          <p:stCondLst>
-                                            <p:cond delay="664"/>
-                                          </p:stCondLst>
-                                        </p:cTn>
-                                        <p:tgtEl>
-                                          <p:spTgt spid="2"/>
-                                        </p:tgtEl>
-                                        <p:attrNameLst>
-                                          <p:attrName>ppt_y</p:attrName>
-                                        </p:attrNameLst>
-                                      </p:cBhvr>
-                                      <p:tavLst>
-                                        <p:tav tm="0">
-                                          <p:val>
-                                            <p:strVal val="ppt_y"/>
-                                          </p:val>
-                                        </p:tav>
-                                        <p:tav tm="10000">
-                                          <p:val>
-                                            <p:strVal val="ppt_y-0.034"/>
-                                          </p:val>
-                                        </p:tav>
-                                        <p:tav tm="20000">
-                                          <p:val>
-                                            <p:strVal val="ppt_y-0.065"/>
-                                          </p:val>
-                                        </p:tav>
-                                        <p:tav tm="30000">
-                                          <p:val>
-                                            <p:strVal val="ppt_y-0.090"/>
-                                          </p:val>
-                                        </p:tav>
-                                        <p:tav tm="40000">
-                                          <p:val>
-                                            <p:strVal val="ppt_y-0.106"/>
-                                          </p:val>
-                                        </p:tav>
-                                        <p:tav tm="50000">
-                                          <p:val>
-                                            <p:strVal val="ppt_y-0.111"/>
-                                          </p:val>
-                                        </p:tav>
-                                        <p:tav tm="60000">
-                                          <p:val>
-                                            <p:strVal val="ppt_y-0.106"/>
-                                          </p:val>
-                                        </p:tav>
-                                        <p:tav tm="70000">
-                                          <p:val>
-                                            <p:strVal val="ppt_y-0.090"/>
-                                          </p:val>
-                                        </p:tav>
-                                        <p:tav tm="80000">
-                                          <p:val>
-                                            <p:strVal val="ppt_y-0.065"/>
-                                          </p:val>
-                                        </p:tav>
-                                        <p:tav tm="90000">
-                                          <p:val>
-                                            <p:strVal val="ppt_y-0.034"/>
-                                          </p:val>
-                                        </p:tav>
-                                        <p:tav tm="100000">
-                                          <p:val>
-                                            <p:strVal val="ppt_y"/>
-                                          </p:val>
-                                        </p:tav>
-                                      </p:tavLst>
-                                    </p:anim>
-                                    <p:anim calcmode="lin" valueType="num">
-                                      <p:cBhvr>
-                                        <p:cTn id="43" dur="332" tmFilter="0, 0; 0.125,0.2665; 0.25,0.4; 0.375,0.465; 0.5,0.5;  0.625,0.535; 0.75,0.6; 0.875,0.7335; 1,1">
-                                          <p:stCondLst>
-                                            <p:cond delay="1324"/>
-                                          </p:stCondLst>
-                                        </p:cTn>
-                                        <p:tgtEl>
-                                          <p:spTgt spid="2"/>
-                                        </p:tgtEl>
-                                        <p:attrNameLst>
-                                          <p:attrName>ppt_y</p:attrName>
-                                        </p:attrNameLst>
-                                      </p:cBhvr>
-                                      <p:tavLst>
-                                        <p:tav tm="0">
-                                          <p:val>
-                                            <p:strVal val="ppt_y"/>
-                                          </p:val>
-                                        </p:tav>
-                                        <p:tav tm="10000">
-                                          <p:val>
-                                            <p:strVal val="ppt_y-0.011"/>
-                                          </p:val>
-                                        </p:tav>
-                                        <p:tav tm="20000">
-                                          <p:val>
-                                            <p:strVal val="ppt_y-0.022"/>
-                                          </p:val>
-                                        </p:tav>
-                                        <p:tav tm="30000">
-                                          <p:val>
-                                            <p:strVal val="ppt_y-0.030"/>
-                                          </p:val>
-                                        </p:tav>
-                                        <p:tav tm="40000">
-                                          <p:val>
-                                            <p:strVal val="ppt_y-0.035"/>
-                                          </p:val>
-                                        </p:tav>
-                                        <p:tav tm="50000">
-                                          <p:val>
-                                            <p:strVal val="ppt_y-0.037"/>
-                                          </p:val>
-                                        </p:tav>
-                                        <p:tav tm="60000">
-                                          <p:val>
-                                            <p:strVal val="ppt_y-0.035"/>
-                                          </p:val>
-                                        </p:tav>
-                                        <p:tav tm="70000">
-                                          <p:val>
-                                            <p:strVal val="ppt_y-0.030"/>
-                                          </p:val>
-                                        </p:tav>
-                                        <p:tav tm="80000">
-                                          <p:val>
-                                            <p:strVal val="ppt_y-0.022"/>
-                                          </p:val>
-                                        </p:tav>
-                                        <p:tav tm="90000">
-                                          <p:val>
-                                            <p:strVal val="ppt_y-0.011"/>
-                                          </p:val>
-                                        </p:tav>
-                                        <p:tav tm="100000">
-                                          <p:val>
-                                            <p:strVal val="ppt_y"/>
-                                          </p:val>
-                                        </p:tav>
-                                      </p:tavLst>
-                                    </p:anim>
-                                    <p:anim calcmode="lin" valueType="num">
-                                      <p:cBhvr>
-                                        <p:cTn id="44" dur="164" tmFilter="0, 0; 0.125,0.2665; 0.25,0.4; 0.375,0.465; 0.5,0.5;  0.625,0.535; 0.75,0.6; 0.875,0.7335; 1,1">
-                                          <p:stCondLst>
-                                            <p:cond delay="1656"/>
-                                          </p:stCondLst>
-                                        </p:cTn>
-                                        <p:tgtEl>
-                                          <p:spTgt spid="2"/>
-                                        </p:tgtEl>
-                                        <p:attrNameLst>
-                                          <p:attrName>ppt_y</p:attrName>
-                                        </p:attrNameLst>
-                                      </p:cBhvr>
-                                      <p:tavLst>
-                                        <p:tav tm="0">
-                                          <p:val>
-                                            <p:strVal val="ppt_y"/>
-                                          </p:val>
-                                        </p:tav>
-                                        <p:tav tm="10000">
-                                          <p:val>
-                                            <p:strVal val="ppt_y-0.004"/>
-                                          </p:val>
-                                        </p:tav>
-                                        <p:tav tm="20000">
-                                          <p:val>
-                                            <p:strVal val="ppt_y-0.007"/>
-                                          </p:val>
-                                        </p:tav>
-                                        <p:tav tm="30000">
-                                          <p:val>
-                                            <p:strVal val="ppt_y-0.010"/>
-                                          </p:val>
-                                        </p:tav>
-                                        <p:tav tm="40000">
-                                          <p:val>
-                                            <p:strVal val="ppt_y-0.012"/>
-                                          </p:val>
-                                        </p:tav>
-                                        <p:tav tm="50000">
-                                          <p:val>
-                                            <p:strVal val="ppt_y-0.0123"/>
-                                          </p:val>
-                                        </p:tav>
-                                        <p:tav tm="60000">
-                                          <p:val>
-                                            <p:strVal val="ppt_y-0.012"/>
-                                          </p:val>
-                                        </p:tav>
-                                        <p:tav tm="70000">
-                                          <p:val>
-                                            <p:strVal val="ppt_y-0.010"/>
-                                          </p:val>
-                                        </p:tav>
-                                        <p:tav tm="80000">
-                                          <p:val>
-                                            <p:strVal val="ppt_y-0.007"/>
-                                          </p:val>
-                                        </p:tav>
-                                        <p:tav tm="90000">
-                                          <p:val>
-                                            <p:strVal val="ppt_y-0.004"/>
-                                          </p:val>
-                                        </p:tav>
-                                        <p:tav tm="100000">
-                                          <p:val>
-                                            <p:strVal val="ppt_y"/>
-                                          </p:val>
-                                        </p:tav>
-                                      </p:tavLst>
-                                    </p:anim>
-                                    <p:anim calcmode="lin" valueType="num">
-                                      <p:cBhvr>
-                                        <p:cTn id="45" dur="180" accel="50000">
-                                          <p:stCondLst>
-                                            <p:cond delay="1820"/>
-                                          </p:stCondLst>
-                                        </p:cTn>
-                                        <p:tgtEl>
-                                          <p:spTgt spid="2"/>
-                                        </p:tgtEl>
-                                        <p:attrNameLst>
-                                          <p:attrName>ppt_y</p:attrName>
-                                        </p:attrNameLst>
-                                      </p:cBhvr>
-                                      <p:tavLst>
-                                        <p:tav tm="0">
-                                          <p:val>
-                                            <p:strVal val="ppt_y"/>
-                                          </p:val>
-                                        </p:tav>
-                                        <p:tav tm="100000">
-                                          <p:val>
-                                            <p:strVal val="ppt_y+ppt_h"/>
-                                          </p:val>
-                                        </p:tav>
-                                      </p:tavLst>
-                                    </p:anim>
-                                    <p:animScale>
-                                      <p:cBhvr>
-                                        <p:cTn id="46" dur="26">
-                                          <p:stCondLst>
-                                            <p:cond delay="620"/>
-                                          </p:stCondLst>
-                                        </p:cTn>
-                                        <p:tgtEl>
-                                          <p:spTgt spid="2"/>
-                                        </p:tgtEl>
-                                      </p:cBhvr>
-                                      <p:to x="100000" y="60000"/>
-                                    </p:animScale>
-                                    <p:animScale>
-                                      <p:cBhvr>
-                                        <p:cTn id="47" dur="166" decel="50000">
-                                          <p:stCondLst>
-                                            <p:cond delay="646"/>
-                                          </p:stCondLst>
-                                        </p:cTn>
-                                        <p:tgtEl>
-                                          <p:spTgt spid="2"/>
-                                        </p:tgtEl>
-                                      </p:cBhvr>
-                                      <p:to x="100000" y="100000"/>
-                                    </p:animScale>
-                                    <p:animScale>
-                                      <p:cBhvr>
-                                        <p:cTn id="48" dur="26">
-                                          <p:stCondLst>
-                                            <p:cond delay="1312"/>
-                                          </p:stCondLst>
-                                        </p:cTn>
-                                        <p:tgtEl>
-                                          <p:spTgt spid="2"/>
-                                        </p:tgtEl>
-                                      </p:cBhvr>
-                                      <p:to x="100000" y="80000"/>
-                                    </p:animScale>
-                                    <p:animScale>
-                                      <p:cBhvr>
-                                        <p:cTn id="49" dur="166" decel="50000">
-                                          <p:stCondLst>
-                                            <p:cond delay="1338"/>
-                                          </p:stCondLst>
-                                        </p:cTn>
-                                        <p:tgtEl>
-                                          <p:spTgt spid="2"/>
-                                        </p:tgtEl>
-                                      </p:cBhvr>
-                                      <p:to x="100000" y="100000"/>
-                                    </p:animScale>
-                                    <p:animScale>
-                                      <p:cBhvr>
-                                        <p:cTn id="50" dur="26">
-                                          <p:stCondLst>
-                                            <p:cond delay="1642"/>
-                                          </p:stCondLst>
-                                        </p:cTn>
-                                        <p:tgtEl>
-                                          <p:spTgt spid="2"/>
-                                        </p:tgtEl>
-                                      </p:cBhvr>
-                                      <p:to x="100000" y="90000"/>
-                                    </p:animScale>
-                                    <p:animScale>
-                                      <p:cBhvr>
-                                        <p:cTn id="51" dur="166" decel="50000">
-                                          <p:stCondLst>
-                                            <p:cond delay="1668"/>
-                                          </p:stCondLst>
-                                        </p:cTn>
-                                        <p:tgtEl>
-                                          <p:spTgt spid="2"/>
-                                        </p:tgtEl>
-                                      </p:cBhvr>
-                                      <p:to x="100000" y="100000"/>
-                                    </p:animScale>
-                                    <p:animScale>
-                                      <p:cBhvr>
-                                        <p:cTn id="52" dur="26">
-                                          <p:stCondLst>
-                                            <p:cond delay="1808"/>
-                                          </p:stCondLst>
-                                        </p:cTn>
-                                        <p:tgtEl>
-                                          <p:spTgt spid="2"/>
-                                        </p:tgtEl>
-                                      </p:cBhvr>
-                                      <p:to x="100000" y="95000"/>
-                                    </p:animScale>
-                                    <p:animScale>
-                                      <p:cBhvr>
-                                        <p:cTn id="53" dur="166" decel="50000">
-                                          <p:stCondLst>
-                                            <p:cond delay="1834"/>
-                                          </p:stCondLst>
-                                        </p:cTn>
-                                        <p:tgtEl>
-                                          <p:spTgt spid="2"/>
-                                        </p:tgtEl>
-                                      </p:cBhvr>
-                                      <p:to x="100000" y="100000"/>
-                                    </p:animScale>
                                     <p:set>
                                       <p:cBhvr>
-                                        <p:cTn id="54" dur="1" fill="hold">
+                                        <p:cTn id="42" dur="1" fill="hold">
                                           <p:stCondLst>
-                                            <p:cond delay="1999"/>
+                                            <p:cond delay="999"/>
                                           </p:stCondLst>
                                         </p:cTn>
                                         <p:tgtEl>
@@ -15932,30 +15719,60 @@
                                 </p:cTn>
                               </p:par>
                               <p:par>
-                                <p:cTn id="55" presetID="26" presetClass="exit" presetSubtype="0" fill="hold" grpId="1" nodeType="withEffect">
+                                <p:cTn id="43" presetID="15" presetClass="exit" presetSubtype="0" fill="hold" grpId="1" nodeType="withEffect">
                                   <p:stCondLst>
                                     <p:cond delay="0"/>
                                   </p:stCondLst>
                                   <p:childTnLst>
-                                    <p:animEffect transition="out" filter="wipe(down)">
+                                    <p:anim calcmode="lin" valueType="num">
                                       <p:cBhvr>
-                                        <p:cTn id="56" dur="180" accel="50000">
-                                          <p:stCondLst>
-                                            <p:cond delay="1820"/>
-                                          </p:stCondLst>
-                                        </p:cTn>
+                                        <p:cTn id="44" dur="1000"/>
                                         <p:tgtEl>
                                           <p:spTgt spid="15"/>
                                         </p:tgtEl>
+                                        <p:attrNameLst>
+                                          <p:attrName>ppt_w</p:attrName>
+                                        </p:attrNameLst>
                                       </p:cBhvr>
-                                    </p:animEffect>
+                                      <p:tavLst>
+                                        <p:tav tm="0">
+                                          <p:val>
+                                            <p:strVal val="ppt_w"/>
+                                          </p:val>
+                                        </p:tav>
+                                        <p:tav tm="100000">
+                                          <p:val>
+                                            <p:fltVal val="0"/>
+                                          </p:val>
+                                        </p:tav>
+                                      </p:tavLst>
+                                    </p:anim>
                                     <p:anim calcmode="lin" valueType="num">
                                       <p:cBhvr>
-                                        <p:cTn id="57" dur="1822" tmFilter="0,0; 0.14,0.31; 0.43,0.73; 0.71,0.91; 1.0,1.0">
-                                          <p:stCondLst>
-                                            <p:cond delay="0"/>
-                                          </p:stCondLst>
-                                        </p:cTn>
+                                        <p:cTn id="45" dur="1000"/>
+                                        <p:tgtEl>
+                                          <p:spTgt spid="15"/>
+                                        </p:tgtEl>
+                                        <p:attrNameLst>
+                                          <p:attrName>ppt_h</p:attrName>
+                                        </p:attrNameLst>
+                                      </p:cBhvr>
+                                      <p:tavLst>
+                                        <p:tav tm="0">
+                                          <p:val>
+                                            <p:strVal val="ppt_h"/>
+                                          </p:val>
+                                        </p:tav>
+                                        <p:tav tm="100000">
+                                          <p:val>
+                                            <p:fltVal val="0"/>
+                                          </p:val>
+                                        </p:tav>
+                                      </p:tavLst>
+                                    </p:anim>
+                                    <p:anim calcmode="lin" valueType="num">
+                                      <p:cBhvr>
+                                        <p:cTn id="46" dur="1000"/>
                                         <p:tgtEl>
                                           <p:spTgt spid="15"/>
                                         </p:tgtEl>
@@ -15969,47 +15786,111 @@
                                             <p:strVal val="ppt_x"/>
                                           </p:val>
                                         </p:tav>
+                                        <p:tav tm="5000">
+                                          <p:val>
+                                            <p:strVal val="ppt_x+-0.0500*(ppt_x*0.9511+(1-ppt_y)*0.3090)"/>
+                                          </p:val>
+                                        </p:tav>
+                                        <p:tav tm="10000">
+                                          <p:val>
+                                            <p:strVal val="ppt_x+-0.1000*(ppt_x*0.8090+(1-ppt_y)*0.5878)"/>
+                                          </p:val>
+                                        </p:tav>
+                                        <p:tav tm="15000">
+                                          <p:val>
+                                            <p:strVal val="ppt_x+-0.1500*(ppt_x*0.5878+(1-ppt_y)*0.8090)"/>
+                                          </p:val>
+                                        </p:tav>
+                                        <p:tav tm="20000">
+                                          <p:val>
+                                            <p:strVal val="ppt_x+-0.2000*(ppt_x*0.3090+(1-ppt_y)*0.9511)"/>
+                                          </p:val>
+                                        </p:tav>
+                                        <p:tav tm="25000">
+                                          <p:val>
+                                            <p:strVal val="ppt_x+-0.2500*(ppt_x*-0.0000+(1-ppt_y)*1.0000)"/>
+                                          </p:val>
+                                        </p:tav>
+                                        <p:tav tm="30000">
+                                          <p:val>
+                                            <p:strVal val="ppt_x+-0.3000*(ppt_x*-0.3090+(1-ppt_y)*0.9511)"/>
+                                          </p:val>
+                                        </p:tav>
+                                        <p:tav tm="35000">
+                                          <p:val>
+                                            <p:strVal val="ppt_x+-0.3500*(ppt_x*-0.5878+(1-ppt_y)*0.8090)"/>
+                                          </p:val>
+                                        </p:tav>
+                                        <p:tav tm="40000">
+                                          <p:val>
+                                            <p:strVal val="ppt_x+-0.4000*(ppt_x*-0.8090+(1-ppt_y)*0.5878)"/>
+                                          </p:val>
+                                        </p:tav>
+                                        <p:tav tm="45000">
+                                          <p:val>
+                                            <p:strVal val="ppt_x+-0.4500*(ppt_x*-0.9511+(1-ppt_y)*0.3090)"/>
+                                          </p:val>
+                                        </p:tav>
+                                        <p:tav tm="50000">
+                                          <p:val>
+                                            <p:strVal val="ppt_x+-0.5000*(ppt_x*-1.0000+(1-ppt_y)*-0.0000)"/>
+                                          </p:val>
+                                        </p:tav>
+                                        <p:tav tm="55000">
+                                          <p:val>
+                                            <p:strVal val="ppt_x+-0.5500*(ppt_x*-0.9511+(1-ppt_y)*-0.3090)"/>
+                                          </p:val>
+                                        </p:tav>
+                                        <p:tav tm="60000">
+                                          <p:val>
+                                            <p:strVal val="ppt_x+-0.6000*(ppt_x*-0.8090+(1-ppt_y)*-0.5878)"/>
+                                          </p:val>
+                                        </p:tav>
+                                        <p:tav tm="65000">
+                                          <p:val>
+                                            <p:strVal val="ppt_x+-0.6500*(ppt_x*-0.5878+(1-ppt_y)*-0.8090)"/>
+                                          </p:val>
+                                        </p:tav>
+                                        <p:tav tm="70000">
+                                          <p:val>
+                                            <p:strVal val="ppt_x+-0.7000*(ppt_x*-0.3090+(1-ppt_y)*-0.9511)"/>
+                                          </p:val>
+                                        </p:tav>
+                                        <p:tav tm="75000">
+                                          <p:val>
+                                            <p:strVal val="ppt_x+-0.7500*(ppt_x*0.0000+(1-ppt_y)*-1.0000)"/>
+                                          </p:val>
+                                        </p:tav>
+                                        <p:tav tm="80000">
+                                          <p:val>
+                                            <p:strVal val="ppt_x+-0.8000*(ppt_x*0.3090+(1-ppt_y)*-0.9511)"/>
+                                          </p:val>
+                                        </p:tav>
+                                        <p:tav tm="85000">
+                                          <p:val>
+                                            <p:strVal val="ppt_x+-0.8500*(ppt_x*0.5878+(1-ppt_y)*-0.8090)"/>
+                                          </p:val>
+                                        </p:tav>
+                                        <p:tav tm="90000">
+                                          <p:val>
+                                            <p:strVal val="ppt_x+-0.9000*(ppt_x*0.8090+(1-ppt_y)*-0.5878)"/>
+                                          </p:val>
+                                        </p:tav>
+                                        <p:tav tm="95000">
+                                          <p:val>
+                                            <p:strVal val="ppt_x+-0.9500*(ppt_x*0.9511+(1-ppt_y)*-0.3090)"/>
+                                          </p:val>
+                                        </p:tav>
                                         <p:tav tm="100000">
                                           <p:val>
-                                            <p:strVal val="#ppt_x+0.25"/>
+                                            <p:strVal val="ppt_x+-1.0000*(ppt_x*1.0000+(1-ppt_y)*0.0000)"/>
                                           </p:val>
                                         </p:tav>
                                       </p:tavLst>
                                     </p:anim>
                                     <p:anim calcmode="lin" valueType="num">
                                       <p:cBhvr>
-                                        <p:cTn id="58" dur="178">
-                                          <p:stCondLst>
-                                            <p:cond delay="1822"/>
-                                          </p:stCondLst>
-                                        </p:cTn>
-                                        <p:tgtEl>
-                                          <p:spTgt spid="15"/>
-                                        </p:tgtEl>
-                                        <p:attrNameLst>
-                                          <p:attrName>ppt_x</p:attrName>
-                                        </p:attrNameLst>
-                                      </p:cBhvr>
-                                      <p:tavLst>
-                                        <p:tav tm="0">
-                                          <p:val>
-                                            <p:strVal val="ppt_x"/>
-                                          </p:val>
-                                        </p:tav>
-                                        <p:tav tm="100000">
-                                          <p:val>
-                                            <p:strVal val="ppt_x"/>
-                                          </p:val>
-                                        </p:tav>
-                                      </p:tavLst>
-                                    </p:anim>
-                                    <p:anim calcmode="lin" valueType="num">
-                                      <p:cBhvr>
-                                        <p:cTn id="59" dur="664" tmFilter="0.0,0.0;0.25,0.07;0.50,0.2;0.75,0.467;1.0,1.0">
-                                          <p:stCondLst>
-                                            <p:cond delay="0"/>
-                                          </p:stCondLst>
-                                        </p:cTn>
+                                        <p:cTn id="47" dur="1000"/>
                                         <p:tgtEl>
                                           <p:spTgt spid="15"/>
                                         </p:tgtEl>
@@ -16025,418 +15906,111 @@
                                         </p:tav>
                                         <p:tav tm="5000">
                                           <p:val>
-                                            <p:strVal val="ppt_y+0.026"/>
+                                            <p:strVal val="ppt_y+-0.0500*(ppt_x*0.3090-(1-ppt_y)*0.9511)"/>
                                           </p:val>
                                         </p:tav>
                                         <p:tav tm="10000">
                                           <p:val>
-                                            <p:strVal val="ppt_y+0.052"/>
+                                            <p:strVal val="ppt_y+-0.1000*(ppt_x*0.5878-(1-ppt_y)*0.8090)"/>
                                           </p:val>
                                         </p:tav>
                                         <p:tav tm="15000">
                                           <p:val>
-                                            <p:strVal val="ppt_y+0.078"/>
+                                            <p:strVal val="ppt_y+-0.1500*(ppt_x*0.8090-(1-ppt_y)*0.5878)"/>
                                           </p:val>
                                         </p:tav>
                                         <p:tav tm="20000">
                                           <p:val>
-                                            <p:strVal val="ppt_y+0.103"/>
+                                            <p:strVal val="ppt_y+-0.2000*(ppt_x*0.9511-(1-ppt_y)*0.3090)"/>
+                                          </p:val>
+                                        </p:tav>
+                                        <p:tav tm="25000">
+                                          <p:val>
+                                            <p:strVal val="ppt_y+-0.2500*(ppt_x*1.0000-(1-ppt_y)*-0.0000)"/>
                                           </p:val>
                                         </p:tav>
                                         <p:tav tm="30000">
                                           <p:val>
-                                            <p:strVal val="ppt_y+0.151"/>
+                                            <p:strVal val="ppt_y+-0.3000*(ppt_x*0.9511-(1-ppt_y)*-0.3090)"/>
+                                          </p:val>
+                                        </p:tav>
+                                        <p:tav tm="35000">
+                                          <p:val>
+                                            <p:strVal val="ppt_y+-0.3500*(ppt_x*0.8090-(1-ppt_y)*-0.5878)"/>
                                           </p:val>
                                         </p:tav>
                                         <p:tav tm="40000">
                                           <p:val>
-                                            <p:strVal val="ppt_y+0.196"/>
+                                            <p:strVal val="ppt_y+-0.4000*(ppt_x*0.5878-(1-ppt_y)*-0.8090)"/>
+                                          </p:val>
+                                        </p:tav>
+                                        <p:tav tm="45000">
+                                          <p:val>
+                                            <p:strVal val="ppt_y+-0.4500*(ppt_x*0.3090-(1-ppt_y)*-0.9511)"/>
                                           </p:val>
                                         </p:tav>
                                         <p:tav tm="50000">
                                           <p:val>
-                                            <p:strVal val="ppt_y+0.236"/>
+                                            <p:strVal val="ppt_y+-0.5000*(ppt_x*-0.0000-(1-ppt_y)*-1.0000)"/>
+                                          </p:val>
+                                        </p:tav>
+                                        <p:tav tm="55000">
+                                          <p:val>
+                                            <p:strVal val="ppt_y+-0.5500*(ppt_x*-0.3090-(1-ppt_y)*-0.9511)"/>
                                           </p:val>
                                         </p:tav>
                                         <p:tav tm="60000">
                                           <p:val>
-                                            <p:strVal val="ppt_y+0.270"/>
+                                            <p:strVal val="ppt_y+-0.6000*(ppt_x*-0.5878-(1-ppt_y)*-0.8090)"/>
+                                          </p:val>
+                                        </p:tav>
+                                        <p:tav tm="65000">
+                                          <p:val>
+                                            <p:strVal val="ppt_y+-0.6500*(ppt_x*-0.8090-(1-ppt_y)*-0.5878)"/>
                                           </p:val>
                                         </p:tav>
                                         <p:tav tm="70000">
                                           <p:val>
-                                            <p:strVal val="ppt_y+0.297"/>
+                                            <p:strVal val="ppt_y+-0.7000*(ppt_x*-0.9511-(1-ppt_y)*-0.3090)"/>
+                                          </p:val>
+                                        </p:tav>
+                                        <p:tav tm="75000">
+                                          <p:val>
+                                            <p:strVal val="ppt_y+-0.7500*(ppt_x*-1.0000-(1-ppt_y)*0.0000)"/>
                                           </p:val>
                                         </p:tav>
                                         <p:tav tm="80000">
                                           <p:val>
-                                            <p:strVal val="ppt_y+0.317"/>
+                                            <p:strVal val="ppt_y+-0.8000*(ppt_x*-0.9511-(1-ppt_y)*0.3090)"/>
+                                          </p:val>
+                                        </p:tav>
+                                        <p:tav tm="85000">
+                                          <p:val>
+                                            <p:strVal val="ppt_y+-0.8500*(ppt_x*-0.8090-(1-ppt_y)*0.5878)"/>
                                           </p:val>
                                         </p:tav>
                                         <p:tav tm="90000">
                                           <p:val>
-                                            <p:strVal val="ppt_y+0.329"/>
+                                            <p:strVal val="ppt_y+-0.9000*(ppt_x*-0.5878-(1-ppt_y)*0.8090)"/>
+                                          </p:val>
+                                        </p:tav>
+                                        <p:tav tm="95000">
+                                          <p:val>
+                                            <p:strVal val="ppt_y+-0.9500*(ppt_x*-0.3090-(1-ppt_y)*0.9511)"/>
                                           </p:val>
                                         </p:tav>
                                         <p:tav tm="100000">
                                           <p:val>
-                                            <p:strVal val="ppt_y+0.333"/>
+                                            <p:strVal val="ppt_y+-1.0000*(ppt_x*0.0000-(1-ppt_y)*1.0000)"/>
                                           </p:val>
                                         </p:tav>
                                       </p:tavLst>
                                     </p:anim>
-                                    <p:anim calcmode="lin" valueType="num">
-                                      <p:cBhvr>
-                                        <p:cTn id="60" dur="664" tmFilter="0, 0; 0.125,0.2665; 0.25,0.4; 0.375,0.465; 0.5,0.5;  0.625,0.535; 0.75,0.6; 0.875,0.7335; 1,1">
-                                          <p:stCondLst>
-                                            <p:cond delay="664"/>
-                                          </p:stCondLst>
-                                        </p:cTn>
-                                        <p:tgtEl>
-                                          <p:spTgt spid="15"/>
-                                        </p:tgtEl>
-                                        <p:attrNameLst>
-                                          <p:attrName>ppt_y</p:attrName>
-                                        </p:attrNameLst>
-                                      </p:cBhvr>
-                                      <p:tavLst>
-                                        <p:tav tm="0">
-                                          <p:val>
-                                            <p:strVal val="ppt_y"/>
-                                          </p:val>
-                                        </p:tav>
-                                        <p:tav tm="10000">
-                                          <p:val>
-                                            <p:strVal val="ppt_y-0.034"/>
-                                          </p:val>
-                                        </p:tav>
-                                        <p:tav tm="20000">
-                                          <p:val>
-                                            <p:strVal val="ppt_y-0.065"/>
-                                          </p:val>
-                                        </p:tav>
-                                        <p:tav tm="30000">
-                                          <p:val>
-                                            <p:strVal val="ppt_y-0.090"/>
-                                          </p:val>
-                                        </p:tav>
-                                        <p:tav tm="40000">
-                                          <p:val>
-                                            <p:strVal val="ppt_y-0.106"/>
-                                          </p:val>
-                                        </p:tav>
-                                        <p:tav tm="50000">
-                                          <p:val>
-                                            <p:strVal val="ppt_y-0.111"/>
-                                          </p:val>
-                                        </p:tav>
-                                        <p:tav tm="60000">
-                                          <p:val>
-                                            <p:strVal val="ppt_y-0.106"/>
-                                          </p:val>
-                                        </p:tav>
-                                        <p:tav tm="70000">
-                                          <p:val>
-                                            <p:strVal val="ppt_y-0.090"/>
-                                          </p:val>
-                                        </p:tav>
-                                        <p:tav tm="80000">
-                                          <p:val>
-                                            <p:strVal val="ppt_y-0.065"/>
-                                          </p:val>
-                                        </p:tav>
-                                        <p:tav tm="90000">
-                                          <p:val>
-                                            <p:strVal val="ppt_y-0.034"/>
-                                          </p:val>
-                                        </p:tav>
-                                        <p:tav tm="100000">
-                                          <p:val>
-                                            <p:strVal val="ppt_y"/>
-                                          </p:val>
-                                        </p:tav>
-                                      </p:tavLst>
-                                    </p:anim>
-                                    <p:anim calcmode="lin" valueType="num">
-                                      <p:cBhvr>
-                                        <p:cTn id="61" dur="332" tmFilter="0, 0; 0.125,0.2665; 0.25,0.4; 0.375,0.465; 0.5,0.5;  0.625,0.535; 0.75,0.6; 0.875,0.7335; 1,1">
-                                          <p:stCondLst>
-                                            <p:cond delay="1324"/>
-                                          </p:stCondLst>
-                                        </p:cTn>
-                                        <p:tgtEl>
-                                          <p:spTgt spid="15"/>
-                                        </p:tgtEl>
-                                        <p:attrNameLst>
-                                          <p:attrName>ppt_y</p:attrName>
-                                        </p:attrNameLst>
-                                      </p:cBhvr>
-                                      <p:tavLst>
-                                        <p:tav tm="0">
-                                          <p:val>
-                                            <p:strVal val="ppt_y"/>
-                                          </p:val>
-                                        </p:tav>
-                                        <p:tav tm="10000">
-                                          <p:val>
-                                            <p:strVal val="ppt_y-0.011"/>
-                                          </p:val>
-                                        </p:tav>
-                                        <p:tav tm="20000">
-                                          <p:val>
-                                            <p:strVal val="ppt_y-0.022"/>
-                                          </p:val>
-                                        </p:tav>
-                                        <p:tav tm="30000">
-                                          <p:val>
-                                            <p:strVal val="ppt_y-0.030"/>
-                                          </p:val>
-                                        </p:tav>
-                                        <p:tav tm="40000">
-                                          <p:val>
-                                            <p:strVal val="ppt_y-0.035"/>
-                                          </p:val>
-                                        </p:tav>
-                                        <p:tav tm="50000">
-                                          <p:val>
-                                            <p:strVal val="ppt_y-0.037"/>
-                                          </p:val>
-                                        </p:tav>
-                                        <p:tav tm="60000">
-                                          <p:val>
-                                            <p:strVal val="ppt_y-0.035"/>
-                                          </p:val>
-                                        </p:tav>
-                                        <p:tav tm="70000">
-                                          <p:val>
-                                            <p:strVal val="ppt_y-0.030"/>
-                                          </p:val>
-                                        </p:tav>
-                                        <p:tav tm="80000">
-                                          <p:val>
-                                            <p:strVal val="ppt_y-0.022"/>
-                                          </p:val>
-                                        </p:tav>
-                                        <p:tav tm="90000">
-                                          <p:val>
-                                            <p:strVal val="ppt_y-0.011"/>
-                                          </p:val>
-                                        </p:tav>
-                                        <p:tav tm="100000">
-                                          <p:val>
-                                            <p:strVal val="ppt_y"/>
-                                          </p:val>
-                                        </p:tav>
-                                      </p:tavLst>
-                                    </p:anim>
-                                    <p:anim calcmode="lin" valueType="num">
-                                      <p:cBhvr>
-                                        <p:cTn id="62" dur="164" tmFilter="0, 0; 0.125,0.2665; 0.25,0.4; 0.375,0.465; 0.5,0.5;  0.625,0.535; 0.75,0.6; 0.875,0.7335; 1,1">
-                                          <p:stCondLst>
-                                            <p:cond delay="1656"/>
-                                          </p:stCondLst>
-                                        </p:cTn>
-                                        <p:tgtEl>
-                                          <p:spTgt spid="15"/>
-                                        </p:tgtEl>
-                                        <p:attrNameLst>
-                                          <p:attrName>ppt_y</p:attrName>
-                                        </p:attrNameLst>
-                                      </p:cBhvr>
-                                      <p:tavLst>
-                                        <p:tav tm="0">
-                                          <p:val>
-                                            <p:strVal val="ppt_y"/>
-                                          </p:val>
-                                        </p:tav>
-                                        <p:tav tm="10000">
-                                          <p:val>
-                                            <p:strVal val="ppt_y-0.004"/>
-                                          </p:val>
-                                        </p:tav>
-                                        <p:tav tm="20000">
-                                          <p:val>
-                                            <p:strVal val="ppt_y-0.007"/>
-                                          </p:val>
-                                        </p:tav>
-                                        <p:tav tm="30000">
-                                          <p:val>
-                                            <p:strVal val="ppt_y-0.010"/>
-                                          </p:val>
-                                        </p:tav>
-                                        <p:tav tm="40000">
-                                          <p:val>
-                                            <p:strVal val="ppt_y-0.012"/>
-                                          </p:val>
-                                        </p:tav>
-                                        <p:tav tm="50000">
-                                          <p:val>
-                                            <p:strVal val="ppt_y-0.0123"/>
-                                          </p:val>
-                                        </p:tav>
-                                        <p:tav tm="60000">
-                                          <p:val>
-                                            <p:strVal val="ppt_y-0.012"/>
-                                          </p:val>
-                                        </p:tav>
-                                        <p:tav tm="70000">
-                                          <p:val>
-                                            <p:strVal val="ppt_y-0.010"/>
-                                          </p:val>
-                                        </p:tav>
-                                        <p:tav tm="80000">
-                                          <p:val>
-                                            <p:strVal val="ppt_y-0.007"/>
-                                          </p:val>
-                                        </p:tav>
-                                        <p:tav tm="90000">
-                                          <p:val>
-                                            <p:strVal val="ppt_y-0.004"/>
-                                          </p:val>
-                                        </p:tav>
-                                        <p:tav tm="100000">
-                                          <p:val>
-                                            <p:strVal val="ppt_y"/>
-                                          </p:val>
-                                        </p:tav>
-                                      </p:tavLst>
-                                    </p:anim>
-                                    <p:anim calcmode="lin" valueType="num">
-                                      <p:cBhvr>
-                                        <p:cTn id="63" dur="180" accel="50000">
-                                          <p:stCondLst>
-                                            <p:cond delay="1820"/>
-                                          </p:stCondLst>
-                                        </p:cTn>
-                                        <p:tgtEl>
-                                          <p:spTgt spid="15"/>
-                                        </p:tgtEl>
-                                        <p:attrNameLst>
-                                          <p:attrName>ppt_y</p:attrName>
-                                        </p:attrNameLst>
-                                      </p:cBhvr>
-                                      <p:tavLst>
-                                        <p:tav tm="0">
-                                          <p:val>
-                                            <p:strVal val="ppt_y"/>
-                                          </p:val>
-                                        </p:tav>
-                                        <p:tav tm="100000">
-                                          <p:val>
-                                            <p:strVal val="ppt_y+ppt_h"/>
-                                          </p:val>
-                                        </p:tav>
-                                      </p:tavLst>
-                                    </p:anim>
-                                    <p:animScale>
-                                      <p:cBhvr>
-                                        <p:cTn id="64" dur="26">
-                                          <p:stCondLst>
-                                            <p:cond delay="620"/>
-                                          </p:stCondLst>
-                                        </p:cTn>
-                                        <p:tgtEl>
-                                          <p:spTgt spid="15"/>
-                                        </p:tgtEl>
-                                      </p:cBhvr>
-                                      <p:to x="100000" y="60000"/>
-                                    </p:animScale>
-                                    <p:animScale>
-                                      <p:cBhvr>
-                                        <p:cTn id="65" dur="166" decel="50000">
-                                          <p:stCondLst>
-                                            <p:cond delay="646"/>
-                                          </p:stCondLst>
-                                        </p:cTn>
-                                        <p:tgtEl>
-                                          <p:spTgt spid="15"/>
-                                        </p:tgtEl>
-                                      </p:cBhvr>
-                                      <p:to x="100000" y="100000"/>
-                                    </p:animScale>
-                                    <p:animScale>
-                                      <p:cBhvr>
-                                        <p:cTn id="66" dur="26">
-                                          <p:stCondLst>
-                                            <p:cond delay="1312"/>
-                                          </p:stCondLst>
-                                        </p:cTn>
-                                        <p:tgtEl>
-                                          <p:spTgt spid="15"/>
-                                        </p:tgtEl>
-                                      </p:cBhvr>
-                                      <p:to x="100000" y="80000"/>
-                                    </p:animScale>
-                                    <p:animScale>
-                                      <p:cBhvr>
-                                        <p:cTn id="67" dur="166" decel="50000">
-                                          <p:stCondLst>
-                                            <p:cond delay="1338"/>
-                                          </p:stCondLst>
-                                        </p:cTn>
-                                        <p:tgtEl>
-                                          <p:spTgt spid="15"/>
-                                        </p:tgtEl>
-                                      </p:cBhvr>
-                                      <p:to x="100000" y="100000"/>
-                                    </p:animScale>
-                                    <p:animScale>
-                                      <p:cBhvr>
-                                        <p:cTn id="68" dur="26">
-                                          <p:stCondLst>
-                                            <p:cond delay="1642"/>
-                                          </p:stCondLst>
-                                        </p:cTn>
-                                        <p:tgtEl>
-                                          <p:spTgt spid="15"/>
-                                        </p:tgtEl>
-                                      </p:cBhvr>
-                                      <p:to x="100000" y="90000"/>
-                                    </p:animScale>
-                                    <p:animScale>
-                                      <p:cBhvr>
-                                        <p:cTn id="69" dur="166" decel="50000">
-                                          <p:stCondLst>
-                                            <p:cond delay="1668"/>
-                                          </p:stCondLst>
-                                        </p:cTn>
-                                        <p:tgtEl>
-                                          <p:spTgt spid="15"/>
-                                        </p:tgtEl>
-                                      </p:cBhvr>
-                                      <p:to x="100000" y="100000"/>
-                                    </p:animScale>
-                                    <p:animScale>
-                                      <p:cBhvr>
-                                        <p:cTn id="70" dur="26">
-                                          <p:stCondLst>
-                                            <p:cond delay="1808"/>
-                                          </p:stCondLst>
-                                        </p:cTn>
-                                        <p:tgtEl>
-                                          <p:spTgt spid="15"/>
-                                        </p:tgtEl>
-                                      </p:cBhvr>
-                                      <p:to x="100000" y="95000"/>
-                                    </p:animScale>
-                                    <p:animScale>
-                                      <p:cBhvr>
-                                        <p:cTn id="71" dur="166" decel="50000">
-                                          <p:stCondLst>
-                                            <p:cond delay="1834"/>
-                                          </p:stCondLst>
-                                        </p:cTn>
-                                        <p:tgtEl>
-                                          <p:spTgt spid="15"/>
-                                        </p:tgtEl>
-                                      </p:cBhvr>
-                                      <p:to x="100000" y="100000"/>
-                                    </p:animScale>
                                     <p:set>
                                       <p:cBhvr>
-                                        <p:cTn id="72" dur="1" fill="hold">
+                                        <p:cTn id="48" dur="1" fill="hold">
                                           <p:stCondLst>
-                                            <p:cond delay="1999"/>
+                                            <p:cond delay="999"/>
                                           </p:stCondLst>
                                         </p:cTn>
                                         <p:tgtEl>
@@ -16457,20 +16031,20 @@
                           </p:cTn>
                         </p:par>
                         <p:par>
-                          <p:cTn id="73" fill="hold">
+                          <p:cTn id="49" fill="hold">
                             <p:stCondLst>
-                              <p:cond delay="2000"/>
+                              <p:cond delay="1000"/>
                             </p:stCondLst>
                             <p:childTnLst>
                               <p:par>
-                                <p:cTn id="74" presetID="2" presetClass="entr" presetSubtype="2" fill="hold" grpId="0" nodeType="afterEffect">
+                                <p:cTn id="50" presetID="2" presetClass="entr" presetSubtype="2" fill="hold" grpId="0" nodeType="afterEffect">
                                   <p:stCondLst>
                                     <p:cond delay="0"/>
                                   </p:stCondLst>
                                   <p:childTnLst>
                                     <p:set>
                                       <p:cBhvr>
-                                        <p:cTn id="75" dur="1" fill="hold">
+                                        <p:cTn id="51" dur="1" fill="hold">
                                           <p:stCondLst>
                                             <p:cond delay="0"/>
                                           </p:stCondLst>
@@ -16488,7 +16062,7 @@
                                     </p:set>
                                     <p:anim calcmode="lin" valueType="num">
                                       <p:cBhvr additive="base">
-                                        <p:cTn id="76" dur="500" fill="hold"/>
+                                        <p:cTn id="52" dur="500" fill="hold"/>
                                         <p:tgtEl>
                                           <p:spTgt spid="16"/>
                                         </p:tgtEl>
@@ -16511,7 +16085,7 @@
                                     </p:anim>
                                     <p:anim calcmode="lin" valueType="num">
                                       <p:cBhvr additive="base">
-                                        <p:cTn id="77" dur="500" fill="hold"/>
+                                        <p:cTn id="53" dur="500" fill="hold"/>
                                         <p:tgtEl>
                                           <p:spTgt spid="16"/>
                                         </p:tgtEl>
@@ -16536,14 +16110,14 @@
                                 </p:cTn>
                               </p:par>
                               <p:par>
-                                <p:cTn id="78" presetID="2" presetClass="entr" presetSubtype="2" fill="hold" grpId="0" nodeType="withEffect">
+                                <p:cTn id="54" presetID="2" presetClass="entr" presetSubtype="2" fill="hold" grpId="0" nodeType="withEffect">
                                   <p:stCondLst>
                                     <p:cond delay="0"/>
                                   </p:stCondLst>
                                   <p:childTnLst>
                                     <p:set>
                                       <p:cBhvr>
-                                        <p:cTn id="79" dur="1" fill="hold">
+                                        <p:cTn id="55" dur="1" fill="hold">
                                           <p:stCondLst>
                                             <p:cond delay="0"/>
                                           </p:stCondLst>
@@ -16561,7 +16135,7 @@
                                     </p:set>
                                     <p:anim calcmode="lin" valueType="num">
                                       <p:cBhvr additive="base">
-                                        <p:cTn id="80" dur="500" fill="hold"/>
+                                        <p:cTn id="56" dur="500" fill="hold"/>
                                         <p:tgtEl>
                                           <p:spTgt spid="17"/>
                                         </p:tgtEl>
@@ -16584,7 +16158,7 @@
                                     </p:anim>
                                     <p:anim calcmode="lin" valueType="num">
                                       <p:cBhvr additive="base">
-                                        <p:cTn id="81" dur="500" fill="hold"/>
+                                        <p:cTn id="57" dur="500" fill="hold"/>
                                         <p:tgtEl>
                                           <p:spTgt spid="17"/>
                                         </p:tgtEl>
@@ -16615,26 +16189,26 @@
                     </p:cTn>
                   </p:par>
                   <p:par>
-                    <p:cTn id="82" fill="hold">
+                    <p:cTn id="58" fill="hold">
                       <p:stCondLst>
                         <p:cond delay="indefinite"/>
                       </p:stCondLst>
                       <p:childTnLst>
                         <p:par>
-                          <p:cTn id="83" fill="hold">
+                          <p:cTn id="59" fill="hold">
                             <p:stCondLst>
                               <p:cond delay="0"/>
                             </p:stCondLst>
                             <p:childTnLst>
                               <p:par>
-                                <p:cTn id="84" presetID="42" presetClass="path" presetSubtype="0" accel="50000" decel="50000" fill="hold" nodeType="clickEffect">
+                                <p:cTn id="60" presetID="42" presetClass="path" presetSubtype="0" accel="50000" decel="50000" fill="hold" nodeType="clickEffect">
                                   <p:stCondLst>
                                     <p:cond delay="0"/>
                                   </p:stCondLst>
                                   <p:childTnLst>
                                     <p:animMotion origin="layout" path="M 0 2.96296E-6 L 0.46285 -0.19229 " pathEditMode="relative" rAng="0" ptsTypes="AA">
                                       <p:cBhvr>
-                                        <p:cTn id="85" dur="2000" fill="hold"/>
+                                        <p:cTn id="61" dur="2000" fill="hold"/>
                                         <p:tgtEl>
                                           <p:spTgt spid="4"/>
                                         </p:tgtEl>
@@ -16652,20 +16226,20 @@
                           </p:cTn>
                         </p:par>
                         <p:par>
-                          <p:cTn id="86" fill="hold">
+                          <p:cTn id="62" fill="hold">
                             <p:stCondLst>
                               <p:cond delay="2000"/>
                             </p:stCondLst>
                             <p:childTnLst>
                               <p:par>
-                                <p:cTn id="87" presetID="10" presetClass="exit" presetSubtype="0" fill="hold" nodeType="afterEffect">
+                                <p:cTn id="63" presetID="10" presetClass="exit" presetSubtype="0" fill="hold" nodeType="afterEffect">
                                   <p:stCondLst>
                                     <p:cond delay="0"/>
                                   </p:stCondLst>
                                   <p:childTnLst>
                                     <p:animEffect transition="out" filter="fade">
                                       <p:cBhvr>
-                                        <p:cTn id="88" dur="500"/>
+                                        <p:cTn id="64" dur="500"/>
                                         <p:tgtEl>
                                           <p:spTgt spid="4"/>
                                         </p:tgtEl>
@@ -16673,7 +16247,7 @@
                                     </p:animEffect>
                                     <p:set>
                                       <p:cBhvr>
-                                        <p:cTn id="89" dur="1" fill="hold">
+                                        <p:cTn id="65" dur="1" fill="hold">
                                           <p:stCondLst>
                                             <p:cond delay="499"/>
                                           </p:stCondLst>
@@ -16693,14 +16267,14 @@
                                 </p:cTn>
                               </p:par>
                               <p:par>
-                                <p:cTn id="90" presetID="10" presetClass="entr" presetSubtype="0" fill="hold" nodeType="withEffect">
+                                <p:cTn id="66" presetID="10" presetClass="entr" presetSubtype="0" fill="hold" nodeType="withEffect">
                                   <p:stCondLst>
                                     <p:cond delay="0"/>
                                   </p:stCondLst>
                                   <p:childTnLst>
                                     <p:set>
                                       <p:cBhvr>
-                                        <p:cTn id="91" dur="1" fill="hold">
+                                        <p:cTn id="67" dur="1" fill="hold">
                                           <p:stCondLst>
                                             <p:cond delay="0"/>
                                           </p:stCondLst>
@@ -16718,7 +16292,7 @@
                                     </p:set>
                                     <p:animEffect transition="in" filter="fade">
                                       <p:cBhvr>
-                                        <p:cTn id="92" dur="500"/>
+                                        <p:cTn id="68" dur="500"/>
                                         <p:tgtEl>
                                           <p:spTgt spid="8"/>
                                         </p:tgtEl>
@@ -22597,146 +22171,6 @@
           </a:prstGeom>
         </p:spPr>
       </p:pic>
-      <p:sp>
-        <p:nvSpPr>
-          <p:cNvPr id="34" name="Callout: Line 33">
-            <a:extLst>
-              <a:ext uri="{FF2B5EF4-FFF2-40B4-BE49-F238E27FC236}">
-                <a16:creationId xmlns:a16="http://schemas.microsoft.com/office/drawing/2014/main" id="{995EF453-4B78-432C-9EDA-A59DC5BFA48C}"/>
-              </a:ext>
-            </a:extLst>
-          </p:cNvPr>
-          <p:cNvSpPr/>
-          <p:nvPr/>
-        </p:nvSpPr>
-        <p:spPr>
-          <a:xfrm>
-            <a:off x="632841" y="486801"/>
-            <a:ext cx="4796176" cy="1915195"/>
-          </a:xfrm>
-          <a:prstGeom prst="borderCallout1">
-            <a:avLst>
-              <a:gd name="adj1" fmla="val 46995"/>
-              <a:gd name="adj2" fmla="val 100068"/>
-              <a:gd name="adj3" fmla="val 92624"/>
-              <a:gd name="adj4" fmla="val 128690"/>
-            </a:avLst>
-          </a:prstGeom>
-          <a:solidFill>
-            <a:schemeClr val="bg1">
-              <a:lumMod val="95000"/>
-            </a:schemeClr>
-          </a:solidFill>
-          <a:ln>
-            <a:solidFill>
-              <a:schemeClr val="accent2"/>
-            </a:solidFill>
-          </a:ln>
-        </p:spPr>
-        <p:style>
-          <a:lnRef idx="2">
-            <a:schemeClr val="accent6"/>
-          </a:lnRef>
-          <a:fillRef idx="1">
-            <a:schemeClr val="lt1"/>
-          </a:fillRef>
-          <a:effectRef idx="0">
-            <a:schemeClr val="accent6"/>
-          </a:effectRef>
-          <a:fontRef idx="minor">
-            <a:schemeClr val="dk1"/>
-          </a:fontRef>
-        </p:style>
-        <p:txBody>
-          <a:bodyPr rtlCol="0" anchor="ctr"/>
-          <a:lstStyle/>
-          <a:p>
-            <a:r>
-              <a:rPr lang="en-US" sz="1400" dirty="0">
-                <a:highlight>
-                  <a:srgbClr val="00FFFF"/>
-                </a:highlight>
-              </a:rPr>
-              <a:t>DECLARE @p1 </a:t>
-            </a:r>
-            <a:r>
-              <a:rPr lang="en-US" sz="1400" dirty="0" err="1">
-                <a:highlight>
-                  <a:srgbClr val="00FFFF"/>
-                </a:highlight>
-              </a:rPr>
-              <a:t>nvarchar</a:t>
-            </a:r>
-            <a:r>
-              <a:rPr lang="en-US" sz="1400" dirty="0">
-                <a:highlight>
-                  <a:srgbClr val="00FFFF"/>
-                </a:highlight>
-              </a:rPr>
-              <a:t>(100)</a:t>
-            </a:r>
-          </a:p>
-          <a:p>
-            <a:r>
-              <a:rPr lang="en-US" sz="1400" dirty="0">
-                <a:highlight>
-                  <a:srgbClr val="00FFFF"/>
-                </a:highlight>
-              </a:rPr>
-              <a:t>    SET @p1 = @Params[id=1]</a:t>
-            </a:r>
-          </a:p>
-          <a:p>
-            <a:r>
-              <a:rPr lang="en-US" sz="1400" dirty="0">
-                <a:highlight>
-                  <a:srgbClr val="00FFFF"/>
-                </a:highlight>
-              </a:rPr>
-              <a:t>DECLARE @p2 TABLE (int)</a:t>
-            </a:r>
-          </a:p>
-          <a:p>
-            <a:r>
-              <a:rPr lang="en-US" sz="1400" dirty="0">
-                <a:highlight>
-                  <a:srgbClr val="00FFFF"/>
-                </a:highlight>
-              </a:rPr>
-              <a:t>    INSERT INTO @p2 SELECT value FROM @Params[id=2]</a:t>
-            </a:r>
-          </a:p>
-          <a:p>
-            <a:endParaRPr lang="en-US" sz="1400" dirty="0"/>
-          </a:p>
-          <a:p>
-            <a:r>
-              <a:rPr lang="en-US" sz="1400" dirty="0"/>
-              <a:t>SELECT * FROM Contacts WHERE 1=1</a:t>
-            </a:r>
-          </a:p>
-          <a:p>
-            <a:r>
-              <a:rPr lang="en-US" sz="1400" dirty="0">
-                <a:highlight>
-                  <a:srgbClr val="00FFFF"/>
-                </a:highlight>
-              </a:rPr>
-              <a:t>AND Name = @p1</a:t>
-            </a:r>
-          </a:p>
-          <a:p>
-            <a:r>
-              <a:rPr lang="en-US" sz="1400" dirty="0">
-                <a:highlight>
-                  <a:srgbClr val="00FFFF"/>
-                </a:highlight>
-              </a:rPr>
-              <a:t>AND Country IN (SELECT value FROM @p2)</a:t>
-            </a:r>
-          </a:p>
-        </p:txBody>
-      </p:sp>
       <p:cxnSp>
         <p:nvCxnSpPr>
           <p:cNvPr id="38" name="Straight Arrow Connector 37">
@@ -22915,6 +22349,399 @@
           </a:prstGeom>
         </p:spPr>
       </p:pic>
+      <p:grpSp>
+        <p:nvGrpSpPr>
+          <p:cNvPr id="13" name="Group 12">
+            <a:extLst>
+              <a:ext uri="{FF2B5EF4-FFF2-40B4-BE49-F238E27FC236}">
+                <a16:creationId xmlns:a16="http://schemas.microsoft.com/office/drawing/2014/main" id="{60E0F7DA-9015-4D93-AAA1-688BAE4E3DBB}"/>
+              </a:ext>
+            </a:extLst>
+          </p:cNvPr>
+          <p:cNvGrpSpPr/>
+          <p:nvPr/>
+        </p:nvGrpSpPr>
+        <p:grpSpPr>
+          <a:xfrm>
+            <a:off x="3360002" y="754309"/>
+            <a:ext cx="5211614" cy="2824521"/>
+            <a:chOff x="1403498" y="594821"/>
+            <a:chExt cx="5211614" cy="2824521"/>
+          </a:xfrm>
+        </p:grpSpPr>
+        <p:pic>
+          <p:nvPicPr>
+            <p:cNvPr id="7" name="Picture 6">
+              <a:extLst>
+                <a:ext uri="{FF2B5EF4-FFF2-40B4-BE49-F238E27FC236}">
+                  <a16:creationId xmlns:a16="http://schemas.microsoft.com/office/drawing/2014/main" id="{9732EA2F-5BDF-411F-8894-11B51DE7E74D}"/>
+                </a:ext>
+              </a:extLst>
+            </p:cNvPr>
+            <p:cNvPicPr>
+              <a:picLocks noChangeAspect="1"/>
+            </p:cNvPicPr>
+            <p:nvPr/>
+          </p:nvPicPr>
+          <p:blipFill>
+            <a:blip r:embed="rId17"/>
+            <a:stretch>
+              <a:fillRect/>
+            </a:stretch>
+          </p:blipFill>
+          <p:spPr>
+            <a:xfrm>
+              <a:off x="1437367" y="2019299"/>
+              <a:ext cx="5177745" cy="1400043"/>
+            </a:xfrm>
+            <a:prstGeom prst="rect">
+              <a:avLst/>
+            </a:prstGeom>
+          </p:spPr>
+        </p:pic>
+        <p:pic>
+          <p:nvPicPr>
+            <p:cNvPr id="11" name="Picture 10">
+              <a:extLst>
+                <a:ext uri="{FF2B5EF4-FFF2-40B4-BE49-F238E27FC236}">
+                  <a16:creationId xmlns:a16="http://schemas.microsoft.com/office/drawing/2014/main" id="{554FF7E6-72E7-400C-8309-0A531EEBD4F2}"/>
+                </a:ext>
+              </a:extLst>
+            </p:cNvPr>
+            <p:cNvPicPr>
+              <a:picLocks noChangeAspect="1"/>
+            </p:cNvPicPr>
+            <p:nvPr/>
+          </p:nvPicPr>
+          <p:blipFill>
+            <a:blip r:embed="rId18"/>
+            <a:stretch>
+              <a:fillRect/>
+            </a:stretch>
+          </p:blipFill>
+          <p:spPr>
+            <a:xfrm>
+              <a:off x="1403498" y="594821"/>
+              <a:ext cx="4133850" cy="1323975"/>
+            </a:xfrm>
+            <a:prstGeom prst="rect">
+              <a:avLst/>
+            </a:prstGeom>
+          </p:spPr>
+        </p:pic>
+      </p:grpSp>
+      <p:sp>
+        <p:nvSpPr>
+          <p:cNvPr id="34" name="Callout: Line 33">
+            <a:extLst>
+              <a:ext uri="{FF2B5EF4-FFF2-40B4-BE49-F238E27FC236}">
+                <a16:creationId xmlns:a16="http://schemas.microsoft.com/office/drawing/2014/main" id="{995EF453-4B78-432C-9EDA-A59DC5BFA48C}"/>
+              </a:ext>
+            </a:extLst>
+          </p:cNvPr>
+          <p:cNvSpPr/>
+          <p:nvPr/>
+        </p:nvSpPr>
+        <p:spPr>
+          <a:xfrm>
+            <a:off x="199292" y="486801"/>
+            <a:ext cx="5229725" cy="1915195"/>
+          </a:xfrm>
+          <a:prstGeom prst="borderCallout1">
+            <a:avLst>
+              <a:gd name="adj1" fmla="val 46995"/>
+              <a:gd name="adj2" fmla="val 100068"/>
+              <a:gd name="adj3" fmla="val 92624"/>
+              <a:gd name="adj4" fmla="val 128690"/>
+            </a:avLst>
+          </a:prstGeom>
+          <a:solidFill>
+            <a:schemeClr val="bg1">
+              <a:lumMod val="95000"/>
+            </a:schemeClr>
+          </a:solidFill>
+          <a:ln>
+            <a:solidFill>
+              <a:schemeClr val="accent2"/>
+            </a:solidFill>
+          </a:ln>
+        </p:spPr>
+        <p:style>
+          <a:lnRef idx="2">
+            <a:schemeClr val="accent6"/>
+          </a:lnRef>
+          <a:fillRef idx="1">
+            <a:schemeClr val="lt1"/>
+          </a:fillRef>
+          <a:effectRef idx="0">
+            <a:schemeClr val="accent6"/>
+          </a:effectRef>
+          <a:fontRef idx="minor">
+            <a:schemeClr val="dk1"/>
+          </a:fontRef>
+        </p:style>
+        <p:txBody>
+          <a:bodyPr rtlCol="0" anchor="ctr"/>
+          <a:lstStyle/>
+          <a:p>
+            <a:r>
+              <a:rPr lang="en-US" sz="1400" dirty="0"/>
+              <a:t>DECLARE </a:t>
+            </a:r>
+            <a:r>
+              <a:rPr lang="en-US" sz="1400" dirty="0">
+                <a:highlight>
+                  <a:srgbClr val="00FFFF"/>
+                </a:highlight>
+              </a:rPr>
+              <a:t>@p1 </a:t>
+            </a:r>
+            <a:r>
+              <a:rPr lang="en-US" sz="1400" dirty="0" err="1">
+                <a:highlight>
+                  <a:srgbClr val="00FFFF"/>
+                </a:highlight>
+              </a:rPr>
+              <a:t>nvarchar</a:t>
+            </a:r>
+            <a:r>
+              <a:rPr lang="en-US" sz="1400" dirty="0">
+                <a:highlight>
+                  <a:srgbClr val="00FFFF"/>
+                </a:highlight>
+              </a:rPr>
+              <a:t>(50)</a:t>
+            </a:r>
+          </a:p>
+          <a:p>
+            <a:r>
+              <a:rPr lang="en-US" sz="1400" dirty="0"/>
+              <a:t>    SET </a:t>
+            </a:r>
+            <a:r>
+              <a:rPr lang="en-US" sz="1400" dirty="0">
+                <a:highlight>
+                  <a:srgbClr val="00FFFF"/>
+                </a:highlight>
+              </a:rPr>
+              <a:t>@p1</a:t>
+            </a:r>
+            <a:r>
+              <a:rPr lang="en-US" sz="1400" dirty="0"/>
+              <a:t> = @</a:t>
+            </a:r>
+            <a:r>
+              <a:rPr lang="en-US" sz="1400" dirty="0" err="1"/>
+              <a:t>Params.value</a:t>
+            </a:r>
+            <a:r>
+              <a:rPr lang="en-US" sz="1400" dirty="0"/>
+              <a:t>[</a:t>
+            </a:r>
+            <a:r>
+              <a:rPr lang="en-US" sz="1400" dirty="0">
+                <a:highlight>
+                  <a:srgbClr val="00FFFF"/>
+                </a:highlight>
+              </a:rPr>
+              <a:t>id=1</a:t>
+            </a:r>
+            <a:r>
+              <a:rPr lang="en-US" sz="1400" dirty="0"/>
+              <a:t>]</a:t>
+            </a:r>
+          </a:p>
+          <a:p>
+            <a:r>
+              <a:rPr lang="en-US" sz="1400" dirty="0"/>
+              <a:t>DECLARE </a:t>
+            </a:r>
+            <a:r>
+              <a:rPr lang="en-US" sz="1400" dirty="0">
+                <a:highlight>
+                  <a:srgbClr val="00FFFF"/>
+                </a:highlight>
+              </a:rPr>
+              <a:t>@p2 TABLE (int)</a:t>
+            </a:r>
+          </a:p>
+          <a:p>
+            <a:r>
+              <a:rPr lang="en-US" sz="1400" dirty="0"/>
+              <a:t>    INSERT INTO </a:t>
+            </a:r>
+            <a:r>
+              <a:rPr lang="en-US" sz="1400" dirty="0">
+                <a:highlight>
+                  <a:srgbClr val="00FFFF"/>
+                </a:highlight>
+              </a:rPr>
+              <a:t>@p2 </a:t>
+            </a:r>
+            <a:r>
+              <a:rPr lang="en-US" sz="1400" dirty="0"/>
+              <a:t>SELECT value FROM @</a:t>
+            </a:r>
+            <a:r>
+              <a:rPr lang="en-US" sz="1400" dirty="0" err="1"/>
+              <a:t>Params.value</a:t>
+            </a:r>
+            <a:r>
+              <a:rPr lang="en-US" sz="1400" dirty="0"/>
+              <a:t>[</a:t>
+            </a:r>
+            <a:r>
+              <a:rPr lang="en-US" sz="1400" dirty="0">
+                <a:highlight>
+                  <a:srgbClr val="00FFFF"/>
+                </a:highlight>
+              </a:rPr>
+              <a:t>id=2</a:t>
+            </a:r>
+            <a:r>
+              <a:rPr lang="en-US" sz="1400" dirty="0"/>
+              <a:t>]</a:t>
+            </a:r>
+          </a:p>
+          <a:p>
+            <a:endParaRPr lang="en-US" sz="1400" dirty="0"/>
+          </a:p>
+          <a:p>
+            <a:r>
+              <a:rPr lang="en-US" sz="1400" dirty="0"/>
+              <a:t>SELECT * FROM Members WHERE 1=1</a:t>
+            </a:r>
+          </a:p>
+          <a:p>
+            <a:r>
+              <a:rPr lang="en-US" sz="1400" dirty="0"/>
+              <a:t>AND </a:t>
+            </a:r>
+            <a:r>
+              <a:rPr lang="en-US" sz="1400" dirty="0">
+                <a:highlight>
+                  <a:srgbClr val="00FFFF"/>
+                </a:highlight>
+              </a:rPr>
+              <a:t>Name = @p1</a:t>
+            </a:r>
+          </a:p>
+          <a:p>
+            <a:r>
+              <a:rPr lang="en-US" sz="1400" dirty="0"/>
+              <a:t>AND </a:t>
+            </a:r>
+            <a:r>
+              <a:rPr lang="en-US" sz="1400" dirty="0">
+                <a:highlight>
+                  <a:srgbClr val="00FFFF"/>
+                </a:highlight>
+              </a:rPr>
+              <a:t>Country IN (SELECT value FROM @p2)</a:t>
+            </a:r>
+          </a:p>
+        </p:txBody>
+      </p:sp>
+      <p:sp>
+        <p:nvSpPr>
+          <p:cNvPr id="39" name="Rectangle 38">
+            <a:extLst>
+              <a:ext uri="{FF2B5EF4-FFF2-40B4-BE49-F238E27FC236}">
+                <a16:creationId xmlns:a16="http://schemas.microsoft.com/office/drawing/2014/main" id="{AB75F5BB-0BF4-4A4A-A8BC-3DEC469924FA}"/>
+              </a:ext>
+            </a:extLst>
+          </p:cNvPr>
+          <p:cNvSpPr/>
+          <p:nvPr/>
+        </p:nvSpPr>
+        <p:spPr>
+          <a:xfrm>
+            <a:off x="1379820" y="787737"/>
+            <a:ext cx="787234" cy="250779"/>
+          </a:xfrm>
+          <a:prstGeom prst="rect">
+            <a:avLst/>
+          </a:prstGeom>
+          <a:noFill/>
+          <a:ln>
+            <a:solidFill>
+              <a:srgbClr val="FF0000"/>
+            </a:solidFill>
+          </a:ln>
+        </p:spPr>
+        <p:style>
+          <a:lnRef idx="2">
+            <a:schemeClr val="accent6"/>
+          </a:lnRef>
+          <a:fillRef idx="1">
+            <a:schemeClr val="lt1"/>
+          </a:fillRef>
+          <a:effectRef idx="0">
+            <a:schemeClr val="accent6"/>
+          </a:effectRef>
+          <a:fontRef idx="minor">
+            <a:schemeClr val="dk1"/>
+          </a:fontRef>
+        </p:style>
+        <p:txBody>
+          <a:bodyPr rtlCol="0" anchor="ctr"/>
+          <a:lstStyle/>
+          <a:p>
+            <a:pPr algn="ctr"/>
+            <a:endParaRPr lang="en-US"/>
+          </a:p>
+        </p:txBody>
+      </p:sp>
+      <p:sp>
+        <p:nvSpPr>
+          <p:cNvPr id="40" name="Rectangle 39">
+            <a:extLst>
+              <a:ext uri="{FF2B5EF4-FFF2-40B4-BE49-F238E27FC236}">
+                <a16:creationId xmlns:a16="http://schemas.microsoft.com/office/drawing/2014/main" id="{C73733EE-B1B2-400D-A1AC-00F6588758F1}"/>
+              </a:ext>
+            </a:extLst>
+          </p:cNvPr>
+          <p:cNvSpPr/>
+          <p:nvPr/>
+        </p:nvSpPr>
+        <p:spPr>
+          <a:xfrm>
+            <a:off x="3546707" y="1231586"/>
+            <a:ext cx="787234" cy="250779"/>
+          </a:xfrm>
+          <a:prstGeom prst="rect">
+            <a:avLst/>
+          </a:prstGeom>
+          <a:noFill/>
+          <a:ln>
+            <a:solidFill>
+              <a:srgbClr val="FF0000"/>
+            </a:solidFill>
+          </a:ln>
+        </p:spPr>
+        <p:style>
+          <a:lnRef idx="2">
+            <a:schemeClr val="accent6"/>
+          </a:lnRef>
+          <a:fillRef idx="1">
+            <a:schemeClr val="lt1"/>
+          </a:fillRef>
+          <a:effectRef idx="0">
+            <a:schemeClr val="accent6"/>
+          </a:effectRef>
+          <a:fontRef idx="minor">
+            <a:schemeClr val="dk1"/>
+          </a:fontRef>
+        </p:style>
+        <p:txBody>
+          <a:bodyPr rtlCol="0" anchor="ctr"/>
+          <a:lstStyle/>
+          <a:p>
+            <a:pPr algn="ctr"/>
+            <a:endParaRPr lang="en-US"/>
+          </a:p>
+        </p:txBody>
+      </p:sp>
       <p:sp>
         <p:nvSpPr>
           <p:cNvPr id="37" name="TextBox 36">
@@ -23469,14 +23296,157 @@
                             </p:stCondLst>
                             <p:childTnLst>
                               <p:par>
-                                <p:cTn id="27" presetID="42" presetClass="path" presetSubtype="0" accel="50000" decel="50000" fill="hold" nodeType="afterEffect">
+                                <p:cTn id="27" presetID="53" presetClass="entr" presetSubtype="16" fill="hold" nodeType="afterEffect">
+                                  <p:stCondLst>
+                                    <p:cond delay="0"/>
+                                  </p:stCondLst>
+                                  <p:childTnLst>
+                                    <p:set>
+                                      <p:cBhvr>
+                                        <p:cTn id="28" dur="1" fill="hold">
+                                          <p:stCondLst>
+                                            <p:cond delay="0"/>
+                                          </p:stCondLst>
+                                        </p:cTn>
+                                        <p:tgtEl>
+                                          <p:spTgt spid="13"/>
+                                        </p:tgtEl>
+                                        <p:attrNameLst>
+                                          <p:attrName>style.visibility</p:attrName>
+                                        </p:attrNameLst>
+                                      </p:cBhvr>
+                                      <p:to>
+                                        <p:strVal val="visible"/>
+                                      </p:to>
+                                    </p:set>
+                                    <p:anim calcmode="lin" valueType="num">
+                                      <p:cBhvr>
+                                        <p:cTn id="29" dur="500" fill="hold"/>
+                                        <p:tgtEl>
+                                          <p:spTgt spid="13"/>
+                                        </p:tgtEl>
+                                        <p:attrNameLst>
+                                          <p:attrName>ppt_w</p:attrName>
+                                        </p:attrNameLst>
+                                      </p:cBhvr>
+                                      <p:tavLst>
+                                        <p:tav tm="0">
+                                          <p:val>
+                                            <p:fltVal val="0"/>
+                                          </p:val>
+                                        </p:tav>
+                                        <p:tav tm="100000">
+                                          <p:val>
+                                            <p:strVal val="#ppt_w"/>
+                                          </p:val>
+                                        </p:tav>
+                                      </p:tavLst>
+                                    </p:anim>
+                                    <p:anim calcmode="lin" valueType="num">
+                                      <p:cBhvr>
+                                        <p:cTn id="30" dur="500" fill="hold"/>
+                                        <p:tgtEl>
+                                          <p:spTgt spid="13"/>
+                                        </p:tgtEl>
+                                        <p:attrNameLst>
+                                          <p:attrName>ppt_h</p:attrName>
+                                        </p:attrNameLst>
+                                      </p:cBhvr>
+                                      <p:tavLst>
+                                        <p:tav tm="0">
+                                          <p:val>
+                                            <p:fltVal val="0"/>
+                                          </p:val>
+                                        </p:tav>
+                                        <p:tav tm="100000">
+                                          <p:val>
+                                            <p:strVal val="#ppt_h"/>
+                                          </p:val>
+                                        </p:tav>
+                                      </p:tavLst>
+                                    </p:anim>
+                                    <p:animEffect transition="in" filter="fade">
+                                      <p:cBhvr>
+                                        <p:cTn id="31" dur="500"/>
+                                        <p:tgtEl>
+                                          <p:spTgt spid="13"/>
+                                        </p:tgtEl>
+                                      </p:cBhvr>
+                                    </p:animEffect>
+                                  </p:childTnLst>
+                                </p:cTn>
+                              </p:par>
+                            </p:childTnLst>
+                          </p:cTn>
+                        </p:par>
+                      </p:childTnLst>
+                    </p:cTn>
+                  </p:par>
+                  <p:par>
+                    <p:cTn id="32" fill="hold">
+                      <p:stCondLst>
+                        <p:cond delay="indefinite"/>
+                      </p:stCondLst>
+                      <p:childTnLst>
+                        <p:par>
+                          <p:cTn id="33" fill="hold">
+                            <p:stCondLst>
+                              <p:cond delay="0"/>
+                            </p:stCondLst>
+                            <p:childTnLst>
+                              <p:par>
+                                <p:cTn id="34" presetID="10" presetClass="exit" presetSubtype="0" fill="hold" nodeType="clickEffect">
+                                  <p:stCondLst>
+                                    <p:cond delay="0"/>
+                                  </p:stCondLst>
+                                  <p:childTnLst>
+                                    <p:animEffect transition="out" filter="fade">
+                                      <p:cBhvr>
+                                        <p:cTn id="35" dur="500"/>
+                                        <p:tgtEl>
+                                          <p:spTgt spid="13"/>
+                                        </p:tgtEl>
+                                      </p:cBhvr>
+                                    </p:animEffect>
+                                    <p:set>
+                                      <p:cBhvr>
+                                        <p:cTn id="36" dur="1" fill="hold">
+                                          <p:stCondLst>
+                                            <p:cond delay="499"/>
+                                          </p:stCondLst>
+                                        </p:cTn>
+                                        <p:tgtEl>
+                                          <p:spTgt spid="13"/>
+                                        </p:tgtEl>
+                                        <p:attrNameLst>
+                                          <p:attrName>style.visibility</p:attrName>
+                                        </p:attrNameLst>
+                                      </p:cBhvr>
+                                      <p:to>
+                                        <p:strVal val="hidden"/>
+                                      </p:to>
+                                    </p:set>
+                                  </p:childTnLst>
+                                </p:cTn>
+                              </p:par>
+                            </p:childTnLst>
+                          </p:cTn>
+                        </p:par>
+                        <p:par>
+                          <p:cTn id="37" fill="hold">
+                            <p:stCondLst>
+                              <p:cond delay="500"/>
+                            </p:stCondLst>
+                            <p:childTnLst>
+                              <p:par>
+                                <p:cTn id="38" presetID="42" presetClass="path" presetSubtype="0" accel="50000" decel="50000" fill="hold" nodeType="afterEffect">
                                   <p:stCondLst>
                                     <p:cond delay="0"/>
                                   </p:stCondLst>
                                   <p:childTnLst>
                                     <p:animMotion origin="layout" path="M 1.94444E-6 -3.7037E-7 L -0.09184 -0.17191 " pathEditMode="relative" rAng="0" ptsTypes="AA">
                                       <p:cBhvr>
-                                        <p:cTn id="28" dur="1000" fill="hold"/>
+                                        <p:cTn id="39" dur="1000" fill="hold"/>
                                         <p:tgtEl>
                                           <p:spTgt spid="12"/>
                                         </p:tgtEl>
@@ -23494,20 +23464,20 @@
                           </p:cTn>
                         </p:par>
                         <p:par>
-                          <p:cTn id="29" fill="hold">
+                          <p:cTn id="40" fill="hold">
                             <p:stCondLst>
-                              <p:cond delay="3500"/>
+                              <p:cond delay="1500"/>
                             </p:stCondLst>
                             <p:childTnLst>
                               <p:par>
-                                <p:cTn id="30" presetID="1" presetClass="exit" presetSubtype="0" fill="hold" nodeType="afterEffect">
+                                <p:cTn id="41" presetID="1" presetClass="exit" presetSubtype="0" fill="hold" nodeType="afterEffect">
                                   <p:stCondLst>
                                     <p:cond delay="0"/>
                                   </p:stCondLst>
                                   <p:childTnLst>
                                     <p:set>
                                       <p:cBhvr>
-                                        <p:cTn id="31" dur="1" fill="hold">
+                                        <p:cTn id="42" dur="1" fill="hold">
                                           <p:stCondLst>
                                             <p:cond delay="0"/>
                                           </p:stCondLst>
@@ -23530,20 +23500,20 @@
                           </p:cTn>
                         </p:par>
                         <p:par>
-                          <p:cTn id="32" fill="hold">
+                          <p:cTn id="43" fill="hold">
                             <p:stCondLst>
-                              <p:cond delay="3500"/>
+                              <p:cond delay="1500"/>
                             </p:stCondLst>
                             <p:childTnLst>
                               <p:par>
-                                <p:cTn id="33" presetID="26" presetClass="emph" presetSubtype="0" fill="hold" nodeType="afterEffect">
+                                <p:cTn id="44" presetID="26" presetClass="emph" presetSubtype="0" fill="hold" nodeType="afterEffect">
                                   <p:stCondLst>
                                     <p:cond delay="0"/>
                                   </p:stCondLst>
                                   <p:childTnLst>
                                     <p:animEffect transition="out" filter="fade">
                                       <p:cBhvr>
-                                        <p:cTn id="34" dur="500" tmFilter="0, 0; .2, .5; .8, .5; 1, 0"/>
+                                        <p:cTn id="45" dur="500" tmFilter="0, 0; .2, .5; .8, .5; 1, 0"/>
                                         <p:tgtEl>
                                           <p:spTgt spid="35"/>
                                         </p:tgtEl>
@@ -23551,7 +23521,7 @@
                                     </p:animEffect>
                                     <p:animScale>
                                       <p:cBhvr>
-                                        <p:cTn id="35" dur="250" autoRev="1" fill="hold"/>
+                                        <p:cTn id="46" dur="250" autoRev="1" fill="hold"/>
                                         <p:tgtEl>
                                           <p:spTgt spid="35"/>
                                         </p:tgtEl>
@@ -23565,20 +23535,20 @@
                           </p:cTn>
                         </p:par>
                         <p:par>
-                          <p:cTn id="36" fill="hold">
+                          <p:cTn id="47" fill="hold">
                             <p:stCondLst>
-                              <p:cond delay="4000"/>
+                              <p:cond delay="2000"/>
                             </p:stCondLst>
                             <p:childTnLst>
                               <p:par>
-                                <p:cTn id="37" presetID="22" presetClass="entr" presetSubtype="4" fill="hold" grpId="0" nodeType="afterEffect">
+                                <p:cTn id="48" presetID="22" presetClass="entr" presetSubtype="4" fill="hold" grpId="0" nodeType="afterEffect">
                                   <p:stCondLst>
                                     <p:cond delay="0"/>
                                   </p:stCondLst>
                                   <p:childTnLst>
                                     <p:set>
                                       <p:cBhvr>
-                                        <p:cTn id="38" dur="1" fill="hold">
+                                        <p:cTn id="49" dur="1" fill="hold">
                                           <p:stCondLst>
                                             <p:cond delay="0"/>
                                           </p:stCondLst>
@@ -23596,7 +23566,7 @@
                                     </p:set>
                                     <p:animEffect transition="in" filter="wipe(down)">
                                       <p:cBhvr>
-                                        <p:cTn id="39" dur="500"/>
+                                        <p:cTn id="50" dur="500"/>
                                         <p:tgtEl>
                                           <p:spTgt spid="34"/>
                                         </p:tgtEl>
@@ -23612,26 +23582,26 @@
                     </p:cTn>
                   </p:par>
                   <p:par>
-                    <p:cTn id="40" fill="hold">
+                    <p:cTn id="51" fill="hold">
                       <p:stCondLst>
                         <p:cond delay="indefinite"/>
                       </p:stCondLst>
                       <p:childTnLst>
                         <p:par>
-                          <p:cTn id="41" fill="hold">
+                          <p:cTn id="52" fill="hold">
                             <p:stCondLst>
                               <p:cond delay="0"/>
                             </p:stCondLst>
                             <p:childTnLst>
                               <p:par>
-                                <p:cTn id="42" presetID="10" presetClass="exit" presetSubtype="0" fill="hold" grpId="1" nodeType="clickEffect">
+                                <p:cTn id="53" presetID="10" presetClass="exit" presetSubtype="0" fill="hold" grpId="1" nodeType="clickEffect">
                                   <p:stCondLst>
                                     <p:cond delay="0"/>
                                   </p:stCondLst>
                                   <p:childTnLst>
                                     <p:animEffect transition="out" filter="fade">
                                       <p:cBhvr>
-                                        <p:cTn id="43" dur="500"/>
+                                        <p:cTn id="54" dur="500"/>
                                         <p:tgtEl>
                                           <p:spTgt spid="29"/>
                                         </p:tgtEl>
@@ -23639,7 +23609,7 @@
                                     </p:animEffect>
                                     <p:set>
                                       <p:cBhvr>
-                                        <p:cTn id="44" dur="1" fill="hold">
+                                        <p:cTn id="55" dur="1" fill="hold">
                                           <p:stCondLst>
                                             <p:cond delay="499"/>
                                           </p:stCondLst>
@@ -23659,102 +23629,14 @@
                                 </p:cTn>
                               </p:par>
                               <p:par>
-                                <p:cTn id="45" presetID="10" presetClass="exit" presetSubtype="0" fill="hold" grpId="1" nodeType="withEffect">
-                                  <p:stCondLst>
-                                    <p:cond delay="0"/>
-                                  </p:stCondLst>
-                                  <p:childTnLst>
-                                    <p:animEffect transition="out" filter="fade">
-                                      <p:cBhvr>
-                                        <p:cTn id="46" dur="500"/>
-                                        <p:tgtEl>
-                                          <p:spTgt spid="34"/>
-                                        </p:tgtEl>
-                                      </p:cBhvr>
-                                    </p:animEffect>
-                                    <p:set>
-                                      <p:cBhvr>
-                                        <p:cTn id="47" dur="1" fill="hold">
-                                          <p:stCondLst>
-                                            <p:cond delay="499"/>
-                                          </p:stCondLst>
-                                        </p:cTn>
-                                        <p:tgtEl>
-                                          <p:spTgt spid="34"/>
-                                        </p:tgtEl>
-                                        <p:attrNameLst>
-                                          <p:attrName>style.visibility</p:attrName>
-                                        </p:attrNameLst>
-                                      </p:cBhvr>
-                                      <p:to>
-                                        <p:strVal val="hidden"/>
-                                      </p:to>
-                                    </p:set>
-                                  </p:childTnLst>
-                                </p:cTn>
-                              </p:par>
-                            </p:childTnLst>
-                          </p:cTn>
-                        </p:par>
-                        <p:par>
-                          <p:cTn id="48" fill="hold">
-                            <p:stCondLst>
-                              <p:cond delay="500"/>
-                            </p:stCondLst>
-                            <p:childTnLst>
-                              <p:par>
-                                <p:cTn id="49" presetID="10" presetClass="exit" presetSubtype="0" fill="hold" nodeType="afterEffect">
-                                  <p:stCondLst>
-                                    <p:cond delay="0"/>
-                                  </p:stCondLst>
-                                  <p:childTnLst>
-                                    <p:animEffect transition="out" filter="fade">
-                                      <p:cBhvr>
-                                        <p:cTn id="50" dur="500"/>
-                                        <p:tgtEl>
-                                          <p:spTgt spid="54"/>
-                                        </p:tgtEl>
-                                      </p:cBhvr>
-                                    </p:animEffect>
-                                    <p:set>
-                                      <p:cBhvr>
-                                        <p:cTn id="51" dur="1" fill="hold">
-                                          <p:stCondLst>
-                                            <p:cond delay="499"/>
-                                          </p:stCondLst>
-                                        </p:cTn>
-                                        <p:tgtEl>
-                                          <p:spTgt spid="54"/>
-                                        </p:tgtEl>
-                                        <p:attrNameLst>
-                                          <p:attrName>style.visibility</p:attrName>
-                                        </p:attrNameLst>
-                                      </p:cBhvr>
-                                      <p:to>
-                                        <p:strVal val="hidden"/>
-                                      </p:to>
-                                    </p:set>
-                                  </p:childTnLst>
-                                </p:cTn>
-                              </p:par>
-                            </p:childTnLst>
-                          </p:cTn>
-                        </p:par>
-                        <p:par>
-                          <p:cTn id="52" fill="hold">
-                            <p:stCondLst>
-                              <p:cond delay="1000"/>
-                            </p:stCondLst>
-                            <p:childTnLst>
-                              <p:par>
-                                <p:cTn id="53" presetID="21" presetClass="entr" presetSubtype="1" fill="hold" grpId="0" nodeType="afterEffect">
+                                <p:cTn id="56" presetID="21" presetClass="entr" presetSubtype="1" fill="hold" grpId="0" nodeType="withEffect">
                                   <p:stCondLst>
                                     <p:cond delay="0"/>
                                   </p:stCondLst>
                                   <p:childTnLst>
                                     <p:set>
                                       <p:cBhvr>
-                                        <p:cTn id="54" dur="1" fill="hold">
+                                        <p:cTn id="57" dur="1" fill="hold">
                                           <p:stCondLst>
                                             <p:cond delay="0"/>
                                           </p:stCondLst>
@@ -23772,9 +23654,79 @@
                                     </p:set>
                                     <p:animEffect transition="in" filter="wheel(1)">
                                       <p:cBhvr>
-                                        <p:cTn id="55" dur="2000"/>
+                                        <p:cTn id="58" dur="2000"/>
                                         <p:tgtEl>
                                           <p:spTgt spid="2"/>
+                                        </p:tgtEl>
+                                      </p:cBhvr>
+                                    </p:animEffect>
+                                  </p:childTnLst>
+                                </p:cTn>
+                              </p:par>
+                              <p:par>
+                                <p:cTn id="59" presetID="21" presetClass="entr" presetSubtype="1" fill="hold" grpId="0" nodeType="withEffect">
+                                  <p:stCondLst>
+                                    <p:cond delay="0"/>
+                                  </p:stCondLst>
+                                  <p:childTnLst>
+                                    <p:set>
+                                      <p:cBhvr>
+                                        <p:cTn id="60" dur="1" fill="hold">
+                                          <p:stCondLst>
+                                            <p:cond delay="0"/>
+                                          </p:stCondLst>
+                                        </p:cTn>
+                                        <p:tgtEl>
+                                          <p:spTgt spid="39"/>
+                                        </p:tgtEl>
+                                        <p:attrNameLst>
+                                          <p:attrName>style.visibility</p:attrName>
+                                        </p:attrNameLst>
+                                      </p:cBhvr>
+                                      <p:to>
+                                        <p:strVal val="visible"/>
+                                      </p:to>
+                                    </p:set>
+                                    <p:animEffect transition="in" filter="wheel(1)">
+                                      <p:cBhvr>
+                                        <p:cTn id="61" dur="2000"/>
+                                        <p:tgtEl>
+                                          <p:spTgt spid="39"/>
+                                        </p:tgtEl>
+                                      </p:cBhvr>
+                                    </p:animEffect>
+                                  </p:childTnLst>
+                                </p:cTn>
+                              </p:par>
+                              <p:par>
+                                <p:cTn id="62" presetID="21" presetClass="entr" presetSubtype="1" fill="hold" grpId="0" nodeType="withEffect">
+                                  <p:stCondLst>
+                                    <p:cond delay="0"/>
+                                  </p:stCondLst>
+                                  <p:childTnLst>
+                                    <p:set>
+                                      <p:cBhvr>
+                                        <p:cTn id="63" dur="1" fill="hold">
+                                          <p:stCondLst>
+                                            <p:cond delay="0"/>
+                                          </p:stCondLst>
+                                        </p:cTn>
+                                        <p:tgtEl>
+                                          <p:spTgt spid="40"/>
+                                        </p:tgtEl>
+                                        <p:attrNameLst>
+                                          <p:attrName>style.visibility</p:attrName>
+                                        </p:attrNameLst>
+                                      </p:cBhvr>
+                                      <p:to>
+                                        <p:strVal val="visible"/>
+                                      </p:to>
+                                    </p:set>
+                                    <p:animEffect transition="in" filter="wheel(1)">
+                                      <p:cBhvr>
+                                        <p:cTn id="64" dur="2000"/>
+                                        <p:tgtEl>
+                                          <p:spTgt spid="40"/>
                                         </p:tgtEl>
                                       </p:cBhvr>
                                     </p:animEffect>
@@ -23784,21 +23736,30 @@
                             </p:childTnLst>
                           </p:cTn>
                         </p:par>
+                      </p:childTnLst>
+                    </p:cTn>
+                  </p:par>
+                  <p:par>
+                    <p:cTn id="65" fill="hold">
+                      <p:stCondLst>
+                        <p:cond delay="indefinite"/>
+                      </p:stCondLst>
+                      <p:childTnLst>
                         <p:par>
-                          <p:cTn id="56" fill="hold">
+                          <p:cTn id="66" fill="hold">
                             <p:stCondLst>
-                              <p:cond delay="3000"/>
+                              <p:cond delay="0"/>
                             </p:stCondLst>
                             <p:childTnLst>
                               <p:par>
-                                <p:cTn id="57" presetID="22" presetClass="entr" presetSubtype="4" fill="hold" nodeType="afterEffect">
+                                <p:cTn id="67" presetID="22" presetClass="entr" presetSubtype="4" fill="hold" nodeType="clickEffect">
                                   <p:stCondLst>
                                     <p:cond delay="0"/>
                                   </p:stCondLst>
                                   <p:childTnLst>
                                     <p:set>
                                       <p:cBhvr>
-                                        <p:cTn id="58" dur="1" fill="hold">
+                                        <p:cTn id="68" dur="1" fill="hold">
                                           <p:stCondLst>
                                             <p:cond delay="0"/>
                                           </p:stCondLst>
@@ -23816,7 +23777,7 @@
                                     </p:set>
                                     <p:animEffect transition="in" filter="wipe(down)">
                                       <p:cBhvr>
-                                        <p:cTn id="59" dur="1000"/>
+                                        <p:cTn id="69" dur="1000"/>
                                         <p:tgtEl>
                                           <p:spTgt spid="38"/>
                                         </p:tgtEl>
@@ -23829,20 +23790,20 @@
                           </p:cTn>
                         </p:par>
                         <p:par>
-                          <p:cTn id="60" fill="hold">
+                          <p:cTn id="70" fill="hold">
                             <p:stCondLst>
-                              <p:cond delay="4000"/>
+                              <p:cond delay="1000"/>
                             </p:stCondLst>
                             <p:childTnLst>
                               <p:par>
-                                <p:cTn id="61" presetID="22" presetClass="entr" presetSubtype="1" fill="hold" grpId="0" nodeType="afterEffect">
+                                <p:cTn id="71" presetID="22" presetClass="entr" presetSubtype="1" fill="hold" grpId="0" nodeType="afterEffect">
                                   <p:stCondLst>
                                     <p:cond delay="0"/>
                                   </p:stCondLst>
                                   <p:childTnLst>
                                     <p:set>
                                       <p:cBhvr>
-                                        <p:cTn id="62" dur="1" fill="hold">
+                                        <p:cTn id="72" dur="1" fill="hold">
                                           <p:stCondLst>
                                             <p:cond delay="0"/>
                                           </p:stCondLst>
@@ -23862,7 +23823,7 @@
                                     </p:set>
                                     <p:animEffect transition="in" filter="wipe(up)">
                                       <p:cBhvr>
-                                        <p:cTn id="63" dur="500"/>
+                                        <p:cTn id="73" dur="500"/>
                                         <p:tgtEl>
                                           <p:spTgt spid="37">
                                             <p:bg/>
@@ -23877,20 +23838,20 @@
                           </p:cTn>
                         </p:par>
                         <p:par>
-                          <p:cTn id="64" fill="hold">
+                          <p:cTn id="74" fill="hold">
                             <p:stCondLst>
-                              <p:cond delay="4500"/>
+                              <p:cond delay="1500"/>
                             </p:stCondLst>
                             <p:childTnLst>
                               <p:par>
-                                <p:cTn id="65" presetID="22" presetClass="entr" presetSubtype="1" fill="hold" grpId="0" nodeType="afterEffect">
+                                <p:cTn id="75" presetID="22" presetClass="entr" presetSubtype="1" fill="hold" grpId="0" nodeType="afterEffect">
                                   <p:stCondLst>
                                     <p:cond delay="0"/>
                                   </p:stCondLst>
                                   <p:childTnLst>
                                     <p:set>
                                       <p:cBhvr>
-                                        <p:cTn id="66" dur="1" fill="hold">
+                                        <p:cTn id="76" dur="1" fill="hold">
                                           <p:stCondLst>
                                             <p:cond delay="0"/>
                                           </p:stCondLst>
@@ -23912,7 +23873,7 @@
                                     </p:set>
                                     <p:animEffect transition="in" filter="wipe(up)">
                                       <p:cBhvr>
-                                        <p:cTn id="67" dur="500"/>
+                                        <p:cTn id="77" dur="500"/>
                                         <p:tgtEl>
                                           <p:spTgt spid="37">
                                             <p:txEl>
@@ -23929,20 +23890,20 @@
                           </p:cTn>
                         </p:par>
                         <p:par>
-                          <p:cTn id="68" fill="hold">
+                          <p:cTn id="78" fill="hold">
                             <p:stCondLst>
-                              <p:cond delay="5000"/>
+                              <p:cond delay="2000"/>
                             </p:stCondLst>
                             <p:childTnLst>
                               <p:par>
-                                <p:cTn id="69" presetID="22" presetClass="entr" presetSubtype="1" fill="hold" grpId="0" nodeType="afterEffect">
+                                <p:cTn id="79" presetID="22" presetClass="entr" presetSubtype="1" fill="hold" grpId="0" nodeType="afterEffect">
                                   <p:stCondLst>
                                     <p:cond delay="0"/>
                                   </p:stCondLst>
                                   <p:childTnLst>
                                     <p:set>
                                       <p:cBhvr>
-                                        <p:cTn id="70" dur="1" fill="hold">
+                                        <p:cTn id="80" dur="1" fill="hold">
                                           <p:stCondLst>
                                             <p:cond delay="0"/>
                                           </p:stCondLst>
@@ -23964,7 +23925,7 @@
                                     </p:set>
                                     <p:animEffect transition="in" filter="wipe(up)">
                                       <p:cBhvr>
-                                        <p:cTn id="71" dur="500"/>
+                                        <p:cTn id="81" dur="500"/>
                                         <p:tgtEl>
                                           <p:spTgt spid="37">
                                             <p:txEl>
@@ -23981,20 +23942,20 @@
                           </p:cTn>
                         </p:par>
                         <p:par>
-                          <p:cTn id="72" fill="hold">
+                          <p:cTn id="82" fill="hold">
                             <p:stCondLst>
-                              <p:cond delay="5500"/>
+                              <p:cond delay="2500"/>
                             </p:stCondLst>
                             <p:childTnLst>
                               <p:par>
-                                <p:cTn id="73" presetID="22" presetClass="entr" presetSubtype="1" fill="hold" grpId="0" nodeType="afterEffect">
+                                <p:cTn id="83" presetID="22" presetClass="entr" presetSubtype="1" fill="hold" grpId="0" nodeType="afterEffect">
                                   <p:stCondLst>
                                     <p:cond delay="0"/>
                                   </p:stCondLst>
                                   <p:childTnLst>
                                     <p:set>
                                       <p:cBhvr>
-                                        <p:cTn id="74" dur="1" fill="hold">
+                                        <p:cTn id="84" dur="1" fill="hold">
                                           <p:stCondLst>
                                             <p:cond delay="0"/>
                                           </p:stCondLst>
@@ -24016,7 +23977,7 @@
                                     </p:set>
                                     <p:animEffect transition="in" filter="wipe(up)">
                                       <p:cBhvr>
-                                        <p:cTn id="75" dur="500"/>
+                                        <p:cTn id="85" dur="500"/>
                                         <p:tgtEl>
                                           <p:spTgt spid="37">
                                             <p:txEl>
@@ -24033,20 +23994,20 @@
                           </p:cTn>
                         </p:par>
                         <p:par>
-                          <p:cTn id="76" fill="hold">
+                          <p:cTn id="86" fill="hold">
                             <p:stCondLst>
-                              <p:cond delay="6000"/>
+                              <p:cond delay="3000"/>
                             </p:stCondLst>
                             <p:childTnLst>
                               <p:par>
-                                <p:cTn id="77" presetID="22" presetClass="entr" presetSubtype="1" fill="hold" grpId="0" nodeType="afterEffect">
+                                <p:cTn id="87" presetID="22" presetClass="entr" presetSubtype="1" fill="hold" grpId="0" nodeType="afterEffect">
                                   <p:stCondLst>
                                     <p:cond delay="0"/>
                                   </p:stCondLst>
                                   <p:childTnLst>
                                     <p:set>
                                       <p:cBhvr>
-                                        <p:cTn id="78" dur="1" fill="hold">
+                                        <p:cTn id="88" dur="1" fill="hold">
                                           <p:stCondLst>
                                             <p:cond delay="0"/>
                                           </p:stCondLst>
@@ -24068,7 +24029,7 @@
                                     </p:set>
                                     <p:animEffect transition="in" filter="wipe(up)">
                                       <p:cBhvr>
-                                        <p:cTn id="79" dur="500"/>
+                                        <p:cTn id="89" dur="500"/>
                                         <p:tgtEl>
                                           <p:spTgt spid="37">
                                             <p:txEl>
@@ -24111,9 +24072,10 @@
     <p:bldLst>
       <p:bldP spid="29" grpId="0" animBg="1"/>
       <p:bldP spid="29" grpId="1" animBg="1"/>
+      <p:bldP spid="2" grpId="0" animBg="1"/>
       <p:bldP spid="34" grpId="0" animBg="1"/>
-      <p:bldP spid="34" grpId="1" animBg="1"/>
-      <p:bldP spid="2" grpId="0" animBg="1"/>
+      <p:bldP spid="39" grpId="0" animBg="1"/>
+      <p:bldP spid="40" grpId="0" animBg="1"/>
       <p:bldP spid="37" grpId="0" build="p" animBg="1"/>
     </p:bldLst>
   </p:timing>
@@ -25015,7 +24977,7 @@
               <a:t>Single point of maintenance: Database tables (</a:t>
             </a:r>
             <a:r>
-              <a:rPr lang="en-US" sz="2000" b="1" dirty="0"/>
+              <a:rPr lang="en-US" sz="2000" b="1" u="sng" dirty="0"/>
               <a:t>Data, not Code!</a:t>
             </a:r>
             <a:r>

--- a/DynamicFilters_Presentation_Eng.pptx
+++ b/DynamicFilters_Presentation_Eng.pptx
@@ -24792,6 +24792,668 @@
           </a:p>
         </p:txBody>
       </p:sp>
+      <p:sp>
+        <p:nvSpPr>
+          <p:cNvPr id="50" name="Rectangle 49">
+            <a:extLst>
+              <a:ext uri="{FF2B5EF4-FFF2-40B4-BE49-F238E27FC236}">
+                <a16:creationId xmlns:a16="http://schemas.microsoft.com/office/drawing/2014/main" id="{E5878D29-D7F1-4717-8BE8-959911BAD982}"/>
+              </a:ext>
+            </a:extLst>
+          </p:cNvPr>
+          <p:cNvSpPr/>
+          <p:nvPr/>
+        </p:nvSpPr>
+        <p:spPr>
+          <a:xfrm>
+            <a:off x="5884005" y="4254353"/>
+            <a:ext cx="782845" cy="211682"/>
+          </a:xfrm>
+          <a:prstGeom prst="rect">
+            <a:avLst/>
+          </a:prstGeom>
+          <a:noFill/>
+          <a:ln>
+            <a:solidFill>
+              <a:srgbClr val="FF0000"/>
+            </a:solidFill>
+          </a:ln>
+        </p:spPr>
+        <p:style>
+          <a:lnRef idx="2">
+            <a:schemeClr val="accent6"/>
+          </a:lnRef>
+          <a:fillRef idx="1">
+            <a:schemeClr val="lt1"/>
+          </a:fillRef>
+          <a:effectRef idx="0">
+            <a:schemeClr val="accent6"/>
+          </a:effectRef>
+          <a:fontRef idx="minor">
+            <a:schemeClr val="dk1"/>
+          </a:fontRef>
+        </p:style>
+        <p:txBody>
+          <a:bodyPr rtlCol="0" anchor="ctr"/>
+          <a:lstStyle/>
+          <a:p>
+            <a:pPr algn="ctr"/>
+            <a:endParaRPr lang="en-US"/>
+          </a:p>
+        </p:txBody>
+      </p:sp>
+      <p:sp>
+        <p:nvSpPr>
+          <p:cNvPr id="51" name="Rectangle 50">
+            <a:extLst>
+              <a:ext uri="{FF2B5EF4-FFF2-40B4-BE49-F238E27FC236}">
+                <a16:creationId xmlns:a16="http://schemas.microsoft.com/office/drawing/2014/main" id="{4F1C6A34-6302-409A-BD2C-DF64A7686B65}"/>
+              </a:ext>
+            </a:extLst>
+          </p:cNvPr>
+          <p:cNvSpPr/>
+          <p:nvPr/>
+        </p:nvSpPr>
+        <p:spPr>
+          <a:xfrm>
+            <a:off x="2336309" y="4912573"/>
+            <a:ext cx="852373" cy="194107"/>
+          </a:xfrm>
+          <a:prstGeom prst="rect">
+            <a:avLst/>
+          </a:prstGeom>
+          <a:noFill/>
+          <a:ln>
+            <a:solidFill>
+              <a:srgbClr val="FF0000"/>
+            </a:solidFill>
+          </a:ln>
+        </p:spPr>
+        <p:style>
+          <a:lnRef idx="2">
+            <a:schemeClr val="accent6"/>
+          </a:lnRef>
+          <a:fillRef idx="1">
+            <a:schemeClr val="lt1"/>
+          </a:fillRef>
+          <a:effectRef idx="0">
+            <a:schemeClr val="accent6"/>
+          </a:effectRef>
+          <a:fontRef idx="minor">
+            <a:schemeClr val="dk1"/>
+          </a:fontRef>
+        </p:style>
+        <p:txBody>
+          <a:bodyPr rtlCol="0" anchor="ctr"/>
+          <a:lstStyle/>
+          <a:p>
+            <a:pPr algn="ctr"/>
+            <a:endParaRPr lang="en-US"/>
+          </a:p>
+        </p:txBody>
+      </p:sp>
+      <p:grpSp>
+        <p:nvGrpSpPr>
+          <p:cNvPr id="16" name="Group 15">
+            <a:extLst>
+              <a:ext uri="{FF2B5EF4-FFF2-40B4-BE49-F238E27FC236}">
+                <a16:creationId xmlns:a16="http://schemas.microsoft.com/office/drawing/2014/main" id="{60D1390C-F97A-4DF7-A379-508B26420CA5}"/>
+              </a:ext>
+            </a:extLst>
+          </p:cNvPr>
+          <p:cNvGrpSpPr/>
+          <p:nvPr/>
+        </p:nvGrpSpPr>
+        <p:grpSpPr>
+          <a:xfrm>
+            <a:off x="43244" y="414275"/>
+            <a:ext cx="8442585" cy="4734231"/>
+            <a:chOff x="43244" y="414275"/>
+            <a:chExt cx="8442585" cy="4734231"/>
+          </a:xfrm>
+        </p:grpSpPr>
+        <p:sp>
+          <p:nvSpPr>
+            <p:cNvPr id="14" name="TextBox 13">
+              <a:extLst>
+                <a:ext uri="{FF2B5EF4-FFF2-40B4-BE49-F238E27FC236}">
+                  <a16:creationId xmlns:a16="http://schemas.microsoft.com/office/drawing/2014/main" id="{B414F939-7D1D-4BDB-BE21-3B4ABFE403F1}"/>
+                </a:ext>
+              </a:extLst>
+            </p:cNvPr>
+            <p:cNvSpPr txBox="1"/>
+            <p:nvPr/>
+          </p:nvSpPr>
+          <p:spPr>
+            <a:xfrm>
+              <a:off x="1215890" y="4194399"/>
+              <a:ext cx="7269939" cy="954107"/>
+            </a:xfrm>
+            <a:prstGeom prst="rect">
+              <a:avLst/>
+            </a:prstGeom>
+            <a:noFill/>
+            <a:ln>
+              <a:noFill/>
+            </a:ln>
+          </p:spPr>
+          <p:txBody>
+            <a:bodyPr wrap="none" rtlCol="0">
+              <a:spAutoFit/>
+            </a:bodyPr>
+            <a:lstStyle/>
+            <a:p>
+              <a:r>
+                <a:rPr lang="en-US" sz="1400" dirty="0">
+                  <a:solidFill>
+                    <a:srgbClr val="0000FF"/>
+                  </a:solidFill>
+                  <a:latin typeface="Consolas" panose="020B0609020204030204" pitchFamily="49" charset="0"/>
+                </a:rPr>
+                <a:t>EXEC</a:t>
+              </a:r>
+              <a:r>
+                <a:rPr lang="en-US" sz="1400" dirty="0">
+                  <a:solidFill>
+                    <a:srgbClr val="000000"/>
+                  </a:solidFill>
+                  <a:latin typeface="Consolas" panose="020B0609020204030204" pitchFamily="49" charset="0"/>
+                </a:rPr>
+                <a:t> </a:t>
+              </a:r>
+              <a:r>
+                <a:rPr lang="en-US" sz="1400" dirty="0" err="1">
+                  <a:solidFill>
+                    <a:srgbClr val="800000"/>
+                  </a:solidFill>
+                  <a:latin typeface="Consolas" panose="020B0609020204030204" pitchFamily="49" charset="0"/>
+                </a:rPr>
+                <a:t>sp_executesql</a:t>
+              </a:r>
+              <a:r>
+                <a:rPr lang="en-US" sz="1400" dirty="0">
+                  <a:solidFill>
+                    <a:srgbClr val="0000FF"/>
+                  </a:solidFill>
+                  <a:latin typeface="Consolas" panose="020B0609020204030204" pitchFamily="49" charset="0"/>
+                </a:rPr>
+                <a:t> </a:t>
+              </a:r>
+              <a:r>
+                <a:rPr lang="en-US" sz="1400" dirty="0">
+                  <a:solidFill>
+                    <a:srgbClr val="000000"/>
+                  </a:solidFill>
+                  <a:latin typeface="Consolas" panose="020B0609020204030204" pitchFamily="49" charset="0"/>
+                </a:rPr>
+                <a:t>@</a:t>
+              </a:r>
+              <a:r>
+                <a:rPr lang="en-US" sz="1400" dirty="0" err="1">
+                  <a:solidFill>
+                    <a:srgbClr val="000000"/>
+                  </a:solidFill>
+                  <a:latin typeface="Consolas" panose="020B0609020204030204" pitchFamily="49" charset="0"/>
+                </a:rPr>
+                <a:t>ParsedSQL</a:t>
+              </a:r>
+              <a:r>
+                <a:rPr lang="en-US" sz="1400" dirty="0">
+                  <a:solidFill>
+                    <a:srgbClr val="808080"/>
+                  </a:solidFill>
+                  <a:latin typeface="Consolas" panose="020B0609020204030204" pitchFamily="49" charset="0"/>
+                </a:rPr>
+                <a:t>,</a:t>
+              </a:r>
+              <a:r>
+                <a:rPr lang="en-US" sz="1400" dirty="0">
+                  <a:solidFill>
+                    <a:srgbClr val="000000"/>
+                  </a:solidFill>
+                  <a:latin typeface="Consolas" panose="020B0609020204030204" pitchFamily="49" charset="0"/>
+                </a:rPr>
+                <a:t> </a:t>
+              </a:r>
+              <a:r>
+                <a:rPr lang="en-US" sz="1400" dirty="0" err="1">
+                  <a:solidFill>
+                    <a:srgbClr val="FF0000"/>
+                  </a:solidFill>
+                  <a:latin typeface="Consolas" panose="020B0609020204030204" pitchFamily="49" charset="0"/>
+                </a:rPr>
+                <a:t>N'@Params</a:t>
+              </a:r>
+              <a:r>
+                <a:rPr lang="en-US" sz="1400" dirty="0">
+                  <a:solidFill>
+                    <a:srgbClr val="FF0000"/>
+                  </a:solidFill>
+                  <a:latin typeface="Consolas" panose="020B0609020204030204" pitchFamily="49" charset="0"/>
+                </a:rPr>
+                <a:t> ???'</a:t>
+              </a:r>
+              <a:r>
+                <a:rPr lang="en-US" sz="1400" dirty="0">
+                  <a:solidFill>
+                    <a:srgbClr val="808080"/>
+                  </a:solidFill>
+                  <a:latin typeface="Consolas" panose="020B0609020204030204" pitchFamily="49" charset="0"/>
+                </a:rPr>
+                <a:t>,</a:t>
+              </a:r>
+              <a:r>
+                <a:rPr lang="en-US" sz="1400" dirty="0">
+                  <a:solidFill>
+                    <a:srgbClr val="000000"/>
+                  </a:solidFill>
+                  <a:latin typeface="Consolas" panose="020B0609020204030204" pitchFamily="49" charset="0"/>
+                </a:rPr>
+                <a:t> @Params</a:t>
+              </a:r>
+            </a:p>
+            <a:p>
+              <a:r>
+                <a:rPr lang="en-US" sz="1400" dirty="0">
+                  <a:solidFill>
+                    <a:srgbClr val="0000FF"/>
+                  </a:solidFill>
+                  <a:latin typeface="Consolas" panose="020B0609020204030204" pitchFamily="49" charset="0"/>
+                </a:rPr>
+                <a:t>EXEC</a:t>
+              </a:r>
+              <a:r>
+                <a:rPr lang="en-US" sz="1400" dirty="0">
+                  <a:solidFill>
+                    <a:srgbClr val="000000"/>
+                  </a:solidFill>
+                  <a:latin typeface="Consolas" panose="020B0609020204030204" pitchFamily="49" charset="0"/>
+                </a:rPr>
+                <a:t> </a:t>
+              </a:r>
+              <a:r>
+                <a:rPr lang="en-US" sz="1400" dirty="0" err="1">
+                  <a:solidFill>
+                    <a:srgbClr val="800000"/>
+                  </a:solidFill>
+                  <a:latin typeface="Consolas" panose="020B0609020204030204" pitchFamily="49" charset="0"/>
+                </a:rPr>
+                <a:t>sp_executesql</a:t>
+              </a:r>
+              <a:r>
+                <a:rPr lang="en-US" sz="1400" dirty="0">
+                  <a:solidFill>
+                    <a:srgbClr val="0000FF"/>
+                  </a:solidFill>
+                  <a:latin typeface="Consolas" panose="020B0609020204030204" pitchFamily="49" charset="0"/>
+                </a:rPr>
+                <a:t> </a:t>
+              </a:r>
+              <a:r>
+                <a:rPr lang="en-US" sz="1400" dirty="0">
+                  <a:solidFill>
+                    <a:srgbClr val="000000"/>
+                  </a:solidFill>
+                  <a:latin typeface="Consolas" panose="020B0609020204030204" pitchFamily="49" charset="0"/>
+                </a:rPr>
+                <a:t>@</a:t>
+              </a:r>
+              <a:r>
+                <a:rPr lang="en-US" sz="1400" dirty="0" err="1">
+                  <a:solidFill>
+                    <a:srgbClr val="000000"/>
+                  </a:solidFill>
+                  <a:latin typeface="Consolas" panose="020B0609020204030204" pitchFamily="49" charset="0"/>
+                </a:rPr>
+                <a:t>ParsedSQL</a:t>
+              </a:r>
+              <a:endParaRPr lang="en-US" sz="1400" dirty="0">
+                <a:solidFill>
+                  <a:srgbClr val="000000"/>
+                </a:solidFill>
+                <a:latin typeface="Consolas" panose="020B0609020204030204" pitchFamily="49" charset="0"/>
+              </a:endParaRPr>
+            </a:p>
+            <a:p>
+              <a:r>
+                <a:rPr lang="en-US" sz="1400" dirty="0">
+                  <a:solidFill>
+                    <a:srgbClr val="000000"/>
+                  </a:solidFill>
+                  <a:latin typeface="Consolas" panose="020B0609020204030204" pitchFamily="49" charset="0"/>
+                </a:rPr>
+                <a:t>	</a:t>
+              </a:r>
+              <a:r>
+                <a:rPr lang="en-US" sz="1400" dirty="0">
+                  <a:solidFill>
+                    <a:srgbClr val="808080"/>
+                  </a:solidFill>
+                  <a:latin typeface="Consolas" panose="020B0609020204030204" pitchFamily="49" charset="0"/>
+                </a:rPr>
+                <a:t>,</a:t>
+              </a:r>
+              <a:r>
+                <a:rPr lang="en-US" sz="1400" dirty="0">
+                  <a:solidFill>
+                    <a:srgbClr val="000000"/>
+                  </a:solidFill>
+                  <a:latin typeface="Consolas" panose="020B0609020204030204" pitchFamily="49" charset="0"/>
+                </a:rPr>
+                <a:t> </a:t>
+              </a:r>
+              <a:r>
+                <a:rPr lang="en-US" sz="1400" dirty="0" err="1">
+                  <a:solidFill>
+                    <a:srgbClr val="FF0000"/>
+                  </a:solidFill>
+                  <a:latin typeface="Consolas" panose="020B0609020204030204" pitchFamily="49" charset="0"/>
+                </a:rPr>
+                <a:t>N'@Params</a:t>
+              </a:r>
+              <a:r>
+                <a:rPr lang="en-US" sz="1400" dirty="0">
+                  <a:solidFill>
+                    <a:srgbClr val="FF0000"/>
+                  </a:solidFill>
+                  <a:latin typeface="Consolas" panose="020B0609020204030204" pitchFamily="49" charset="0"/>
+                </a:rPr>
+                <a:t> ???, @CMD nvarchar(max), @</a:t>
+              </a:r>
+              <a:r>
+                <a:rPr lang="en-US" sz="1400" dirty="0" err="1">
+                  <a:solidFill>
+                    <a:srgbClr val="FF0000"/>
+                  </a:solidFill>
+                  <a:latin typeface="Consolas" panose="020B0609020204030204" pitchFamily="49" charset="0"/>
+                </a:rPr>
+                <a:t>CMDParams</a:t>
+              </a:r>
+              <a:r>
+                <a:rPr lang="en-US" sz="1400" dirty="0">
+                  <a:solidFill>
+                    <a:srgbClr val="FF0000"/>
+                  </a:solidFill>
+                  <a:latin typeface="Consolas" panose="020B0609020204030204" pitchFamily="49" charset="0"/>
+                </a:rPr>
+                <a:t> nvarchar(max)’</a:t>
+              </a:r>
+            </a:p>
+            <a:p>
+              <a:r>
+                <a:rPr lang="en-US" sz="1400" dirty="0">
+                  <a:solidFill>
+                    <a:srgbClr val="FF0000"/>
+                  </a:solidFill>
+                  <a:latin typeface="Consolas" panose="020B0609020204030204" pitchFamily="49" charset="0"/>
+                </a:rPr>
+                <a:t>	</a:t>
+              </a:r>
+              <a:r>
+                <a:rPr lang="en-US" sz="1400" dirty="0">
+                  <a:solidFill>
+                    <a:srgbClr val="808080"/>
+                  </a:solidFill>
+                  <a:latin typeface="Consolas" panose="020B0609020204030204" pitchFamily="49" charset="0"/>
+                </a:rPr>
+                <a:t>,</a:t>
+              </a:r>
+              <a:r>
+                <a:rPr lang="en-US" sz="1400" dirty="0">
+                  <a:solidFill>
+                    <a:srgbClr val="000000"/>
+                  </a:solidFill>
+                  <a:latin typeface="Consolas" panose="020B0609020204030204" pitchFamily="49" charset="0"/>
+                </a:rPr>
+                <a:t> @Params</a:t>
+              </a:r>
+              <a:r>
+                <a:rPr lang="en-US" sz="1400" dirty="0">
+                  <a:solidFill>
+                    <a:srgbClr val="808080"/>
+                  </a:solidFill>
+                  <a:latin typeface="Consolas" panose="020B0609020204030204" pitchFamily="49" charset="0"/>
+                </a:rPr>
+                <a:t>,</a:t>
+              </a:r>
+              <a:r>
+                <a:rPr lang="en-US" sz="1400" dirty="0">
+                  <a:solidFill>
+                    <a:srgbClr val="000000"/>
+                  </a:solidFill>
+                  <a:latin typeface="Consolas" panose="020B0609020204030204" pitchFamily="49" charset="0"/>
+                </a:rPr>
+                <a:t> @CMD</a:t>
+              </a:r>
+              <a:r>
+                <a:rPr lang="en-US" sz="1400" dirty="0">
+                  <a:solidFill>
+                    <a:srgbClr val="808080"/>
+                  </a:solidFill>
+                  <a:latin typeface="Consolas" panose="020B0609020204030204" pitchFamily="49" charset="0"/>
+                </a:rPr>
+                <a:t>,</a:t>
+              </a:r>
+              <a:r>
+                <a:rPr lang="en-US" sz="1400" dirty="0">
+                  <a:solidFill>
+                    <a:srgbClr val="000000"/>
+                  </a:solidFill>
+                  <a:latin typeface="Consolas" panose="020B0609020204030204" pitchFamily="49" charset="0"/>
+                </a:rPr>
+                <a:t> @</a:t>
+              </a:r>
+              <a:r>
+                <a:rPr lang="en-US" sz="1400" dirty="0" err="1">
+                  <a:solidFill>
+                    <a:srgbClr val="000000"/>
+                  </a:solidFill>
+                  <a:latin typeface="Consolas" panose="020B0609020204030204" pitchFamily="49" charset="0"/>
+                </a:rPr>
+                <a:t>CMDParams</a:t>
+              </a:r>
+              <a:endParaRPr lang="en-US" sz="1400" dirty="0">
+                <a:solidFill>
+                  <a:srgbClr val="000000"/>
+                </a:solidFill>
+                <a:latin typeface="Consolas" panose="020B0609020204030204" pitchFamily="49" charset="0"/>
+              </a:endParaRPr>
+            </a:p>
+          </p:txBody>
+        </p:sp>
+        <p:sp>
+          <p:nvSpPr>
+            <p:cNvPr id="15" name="TextBox 14">
+              <a:extLst>
+                <a:ext uri="{FF2B5EF4-FFF2-40B4-BE49-F238E27FC236}">
+                  <a16:creationId xmlns:a16="http://schemas.microsoft.com/office/drawing/2014/main" id="{40AAE880-D614-453A-9D6B-D0F66BD88F08}"/>
+                </a:ext>
+              </a:extLst>
+            </p:cNvPr>
+            <p:cNvSpPr txBox="1"/>
+            <p:nvPr/>
+          </p:nvSpPr>
+          <p:spPr>
+            <a:xfrm>
+              <a:off x="1004095" y="4219814"/>
+              <a:ext cx="253596" cy="246221"/>
+            </a:xfrm>
+            <a:prstGeom prst="rect">
+              <a:avLst/>
+            </a:prstGeom>
+          </p:spPr>
+          <p:style>
+            <a:lnRef idx="1">
+              <a:schemeClr val="accent2"/>
+            </a:lnRef>
+            <a:fillRef idx="3">
+              <a:schemeClr val="accent2"/>
+            </a:fillRef>
+            <a:effectRef idx="2">
+              <a:schemeClr val="accent2"/>
+            </a:effectRef>
+            <a:fontRef idx="minor">
+              <a:schemeClr val="lt1"/>
+            </a:fontRef>
+          </p:style>
+          <p:txBody>
+            <a:bodyPr wrap="square" rtlCol="0">
+              <a:spAutoFit/>
+            </a:bodyPr>
+            <a:lstStyle/>
+            <a:p>
+              <a:r>
+                <a:rPr lang="en-US" sz="1000" dirty="0"/>
+                <a:t>1</a:t>
+              </a:r>
+            </a:p>
+          </p:txBody>
+        </p:sp>
+        <p:sp>
+          <p:nvSpPr>
+            <p:cNvPr id="52" name="TextBox 51">
+              <a:extLst>
+                <a:ext uri="{FF2B5EF4-FFF2-40B4-BE49-F238E27FC236}">
+                  <a16:creationId xmlns:a16="http://schemas.microsoft.com/office/drawing/2014/main" id="{1088EDCE-B756-4C14-83FF-01C07FB63158}"/>
+                </a:ext>
+              </a:extLst>
+            </p:cNvPr>
+            <p:cNvSpPr txBox="1"/>
+            <p:nvPr/>
+          </p:nvSpPr>
+          <p:spPr>
+            <a:xfrm>
+              <a:off x="43244" y="414275"/>
+              <a:ext cx="253596" cy="246221"/>
+            </a:xfrm>
+            <a:prstGeom prst="rect">
+              <a:avLst/>
+            </a:prstGeom>
+          </p:spPr>
+          <p:style>
+            <a:lnRef idx="1">
+              <a:schemeClr val="accent2"/>
+            </a:lnRef>
+            <a:fillRef idx="3">
+              <a:schemeClr val="accent2"/>
+            </a:fillRef>
+            <a:effectRef idx="2">
+              <a:schemeClr val="accent2"/>
+            </a:effectRef>
+            <a:fontRef idx="minor">
+              <a:schemeClr val="lt1"/>
+            </a:fontRef>
+          </p:style>
+          <p:txBody>
+            <a:bodyPr wrap="square" rtlCol="0">
+              <a:spAutoFit/>
+            </a:bodyPr>
+            <a:lstStyle/>
+            <a:p>
+              <a:r>
+                <a:rPr lang="en-US" sz="1000" dirty="0"/>
+                <a:t>1</a:t>
+              </a:r>
+            </a:p>
+          </p:txBody>
+        </p:sp>
+        <p:sp>
+          <p:nvSpPr>
+            <p:cNvPr id="53" name="TextBox 52">
+              <a:extLst>
+                <a:ext uri="{FF2B5EF4-FFF2-40B4-BE49-F238E27FC236}">
+                  <a16:creationId xmlns:a16="http://schemas.microsoft.com/office/drawing/2014/main" id="{6549E8D0-9EAA-4DB2-A14F-6E66542A4503}"/>
+                </a:ext>
+              </a:extLst>
+            </p:cNvPr>
+            <p:cNvSpPr txBox="1"/>
+            <p:nvPr/>
+          </p:nvSpPr>
+          <p:spPr>
+            <a:xfrm>
+              <a:off x="1004095" y="4466358"/>
+              <a:ext cx="253596" cy="246221"/>
+            </a:xfrm>
+            <a:prstGeom prst="rect">
+              <a:avLst/>
+            </a:prstGeom>
+          </p:spPr>
+          <p:style>
+            <a:lnRef idx="1">
+              <a:schemeClr val="accent2"/>
+            </a:lnRef>
+            <a:fillRef idx="3">
+              <a:schemeClr val="accent2"/>
+            </a:fillRef>
+            <a:effectRef idx="2">
+              <a:schemeClr val="accent2"/>
+            </a:effectRef>
+            <a:fontRef idx="minor">
+              <a:schemeClr val="lt1"/>
+            </a:fontRef>
+          </p:style>
+          <p:txBody>
+            <a:bodyPr wrap="square" rtlCol="0">
+              <a:spAutoFit/>
+            </a:bodyPr>
+            <a:lstStyle/>
+            <a:p>
+              <a:r>
+                <a:rPr lang="en-US" sz="1000" dirty="0"/>
+                <a:t>2</a:t>
+              </a:r>
+            </a:p>
+          </p:txBody>
+        </p:sp>
+        <p:sp>
+          <p:nvSpPr>
+            <p:cNvPr id="55" name="TextBox 54">
+              <a:extLst>
+                <a:ext uri="{FF2B5EF4-FFF2-40B4-BE49-F238E27FC236}">
+                  <a16:creationId xmlns:a16="http://schemas.microsoft.com/office/drawing/2014/main" id="{E570C592-C1E7-40BB-B886-5247FCA34619}"/>
+                </a:ext>
+              </a:extLst>
+            </p:cNvPr>
+            <p:cNvSpPr txBox="1"/>
+            <p:nvPr/>
+          </p:nvSpPr>
+          <p:spPr>
+            <a:xfrm>
+              <a:off x="828107" y="2451143"/>
+              <a:ext cx="253596" cy="246221"/>
+            </a:xfrm>
+            <a:prstGeom prst="rect">
+              <a:avLst/>
+            </a:prstGeom>
+          </p:spPr>
+          <p:style>
+            <a:lnRef idx="1">
+              <a:schemeClr val="accent2"/>
+            </a:lnRef>
+            <a:fillRef idx="3">
+              <a:schemeClr val="accent2"/>
+            </a:fillRef>
+            <a:effectRef idx="2">
+              <a:schemeClr val="accent2"/>
+            </a:effectRef>
+            <a:fontRef idx="minor">
+              <a:schemeClr val="lt1"/>
+            </a:fontRef>
+          </p:style>
+          <p:txBody>
+            <a:bodyPr wrap="square" rtlCol="0">
+              <a:spAutoFit/>
+            </a:bodyPr>
+            <a:lstStyle/>
+            <a:p>
+              <a:r>
+                <a:rPr lang="en-US" sz="1000" dirty="0"/>
+                <a:t>2</a:t>
+              </a:r>
+            </a:p>
+          </p:txBody>
+        </p:sp>
+      </p:grpSp>
     </p:spTree>
     <p:custDataLst>
       <p:tags r:id="rId1"/>
@@ -24910,7 +25572,7 @@
                                     </p:set>
                                     <p:anim calcmode="lin" valueType="num">
                                       <p:cBhvr>
-                                        <p:cTn id="11" dur="500" fill="hold"/>
+                                        <p:cTn id="11" dur="1000" fill="hold"/>
                                         <p:tgtEl>
                                           <p:spTgt spid="35"/>
                                         </p:tgtEl>
@@ -24933,7 +25595,7 @@
                                     </p:anim>
                                     <p:anim calcmode="lin" valueType="num">
                                       <p:cBhvr>
-                                        <p:cTn id="12" dur="500" fill="hold"/>
+                                        <p:cTn id="12" dur="1000" fill="hold"/>
                                         <p:tgtEl>
                                           <p:spTgt spid="35"/>
                                         </p:tgtEl>
@@ -24956,7 +25618,7 @@
                                     </p:anim>
                                     <p:animEffect transition="in" filter="fade">
                                       <p:cBhvr>
-                                        <p:cTn id="13" dur="500"/>
+                                        <p:cTn id="13" dur="1000"/>
                                         <p:tgtEl>
                                           <p:spTgt spid="35"/>
                                         </p:tgtEl>
@@ -24971,7 +25633,7 @@
                         <p:par>
                           <p:cTn id="14" fill="hold">
                             <p:stCondLst>
-                              <p:cond delay="1000"/>
+                              <p:cond delay="1500"/>
                             </p:stCondLst>
                             <p:childTnLst>
                               <p:par>
@@ -25657,30 +26319,120 @@
                             </p:childTnLst>
                           </p:cTn>
                         </p:par>
-                      </p:childTnLst>
-                    </p:cTn>
-                  </p:par>
-                  <p:par>
-                    <p:cTn id="60" fill="hold">
-                      <p:stCondLst>
-                        <p:cond delay="indefinite"/>
-                      </p:stCondLst>
-                      <p:childTnLst>
                         <p:par>
-                          <p:cTn id="61" fill="hold">
+                          <p:cTn id="60" fill="hold">
                             <p:stCondLst>
-                              <p:cond delay="0"/>
+                              <p:cond delay="500"/>
                             </p:stCondLst>
                             <p:childTnLst>
                               <p:par>
-                                <p:cTn id="62" presetID="21" presetClass="entr" presetSubtype="1" fill="hold" grpId="0" nodeType="clickEffect">
+                                <p:cTn id="61" presetID="42" presetClass="entr" presetSubtype="0" fill="hold" nodeType="afterEffect">
                                   <p:stCondLst>
                                     <p:cond delay="0"/>
                                   </p:stCondLst>
                                   <p:childTnLst>
                                     <p:set>
                                       <p:cBhvr>
-                                        <p:cTn id="63" dur="1" fill="hold">
+                                        <p:cTn id="62" dur="1" fill="hold">
+                                          <p:stCondLst>
+                                            <p:cond delay="0"/>
+                                          </p:stCondLst>
+                                        </p:cTn>
+                                        <p:tgtEl>
+                                          <p:spTgt spid="16"/>
+                                        </p:tgtEl>
+                                        <p:attrNameLst>
+                                          <p:attrName>style.visibility</p:attrName>
+                                        </p:attrNameLst>
+                                      </p:cBhvr>
+                                      <p:to>
+                                        <p:strVal val="visible"/>
+                                      </p:to>
+                                    </p:set>
+                                    <p:animEffect transition="in" filter="fade">
+                                      <p:cBhvr>
+                                        <p:cTn id="63" dur="1000"/>
+                                        <p:tgtEl>
+                                          <p:spTgt spid="16"/>
+                                        </p:tgtEl>
+                                      </p:cBhvr>
+                                    </p:animEffect>
+                                    <p:anim calcmode="lin" valueType="num">
+                                      <p:cBhvr>
+                                        <p:cTn id="64" dur="1000" fill="hold"/>
+                                        <p:tgtEl>
+                                          <p:spTgt spid="16"/>
+                                        </p:tgtEl>
+                                        <p:attrNameLst>
+                                          <p:attrName>ppt_x</p:attrName>
+                                        </p:attrNameLst>
+                                      </p:cBhvr>
+                                      <p:tavLst>
+                                        <p:tav tm="0">
+                                          <p:val>
+                                            <p:strVal val="#ppt_x"/>
+                                          </p:val>
+                                        </p:tav>
+                                        <p:tav tm="100000">
+                                          <p:val>
+                                            <p:strVal val="#ppt_x"/>
+                                          </p:val>
+                                        </p:tav>
+                                      </p:tavLst>
+                                    </p:anim>
+                                    <p:anim calcmode="lin" valueType="num">
+                                      <p:cBhvr>
+                                        <p:cTn id="65" dur="1000" fill="hold"/>
+                                        <p:tgtEl>
+                                          <p:spTgt spid="16"/>
+                                        </p:tgtEl>
+                                        <p:attrNameLst>
+                                          <p:attrName>ppt_y</p:attrName>
+                                        </p:attrNameLst>
+                                      </p:cBhvr>
+                                      <p:tavLst>
+                                        <p:tav tm="0">
+                                          <p:val>
+                                            <p:strVal val="#ppt_y+.1"/>
+                                          </p:val>
+                                        </p:tav>
+                                        <p:tav tm="100000">
+                                          <p:val>
+                                            <p:strVal val="#ppt_y"/>
+                                          </p:val>
+                                        </p:tav>
+                                      </p:tavLst>
+                                    </p:anim>
+                                  </p:childTnLst>
+                                </p:cTn>
+                              </p:par>
+                            </p:childTnLst>
+                          </p:cTn>
+                        </p:par>
+                      </p:childTnLst>
+                    </p:cTn>
+                  </p:par>
+                  <p:par>
+                    <p:cTn id="66" fill="hold">
+                      <p:stCondLst>
+                        <p:cond delay="indefinite"/>
+                      </p:stCondLst>
+                      <p:childTnLst>
+                        <p:par>
+                          <p:cTn id="67" fill="hold">
+                            <p:stCondLst>
+                              <p:cond delay="0"/>
+                            </p:stCondLst>
+                            <p:childTnLst>
+                              <p:par>
+                                <p:cTn id="68" presetID="21" presetClass="entr" presetSubtype="1" fill="hold" grpId="0" nodeType="clickEffect">
+                                  <p:stCondLst>
+                                    <p:cond delay="0"/>
+                                  </p:stCondLst>
+                                  <p:childTnLst>
+                                    <p:set>
+                                      <p:cBhvr>
+                                        <p:cTn id="69" dur="1" fill="hold">
                                           <p:stCondLst>
                                             <p:cond delay="0"/>
                                           </p:stCondLst>
@@ -25698,79 +26450,9 @@
                                     </p:set>
                                     <p:animEffect transition="in" filter="wheel(1)">
                                       <p:cBhvr>
-                                        <p:cTn id="64" dur="2000"/>
+                                        <p:cTn id="70" dur="2000"/>
                                         <p:tgtEl>
                                           <p:spTgt spid="2"/>
-                                        </p:tgtEl>
-                                      </p:cBhvr>
-                                    </p:animEffect>
-                                  </p:childTnLst>
-                                </p:cTn>
-                              </p:par>
-                              <p:par>
-                                <p:cTn id="65" presetID="21" presetClass="entr" presetSubtype="1" fill="hold" grpId="0" nodeType="withEffect">
-                                  <p:stCondLst>
-                                    <p:cond delay="0"/>
-                                  </p:stCondLst>
-                                  <p:childTnLst>
-                                    <p:set>
-                                      <p:cBhvr>
-                                        <p:cTn id="66" dur="1" fill="hold">
-                                          <p:stCondLst>
-                                            <p:cond delay="0"/>
-                                          </p:stCondLst>
-                                        </p:cTn>
-                                        <p:tgtEl>
-                                          <p:spTgt spid="39"/>
-                                        </p:tgtEl>
-                                        <p:attrNameLst>
-                                          <p:attrName>style.visibility</p:attrName>
-                                        </p:attrNameLst>
-                                      </p:cBhvr>
-                                      <p:to>
-                                        <p:strVal val="visible"/>
-                                      </p:to>
-                                    </p:set>
-                                    <p:animEffect transition="in" filter="wheel(1)">
-                                      <p:cBhvr>
-                                        <p:cTn id="67" dur="2000"/>
-                                        <p:tgtEl>
-                                          <p:spTgt spid="39"/>
-                                        </p:tgtEl>
-                                      </p:cBhvr>
-                                    </p:animEffect>
-                                  </p:childTnLst>
-                                </p:cTn>
-                              </p:par>
-                              <p:par>
-                                <p:cTn id="68" presetID="21" presetClass="entr" presetSubtype="1" fill="hold" grpId="0" nodeType="withEffect">
-                                  <p:stCondLst>
-                                    <p:cond delay="0"/>
-                                  </p:stCondLst>
-                                  <p:childTnLst>
-                                    <p:set>
-                                      <p:cBhvr>
-                                        <p:cTn id="69" dur="1" fill="hold">
-                                          <p:stCondLst>
-                                            <p:cond delay="0"/>
-                                          </p:stCondLst>
-                                        </p:cTn>
-                                        <p:tgtEl>
-                                          <p:spTgt spid="40"/>
-                                        </p:tgtEl>
-                                        <p:attrNameLst>
-                                          <p:attrName>style.visibility</p:attrName>
-                                        </p:attrNameLst>
-                                      </p:cBhvr>
-                                      <p:to>
-                                        <p:strVal val="visible"/>
-                                      </p:to>
-                                    </p:set>
-                                    <p:animEffect transition="in" filter="wheel(1)">
-                                      <p:cBhvr>
-                                        <p:cTn id="70" dur="2000"/>
-                                        <p:tgtEl>
-                                          <p:spTgt spid="40"/>
                                         </p:tgtEl>
                                       </p:cBhvr>
                                     </p:animEffect>
@@ -25791,7 +26473,7 @@
                                           </p:stCondLst>
                                         </p:cTn>
                                         <p:tgtEl>
-                                          <p:spTgt spid="44"/>
+                                          <p:spTgt spid="39"/>
                                         </p:tgtEl>
                                         <p:attrNameLst>
                                           <p:attrName>style.visibility</p:attrName>
@@ -25805,7 +26487,7 @@
                                       <p:cBhvr>
                                         <p:cTn id="73" dur="2000"/>
                                         <p:tgtEl>
-                                          <p:spTgt spid="44"/>
+                                          <p:spTgt spid="39"/>
                                         </p:tgtEl>
                                       </p:cBhvr>
                                     </p:animEffect>
@@ -25826,6 +26508,146 @@
                                           </p:stCondLst>
                                         </p:cTn>
                                         <p:tgtEl>
+                                          <p:spTgt spid="40"/>
+                                        </p:tgtEl>
+                                        <p:attrNameLst>
+                                          <p:attrName>style.visibility</p:attrName>
+                                        </p:attrNameLst>
+                                      </p:cBhvr>
+                                      <p:to>
+                                        <p:strVal val="visible"/>
+                                      </p:to>
+                                    </p:set>
+                                    <p:animEffect transition="in" filter="wheel(1)">
+                                      <p:cBhvr>
+                                        <p:cTn id="76" dur="2000"/>
+                                        <p:tgtEl>
+                                          <p:spTgt spid="40"/>
+                                        </p:tgtEl>
+                                      </p:cBhvr>
+                                    </p:animEffect>
+                                  </p:childTnLst>
+                                </p:cTn>
+                              </p:par>
+                              <p:par>
+                                <p:cTn id="77" presetID="21" presetClass="entr" presetSubtype="1" fill="hold" grpId="0" nodeType="withEffect">
+                                  <p:stCondLst>
+                                    <p:cond delay="0"/>
+                                  </p:stCondLst>
+                                  <p:childTnLst>
+                                    <p:set>
+                                      <p:cBhvr>
+                                        <p:cTn id="78" dur="1" fill="hold">
+                                          <p:stCondLst>
+                                            <p:cond delay="0"/>
+                                          </p:stCondLst>
+                                        </p:cTn>
+                                        <p:tgtEl>
+                                          <p:spTgt spid="44"/>
+                                        </p:tgtEl>
+                                        <p:attrNameLst>
+                                          <p:attrName>style.visibility</p:attrName>
+                                        </p:attrNameLst>
+                                      </p:cBhvr>
+                                      <p:to>
+                                        <p:strVal val="visible"/>
+                                      </p:to>
+                                    </p:set>
+                                    <p:animEffect transition="in" filter="wheel(1)">
+                                      <p:cBhvr>
+                                        <p:cTn id="79" dur="2000"/>
+                                        <p:tgtEl>
+                                          <p:spTgt spid="44"/>
+                                        </p:tgtEl>
+                                      </p:cBhvr>
+                                    </p:animEffect>
+                                  </p:childTnLst>
+                                </p:cTn>
+                              </p:par>
+                              <p:par>
+                                <p:cTn id="80" presetID="21" presetClass="entr" presetSubtype="1" fill="hold" grpId="0" nodeType="withEffect">
+                                  <p:stCondLst>
+                                    <p:cond delay="0"/>
+                                  </p:stCondLst>
+                                  <p:childTnLst>
+                                    <p:set>
+                                      <p:cBhvr>
+                                        <p:cTn id="81" dur="1" fill="hold">
+                                          <p:stCondLst>
+                                            <p:cond delay="0"/>
+                                          </p:stCondLst>
+                                        </p:cTn>
+                                        <p:tgtEl>
+                                          <p:spTgt spid="50"/>
+                                        </p:tgtEl>
+                                        <p:attrNameLst>
+                                          <p:attrName>style.visibility</p:attrName>
+                                        </p:attrNameLst>
+                                      </p:cBhvr>
+                                      <p:to>
+                                        <p:strVal val="visible"/>
+                                      </p:to>
+                                    </p:set>
+                                    <p:animEffect transition="in" filter="wheel(1)">
+                                      <p:cBhvr>
+                                        <p:cTn id="82" dur="2000"/>
+                                        <p:tgtEl>
+                                          <p:spTgt spid="50"/>
+                                        </p:tgtEl>
+                                      </p:cBhvr>
+                                    </p:animEffect>
+                                  </p:childTnLst>
+                                </p:cTn>
+                              </p:par>
+                              <p:par>
+                                <p:cTn id="83" presetID="21" presetClass="entr" presetSubtype="1" fill="hold" grpId="0" nodeType="withEffect">
+                                  <p:stCondLst>
+                                    <p:cond delay="0"/>
+                                  </p:stCondLst>
+                                  <p:childTnLst>
+                                    <p:set>
+                                      <p:cBhvr>
+                                        <p:cTn id="84" dur="1" fill="hold">
+                                          <p:stCondLst>
+                                            <p:cond delay="0"/>
+                                          </p:stCondLst>
+                                        </p:cTn>
+                                        <p:tgtEl>
+                                          <p:spTgt spid="51"/>
+                                        </p:tgtEl>
+                                        <p:attrNameLst>
+                                          <p:attrName>style.visibility</p:attrName>
+                                        </p:attrNameLst>
+                                      </p:cBhvr>
+                                      <p:to>
+                                        <p:strVal val="visible"/>
+                                      </p:to>
+                                    </p:set>
+                                    <p:animEffect transition="in" filter="wheel(1)">
+                                      <p:cBhvr>
+                                        <p:cTn id="85" dur="2000"/>
+                                        <p:tgtEl>
+                                          <p:spTgt spid="51"/>
+                                        </p:tgtEl>
+                                      </p:cBhvr>
+                                    </p:animEffect>
+                                  </p:childTnLst>
+                                </p:cTn>
+                              </p:par>
+                              <p:par>
+                                <p:cTn id="86" presetID="21" presetClass="entr" presetSubtype="1" fill="hold" grpId="0" nodeType="withEffect">
+                                  <p:stCondLst>
+                                    <p:cond delay="0"/>
+                                  </p:stCondLst>
+                                  <p:childTnLst>
+                                    <p:set>
+                                      <p:cBhvr>
+                                        <p:cTn id="87" dur="1" fill="hold">
+                                          <p:stCondLst>
+                                            <p:cond delay="0"/>
+                                          </p:stCondLst>
+                                        </p:cTn>
+                                        <p:tgtEl>
                                           <p:spTgt spid="45"/>
                                         </p:tgtEl>
                                         <p:attrNameLst>
@@ -25838,7 +26660,7 @@
                                     </p:set>
                                     <p:animEffect transition="in" filter="wheel(1)">
                                       <p:cBhvr>
-                                        <p:cTn id="76" dur="2000"/>
+                                        <p:cTn id="88" dur="2000"/>
                                         <p:tgtEl>
                                           <p:spTgt spid="45"/>
                                         </p:tgtEl>
@@ -25854,26 +26676,26 @@
                     </p:cTn>
                   </p:par>
                   <p:par>
-                    <p:cTn id="77" fill="hold">
+                    <p:cTn id="89" fill="hold">
                       <p:stCondLst>
                         <p:cond delay="indefinite"/>
                       </p:stCondLst>
                       <p:childTnLst>
                         <p:par>
-                          <p:cTn id="78" fill="hold">
+                          <p:cTn id="90" fill="hold">
                             <p:stCondLst>
                               <p:cond delay="0"/>
                             </p:stCondLst>
                             <p:childTnLst>
                               <p:par>
-                                <p:cTn id="79" presetID="22" presetClass="entr" presetSubtype="4" fill="hold" nodeType="clickEffect">
+                                <p:cTn id="91" presetID="22" presetClass="entr" presetSubtype="4" fill="hold" nodeType="clickEffect">
                                   <p:stCondLst>
                                     <p:cond delay="0"/>
                                   </p:stCondLst>
                                   <p:childTnLst>
                                     <p:set>
                                       <p:cBhvr>
-                                        <p:cTn id="80" dur="1" fill="hold">
+                                        <p:cTn id="92" dur="1" fill="hold">
                                           <p:stCondLst>
                                             <p:cond delay="0"/>
                                           </p:stCondLst>
@@ -25891,7 +26713,7 @@
                                     </p:set>
                                     <p:animEffect transition="in" filter="wipe(down)">
                                       <p:cBhvr>
-                                        <p:cTn id="81" dur="1000"/>
+                                        <p:cTn id="93" dur="1000"/>
                                         <p:tgtEl>
                                           <p:spTgt spid="38"/>
                                         </p:tgtEl>
@@ -25904,20 +26726,20 @@
                           </p:cTn>
                         </p:par>
                         <p:par>
-                          <p:cTn id="82" fill="hold">
+                          <p:cTn id="94" fill="hold">
                             <p:stCondLst>
                               <p:cond delay="1000"/>
                             </p:stCondLst>
                             <p:childTnLst>
                               <p:par>
-                                <p:cTn id="83" presetID="22" presetClass="entr" presetSubtype="1" fill="hold" grpId="0" nodeType="afterEffect">
+                                <p:cTn id="95" presetID="22" presetClass="entr" presetSubtype="1" fill="hold" grpId="0" nodeType="afterEffect">
                                   <p:stCondLst>
                                     <p:cond delay="0"/>
                                   </p:stCondLst>
                                   <p:childTnLst>
                                     <p:set>
                                       <p:cBhvr>
-                                        <p:cTn id="84" dur="1" fill="hold">
+                                        <p:cTn id="96" dur="1" fill="hold">
                                           <p:stCondLst>
                                             <p:cond delay="0"/>
                                           </p:stCondLst>
@@ -25937,7 +26759,7 @@
                                     </p:set>
                                     <p:animEffect transition="in" filter="wipe(up)">
                                       <p:cBhvr>
-                                        <p:cTn id="85" dur="500"/>
+                                        <p:cTn id="97" dur="500"/>
                                         <p:tgtEl>
                                           <p:spTgt spid="37">
                                             <p:bg/>
@@ -25952,20 +26774,20 @@
                           </p:cTn>
                         </p:par>
                         <p:par>
-                          <p:cTn id="86" fill="hold">
+                          <p:cTn id="98" fill="hold">
                             <p:stCondLst>
                               <p:cond delay="1500"/>
                             </p:stCondLst>
                             <p:childTnLst>
                               <p:par>
-                                <p:cTn id="87" presetID="22" presetClass="entr" presetSubtype="1" fill="hold" grpId="0" nodeType="afterEffect">
+                                <p:cTn id="99" presetID="22" presetClass="entr" presetSubtype="1" fill="hold" grpId="0" nodeType="afterEffect">
                                   <p:stCondLst>
                                     <p:cond delay="0"/>
                                   </p:stCondLst>
                                   <p:childTnLst>
                                     <p:set>
                                       <p:cBhvr>
-                                        <p:cTn id="88" dur="1" fill="hold">
+                                        <p:cTn id="100" dur="1" fill="hold">
                                           <p:stCondLst>
                                             <p:cond delay="0"/>
                                           </p:stCondLst>
@@ -25987,7 +26809,7 @@
                                     </p:set>
                                     <p:animEffect transition="in" filter="wipe(up)">
                                       <p:cBhvr>
-                                        <p:cTn id="89" dur="500"/>
+                                        <p:cTn id="101" dur="500"/>
                                         <p:tgtEl>
                                           <p:spTgt spid="37">
                                             <p:txEl>
@@ -26004,20 +26826,20 @@
                           </p:cTn>
                         </p:par>
                         <p:par>
-                          <p:cTn id="90" fill="hold">
+                          <p:cTn id="102" fill="hold">
                             <p:stCondLst>
                               <p:cond delay="2000"/>
                             </p:stCondLst>
                             <p:childTnLst>
                               <p:par>
-                                <p:cTn id="91" presetID="22" presetClass="entr" presetSubtype="1" fill="hold" grpId="0" nodeType="afterEffect">
+                                <p:cTn id="103" presetID="22" presetClass="entr" presetSubtype="1" fill="hold" grpId="0" nodeType="afterEffect">
                                   <p:stCondLst>
                                     <p:cond delay="0"/>
                                   </p:stCondLst>
                                   <p:childTnLst>
                                     <p:set>
                                       <p:cBhvr>
-                                        <p:cTn id="92" dur="1" fill="hold">
+                                        <p:cTn id="104" dur="1" fill="hold">
                                           <p:stCondLst>
                                             <p:cond delay="0"/>
                                           </p:stCondLst>
@@ -26039,7 +26861,7 @@
                                     </p:set>
                                     <p:animEffect transition="in" filter="wipe(up)">
                                       <p:cBhvr>
-                                        <p:cTn id="93" dur="500"/>
+                                        <p:cTn id="105" dur="500"/>
                                         <p:tgtEl>
                                           <p:spTgt spid="37">
                                             <p:txEl>
@@ -26056,20 +26878,20 @@
                           </p:cTn>
                         </p:par>
                         <p:par>
-                          <p:cTn id="94" fill="hold">
+                          <p:cTn id="106" fill="hold">
                             <p:stCondLst>
                               <p:cond delay="2500"/>
                             </p:stCondLst>
                             <p:childTnLst>
                               <p:par>
-                                <p:cTn id="95" presetID="22" presetClass="entr" presetSubtype="1" fill="hold" grpId="0" nodeType="afterEffect">
+                                <p:cTn id="107" presetID="22" presetClass="entr" presetSubtype="1" fill="hold" grpId="0" nodeType="afterEffect">
                                   <p:stCondLst>
                                     <p:cond delay="0"/>
                                   </p:stCondLst>
                                   <p:childTnLst>
                                     <p:set>
                                       <p:cBhvr>
-                                        <p:cTn id="96" dur="1" fill="hold">
+                                        <p:cTn id="108" dur="1" fill="hold">
                                           <p:stCondLst>
                                             <p:cond delay="0"/>
                                           </p:stCondLst>
@@ -26091,7 +26913,7 @@
                                     </p:set>
                                     <p:animEffect transition="in" filter="wipe(up)">
                                       <p:cBhvr>
-                                        <p:cTn id="97" dur="500"/>
+                                        <p:cTn id="109" dur="500"/>
                                         <p:tgtEl>
                                           <p:spTgt spid="37">
                                             <p:txEl>
@@ -26108,20 +26930,20 @@
                           </p:cTn>
                         </p:par>
                         <p:par>
-                          <p:cTn id="98" fill="hold">
+                          <p:cTn id="110" fill="hold">
                             <p:stCondLst>
                               <p:cond delay="3000"/>
                             </p:stCondLst>
                             <p:childTnLst>
                               <p:par>
-                                <p:cTn id="99" presetID="22" presetClass="entr" presetSubtype="1" fill="hold" grpId="0" nodeType="afterEffect">
+                                <p:cTn id="111" presetID="22" presetClass="entr" presetSubtype="1" fill="hold" grpId="0" nodeType="afterEffect">
                                   <p:stCondLst>
                                     <p:cond delay="0"/>
                                   </p:stCondLst>
                                   <p:childTnLst>
                                     <p:set>
                                       <p:cBhvr>
-                                        <p:cTn id="100" dur="1" fill="hold">
+                                        <p:cTn id="112" dur="1" fill="hold">
                                           <p:stCondLst>
                                             <p:cond delay="0"/>
                                           </p:stCondLst>
@@ -26143,7 +26965,7 @@
                                     </p:set>
                                     <p:animEffect transition="in" filter="wipe(up)">
                                       <p:cBhvr>
-                                        <p:cTn id="101" dur="500"/>
+                                        <p:cTn id="113" dur="500"/>
                                         <p:tgtEl>
                                           <p:spTgt spid="37">
                                             <p:txEl>
@@ -26194,6 +27016,8 @@
       <p:bldP spid="37" grpId="0" build="p" animBg="1"/>
       <p:bldP spid="44" grpId="0" animBg="1"/>
       <p:bldP spid="45" grpId="0" animBg="1"/>
+      <p:bldP spid="50" grpId="0" animBg="1"/>
+      <p:bldP spid="51" grpId="0" animBg="1"/>
     </p:bldLst>
   </p:timing>
 </p:sld>
@@ -28133,6 +28957,9 @@
                     <p:cTn id="3" fill="hold">
                       <p:stCondLst>
                         <p:cond delay="indefinite"/>
+                        <p:cond evt="onBegin" delay="0">
+                          <p:tn val="2"/>
+                        </p:cond>
                       </p:stCondLst>
                       <p:childTnLst>
                         <p:par>
@@ -28142,7 +28969,7 @@
                             </p:stCondLst>
                             <p:childTnLst>
                               <p:par>
-                                <p:cTn id="5" presetID="10" presetClass="entr" presetSubtype="0" fill="hold" grpId="0" nodeType="clickEffect">
+                                <p:cTn id="5" presetID="10" presetClass="entr" presetSubtype="0" fill="hold" grpId="0" nodeType="afterEffect">
                                   <p:stCondLst>
                                     <p:cond delay="0"/>
                                   </p:stCondLst>

--- a/DynamicFilters_Presentation_Eng.pptx
+++ b/DynamicFilters_Presentation_Eng.pptx
@@ -41,7 +41,7 @@
     <p:sldId id="567" r:id="rId29"/>
   </p:sldIdLst>
   <p:sldSz cx="9144000" cy="5143500" type="screen16x9"/>
-  <p:notesSz cx="6858000" cy="9144000"/>
+  <p:notesSz cx="9144000" cy="6858000"/>
   <p:defaultTextStyle>
     <a:defPPr>
       <a:defRPr lang="en-US"/>
@@ -3234,8 +3234,8 @@
         </p:nvSpPr>
         <p:spPr>
           <a:xfrm>
-            <a:off x="4" y="0"/>
-            <a:ext cx="2971800" cy="457200"/>
+            <a:off x="5" y="0"/>
+            <a:ext cx="3962400" cy="342900"/>
           </a:xfrm>
           <a:prstGeom prst="rect">
             <a:avLst/>
@@ -3265,8 +3265,8 @@
         </p:nvSpPr>
         <p:spPr>
           <a:xfrm>
-            <a:off x="3884615" y="0"/>
-            <a:ext cx="2971800" cy="457200"/>
+            <a:off x="5179487" y="0"/>
+            <a:ext cx="3962400" cy="342900"/>
           </a:xfrm>
           <a:prstGeom prst="rect">
             <a:avLst/>
@@ -3300,8 +3300,8 @@
         </p:nvSpPr>
         <p:spPr>
           <a:xfrm>
-            <a:off x="4" y="8685214"/>
-            <a:ext cx="2971800" cy="457200"/>
+            <a:off x="5" y="6513911"/>
+            <a:ext cx="3962400" cy="342900"/>
           </a:xfrm>
           <a:prstGeom prst="rect">
             <a:avLst/>
@@ -3331,8 +3331,8 @@
         </p:nvSpPr>
         <p:spPr>
           <a:xfrm>
-            <a:off x="3884615" y="8685214"/>
-            <a:ext cx="2971800" cy="457200"/>
+            <a:off x="5179487" y="6513911"/>
+            <a:ext cx="3962400" cy="342900"/>
           </a:xfrm>
           <a:prstGeom prst="rect">
             <a:avLst/>
@@ -3400,8 +3400,8 @@
         </p:nvSpPr>
         <p:spPr>
           <a:xfrm>
-            <a:off x="4" y="0"/>
-            <a:ext cx="2971800" cy="457200"/>
+            <a:off x="5" y="0"/>
+            <a:ext cx="3962400" cy="342900"/>
           </a:xfrm>
           <a:prstGeom prst="rect">
             <a:avLst/>
@@ -3431,8 +3431,8 @@
         </p:nvSpPr>
         <p:spPr>
           <a:xfrm>
-            <a:off x="3884615" y="0"/>
-            <a:ext cx="2971800" cy="457200"/>
+            <a:off x="5179487" y="0"/>
+            <a:ext cx="3962400" cy="342900"/>
           </a:xfrm>
           <a:prstGeom prst="rect">
             <a:avLst/>
@@ -3466,8 +3466,8 @@
         </p:nvSpPr>
         <p:spPr>
           <a:xfrm>
-            <a:off x="381000" y="685800"/>
-            <a:ext cx="6096000" cy="3429000"/>
+            <a:off x="2286000" y="514350"/>
+            <a:ext cx="4572000" cy="2571750"/>
           </a:xfrm>
           <a:prstGeom prst="rect">
             <a:avLst/>
@@ -3499,8 +3499,8 @@
         </p:nvSpPr>
         <p:spPr>
           <a:xfrm>
-            <a:off x="685800" y="4343404"/>
-            <a:ext cx="5486400" cy="4114800"/>
+            <a:off x="914400" y="3257553"/>
+            <a:ext cx="7315200" cy="3086100"/>
           </a:xfrm>
           <a:prstGeom prst="rect">
             <a:avLst/>
@@ -3558,8 +3558,8 @@
         </p:nvSpPr>
         <p:spPr>
           <a:xfrm>
-            <a:off x="4" y="8685214"/>
-            <a:ext cx="2971800" cy="457200"/>
+            <a:off x="5" y="6513911"/>
+            <a:ext cx="3962400" cy="342900"/>
           </a:xfrm>
           <a:prstGeom prst="rect">
             <a:avLst/>
@@ -3589,8 +3589,8 @@
         </p:nvSpPr>
         <p:spPr>
           <a:xfrm>
-            <a:off x="3884615" y="8685214"/>
-            <a:ext cx="2971800" cy="457200"/>
+            <a:off x="5179487" y="6513911"/>
+            <a:ext cx="3962400" cy="342900"/>
           </a:xfrm>
           <a:prstGeom prst="rect">
             <a:avLst/>
@@ -3849,14 +3849,17 @@
             </a:pPr>
             <a:r>
               <a:rPr lang="en-US" dirty="0"/>
-              <a:t>This method reduces recompiles</a:t>
+              <a:t>This method reduces recompiles.</a:t>
             </a:r>
           </a:p>
           <a:p>
             <a:pPr defTabSz="913984">
               <a:defRPr/>
             </a:pPr>
-            <a:endParaRPr lang="en-US" dirty="0"/>
+            <a:r>
+              <a:rPr lang="en-US" dirty="0"/>
+              <a:t>See a couple examples of output query code.</a:t>
+            </a:r>
           </a:p>
           <a:p>
             <a:pPr defTabSz="913984">
@@ -3864,7 +3867,7 @@
             </a:pPr>
             <a:r>
               <a:rPr lang="en-US" dirty="0"/>
-              <a:t>See a couple examples of output query code</a:t>
+              <a:t>We’ll assume this to be our common standard from now on.</a:t>
             </a:r>
           </a:p>
         </p:txBody>
@@ -4251,7 +4254,13 @@
           <a:p>
             <a:r>
               <a:rPr lang="en-US" dirty="0"/>
-              <a:t>Remember this query? The red parts are literal values sent from the end-user, the yellow parts are specific parameter/column definitions</a:t>
+              <a:t>Remember this query? The red parts are literal values sent from the end-user, the yellow parts are specific parameter/column definitions.</a:t>
+            </a:r>
+          </a:p>
+          <a:p>
+            <a:r>
+              <a:rPr lang="en-US" dirty="0"/>
+              <a:t>Where’s the green part? That’s the entire query actually.</a:t>
             </a:r>
           </a:p>
         </p:txBody>
@@ -4656,7 +4665,13 @@
           <a:p>
             <a:r>
               <a:rPr lang="en-US" dirty="0"/>
-              <a:t>We implement a “Parameter Parser”, which would be generic and agnostic to any specific parameter collection</a:t>
+              <a:t>We implement a “Parameter Parser”, which would be generic and agnostic to any specific parameter collection.</a:t>
+            </a:r>
+          </a:p>
+          <a:p>
+            <a:r>
+              <a:rPr lang="en-US" dirty="0"/>
+              <a:t>Parameters and parameter collections are no longer defined or maintained by code. They’re maintained by data instead.</a:t>
             </a:r>
           </a:p>
         </p:txBody>
@@ -5034,7 +5049,27 @@
           <a:p>
             <a:r>
               <a:rPr lang="en-US" dirty="0"/>
-              <a:t>The parameter collection itself could be either of the following: XML, JSON, or Table-Valued Parameter.</a:t>
+              <a:t>The generated parsed SQL consists of two main parts: 1) parameter initialization. 2) generated query.</a:t>
+            </a:r>
+          </a:p>
+          <a:p>
+            <a:r>
+              <a:rPr lang="en-US" dirty="0"/>
+              <a:t>These two parts could either be executed as a single command [1] or as “encapsulated” </a:t>
+            </a:r>
+            <a:r>
+              <a:rPr lang="en-US" dirty="0" err="1"/>
+              <a:t>sp_executesql</a:t>
+            </a:r>
+            <a:r>
+              <a:rPr lang="en-US" dirty="0"/>
+              <a:t> [2].</a:t>
+            </a:r>
+          </a:p>
+          <a:p>
+            <a:r>
+              <a:rPr lang="en-US" dirty="0"/>
+              <a:t>The parameter collection itself could be either of the following: XML, JSON, or Table-Valued Parameter. Anything that can serve as a collection of values but also have its individual values be accessible deterministically (using an “indexer” of sorts).</a:t>
             </a:r>
           </a:p>
         </p:txBody>
@@ -6036,7 +6071,13 @@
           <a:p>
             <a:r>
               <a:rPr lang="en-US" dirty="0"/>
-              <a:t>This is sort of what they had before: single parameter and single operator per column at most</a:t>
+              <a:t>This is sort of what they had before: single parameter and single operator per column at most.</a:t>
+            </a:r>
+          </a:p>
+          <a:p>
+            <a:r>
+              <a:rPr lang="en-US" dirty="0"/>
+              <a:t>How did they implement it? See next slides.</a:t>
             </a:r>
           </a:p>
         </p:txBody>

--- a/DynamicFilters_Presentation_Eng.pptx
+++ b/DynamicFilters_Presentation_Eng.pptx
@@ -3282,7 +3282,7 @@
           <a:p>
             <a:fld id="{61F4F17F-797E-F743-99C7-34FA65335D3C}" type="datetimeFigureOut">
               <a:rPr lang="en-US" smtClean="0"/>
-              <a:t>4/30/2019</a:t>
+              <a:t>9/16/2019</a:t>
             </a:fld>
             <a:endParaRPr lang="en-US"/>
           </a:p>
@@ -3448,7 +3448,7 @@
           <a:p>
             <a:fld id="{A76353FC-0869-45D3-95AF-CC29198471C2}" type="datetimeFigureOut">
               <a:rPr lang="en-US" smtClean="0"/>
-              <a:t>4/30/2019</a:t>
+              <a:t>9/16/2019</a:t>
             </a:fld>
             <a:endParaRPr lang="en-US"/>
           </a:p>
@@ -8695,6 +8695,42 @@
       </p:grpSpPr>
       <p:pic>
         <p:nvPicPr>
+          <p:cNvPr id="9" name="Picture 8" descr="A picture containing colorful, stationary, photo&#10;&#10;Description automatically generated">
+            <a:extLst>
+              <a:ext uri="{FF2B5EF4-FFF2-40B4-BE49-F238E27FC236}">
+                <a16:creationId xmlns:a16="http://schemas.microsoft.com/office/drawing/2014/main" id="{FBE8FF2F-D360-4199-A799-7FB8331BDD2E}"/>
+              </a:ext>
+            </a:extLst>
+          </p:cNvPr>
+          <p:cNvPicPr>
+            <a:picLocks noChangeAspect="1"/>
+          </p:cNvPicPr>
+          <p:nvPr/>
+        </p:nvPicPr>
+        <p:blipFill>
+          <a:blip r:embed="rId3" cstate="print">
+            <a:extLst>
+              <a:ext uri="{28A0092B-C50C-407E-A947-70E740481C1C}">
+                <a14:useLocalDpi xmlns:a14="http://schemas.microsoft.com/office/drawing/2010/main" val="0"/>
+              </a:ext>
+            </a:extLst>
+          </a:blip>
+          <a:stretch>
+            <a:fillRect/>
+          </a:stretch>
+        </p:blipFill>
+        <p:spPr>
+          <a:xfrm>
+            <a:off x="954593" y="0"/>
+            <a:ext cx="7234813" cy="5143500"/>
+          </a:xfrm>
+          <a:prstGeom prst="rect">
+            <a:avLst/>
+          </a:prstGeom>
+        </p:spPr>
+      </p:pic>
+      <p:pic>
+        <p:nvPicPr>
           <p:cNvPr id="7" name="Picture 6"/>
           <p:cNvPicPr>
             <a:picLocks noChangeAspect="1"/>
@@ -8702,7 +8738,7 @@
           <p:nvPr/>
         </p:nvPicPr>
         <p:blipFill>
-          <a:blip r:embed="rId3" cstate="print">
+          <a:blip r:embed="rId4" cstate="print">
             <a:clrChange>
               <a:clrFrom>
                 <a:srgbClr val="FFFFFF"/>
@@ -8725,8 +8761,8 @@
         </p:blipFill>
         <p:spPr>
           <a:xfrm>
-            <a:off x="3627734" y="3786237"/>
-            <a:ext cx="1816608" cy="1816608"/>
+            <a:off x="2000814" y="261257"/>
+            <a:ext cx="1163782" cy="1163782"/>
           </a:xfrm>
           <a:prstGeom prst="rect">
             <a:avLst/>
@@ -8735,352 +8771,63 @@
       </p:pic>
       <p:sp>
         <p:nvSpPr>
-          <p:cNvPr id="4" name="Title 3"/>
-          <p:cNvSpPr>
-            <a:spLocks noGrp="1"/>
-          </p:cNvSpPr>
-          <p:nvPr>
-            <p:ph type="ctrTitle"/>
-          </p:nvPr>
-        </p:nvSpPr>
-        <p:spPr>
-          <a:xfrm>
-            <a:off x="220257" y="1242624"/>
-            <a:ext cx="8730183" cy="706657"/>
-          </a:xfrm>
-        </p:spPr>
-        <p:txBody>
-          <a:bodyPr/>
-          <a:lstStyle/>
-          <a:p>
-            <a:pPr algn="ctr">
-              <a:lnSpc>
-                <a:spcPct val="100000"/>
-              </a:lnSpc>
-            </a:pPr>
-            <a:br>
-              <a:rPr lang="en-US" sz="6000" dirty="0">
-                <a:effectLst>
-                  <a:outerShdw blurRad="38100" dist="38100" dir="2700000" algn="tl">
-                    <a:srgbClr val="000000">
-                      <a:alpha val="43137"/>
-                    </a:srgbClr>
-                  </a:outerShdw>
-                </a:effectLst>
-                <a:latin typeface="Calibri" panose="020F0502020204030204" pitchFamily="34" charset="0"/>
-              </a:rPr>
-            </a:br>
-            <a:r>
-              <a:rPr lang="en-US" sz="6000" dirty="0">
-                <a:effectLst>
-                  <a:outerShdw blurRad="38100" dist="38100" dir="2700000" algn="tl">
-                    <a:srgbClr val="000000">
-                      <a:alpha val="43137"/>
-                    </a:srgbClr>
-                  </a:outerShdw>
-                </a:effectLst>
-                <a:latin typeface="Calibri" panose="020F0502020204030204" pitchFamily="34" charset="0"/>
-              </a:rPr>
-              <a:t>Dynamic Search Queries</a:t>
-            </a:r>
-            <a:br>
-              <a:rPr lang="en-US" sz="6000" dirty="0">
-                <a:effectLst>
-                  <a:outerShdw blurRad="38100" dist="38100" dir="2700000" algn="tl">
-                    <a:srgbClr val="000000">
-                      <a:alpha val="43137"/>
-                    </a:srgbClr>
-                  </a:outerShdw>
-                </a:effectLst>
-                <a:latin typeface="Calibri" panose="020F0502020204030204" pitchFamily="34" charset="0"/>
-              </a:rPr>
-            </a:br>
-            <a:r>
-              <a:rPr lang="en-US" sz="6000" dirty="0">
-                <a:effectLst>
-                  <a:outerShdw blurRad="38100" dist="38100" dir="2700000" algn="tl">
-                    <a:srgbClr val="000000">
-                      <a:alpha val="43137"/>
-                    </a:srgbClr>
-                  </a:outerShdw>
-                </a:effectLst>
-                <a:latin typeface="Calibri" panose="020F0502020204030204" pitchFamily="34" charset="0"/>
-              </a:rPr>
-              <a:t>and How to Protect Them</a:t>
-            </a:r>
-            <a:endParaRPr lang="en-US" sz="6000" dirty="0">
-              <a:solidFill>
-                <a:schemeClr val="tx2"/>
-              </a:solidFill>
-              <a:effectLst>
-                <a:outerShdw blurRad="38100" dist="38100" dir="2700000" algn="tl">
-                  <a:srgbClr val="000000">
-                    <a:alpha val="43137"/>
-                  </a:srgbClr>
-                </a:outerShdw>
-              </a:effectLst>
-              <a:latin typeface="Calibri" panose="020F0502020204030204" pitchFamily="34" charset="0"/>
-            </a:endParaRPr>
-          </a:p>
-        </p:txBody>
-      </p:sp>
-      <p:sp>
-        <p:nvSpPr>
-          <p:cNvPr id="6" name="Subtitle 5"/>
-          <p:cNvSpPr txBox="1">
-            <a:spLocks/>
-          </p:cNvSpPr>
+          <p:cNvPr id="10" name="Rectangle 9">
+            <a:extLst>
+              <a:ext uri="{FF2B5EF4-FFF2-40B4-BE49-F238E27FC236}">
+                <a16:creationId xmlns:a16="http://schemas.microsoft.com/office/drawing/2014/main" id="{87832249-70BF-41D6-B3C6-B8F81E1C3AAC}"/>
+              </a:ext>
+            </a:extLst>
+          </p:cNvPr>
+          <p:cNvSpPr/>
           <p:nvPr/>
         </p:nvSpPr>
         <p:spPr>
           <a:xfrm>
-            <a:off x="3061182" y="3517367"/>
-            <a:ext cx="2949713" cy="453733"/>
+            <a:off x="8189406" y="4635669"/>
+            <a:ext cx="954594" cy="507831"/>
           </a:xfrm>
           <a:prstGeom prst="rect">
             <a:avLst/>
           </a:prstGeom>
         </p:spPr>
         <p:txBody>
-          <a:bodyPr vert="horz" lIns="91440" tIns="45720" rIns="91440" bIns="45720" rtlCol="0" anchor="t" anchorCtr="0">
-            <a:noAutofit/>
+          <a:bodyPr wrap="square">
+            <a:spAutoFit/>
           </a:bodyPr>
-          <a:lstStyle>
-            <a:lvl1pPr marL="0" indent="0" algn="l" defTabSz="457200" rtl="0" eaLnBrk="1" latinLnBrk="0" hangingPunct="1">
-              <a:lnSpc>
-                <a:spcPts val="2800"/>
-              </a:lnSpc>
-              <a:spcBef>
-                <a:spcPts val="500"/>
-              </a:spcBef>
-              <a:spcAft>
-                <a:spcPts val="800"/>
-              </a:spcAft>
-              <a:buFont typeface="Arial"/>
-              <a:buNone/>
-              <a:defRPr sz="2400" kern="1200">
-                <a:solidFill>
-                  <a:schemeClr val="accent6">
-                    <a:lumMod val="75000"/>
-                  </a:schemeClr>
-                </a:solidFill>
-                <a:latin typeface="Arial"/>
-                <a:ea typeface="+mn-ea"/>
-                <a:cs typeface="Arial"/>
-              </a:defRPr>
-            </a:lvl1pPr>
-            <a:lvl2pPr marL="457200" indent="0" algn="ctr" defTabSz="457200" rtl="0" eaLnBrk="1" latinLnBrk="0" hangingPunct="1">
-              <a:lnSpc>
-                <a:spcPts val="2500"/>
-              </a:lnSpc>
-              <a:spcBef>
-                <a:spcPts val="200"/>
-              </a:spcBef>
-              <a:spcAft>
-                <a:spcPts val="200"/>
-              </a:spcAft>
-              <a:buFont typeface="Arial"/>
-              <a:buNone/>
-              <a:defRPr sz="2400" kern="1200">
-                <a:solidFill>
-                  <a:schemeClr val="tx1">
-                    <a:tint val="75000"/>
-                  </a:schemeClr>
-                </a:solidFill>
-                <a:latin typeface="Arial"/>
-                <a:ea typeface="+mn-ea"/>
-                <a:cs typeface="Arial"/>
-              </a:defRPr>
-            </a:lvl2pPr>
-            <a:lvl3pPr marL="914400" indent="0" algn="ctr" defTabSz="457200" rtl="0" eaLnBrk="1" latinLnBrk="0" hangingPunct="1">
-              <a:spcBef>
-                <a:spcPct val="20000"/>
-              </a:spcBef>
-              <a:buSzPct val="100000"/>
-              <a:buFont typeface="Arial"/>
-              <a:buNone/>
-              <a:defRPr sz="2000" kern="1200">
-                <a:solidFill>
-                  <a:schemeClr val="tx1">
-                    <a:tint val="75000"/>
-                  </a:schemeClr>
-                </a:solidFill>
-                <a:latin typeface="Arial"/>
-                <a:ea typeface="+mn-ea"/>
-                <a:cs typeface="Arial"/>
-              </a:defRPr>
-            </a:lvl3pPr>
-            <a:lvl4pPr marL="1371600" indent="0" algn="ctr" defTabSz="442913" rtl="0" eaLnBrk="1" latinLnBrk="0" hangingPunct="1">
-              <a:spcBef>
-                <a:spcPct val="20000"/>
-              </a:spcBef>
-              <a:buFont typeface="Arial"/>
-              <a:buNone/>
-              <a:defRPr sz="2000" kern="1200">
-                <a:solidFill>
-                  <a:schemeClr val="tx1">
-                    <a:tint val="75000"/>
-                  </a:schemeClr>
-                </a:solidFill>
-                <a:latin typeface="Arial"/>
-                <a:ea typeface="+mn-ea"/>
-                <a:cs typeface="Arial"/>
-              </a:defRPr>
-            </a:lvl4pPr>
-            <a:lvl5pPr marL="1828800" indent="0" algn="ctr" defTabSz="457200" rtl="0" eaLnBrk="1" latinLnBrk="0" hangingPunct="1">
-              <a:spcBef>
-                <a:spcPct val="20000"/>
-              </a:spcBef>
-              <a:buFont typeface="Arial"/>
-              <a:buNone/>
-              <a:defRPr sz="2000" kern="1200">
-                <a:solidFill>
-                  <a:schemeClr val="tx1">
-                    <a:tint val="75000"/>
-                  </a:schemeClr>
-                </a:solidFill>
-                <a:latin typeface="Arial"/>
-                <a:ea typeface="+mn-ea"/>
-                <a:cs typeface="Arial"/>
-              </a:defRPr>
-            </a:lvl5pPr>
-            <a:lvl6pPr marL="2286000" indent="0" algn="ctr" defTabSz="457200" rtl="0" eaLnBrk="1" latinLnBrk="0" hangingPunct="1">
-              <a:spcBef>
-                <a:spcPct val="20000"/>
-              </a:spcBef>
-              <a:buFont typeface="Arial"/>
-              <a:buNone/>
-              <a:defRPr sz="2000" kern="1200">
-                <a:solidFill>
-                  <a:schemeClr val="tx1">
-                    <a:tint val="75000"/>
-                  </a:schemeClr>
-                </a:solidFill>
-                <a:latin typeface="+mn-lt"/>
-                <a:ea typeface="+mn-ea"/>
-                <a:cs typeface="+mn-cs"/>
-              </a:defRPr>
-            </a:lvl6pPr>
-            <a:lvl7pPr marL="2743200" indent="0" algn="ctr" defTabSz="457200" rtl="0" eaLnBrk="1" latinLnBrk="0" hangingPunct="1">
-              <a:spcBef>
-                <a:spcPct val="20000"/>
-              </a:spcBef>
-              <a:buFont typeface="Arial"/>
-              <a:buNone/>
-              <a:defRPr sz="2000" kern="1200">
-                <a:solidFill>
-                  <a:schemeClr val="tx1">
-                    <a:tint val="75000"/>
-                  </a:schemeClr>
-                </a:solidFill>
-                <a:latin typeface="+mn-lt"/>
-                <a:ea typeface="+mn-ea"/>
-                <a:cs typeface="+mn-cs"/>
-              </a:defRPr>
-            </a:lvl7pPr>
-            <a:lvl8pPr marL="3200400" indent="0" algn="ctr" defTabSz="457200" rtl="0" eaLnBrk="1" latinLnBrk="0" hangingPunct="1">
-              <a:spcBef>
-                <a:spcPct val="20000"/>
-              </a:spcBef>
-              <a:buFont typeface="Arial"/>
-              <a:buNone/>
-              <a:defRPr sz="2000" kern="1200">
-                <a:solidFill>
-                  <a:schemeClr val="tx1">
-                    <a:tint val="75000"/>
-                  </a:schemeClr>
-                </a:solidFill>
-                <a:latin typeface="+mn-lt"/>
-                <a:ea typeface="+mn-ea"/>
-                <a:cs typeface="+mn-cs"/>
-              </a:defRPr>
-            </a:lvl8pPr>
-            <a:lvl9pPr marL="3657600" indent="0" algn="ctr" defTabSz="457200" rtl="0" eaLnBrk="1" latinLnBrk="0" hangingPunct="1">
-              <a:spcBef>
-                <a:spcPct val="20000"/>
-              </a:spcBef>
-              <a:buFont typeface="Arial"/>
-              <a:buNone/>
-              <a:defRPr sz="2000" kern="1200">
-                <a:solidFill>
-                  <a:schemeClr val="tx1">
-                    <a:tint val="75000"/>
-                  </a:schemeClr>
-                </a:solidFill>
-                <a:latin typeface="+mn-lt"/>
-                <a:ea typeface="+mn-ea"/>
-                <a:cs typeface="+mn-cs"/>
-              </a:defRPr>
-            </a:lvl9pPr>
-          </a:lstStyle>
-          <a:p>
-            <a:pPr algn="ctr">
-              <a:lnSpc>
-                <a:spcPct val="100000"/>
-              </a:lnSpc>
-              <a:spcBef>
-                <a:spcPts val="0"/>
-              </a:spcBef>
-              <a:spcAft>
-                <a:spcPts val="0"/>
-              </a:spcAft>
-            </a:pPr>
-            <a:r>
-              <a:rPr lang="en-US" sz="2000" b="1" dirty="0">
-                <a:solidFill>
-                  <a:schemeClr val="tx1"/>
-                </a:solidFill>
-                <a:latin typeface="Calibri" panose="020F0502020204030204" pitchFamily="34" charset="0"/>
-                <a:cs typeface="Century Gothic"/>
-              </a:rPr>
-              <a:t> by Eitan Blumin</a:t>
-            </a:r>
-            <a:endParaRPr lang="en-US" sz="2000" dirty="0">
-              <a:solidFill>
-                <a:schemeClr val="tx1"/>
-              </a:solidFill>
-              <a:latin typeface="Calibri" panose="020F0502020204030204" pitchFamily="34" charset="0"/>
-              <a:cs typeface="Century Gothic"/>
-            </a:endParaRPr>
+          <a:lstStyle/>
+          <a:p>
+            <a:r>
+              <a:rPr lang="en-US" sz="900" dirty="0">
+                <a:solidFill>
+                  <a:srgbClr val="333333"/>
+                </a:solidFill>
+                <a:latin typeface="Helvetica Neue"/>
+              </a:rPr>
+              <a:t>Image by </a:t>
+            </a:r>
+            <a:r>
+              <a:rPr lang="en-US" sz="900" u="sng" dirty="0">
+                <a:solidFill>
+                  <a:srgbClr val="333333"/>
+                </a:solidFill>
+                <a:latin typeface="Helvetica Neue"/>
+                <a:hlinkClick r:id="rId5"/>
+              </a:rPr>
+              <a:t>Annalise Batista</a:t>
+            </a:r>
+            <a:r>
+              <a:rPr lang="en-US" sz="900" dirty="0">
+                <a:solidFill>
+                  <a:srgbClr val="333333"/>
+                </a:solidFill>
+                <a:latin typeface="Helvetica Neue"/>
+              </a:rPr>
+              <a:t> </a:t>
+            </a:r>
+            <a:endParaRPr lang="LID4096" sz="900" dirty="0"/>
           </a:p>
         </p:txBody>
       </p:sp>
-      <p:pic>
-        <p:nvPicPr>
-          <p:cNvPr id="3" name="Picture 2">
-            <a:extLst>
-              <a:ext uri="{FF2B5EF4-FFF2-40B4-BE49-F238E27FC236}">
-                <a16:creationId xmlns:a16="http://schemas.microsoft.com/office/drawing/2014/main" id="{5D11F59E-4BF6-4C2F-B8CA-9E28D71DEFC0}"/>
-              </a:ext>
-            </a:extLst>
-          </p:cNvPr>
-          <p:cNvPicPr>
-            <a:picLocks noChangeAspect="1"/>
-          </p:cNvPicPr>
-          <p:nvPr/>
-        </p:nvPicPr>
-        <p:blipFill>
-          <a:blip r:embed="rId4" cstate="print">
-            <a:extLst>
-              <a:ext uri="{28A0092B-C50C-407E-A947-70E740481C1C}">
-                <a14:useLocalDpi xmlns:a14="http://schemas.microsoft.com/office/drawing/2010/main" val="0"/>
-              </a:ext>
-            </a:extLst>
-          </a:blip>
-          <a:stretch>
-            <a:fillRect/>
-          </a:stretch>
-        </p:blipFill>
-        <p:spPr>
-          <a:xfrm>
-            <a:off x="3954241" y="2051999"/>
-            <a:ext cx="1163593" cy="1230908"/>
-          </a:xfrm>
-          <a:prstGeom prst="rect">
-            <a:avLst/>
-          </a:prstGeom>
-        </p:spPr>
-      </p:pic>
     </p:spTree>
     <p:extLst>
       <p:ext uri="{BB962C8B-B14F-4D97-AF65-F5344CB8AC3E}">
@@ -9091,13 +8838,13 @@
   <p:clrMapOvr>
     <a:masterClrMapping/>
   </p:clrMapOvr>
-  <mc:AlternateContent xmlns:mc="http://schemas.openxmlformats.org/markup-compatibility/2006">
-    <mc:Choice xmlns:p14="http://schemas.microsoft.com/office/powerpoint/2010/main" Requires="p14">
+  <mc:AlternateContent xmlns:mc="http://schemas.openxmlformats.org/markup-compatibility/2006" xmlns:p14="http://schemas.microsoft.com/office/powerpoint/2010/main">
+    <mc:Choice Requires="p14">
       <p:transition spd="med" p14:dur="700">
         <p:fade/>
       </p:transition>
     </mc:Choice>
-    <mc:Fallback>
+    <mc:Fallback xmlns="">
       <p:transition spd="med">
         <p:fade/>
       </p:transition>
@@ -10386,13 +10133,13 @@
   <p:clrMapOvr>
     <a:masterClrMapping/>
   </p:clrMapOvr>
-  <mc:AlternateContent xmlns:mc="http://schemas.openxmlformats.org/markup-compatibility/2006">
-    <mc:Choice xmlns:p14="http://schemas.microsoft.com/office/powerpoint/2010/main" Requires="p14">
+  <mc:AlternateContent xmlns:mc="http://schemas.openxmlformats.org/markup-compatibility/2006" xmlns:p14="http://schemas.microsoft.com/office/powerpoint/2010/main">
+    <mc:Choice Requires="p14">
       <p:transition spd="med" p14:dur="700">
         <p:fade/>
       </p:transition>
     </mc:Choice>
-    <mc:Fallback>
+    <mc:Fallback xmlns="">
       <p:transition spd="med">
         <p:fade/>
       </p:transition>
@@ -10634,13 +10381,13 @@
   <p:clrMapOvr>
     <a:masterClrMapping/>
   </p:clrMapOvr>
-  <mc:AlternateContent xmlns:mc="http://schemas.openxmlformats.org/markup-compatibility/2006">
-    <mc:Choice xmlns:p14="http://schemas.microsoft.com/office/powerpoint/2010/main" Requires="p14">
+  <mc:AlternateContent xmlns:mc="http://schemas.openxmlformats.org/markup-compatibility/2006" xmlns:p14="http://schemas.microsoft.com/office/powerpoint/2010/main">
+    <mc:Choice Requires="p14">
       <p:transition spd="med" p14:dur="700">
         <p:fade/>
       </p:transition>
     </mc:Choice>
-    <mc:Fallback>
+    <mc:Fallback xmlns="">
       <p:transition spd="med">
         <p:fade/>
       </p:transition>
@@ -11247,13 +10994,13 @@
   <p:clrMapOvr>
     <a:masterClrMapping/>
   </p:clrMapOvr>
-  <mc:AlternateContent xmlns:mc="http://schemas.openxmlformats.org/markup-compatibility/2006">
-    <mc:Choice xmlns:p14="http://schemas.microsoft.com/office/powerpoint/2010/main" Requires="p14">
+  <mc:AlternateContent xmlns:mc="http://schemas.openxmlformats.org/markup-compatibility/2006" xmlns:p14="http://schemas.microsoft.com/office/powerpoint/2010/main">
+    <mc:Choice Requires="p14">
       <p:transition spd="med" p14:dur="700">
         <p:fade/>
       </p:transition>
     </mc:Choice>
-    <mc:Fallback>
+    <mc:Fallback xmlns="">
       <p:transition spd="med">
         <p:fade/>
       </p:transition>
@@ -11685,13 +11432,13 @@
   <p:clrMapOvr>
     <a:masterClrMapping/>
   </p:clrMapOvr>
-  <mc:AlternateContent xmlns:mc="http://schemas.openxmlformats.org/markup-compatibility/2006">
-    <mc:Choice xmlns:p14="http://schemas.microsoft.com/office/powerpoint/2010/main" Requires="p14">
+  <mc:AlternateContent xmlns:mc="http://schemas.openxmlformats.org/markup-compatibility/2006" xmlns:p14="http://schemas.microsoft.com/office/powerpoint/2010/main">
+    <mc:Choice Requires="p14">
       <p:transition spd="med" p14:dur="700">
         <p:fade/>
       </p:transition>
     </mc:Choice>
-    <mc:Fallback>
+    <mc:Fallback xmlns="">
       <p:transition spd="med">
         <p:fade/>
       </p:transition>
@@ -12588,13 +12335,13 @@
   <p:clrMapOvr>
     <a:masterClrMapping/>
   </p:clrMapOvr>
-  <mc:AlternateContent xmlns:mc="http://schemas.openxmlformats.org/markup-compatibility/2006">
-    <mc:Choice xmlns:p14="http://schemas.microsoft.com/office/powerpoint/2010/main" Requires="p14">
+  <mc:AlternateContent xmlns:mc="http://schemas.openxmlformats.org/markup-compatibility/2006" xmlns:p14="http://schemas.microsoft.com/office/powerpoint/2010/main">
+    <mc:Choice Requires="p14">
       <p:transition spd="med" p14:dur="700">
         <p:fade/>
       </p:transition>
     </mc:Choice>
-    <mc:Fallback>
+    <mc:Fallback xmlns="">
       <p:transition spd="med">
         <p:fade/>
       </p:transition>
@@ -13147,13 +12894,13 @@
   <p:clrMapOvr>
     <a:masterClrMapping/>
   </p:clrMapOvr>
-  <mc:AlternateContent xmlns:mc="http://schemas.openxmlformats.org/markup-compatibility/2006">
-    <mc:Choice xmlns:p14="http://schemas.microsoft.com/office/powerpoint/2010/main" Requires="p14">
+  <mc:AlternateContent xmlns:mc="http://schemas.openxmlformats.org/markup-compatibility/2006" xmlns:p14="http://schemas.microsoft.com/office/powerpoint/2010/main">
+    <mc:Choice Requires="p14">
       <p:transition spd="med" p14:dur="700">
         <p:fade/>
       </p:transition>
     </mc:Choice>
-    <mc:Fallback>
+    <mc:Fallback xmlns="">
       <p:transition spd="med">
         <p:fade/>
       </p:transition>
@@ -14608,13 +14355,13 @@
   <p:clrMapOvr>
     <a:masterClrMapping/>
   </p:clrMapOvr>
-  <mc:AlternateContent xmlns:mc="http://schemas.openxmlformats.org/markup-compatibility/2006">
-    <mc:Choice xmlns:p14="http://schemas.microsoft.com/office/powerpoint/2010/main" Requires="p14">
+  <mc:AlternateContent xmlns:mc="http://schemas.openxmlformats.org/markup-compatibility/2006" xmlns:p14="http://schemas.microsoft.com/office/powerpoint/2010/main">
+    <mc:Choice Requires="p14">
       <p:transition spd="med" p14:dur="700">
         <p:fade/>
       </p:transition>
     </mc:Choice>
-    <mc:Fallback>
+    <mc:Fallback xmlns="">
       <p:transition spd="med">
         <p:fade/>
       </p:transition>
@@ -15273,13 +15020,13 @@
   <p:clrMapOvr>
     <a:masterClrMapping/>
   </p:clrMapOvr>
-  <mc:AlternateContent xmlns:mc="http://schemas.openxmlformats.org/markup-compatibility/2006">
-    <mc:Choice xmlns:p14="http://schemas.microsoft.com/office/powerpoint/2010/main" Requires="p14">
+  <mc:AlternateContent xmlns:mc="http://schemas.openxmlformats.org/markup-compatibility/2006" xmlns:p14="http://schemas.microsoft.com/office/powerpoint/2010/main">
+    <mc:Choice Requires="p14">
       <p:transition spd="med" p14:dur="700">
         <p:fade/>
       </p:transition>
     </mc:Choice>
-    <mc:Fallback>
+    <mc:Fallback xmlns="">
       <p:transition spd="med">
         <p:fade/>
       </p:transition>
@@ -16041,13 +15788,13 @@
   <p:clrMapOvr>
     <a:masterClrMapping/>
   </p:clrMapOvr>
-  <mc:AlternateContent xmlns:mc="http://schemas.openxmlformats.org/markup-compatibility/2006">
-    <mc:Choice xmlns:p14="http://schemas.microsoft.com/office/powerpoint/2010/main" Requires="p14">
+  <mc:AlternateContent xmlns:mc="http://schemas.openxmlformats.org/markup-compatibility/2006" xmlns:p14="http://schemas.microsoft.com/office/powerpoint/2010/main">
+    <mc:Choice Requires="p14">
       <p:transition spd="med" p14:dur="700">
         <p:fade/>
       </p:transition>
     </mc:Choice>
-    <mc:Fallback>
+    <mc:Fallback xmlns="">
       <p:transition spd="med">
         <p:fade/>
       </p:transition>
@@ -19258,13 +19005,13 @@
   <p:clrMapOvr>
     <a:masterClrMapping/>
   </p:clrMapOvr>
-  <mc:AlternateContent xmlns:mc="http://schemas.openxmlformats.org/markup-compatibility/2006">
-    <mc:Choice xmlns:p14="http://schemas.microsoft.com/office/powerpoint/2010/main" Requires="p14">
+  <mc:AlternateContent xmlns:mc="http://schemas.openxmlformats.org/markup-compatibility/2006" xmlns:p14="http://schemas.microsoft.com/office/powerpoint/2010/main">
+    <mc:Choice Requires="p14">
       <p:transition spd="med" p14:dur="700">
         <p:fade/>
       </p:transition>
     </mc:Choice>
-    <mc:Fallback>
+    <mc:Fallback xmlns="">
       <p:transition spd="med">
         <p:fade/>
       </p:transition>
@@ -19612,13 +19359,13 @@
   <p:clrMapOvr>
     <a:masterClrMapping/>
   </p:clrMapOvr>
-  <mc:AlternateContent xmlns:mc="http://schemas.openxmlformats.org/markup-compatibility/2006">
-    <mc:Choice xmlns:p14="http://schemas.microsoft.com/office/powerpoint/2010/main" Requires="p14">
+  <mc:AlternateContent xmlns:mc="http://schemas.openxmlformats.org/markup-compatibility/2006" xmlns:p14="http://schemas.microsoft.com/office/powerpoint/2010/main">
+    <mc:Choice Requires="p14">
       <p:transition spd="med" p14:dur="700">
         <p:fade/>
       </p:transition>
     </mc:Choice>
-    <mc:Fallback>
+    <mc:Fallback xmlns="">
       <p:transition spd="med">
         <p:fade/>
       </p:transition>
@@ -21377,13 +21124,13 @@
   <p:clrMapOvr>
     <a:masterClrMapping/>
   </p:clrMapOvr>
-  <mc:AlternateContent xmlns:mc="http://schemas.openxmlformats.org/markup-compatibility/2006">
-    <mc:Choice xmlns:p14="http://schemas.microsoft.com/office/powerpoint/2010/main" Requires="p14">
+  <mc:AlternateContent xmlns:mc="http://schemas.openxmlformats.org/markup-compatibility/2006" xmlns:p14="http://schemas.microsoft.com/office/powerpoint/2010/main">
+    <mc:Choice Requires="p14">
       <p:transition spd="med" p14:dur="700">
         <p:fade/>
       </p:transition>
     </mc:Choice>
-    <mc:Fallback>
+    <mc:Fallback xmlns="">
       <p:transition spd="med">
         <p:fade/>
       </p:transition>
@@ -25508,13 +25255,13 @@
   <p:clrMapOvr>
     <a:masterClrMapping/>
   </p:clrMapOvr>
-  <mc:AlternateContent xmlns:mc="http://schemas.openxmlformats.org/markup-compatibility/2006">
-    <mc:Choice xmlns:p14="http://schemas.microsoft.com/office/powerpoint/2010/main" Requires="p14">
+  <mc:AlternateContent xmlns:mc="http://schemas.openxmlformats.org/markup-compatibility/2006" xmlns:p14="http://schemas.microsoft.com/office/powerpoint/2010/main">
+    <mc:Choice Requires="p14">
       <p:transition spd="med" p14:dur="700">
         <p:fade/>
       </p:transition>
     </mc:Choice>
-    <mc:Fallback>
+    <mc:Fallback xmlns="">
       <p:transition spd="med">
         <p:fade/>
       </p:transition>
@@ -27858,13 +27605,13 @@
   <p:clrMapOvr>
     <a:masterClrMapping/>
   </p:clrMapOvr>
-  <mc:AlternateContent xmlns:mc="http://schemas.openxmlformats.org/markup-compatibility/2006">
-    <mc:Choice xmlns:p14="http://schemas.microsoft.com/office/powerpoint/2010/main" Requires="p14">
+  <mc:AlternateContent xmlns:mc="http://schemas.openxmlformats.org/markup-compatibility/2006" xmlns:p14="http://schemas.microsoft.com/office/powerpoint/2010/main">
+    <mc:Choice Requires="p14">
       <p:transition spd="med" p14:dur="700">
         <p:fade/>
       </p:transition>
     </mc:Choice>
-    <mc:Fallback>
+    <mc:Fallback xmlns="">
       <p:transition spd="med">
         <p:fade/>
       </p:transition>
@@ -28003,13 +27750,13 @@
   <p:clrMapOvr>
     <a:masterClrMapping/>
   </p:clrMapOvr>
-  <mc:AlternateContent xmlns:mc="http://schemas.openxmlformats.org/markup-compatibility/2006">
-    <mc:Choice xmlns:p14="http://schemas.microsoft.com/office/powerpoint/2010/main" Requires="p14">
+  <mc:AlternateContent xmlns:mc="http://schemas.openxmlformats.org/markup-compatibility/2006" xmlns:p14="http://schemas.microsoft.com/office/powerpoint/2010/main">
+    <mc:Choice Requires="p14">
       <p:transition spd="med" p14:dur="700">
         <p:fade/>
       </p:transition>
     </mc:Choice>
-    <mc:Fallback>
+    <mc:Fallback xmlns="">
       <p:transition spd="med">
         <p:fade/>
       </p:transition>
@@ -28148,13 +27895,13 @@
   <p:clrMapOvr>
     <a:masterClrMapping/>
   </p:clrMapOvr>
-  <mc:AlternateContent xmlns:mc="http://schemas.openxmlformats.org/markup-compatibility/2006">
-    <mc:Choice xmlns:p14="http://schemas.microsoft.com/office/powerpoint/2010/main" Requires="p14">
+  <mc:AlternateContent xmlns:mc="http://schemas.openxmlformats.org/markup-compatibility/2006" xmlns:p14="http://schemas.microsoft.com/office/powerpoint/2010/main">
+    <mc:Choice Requires="p14">
       <p:transition spd="med" p14:dur="700">
         <p:fade/>
       </p:transition>
     </mc:Choice>
-    <mc:Fallback>
+    <mc:Fallback xmlns="">
       <p:transition spd="med">
         <p:fade/>
       </p:transition>
@@ -28873,13 +28620,13 @@
   <p:clrMapOvr>
     <a:masterClrMapping/>
   </p:clrMapOvr>
-  <mc:AlternateContent xmlns:mc="http://schemas.openxmlformats.org/markup-compatibility/2006">
-    <mc:Choice xmlns:p14="http://schemas.microsoft.com/office/powerpoint/2010/main" Requires="p14">
+  <mc:AlternateContent xmlns:mc="http://schemas.openxmlformats.org/markup-compatibility/2006" xmlns:p14="http://schemas.microsoft.com/office/powerpoint/2010/main">
+    <mc:Choice Requires="p14">
       <p:transition spd="med" p14:dur="700">
         <p:fade/>
       </p:transition>
     </mc:Choice>
-    <mc:Fallback>
+    <mc:Fallback xmlns="">
       <p:transition spd="med">
         <p:fade/>
       </p:transition>
@@ -28974,13 +28721,13 @@
   <p:clrMapOvr>
     <a:masterClrMapping/>
   </p:clrMapOvr>
-  <mc:AlternateContent xmlns:mc="http://schemas.openxmlformats.org/markup-compatibility/2006">
-    <mc:Choice xmlns:p14="http://schemas.microsoft.com/office/powerpoint/2010/main" Requires="p14">
+  <mc:AlternateContent xmlns:mc="http://schemas.openxmlformats.org/markup-compatibility/2006" xmlns:p14="http://schemas.microsoft.com/office/powerpoint/2010/main">
+    <mc:Choice Requires="p14">
       <p:transition spd="med" p14:dur="700">
         <p:fade/>
       </p:transition>
     </mc:Choice>
-    <mc:Fallback>
+    <mc:Fallback xmlns="">
       <p:transition spd="med">
         <p:fade/>
       </p:transition>
@@ -29790,13 +29537,13 @@
   <p:clrMapOvr>
     <a:masterClrMapping/>
   </p:clrMapOvr>
-  <mc:AlternateContent xmlns:mc="http://schemas.openxmlformats.org/markup-compatibility/2006">
-    <mc:Choice xmlns:p14="http://schemas.microsoft.com/office/powerpoint/2010/main" Requires="p14">
+  <mc:AlternateContent xmlns:mc="http://schemas.openxmlformats.org/markup-compatibility/2006" xmlns:p14="http://schemas.microsoft.com/office/powerpoint/2010/main">
+    <mc:Choice Requires="p14">
       <p:transition spd="med" p14:dur="700">
         <p:fade/>
       </p:transition>
     </mc:Choice>
-    <mc:Fallback>
+    <mc:Fallback xmlns="">
       <p:transition spd="med">
         <p:fade/>
       </p:transition>
@@ -29822,16 +29569,129 @@
           <a:chExt cx="0" cy="0"/>
         </a:xfrm>
       </p:grpSpPr>
+      <p:sp>
+        <p:nvSpPr>
+          <p:cNvPr id="11" name="TextBox 10">
+            <a:extLst>
+              <a:ext uri="{FF2B5EF4-FFF2-40B4-BE49-F238E27FC236}">
+                <a16:creationId xmlns:a16="http://schemas.microsoft.com/office/drawing/2014/main" id="{80F66826-658B-4C78-BF25-A3EAE4523938}"/>
+              </a:ext>
+            </a:extLst>
+          </p:cNvPr>
+          <p:cNvSpPr txBox="1"/>
+          <p:nvPr/>
+        </p:nvSpPr>
+        <p:spPr>
+          <a:xfrm>
+            <a:off x="815830" y="156402"/>
+            <a:ext cx="4270528" cy="369332"/>
+          </a:xfrm>
+          <a:prstGeom prst="rect">
+            <a:avLst/>
+          </a:prstGeom>
+          <a:noFill/>
+        </p:spPr>
+        <p:txBody>
+          <a:bodyPr wrap="none" rtlCol="0">
+            <a:spAutoFit/>
+          </a:bodyPr>
+          <a:lstStyle/>
+          <a:p>
+            <a:r>
+              <a:rPr lang="en-US" dirty="0">
+                <a:solidFill>
+                  <a:schemeClr val="tx2">
+                    <a:lumMod val="60000"/>
+                    <a:lumOff val="40000"/>
+                  </a:schemeClr>
+                </a:solidFill>
+                <a:hlinkClick r:id="rId3">
+                  <a:extLst>
+                    <a:ext uri="{A12FA001-AC4F-418D-AE19-62706E023703}">
+                      <ahyp:hlinkClr xmlns:ahyp="http://schemas.microsoft.com/office/drawing/2018/hyperlinkcolor" val="tx"/>
+                    </a:ext>
+                  </a:extLst>
+                </a:hlinkClick>
+              </a:rPr>
+              <a:t>github.com</a:t>
+            </a:r>
+            <a:r>
+              <a:rPr lang="en-US" dirty="0">
+                <a:hlinkClick r:id="rId3">
+                  <a:extLst>
+                    <a:ext uri="{A12FA001-AC4F-418D-AE19-62706E023703}">
+                      <ahyp:hlinkClr xmlns:ahyp="http://schemas.microsoft.com/office/drawing/2018/hyperlinkcolor" val="tx"/>
+                    </a:ext>
+                  </a:extLst>
+                </a:hlinkClick>
+              </a:rPr>
+              <a:t>/</a:t>
+            </a:r>
+            <a:r>
+              <a:rPr lang="en-US" dirty="0" err="1">
+                <a:solidFill>
+                  <a:srgbClr val="FF0000"/>
+                </a:solidFill>
+                <a:hlinkClick r:id="rId3">
+                  <a:extLst>
+                    <a:ext uri="{A12FA001-AC4F-418D-AE19-62706E023703}">
+                      <ahyp:hlinkClr xmlns:ahyp="http://schemas.microsoft.com/office/drawing/2018/hyperlinkcolor" val="tx"/>
+                    </a:ext>
+                  </a:extLst>
+                </a:hlinkClick>
+              </a:rPr>
+              <a:t>EitanBlumin</a:t>
+            </a:r>
+            <a:r>
+              <a:rPr lang="en-US" dirty="0">
+                <a:hlinkClick r:id="rId3">
+                  <a:extLst>
+                    <a:ext uri="{A12FA001-AC4F-418D-AE19-62706E023703}">
+                      <ahyp:hlinkClr xmlns:ahyp="http://schemas.microsoft.com/office/drawing/2018/hyperlinkcolor" val="tx"/>
+                    </a:ext>
+                  </a:extLst>
+                </a:hlinkClick>
+              </a:rPr>
+              <a:t>/</a:t>
+            </a:r>
+            <a:r>
+              <a:rPr lang="en-US" dirty="0" err="1">
+                <a:solidFill>
+                  <a:schemeClr val="accent6"/>
+                </a:solidFill>
+                <a:hlinkClick r:id="rId3">
+                  <a:extLst>
+                    <a:ext uri="{A12FA001-AC4F-418D-AE19-62706E023703}">
+                      <ahyp:hlinkClr xmlns:ahyp="http://schemas.microsoft.com/office/drawing/2018/hyperlinkcolor" val="tx"/>
+                    </a:ext>
+                  </a:extLst>
+                </a:hlinkClick>
+              </a:rPr>
+              <a:t>DynamicFilters</a:t>
+            </a:r>
+            <a:r>
+              <a:rPr lang="en-US" dirty="0"/>
+              <a:t> </a:t>
+            </a:r>
+          </a:p>
+        </p:txBody>
+      </p:sp>
       <p:pic>
         <p:nvPicPr>
-          <p:cNvPr id="6" name="Picture 5"/>
+          <p:cNvPr id="13" name="Picture 12">
+            <a:extLst>
+              <a:ext uri="{FF2B5EF4-FFF2-40B4-BE49-F238E27FC236}">
+                <a16:creationId xmlns:a16="http://schemas.microsoft.com/office/drawing/2014/main" id="{54A7A118-E56F-4500-B68A-5C3B5F559B04}"/>
+              </a:ext>
+            </a:extLst>
+          </p:cNvPr>
           <p:cNvPicPr>
             <a:picLocks noChangeAspect="1"/>
           </p:cNvPicPr>
           <p:nvPr/>
         </p:nvPicPr>
         <p:blipFill>
-          <a:blip r:embed="rId3" cstate="print">
+          <a:blip r:embed="rId4">
             <a:extLst>
               <a:ext uri="{28A0092B-C50C-407E-A947-70E740481C1C}">
                 <a14:useLocalDpi xmlns:a14="http://schemas.microsoft.com/office/drawing/2010/main" val="0"/>
@@ -29844,8 +29704,8 @@
         </p:blipFill>
         <p:spPr>
           <a:xfrm>
-            <a:off x="6991834" y="1554154"/>
-            <a:ext cx="1816608" cy="1816608"/>
+            <a:off x="258295" y="51752"/>
+            <a:ext cx="609600" cy="609600"/>
           </a:xfrm>
           <a:prstGeom prst="rect">
             <a:avLst/>
@@ -29854,7 +29714,13 @@
       </p:pic>
       <p:sp>
         <p:nvSpPr>
-          <p:cNvPr id="2" name="Title 1"/>
+          <p:cNvPr id="14" name="Title 1">
+            <a:extLst>
+              <a:ext uri="{FF2B5EF4-FFF2-40B4-BE49-F238E27FC236}">
+                <a16:creationId xmlns:a16="http://schemas.microsoft.com/office/drawing/2014/main" id="{F089D114-791D-43C3-B9C1-6D09A4DE13AA}"/>
+              </a:ext>
+            </a:extLst>
+          </p:cNvPr>
           <p:cNvSpPr>
             <a:spLocks noGrp="1"/>
           </p:cNvSpPr>
@@ -29864,7 +29730,7 @@
         </p:nvSpPr>
         <p:spPr>
           <a:xfrm>
-            <a:off x="2210637" y="920836"/>
+            <a:off x="218137" y="761245"/>
             <a:ext cx="5906278" cy="555604"/>
           </a:xfrm>
           <a:ln>
@@ -29901,14 +29767,20 @@
       </p:sp>
       <p:sp>
         <p:nvSpPr>
-          <p:cNvPr id="12" name="TextBox 11"/>
+          <p:cNvPr id="15" name="TextBox 14">
+            <a:extLst>
+              <a:ext uri="{FF2B5EF4-FFF2-40B4-BE49-F238E27FC236}">
+                <a16:creationId xmlns:a16="http://schemas.microsoft.com/office/drawing/2014/main" id="{81192D26-AB51-4BF0-9072-DED0EE4164ED}"/>
+              </a:ext>
+            </a:extLst>
+          </p:cNvPr>
           <p:cNvSpPr txBox="1"/>
           <p:nvPr/>
         </p:nvSpPr>
         <p:spPr>
           <a:xfrm>
-            <a:off x="218137" y="2018147"/>
-            <a:ext cx="8590306" cy="2431435"/>
+            <a:off x="218137" y="1663111"/>
+            <a:ext cx="6550798" cy="3139321"/>
           </a:xfrm>
           <a:prstGeom prst="rect">
             <a:avLst/>
@@ -29940,23 +29812,8 @@
                 </a:solidFill>
                 <a:latin typeface="Calibri" pitchFamily="34" charset="0"/>
               </a:rPr>
-              <a:t>Name:	</a:t>
-            </a:r>
-            <a:r>
-              <a:rPr lang="en-US" sz="3600" dirty="0">
-                <a:solidFill>
-                  <a:srgbClr val="002060"/>
-                </a:solidFill>
-                <a:latin typeface="Calibri" pitchFamily="34" charset="0"/>
-              </a:rPr>
-              <a:t>Eitan Blumin</a:t>
-            </a:r>
-            <a:endParaRPr lang="en-US" sz="2400" dirty="0">
-              <a:solidFill>
-                <a:srgbClr val="002060"/>
-              </a:solidFill>
-              <a:latin typeface="Calibri" pitchFamily="34" charset="0"/>
-            </a:endParaRPr>
+              <a:t>Name:	Eitan Blumin</a:t>
+            </a:r>
           </a:p>
           <a:p>
             <a:pPr marL="360000" lvl="0" indent="-360000" algn="l" rtl="0">
@@ -29983,9 +29840,9 @@
                   <a:srgbClr val="002060"/>
                 </a:solidFill>
                 <a:latin typeface="Calibri" pitchFamily="34" charset="0"/>
-                <a:hlinkClick r:id="rId4"/>
-              </a:rPr>
-              <a:t>eitan@eitanblumin.com</a:t>
+                <a:hlinkClick r:id="rId5"/>
+              </a:rPr>
+              <a:t>eitan@madeiradata.com</a:t>
             </a:r>
             <a:r>
               <a:rPr lang="en-US" sz="2400" dirty="0">
@@ -30022,19 +29879,9 @@
                   <a:srgbClr val="002060"/>
                 </a:solidFill>
                 <a:latin typeface="Calibri" pitchFamily="34" charset="0"/>
-                <a:hlinkClick r:id="rId5"/>
-              </a:rPr>
-              <a:t>@</a:t>
-            </a:r>
-            <a:r>
-              <a:rPr lang="en-US" sz="2400" dirty="0" err="1">
-                <a:solidFill>
-                  <a:srgbClr val="002060"/>
-                </a:solidFill>
-                <a:latin typeface="Calibri" pitchFamily="34" charset="0"/>
-                <a:hlinkClick r:id="rId5"/>
-              </a:rPr>
-              <a:t>EitanBlumin</a:t>
+                <a:hlinkClick r:id="rId6"/>
+              </a:rPr>
+              <a:t>@EitanBlumin</a:t>
             </a:r>
             <a:endParaRPr lang="en-US" sz="2400" dirty="0">
               <a:solidFill>
@@ -30068,7 +29915,7 @@
                   <a:srgbClr val="002060"/>
                 </a:solidFill>
                 <a:latin typeface="Calibri" pitchFamily="34" charset="0"/>
-                <a:hlinkClick r:id="rId6"/>
+                <a:hlinkClick r:id="rId7"/>
               </a:rPr>
               <a:t>www.linkedin.com/in/eitanblumin</a:t>
             </a:r>
@@ -30107,7 +29954,7 @@
                   <a:srgbClr val="002060"/>
                 </a:solidFill>
                 <a:latin typeface="Calibri" pitchFamily="34" charset="0"/>
-                <a:hlinkClick r:id="rId7"/>
+                <a:hlinkClick r:id="rId8"/>
               </a:rPr>
               <a:t>www.eitanblumin.com</a:t>
             </a:r>
@@ -30120,15 +29967,196 @@
               </a:rPr>
               <a:t> </a:t>
             </a:r>
+          </a:p>
+          <a:p>
+            <a:pPr marL="360000" lvl="0" indent="-360000" algn="l" rtl="0">
+              <a:spcBef>
+                <a:spcPts val="600"/>
+              </a:spcBef>
+              <a:tabLst>
+                <a:tab pos="179388" algn="l"/>
+                <a:tab pos="1978025" algn="l"/>
+              </a:tabLst>
+            </a:pPr>
+            <a:r>
+              <a:rPr lang="en-US" sz="2400" dirty="0">
+                <a:solidFill>
+                  <a:srgbClr val="002060"/>
+                </a:solidFill>
+                <a:latin typeface="Calibri" pitchFamily="34" charset="0"/>
+              </a:rPr>
+              <a:t>Also in:</a:t>
+            </a:r>
+          </a:p>
+          <a:p>
+            <a:pPr marL="360000" lvl="0" indent="-360000" algn="l" rtl="0">
+              <a:spcBef>
+                <a:spcPts val="600"/>
+              </a:spcBef>
+              <a:tabLst>
+                <a:tab pos="179388" algn="l"/>
+                <a:tab pos="1978025" algn="l"/>
+              </a:tabLst>
+            </a:pPr>
+            <a:endParaRPr lang="en-US" sz="2400" dirty="0">
+              <a:solidFill>
+                <a:srgbClr val="002060"/>
+              </a:solidFill>
+              <a:latin typeface="Calibri" pitchFamily="34" charset="0"/>
+            </a:endParaRPr>
           </a:p>
         </p:txBody>
       </p:sp>
       <p:pic>
         <p:nvPicPr>
-          <p:cNvPr id="1026" name="Picture 2" descr="MCSE: Data Management and Analytics â Certified 2016">
+          <p:cNvPr id="16" name="Picture 15" descr="https://pbs.twimg.com/profile_banners/416148647/1541847820/1500x500">
             <a:extLst>
               <a:ext uri="{FF2B5EF4-FFF2-40B4-BE49-F238E27FC236}">
-                <a16:creationId xmlns:a16="http://schemas.microsoft.com/office/drawing/2014/main" id="{76DA40FD-9D6D-45F6-B9EA-80FCA74F8CE3}"/>
+                <a16:creationId xmlns:a16="http://schemas.microsoft.com/office/drawing/2014/main" id="{C9EB4002-42F0-45EB-8E3B-76E2D70CD634}"/>
+              </a:ext>
+            </a:extLst>
+          </p:cNvPr>
+          <p:cNvPicPr>
+            <a:picLocks noChangeAspect="1" noChangeArrowheads="1"/>
+          </p:cNvPicPr>
+          <p:nvPr/>
+        </p:nvPicPr>
+        <p:blipFill rotWithShape="1">
+          <a:blip r:embed="rId9" cstate="screen">
+            <a:extLst>
+              <a:ext uri="{28A0092B-C50C-407E-A947-70E740481C1C}">
+                <a14:useLocalDpi xmlns:a14="http://schemas.microsoft.com/office/drawing/2010/main"/>
+              </a:ext>
+            </a:extLst>
+          </a:blip>
+          <a:srcRect/>
+          <a:stretch/>
+        </p:blipFill>
+        <p:spPr bwMode="auto">
+          <a:xfrm>
+            <a:off x="5602732" y="0"/>
+            <a:ext cx="3323131" cy="2879995"/>
+          </a:xfrm>
+          <a:prstGeom prst="rect">
+            <a:avLst/>
+          </a:prstGeom>
+          <a:noFill/>
+          <a:extLst>
+            <a:ext uri="{909E8E84-426E-40DD-AFC4-6F175D3DCCD1}">
+              <a14:hiddenFill xmlns:a14="http://schemas.microsoft.com/office/drawing/2010/main">
+                <a:solidFill>
+                  <a:srgbClr val="FFFFFF"/>
+                </a:solidFill>
+              </a14:hiddenFill>
+            </a:ext>
+          </a:extLst>
+        </p:spPr>
+      </p:pic>
+      <p:grpSp>
+        <p:nvGrpSpPr>
+          <p:cNvPr id="17" name="Group 16">
+            <a:extLst>
+              <a:ext uri="{FF2B5EF4-FFF2-40B4-BE49-F238E27FC236}">
+                <a16:creationId xmlns:a16="http://schemas.microsoft.com/office/drawing/2014/main" id="{7B3C23E6-927B-43EE-8607-AFBE14E46E51}"/>
+              </a:ext>
+            </a:extLst>
+          </p:cNvPr>
+          <p:cNvGrpSpPr/>
+          <p:nvPr/>
+        </p:nvGrpSpPr>
+        <p:grpSpPr>
+          <a:xfrm>
+            <a:off x="6924020" y="3042011"/>
+            <a:ext cx="2199641" cy="1816608"/>
+            <a:chOff x="6285686" y="3158887"/>
+            <a:chExt cx="2199641" cy="1816608"/>
+          </a:xfrm>
+        </p:grpSpPr>
+        <p:pic>
+          <p:nvPicPr>
+            <p:cNvPr id="18" name="Picture 17">
+              <a:extLst>
+                <a:ext uri="{FF2B5EF4-FFF2-40B4-BE49-F238E27FC236}">
+                  <a16:creationId xmlns:a16="http://schemas.microsoft.com/office/drawing/2014/main" id="{4354DB96-DFEB-4710-B7D3-DC820EC9F23C}"/>
+                </a:ext>
+              </a:extLst>
+            </p:cNvPr>
+            <p:cNvPicPr>
+              <a:picLocks noChangeAspect="1"/>
+            </p:cNvPicPr>
+            <p:nvPr/>
+          </p:nvPicPr>
+          <p:blipFill>
+            <a:blip r:embed="rId10" cstate="screen">
+              <a:extLst>
+                <a:ext uri="{28A0092B-C50C-407E-A947-70E740481C1C}">
+                  <a14:useLocalDpi xmlns:a14="http://schemas.microsoft.com/office/drawing/2010/main"/>
+                </a:ext>
+              </a:extLst>
+            </a:blip>
+            <a:stretch>
+              <a:fillRect/>
+            </a:stretch>
+          </p:blipFill>
+          <p:spPr>
+            <a:xfrm>
+              <a:off x="6386238" y="3158887"/>
+              <a:ext cx="1816608" cy="1816608"/>
+            </a:xfrm>
+            <a:prstGeom prst="rect">
+              <a:avLst/>
+            </a:prstGeom>
+          </p:spPr>
+        </p:pic>
+        <p:sp>
+          <p:nvSpPr>
+            <p:cNvPr id="19" name="TextBox 18">
+              <a:extLst>
+                <a:ext uri="{FF2B5EF4-FFF2-40B4-BE49-F238E27FC236}">
+                  <a16:creationId xmlns:a16="http://schemas.microsoft.com/office/drawing/2014/main" id="{C154AEFC-2763-47EA-AF45-42E57DC08FE7}"/>
+                </a:ext>
+              </a:extLst>
+            </p:cNvPr>
+            <p:cNvSpPr txBox="1"/>
+            <p:nvPr/>
+          </p:nvSpPr>
+          <p:spPr>
+            <a:xfrm>
+              <a:off x="6285686" y="4522039"/>
+              <a:ext cx="2199641" cy="369332"/>
+            </a:xfrm>
+            <a:prstGeom prst="rect">
+              <a:avLst/>
+            </a:prstGeom>
+            <a:noFill/>
+          </p:spPr>
+          <p:txBody>
+            <a:bodyPr wrap="none" rtlCol="0">
+              <a:spAutoFit/>
+            </a:bodyPr>
+            <a:lstStyle/>
+            <a:p>
+              <a:r>
+                <a:rPr lang="en-US" b="1" dirty="0">
+                  <a:hlinkClick r:id="rId11"/>
+                </a:rPr>
+                <a:t>madeiradata.com</a:t>
+              </a:r>
+              <a:r>
+                <a:rPr lang="en-US" b="1" dirty="0"/>
+                <a:t> </a:t>
+              </a:r>
+              <a:endParaRPr lang="LID4096" b="1" dirty="0"/>
+            </a:p>
+          </p:txBody>
+        </p:sp>
+      </p:grpSp>
+      <p:pic>
+        <p:nvPicPr>
+          <p:cNvPr id="20" name="Picture 19" descr="https://mspoweruser.com/wp-content/uploads/2019/04/microsoft-technet.png">
+            <a:extLst>
+              <a:ext uri="{FF2B5EF4-FFF2-40B4-BE49-F238E27FC236}">
+                <a16:creationId xmlns:a16="http://schemas.microsoft.com/office/drawing/2014/main" id="{E9B8FA39-BDEF-4EF2-8A3A-6ACB3BC2A2A5}"/>
               </a:ext>
             </a:extLst>
           </p:cNvPr>
@@ -30138,10 +30166,10 @@
           <p:nvPr/>
         </p:nvPicPr>
         <p:blipFill>
-          <a:blip r:embed="rId8" cstate="print">
+          <a:blip r:embed="rId12" cstate="screen">
             <a:extLst>
               <a:ext uri="{28A0092B-C50C-407E-A947-70E740481C1C}">
-                <a14:useLocalDpi xmlns:a14="http://schemas.microsoft.com/office/drawing/2010/main" val="0"/>
+                <a14:useLocalDpi xmlns:a14="http://schemas.microsoft.com/office/drawing/2010/main"/>
               </a:ext>
             </a:extLst>
           </a:blip>
@@ -30152,8 +30180,8 @@
         </p:blipFill>
         <p:spPr bwMode="auto">
           <a:xfrm>
-            <a:off x="4728732" y="1583103"/>
-            <a:ext cx="870088" cy="870088"/>
+            <a:off x="1687744" y="4452736"/>
+            <a:ext cx="1147189" cy="406894"/>
           </a:xfrm>
           <a:prstGeom prst="rect">
             <a:avLst/>
@@ -30172,10 +30200,10 @@
       </p:pic>
       <p:pic>
         <p:nvPicPr>
-          <p:cNvPr id="1028" name="Picture 4" descr="MCSA: SQL Server 2012/2014 - Certified 2016">
+          <p:cNvPr id="21" name="Picture 6" descr="http://pngimg.com/uploads/github/github_PNG20.png">
             <a:extLst>
               <a:ext uri="{FF2B5EF4-FFF2-40B4-BE49-F238E27FC236}">
-                <a16:creationId xmlns:a16="http://schemas.microsoft.com/office/drawing/2014/main" id="{0F7D29F2-7C53-4F84-A4AA-D0C79B5E18E3}"/>
+                <a16:creationId xmlns:a16="http://schemas.microsoft.com/office/drawing/2014/main" id="{D7FC3553-66CF-4F32-91CA-0283D139F9FD}"/>
               </a:ext>
             </a:extLst>
           </p:cNvPr>
@@ -30185,10 +30213,10 @@
           <p:nvPr/>
         </p:nvPicPr>
         <p:blipFill>
-          <a:blip r:embed="rId9" cstate="print">
+          <a:blip r:embed="rId13" cstate="screen">
             <a:extLst>
               <a:ext uri="{28A0092B-C50C-407E-A947-70E740481C1C}">
-                <a14:useLocalDpi xmlns:a14="http://schemas.microsoft.com/office/drawing/2010/main" val="0"/>
+                <a14:useLocalDpi xmlns:a14="http://schemas.microsoft.com/office/drawing/2010/main"/>
               </a:ext>
             </a:extLst>
           </a:blip>
@@ -30199,8 +30227,8 @@
         </p:blipFill>
         <p:spPr bwMode="auto">
           <a:xfrm>
-            <a:off x="5868434" y="1583104"/>
-            <a:ext cx="870088" cy="870088"/>
+            <a:off x="4340896" y="4185459"/>
+            <a:ext cx="745462" cy="673160"/>
           </a:xfrm>
           <a:prstGeom prst="rect">
             <a:avLst/>
@@ -30219,216 +30247,139 @@
       </p:pic>
       <p:pic>
         <p:nvPicPr>
-          <p:cNvPr id="9" name="Picture 8">
+          <p:cNvPr id="22" name="Picture 8" descr="github gist logo">
             <a:extLst>
               <a:ext uri="{FF2B5EF4-FFF2-40B4-BE49-F238E27FC236}">
-                <a16:creationId xmlns:a16="http://schemas.microsoft.com/office/drawing/2014/main" id="{CC05F474-C8D9-4412-8F5D-1F45FF181977}"/>
+                <a16:creationId xmlns:a16="http://schemas.microsoft.com/office/drawing/2014/main" id="{EBA9E7E0-34CD-4749-87E8-7F09C09560BC}"/>
               </a:ext>
             </a:extLst>
           </p:cNvPr>
           <p:cNvPicPr>
-            <a:picLocks noChangeAspect="1"/>
-          </p:cNvPicPr>
-          <p:nvPr/>
-        </p:nvPicPr>
-        <p:blipFill rotWithShape="1">
-          <a:blip r:embed="rId10" cstate="print">
-            <a:extLst>
-              <a:ext uri="{28A0092B-C50C-407E-A947-70E740481C1C}">
-                <a14:useLocalDpi xmlns:a14="http://schemas.microsoft.com/office/drawing/2010/main" val="0"/>
-              </a:ext>
-            </a:extLst>
-          </a:blip>
-          <a:srcRect/>
-          <a:stretch/>
-        </p:blipFill>
-        <p:spPr>
-          <a:xfrm>
-            <a:off x="0" y="4595356"/>
-            <a:ext cx="1061163" cy="504794"/>
-          </a:xfrm>
-          <a:prstGeom prst="rect">
-            <a:avLst/>
-          </a:prstGeom>
-        </p:spPr>
-      </p:pic>
-      <p:pic>
-        <p:nvPicPr>
-          <p:cNvPr id="10" name="Picture 9">
-            <a:extLst>
-              <a:ext uri="{FF2B5EF4-FFF2-40B4-BE49-F238E27FC236}">
-                <a16:creationId xmlns:a16="http://schemas.microsoft.com/office/drawing/2014/main" id="{6DECFF8F-EEF8-4EA6-B254-E732EAA1A70F}"/>
-              </a:ext>
-            </a:extLst>
-          </p:cNvPr>
-          <p:cNvPicPr>
-            <a:picLocks noChangeAspect="1"/>
+            <a:picLocks noChangeAspect="1" noChangeArrowheads="1"/>
           </p:cNvPicPr>
           <p:nvPr/>
         </p:nvPicPr>
         <p:blipFill>
-          <a:blip r:embed="rId11" cstate="print">
+          <a:blip r:embed="rId14" cstate="screen">
             <a:extLst>
               <a:ext uri="{28A0092B-C50C-407E-A947-70E740481C1C}">
-                <a14:useLocalDpi xmlns:a14="http://schemas.microsoft.com/office/drawing/2010/main" val="0"/>
+                <a14:useLocalDpi xmlns:a14="http://schemas.microsoft.com/office/drawing/2010/main"/>
               </a:ext>
             </a:extLst>
           </a:blip>
+          <a:srcRect/>
           <a:stretch>
             <a:fillRect/>
           </a:stretch>
         </p:blipFill>
-        <p:spPr>
+        <p:spPr bwMode="auto">
           <a:xfrm>
-            <a:off x="335557" y="0"/>
-            <a:ext cx="1729530" cy="2108108"/>
-          </a:xfrm>
-          <a:prstGeom prst="rect">
-            <a:avLst/>
-          </a:prstGeom>
-        </p:spPr>
-      </p:pic>
-      <p:sp>
-        <p:nvSpPr>
-          <p:cNvPr id="11" name="TextBox 10">
-            <a:extLst>
-              <a:ext uri="{FF2B5EF4-FFF2-40B4-BE49-F238E27FC236}">
-                <a16:creationId xmlns:a16="http://schemas.microsoft.com/office/drawing/2014/main" id="{80F66826-658B-4C78-BF25-A3EAE4523938}"/>
-              </a:ext>
-            </a:extLst>
-          </p:cNvPr>
-          <p:cNvSpPr txBox="1"/>
-          <p:nvPr/>
-        </p:nvSpPr>
-        <p:spPr>
-          <a:xfrm>
-            <a:off x="2768172" y="199324"/>
-            <a:ext cx="4270528" cy="369332"/>
+            <a:off x="5271332" y="4483627"/>
+            <a:ext cx="1497603" cy="404696"/>
           </a:xfrm>
           <a:prstGeom prst="rect">
             <a:avLst/>
           </a:prstGeom>
           <a:noFill/>
+          <a:extLst>
+            <a:ext uri="{909E8E84-426E-40DD-AFC4-6F175D3DCCD1}">
+              <a14:hiddenFill xmlns:a14="http://schemas.microsoft.com/office/drawing/2010/main">
+                <a:solidFill>
+                  <a:srgbClr val="FFFFFF"/>
+                </a:solidFill>
+              </a14:hiddenFill>
+            </a:ext>
+          </a:extLst>
         </p:spPr>
-        <p:txBody>
-          <a:bodyPr wrap="none" rtlCol="0">
-            <a:spAutoFit/>
-          </a:bodyPr>
-          <a:lstStyle/>
-          <a:p>
-            <a:r>
-              <a:rPr lang="en-US" dirty="0">
-                <a:solidFill>
-                  <a:schemeClr val="tx2">
-                    <a:lumMod val="60000"/>
-                    <a:lumOff val="40000"/>
-                  </a:schemeClr>
-                </a:solidFill>
-                <a:hlinkClick r:id="rId12">
-                  <a:extLst>
-                    <a:ext uri="{A12FA001-AC4F-418D-AE19-62706E023703}">
-                      <ahyp:hlinkClr xmlns:ahyp="http://schemas.microsoft.com/office/drawing/2018/hyperlinkcolor" val="tx"/>
-                    </a:ext>
-                  </a:extLst>
-                </a:hlinkClick>
-              </a:rPr>
-              <a:t>github.com</a:t>
-            </a:r>
-            <a:r>
-              <a:rPr lang="en-US" dirty="0">
-                <a:hlinkClick r:id="rId12">
-                  <a:extLst>
-                    <a:ext uri="{A12FA001-AC4F-418D-AE19-62706E023703}">
-                      <ahyp:hlinkClr xmlns:ahyp="http://schemas.microsoft.com/office/drawing/2018/hyperlinkcolor" val="tx"/>
-                    </a:ext>
-                  </a:extLst>
-                </a:hlinkClick>
-              </a:rPr>
-              <a:t>/</a:t>
-            </a:r>
-            <a:r>
-              <a:rPr lang="en-US" dirty="0" err="1">
-                <a:solidFill>
-                  <a:srgbClr val="FF0000"/>
-                </a:solidFill>
-                <a:hlinkClick r:id="rId12">
-                  <a:extLst>
-                    <a:ext uri="{A12FA001-AC4F-418D-AE19-62706E023703}">
-                      <ahyp:hlinkClr xmlns:ahyp="http://schemas.microsoft.com/office/drawing/2018/hyperlinkcolor" val="tx"/>
-                    </a:ext>
-                  </a:extLst>
-                </a:hlinkClick>
-              </a:rPr>
-              <a:t>EitanBlumin</a:t>
-            </a:r>
-            <a:r>
-              <a:rPr lang="en-US" dirty="0">
-                <a:hlinkClick r:id="rId12">
-                  <a:extLst>
-                    <a:ext uri="{A12FA001-AC4F-418D-AE19-62706E023703}">
-                      <ahyp:hlinkClr xmlns:ahyp="http://schemas.microsoft.com/office/drawing/2018/hyperlinkcolor" val="tx"/>
-                    </a:ext>
-                  </a:extLst>
-                </a:hlinkClick>
-              </a:rPr>
-              <a:t>/</a:t>
-            </a:r>
-            <a:r>
-              <a:rPr lang="en-US" dirty="0" err="1">
-                <a:solidFill>
-                  <a:schemeClr val="accent6"/>
-                </a:solidFill>
-                <a:hlinkClick r:id="rId12">
-                  <a:extLst>
-                    <a:ext uri="{A12FA001-AC4F-418D-AE19-62706E023703}">
-                      <ahyp:hlinkClr xmlns:ahyp="http://schemas.microsoft.com/office/drawing/2018/hyperlinkcolor" val="tx"/>
-                    </a:ext>
-                  </a:extLst>
-                </a:hlinkClick>
-              </a:rPr>
-              <a:t>DynamicFilters</a:t>
-            </a:r>
-            <a:r>
-              <a:rPr lang="en-US" dirty="0"/>
-              <a:t> </a:t>
-            </a:r>
-          </a:p>
-        </p:txBody>
-      </p:sp>
+      </p:pic>
       <p:pic>
         <p:nvPicPr>
-          <p:cNvPr id="13" name="Picture 12">
+          <p:cNvPr id="23" name="Picture 14" descr="https://im5.ezgif.com/tmp/ezgif-5-eb799a4d79b5.png">
             <a:extLst>
               <a:ext uri="{FF2B5EF4-FFF2-40B4-BE49-F238E27FC236}">
-                <a16:creationId xmlns:a16="http://schemas.microsoft.com/office/drawing/2014/main" id="{54A7A118-E56F-4500-B68A-5C3B5F559B04}"/>
+                <a16:creationId xmlns:a16="http://schemas.microsoft.com/office/drawing/2014/main" id="{C8B9C66C-CCF1-46F7-810A-DCCD4A703026}"/>
               </a:ext>
             </a:extLst>
           </p:cNvPr>
           <p:cNvPicPr>
-            <a:picLocks noChangeAspect="1"/>
+            <a:picLocks noChangeAspect="1" noChangeArrowheads="1"/>
           </p:cNvPicPr>
           <p:nvPr/>
         </p:nvPicPr>
-        <p:blipFill>
-          <a:blip r:embed="rId13">
+        <p:blipFill rotWithShape="1">
+          <a:blip r:embed="rId15" cstate="screen">
             <a:extLst>
               <a:ext uri="{28A0092B-C50C-407E-A947-70E740481C1C}">
-                <a14:useLocalDpi xmlns:a14="http://schemas.microsoft.com/office/drawing/2010/main" val="0"/>
+                <a14:useLocalDpi xmlns:a14="http://schemas.microsoft.com/office/drawing/2010/main"/>
               </a:ext>
             </a:extLst>
           </a:blip>
-          <a:stretch>
-            <a:fillRect/>
-          </a:stretch>
+          <a:srcRect/>
+          <a:stretch/>
         </p:blipFill>
-        <p:spPr>
+        <p:spPr bwMode="auto">
           <a:xfrm>
-            <a:off x="2210637" y="94674"/>
-            <a:ext cx="609600" cy="609600"/>
+            <a:off x="2935485" y="4376333"/>
+            <a:ext cx="1220437" cy="723269"/>
           </a:xfrm>
           <a:prstGeom prst="rect">
             <a:avLst/>
           </a:prstGeom>
+          <a:noFill/>
+          <a:extLst>
+            <a:ext uri="{909E8E84-426E-40DD-AFC4-6F175D3DCCD1}">
+              <a14:hiddenFill xmlns:a14="http://schemas.microsoft.com/office/drawing/2010/main">
+                <a:solidFill>
+                  <a:srgbClr val="FFFFFF"/>
+                </a:solidFill>
+              </a14:hiddenFill>
+            </a:ext>
+          </a:extLst>
+        </p:spPr>
+      </p:pic>
+      <p:pic>
+        <p:nvPicPr>
+          <p:cNvPr id="24" name="Picture 16" descr="Image result for youtube logo">
+            <a:extLst>
+              <a:ext uri="{FF2B5EF4-FFF2-40B4-BE49-F238E27FC236}">
+                <a16:creationId xmlns:a16="http://schemas.microsoft.com/office/drawing/2014/main" id="{A06230CE-B2BE-477E-9EF8-CB076EF323F9}"/>
+              </a:ext>
+            </a:extLst>
+          </p:cNvPr>
+          <p:cNvPicPr>
+            <a:picLocks noChangeAspect="1" noChangeArrowheads="1"/>
+          </p:cNvPicPr>
+          <p:nvPr/>
+        </p:nvPicPr>
+        <p:blipFill rotWithShape="1">
+          <a:blip r:embed="rId16" cstate="screen">
+            <a:extLst>
+              <a:ext uri="{28A0092B-C50C-407E-A947-70E740481C1C}">
+                <a14:useLocalDpi xmlns:a14="http://schemas.microsoft.com/office/drawing/2010/main"/>
+              </a:ext>
+            </a:extLst>
+          </a:blip>
+          <a:srcRect/>
+          <a:stretch/>
+        </p:blipFill>
+        <p:spPr bwMode="auto">
+          <a:xfrm>
+            <a:off x="218137" y="4511486"/>
+            <a:ext cx="1308709" cy="325825"/>
+          </a:xfrm>
+          <a:prstGeom prst="rect">
+            <a:avLst/>
+          </a:prstGeom>
+          <a:noFill/>
+          <a:extLst>
+            <a:ext uri="{909E8E84-426E-40DD-AFC4-6F175D3DCCD1}">
+              <a14:hiddenFill xmlns:a14="http://schemas.microsoft.com/office/drawing/2010/main">
+                <a:solidFill>
+                  <a:srgbClr val="FFFFFF"/>
+                </a:solidFill>
+              </a14:hiddenFill>
+            </a:ext>
+          </a:extLst>
         </p:spPr>
       </p:pic>
     </p:spTree>
@@ -30441,13 +30392,13 @@
   <p:clrMapOvr>
     <a:masterClrMapping/>
   </p:clrMapOvr>
-  <mc:AlternateContent xmlns:mc="http://schemas.openxmlformats.org/markup-compatibility/2006">
-    <mc:Choice xmlns:p14="http://schemas.microsoft.com/office/powerpoint/2010/main" Requires="p14">
+  <mc:AlternateContent xmlns:mc="http://schemas.openxmlformats.org/markup-compatibility/2006" xmlns:p14="http://schemas.microsoft.com/office/powerpoint/2010/main">
+    <mc:Choice Requires="p14">
       <p:transition spd="med" p14:dur="700">
         <p:fade/>
       </p:transition>
     </mc:Choice>
-    <mc:Fallback>
+    <mc:Fallback xmlns="">
       <p:transition spd="med">
         <p:fade/>
       </p:transition>
@@ -30475,14 +30426,20 @@
       </p:grpSpPr>
       <p:sp>
         <p:nvSpPr>
-          <p:cNvPr id="12" name="TextBox 11"/>
+          <p:cNvPr id="15" name="TextBox 14">
+            <a:extLst>
+              <a:ext uri="{FF2B5EF4-FFF2-40B4-BE49-F238E27FC236}">
+                <a16:creationId xmlns:a16="http://schemas.microsoft.com/office/drawing/2014/main" id="{AAD83D0E-5592-4302-BF7D-1646FCE79B7F}"/>
+              </a:ext>
+            </a:extLst>
+          </p:cNvPr>
           <p:cNvSpPr txBox="1"/>
           <p:nvPr/>
         </p:nvSpPr>
         <p:spPr>
           <a:xfrm>
-            <a:off x="218137" y="2018147"/>
-            <a:ext cx="8590306" cy="2431435"/>
+            <a:off x="218137" y="1128713"/>
+            <a:ext cx="8590306" cy="2246769"/>
           </a:xfrm>
           <a:prstGeom prst="rect">
             <a:avLst/>
@@ -30514,16 +30471,7 @@
                 </a:solidFill>
                 <a:latin typeface="Calibri" pitchFamily="34" charset="0"/>
               </a:rPr>
-              <a:t>Name:	</a:t>
-            </a:r>
-            <a:r>
-              <a:rPr lang="en-US" sz="3600" dirty="0">
-                <a:solidFill>
-                  <a:srgbClr val="002060"/>
-                </a:solidFill>
-                <a:latin typeface="Calibri" pitchFamily="34" charset="0"/>
-              </a:rPr>
-              <a:t>Eitan Blumin</a:t>
+              <a:t>Name:	Eitan Blumin</a:t>
             </a:r>
           </a:p>
           <a:p>
@@ -30543,7 +30491,7 @@
                 </a:solidFill>
                 <a:latin typeface="Calibri" pitchFamily="34" charset="0"/>
               </a:rPr>
-              <a:t>Email:	</a:t>
+              <a:t>Email Address:	</a:t>
             </a:r>
             <a:r>
               <a:rPr lang="en-US" sz="2400" dirty="0">
@@ -30553,7 +30501,7 @@
                 <a:latin typeface="Calibri" pitchFamily="34" charset="0"/>
                 <a:hlinkClick r:id="rId3"/>
               </a:rPr>
-              <a:t>eitan@eitanblumin.com</a:t>
+              <a:t>eitan@madeiradata.com</a:t>
             </a:r>
             <a:r>
               <a:rPr lang="en-US" sz="2400" dirty="0">
@@ -30592,17 +30540,7 @@
                 <a:latin typeface="Calibri" pitchFamily="34" charset="0"/>
                 <a:hlinkClick r:id="rId4"/>
               </a:rPr>
-              <a:t>@</a:t>
-            </a:r>
-            <a:r>
-              <a:rPr lang="en-US" sz="2400" dirty="0" err="1">
-                <a:solidFill>
-                  <a:srgbClr val="002060"/>
-                </a:solidFill>
-                <a:latin typeface="Calibri" pitchFamily="34" charset="0"/>
-                <a:hlinkClick r:id="rId4"/>
-              </a:rPr>
-              <a:t>EitanBlumin</a:t>
+              <a:t>@EitanBlumin</a:t>
             </a:r>
             <a:endParaRPr lang="en-US" sz="2400" dirty="0">
               <a:solidFill>
@@ -30715,218 +30653,6 @@
           <a:xfrm>
             <a:off x="6991834" y="2878859"/>
             <a:ext cx="1816608" cy="1816608"/>
-          </a:xfrm>
-          <a:prstGeom prst="rect">
-            <a:avLst/>
-          </a:prstGeom>
-        </p:spPr>
-      </p:pic>
-      <p:sp>
-        <p:nvSpPr>
-          <p:cNvPr id="2" name="Title 1"/>
-          <p:cNvSpPr>
-            <a:spLocks noGrp="1"/>
-          </p:cNvSpPr>
-          <p:nvPr>
-            <p:ph type="title"/>
-          </p:nvPr>
-        </p:nvSpPr>
-        <p:spPr>
-          <a:xfrm>
-            <a:off x="2210637" y="296228"/>
-            <a:ext cx="5906278" cy="555604"/>
-          </a:xfrm>
-          <a:ln>
-            <a:noFill/>
-          </a:ln>
-        </p:spPr>
-        <p:txBody>
-          <a:bodyPr/>
-          <a:lstStyle/>
-          <a:p>
-            <a:r>
-              <a:rPr lang="en-US" sz="4000" b="1" dirty="0">
-                <a:ln w="22225">
-                  <a:solidFill>
-                    <a:schemeClr val="accent2"/>
-                  </a:solidFill>
-                  <a:prstDash val="solid"/>
-                </a:ln>
-                <a:solidFill>
-                  <a:schemeClr val="accent1"/>
-                </a:solidFill>
-                <a:latin typeface="Calibri" panose="020F0502020204030204" pitchFamily="34" charset="0"/>
-              </a:rPr>
-              <a:t>About Me:</a:t>
-            </a:r>
-            <a:endParaRPr lang="en-US" sz="4000" dirty="0">
-              <a:solidFill>
-                <a:schemeClr val="accent1"/>
-              </a:solidFill>
-              <a:latin typeface="Calibri" panose="020F0502020204030204" pitchFamily="34" charset="0"/>
-            </a:endParaRPr>
-          </a:p>
-        </p:txBody>
-      </p:sp>
-      <p:pic>
-        <p:nvPicPr>
-          <p:cNvPr id="1026" name="Picture 2" descr="MCSE: Data Management and Analytics â Certified 2016">
-            <a:extLst>
-              <a:ext uri="{FF2B5EF4-FFF2-40B4-BE49-F238E27FC236}">
-                <a16:creationId xmlns:a16="http://schemas.microsoft.com/office/drawing/2014/main" id="{76DA40FD-9D6D-45F6-B9EA-80FCA74F8CE3}"/>
-              </a:ext>
-            </a:extLst>
-          </p:cNvPr>
-          <p:cNvPicPr>
-            <a:picLocks noChangeAspect="1" noChangeArrowheads="1"/>
-          </p:cNvPicPr>
-          <p:nvPr/>
-        </p:nvPicPr>
-        <p:blipFill>
-          <a:blip r:embed="rId8" cstate="print">
-            <a:extLst>
-              <a:ext uri="{28A0092B-C50C-407E-A947-70E740481C1C}">
-                <a14:useLocalDpi xmlns:a14="http://schemas.microsoft.com/office/drawing/2010/main" val="0"/>
-              </a:ext>
-            </a:extLst>
-          </a:blip>
-          <a:srcRect/>
-          <a:stretch>
-            <a:fillRect/>
-          </a:stretch>
-        </p:blipFill>
-        <p:spPr bwMode="auto">
-          <a:xfrm>
-            <a:off x="4728732" y="1583103"/>
-            <a:ext cx="870088" cy="870088"/>
-          </a:xfrm>
-          <a:prstGeom prst="rect">
-            <a:avLst/>
-          </a:prstGeom>
-          <a:noFill/>
-          <a:extLst>
-            <a:ext uri="{909E8E84-426E-40DD-AFC4-6F175D3DCCD1}">
-              <a14:hiddenFill xmlns:a14="http://schemas.microsoft.com/office/drawing/2010/main">
-                <a:solidFill>
-                  <a:srgbClr val="FFFFFF"/>
-                </a:solidFill>
-              </a14:hiddenFill>
-            </a:ext>
-          </a:extLst>
-        </p:spPr>
-      </p:pic>
-      <p:pic>
-        <p:nvPicPr>
-          <p:cNvPr id="1028" name="Picture 4" descr="MCSA: SQL Server 2012/2014 - Certified 2016">
-            <a:extLst>
-              <a:ext uri="{FF2B5EF4-FFF2-40B4-BE49-F238E27FC236}">
-                <a16:creationId xmlns:a16="http://schemas.microsoft.com/office/drawing/2014/main" id="{0F7D29F2-7C53-4F84-A4AA-D0C79B5E18E3}"/>
-              </a:ext>
-            </a:extLst>
-          </p:cNvPr>
-          <p:cNvPicPr>
-            <a:picLocks noChangeAspect="1" noChangeArrowheads="1"/>
-          </p:cNvPicPr>
-          <p:nvPr/>
-        </p:nvPicPr>
-        <p:blipFill>
-          <a:blip r:embed="rId9" cstate="print">
-            <a:extLst>
-              <a:ext uri="{28A0092B-C50C-407E-A947-70E740481C1C}">
-                <a14:useLocalDpi xmlns:a14="http://schemas.microsoft.com/office/drawing/2010/main" val="0"/>
-              </a:ext>
-            </a:extLst>
-          </a:blip>
-          <a:srcRect/>
-          <a:stretch>
-            <a:fillRect/>
-          </a:stretch>
-        </p:blipFill>
-        <p:spPr bwMode="auto">
-          <a:xfrm>
-            <a:off x="5868434" y="1583104"/>
-            <a:ext cx="870088" cy="870088"/>
-          </a:xfrm>
-          <a:prstGeom prst="rect">
-            <a:avLst/>
-          </a:prstGeom>
-          <a:noFill/>
-          <a:extLst>
-            <a:ext uri="{909E8E84-426E-40DD-AFC4-6F175D3DCCD1}">
-              <a14:hiddenFill xmlns:a14="http://schemas.microsoft.com/office/drawing/2010/main">
-                <a:solidFill>
-                  <a:srgbClr val="FFFFFF"/>
-                </a:solidFill>
-              </a14:hiddenFill>
-            </a:ext>
-          </a:extLst>
-        </p:spPr>
-      </p:pic>
-      <p:pic>
-        <p:nvPicPr>
-          <p:cNvPr id="10" name="Picture 9">
-            <a:extLst>
-              <a:ext uri="{FF2B5EF4-FFF2-40B4-BE49-F238E27FC236}">
-                <a16:creationId xmlns:a16="http://schemas.microsoft.com/office/drawing/2014/main" id="{8E7FC5C0-98E8-477F-B1DB-DA92F47AAE30}"/>
-              </a:ext>
-            </a:extLst>
-          </p:cNvPr>
-          <p:cNvPicPr>
-            <a:picLocks noChangeAspect="1"/>
-          </p:cNvPicPr>
-          <p:nvPr/>
-        </p:nvPicPr>
-        <p:blipFill rotWithShape="1">
-          <a:blip r:embed="rId10" cstate="print">
-            <a:extLst>
-              <a:ext uri="{28A0092B-C50C-407E-A947-70E740481C1C}">
-                <a14:useLocalDpi xmlns:a14="http://schemas.microsoft.com/office/drawing/2010/main" val="0"/>
-              </a:ext>
-            </a:extLst>
-          </a:blip>
-          <a:srcRect/>
-          <a:stretch/>
-        </p:blipFill>
-        <p:spPr>
-          <a:xfrm>
-            <a:off x="0" y="4595356"/>
-            <a:ext cx="1061163" cy="504794"/>
-          </a:xfrm>
-          <a:prstGeom prst="rect">
-            <a:avLst/>
-          </a:prstGeom>
-        </p:spPr>
-      </p:pic>
-      <p:pic>
-        <p:nvPicPr>
-          <p:cNvPr id="4" name="Picture 3">
-            <a:extLst>
-              <a:ext uri="{FF2B5EF4-FFF2-40B4-BE49-F238E27FC236}">
-                <a16:creationId xmlns:a16="http://schemas.microsoft.com/office/drawing/2014/main" id="{7437ED9A-B6DB-45DB-8DD9-99E357424B92}"/>
-              </a:ext>
-            </a:extLst>
-          </p:cNvPr>
-          <p:cNvPicPr>
-            <a:picLocks noChangeAspect="1"/>
-          </p:cNvPicPr>
-          <p:nvPr/>
-        </p:nvPicPr>
-        <p:blipFill>
-          <a:blip r:embed="rId11" cstate="print">
-            <a:extLst>
-              <a:ext uri="{28A0092B-C50C-407E-A947-70E740481C1C}">
-                <a14:useLocalDpi xmlns:a14="http://schemas.microsoft.com/office/drawing/2010/main" val="0"/>
-              </a:ext>
-            </a:extLst>
-          </a:blip>
-          <a:stretch>
-            <a:fillRect/>
-          </a:stretch>
-        </p:blipFill>
-        <p:spPr>
-          <a:xfrm>
-            <a:off x="335557" y="0"/>
-            <a:ext cx="1729530" cy="2108108"/>
           </a:xfrm>
           <a:prstGeom prst="rect">
             <a:avLst/>
@@ -30983,8 +30709,8 @@
         </p:nvSpPr>
         <p:spPr>
           <a:xfrm>
-            <a:off x="7008136" y="1871271"/>
-            <a:ext cx="1800306" cy="1477328"/>
+            <a:off x="3392266" y="3728586"/>
+            <a:ext cx="1800306" cy="646331"/>
           </a:xfrm>
           <a:prstGeom prst="rect">
             <a:avLst/>
@@ -31003,10 +30729,237 @@
               <a:t>SQL Server DBA since 2005</a:t>
             </a:r>
           </a:p>
-          <a:p>
-            <a:pPr algn="ctr"/>
-            <a:endParaRPr lang="en-US" dirty="0"/>
-          </a:p>
+        </p:txBody>
+      </p:sp>
+      <p:pic>
+        <p:nvPicPr>
+          <p:cNvPr id="16" name="Picture 2" descr="MCSE: Data Management and Analytics â Certified 2016">
+            <a:extLst>
+              <a:ext uri="{FF2B5EF4-FFF2-40B4-BE49-F238E27FC236}">
+                <a16:creationId xmlns:a16="http://schemas.microsoft.com/office/drawing/2014/main" id="{5F5623B5-B768-4C77-B164-028A95B4B7E7}"/>
+              </a:ext>
+            </a:extLst>
+          </p:cNvPr>
+          <p:cNvPicPr>
+            <a:picLocks noChangeAspect="1" noChangeArrowheads="1"/>
+          </p:cNvPicPr>
+          <p:nvPr/>
+        </p:nvPicPr>
+        <p:blipFill>
+          <a:blip r:embed="rId8" cstate="screen">
+            <a:extLst>
+              <a:ext uri="{28A0092B-C50C-407E-A947-70E740481C1C}">
+                <a14:useLocalDpi xmlns:a14="http://schemas.microsoft.com/office/drawing/2010/main"/>
+              </a:ext>
+            </a:extLst>
+          </a:blip>
+          <a:srcRect/>
+          <a:stretch>
+            <a:fillRect/>
+          </a:stretch>
+        </p:blipFill>
+        <p:spPr bwMode="auto">
+          <a:xfrm>
+            <a:off x="379502" y="3579741"/>
+            <a:ext cx="1139702" cy="1139702"/>
+          </a:xfrm>
+          <a:prstGeom prst="rect">
+            <a:avLst/>
+          </a:prstGeom>
+          <a:noFill/>
+          <a:extLst>
+            <a:ext uri="{909E8E84-426E-40DD-AFC4-6F175D3DCCD1}">
+              <a14:hiddenFill xmlns:a14="http://schemas.microsoft.com/office/drawing/2010/main">
+                <a:solidFill>
+                  <a:srgbClr val="FFFFFF"/>
+                </a:solidFill>
+              </a14:hiddenFill>
+            </a:ext>
+          </a:extLst>
+        </p:spPr>
+      </p:pic>
+      <p:pic>
+        <p:nvPicPr>
+          <p:cNvPr id="17" name="Picture 4" descr="MCSA: SQL Server 2012/2014 - Certified 2016">
+            <a:extLst>
+              <a:ext uri="{FF2B5EF4-FFF2-40B4-BE49-F238E27FC236}">
+                <a16:creationId xmlns:a16="http://schemas.microsoft.com/office/drawing/2014/main" id="{784BBAEE-876C-4125-B973-42786C5F2D27}"/>
+              </a:ext>
+            </a:extLst>
+          </p:cNvPr>
+          <p:cNvPicPr>
+            <a:picLocks noChangeAspect="1" noChangeArrowheads="1"/>
+          </p:cNvPicPr>
+          <p:nvPr/>
+        </p:nvPicPr>
+        <p:blipFill>
+          <a:blip r:embed="rId9" cstate="screen">
+            <a:extLst>
+              <a:ext uri="{28A0092B-C50C-407E-A947-70E740481C1C}">
+                <a14:useLocalDpi xmlns:a14="http://schemas.microsoft.com/office/drawing/2010/main"/>
+              </a:ext>
+            </a:extLst>
+          </a:blip>
+          <a:srcRect/>
+          <a:stretch>
+            <a:fillRect/>
+          </a:stretch>
+        </p:blipFill>
+        <p:spPr bwMode="auto">
+          <a:xfrm>
+            <a:off x="1885884" y="3579743"/>
+            <a:ext cx="1139702" cy="1139702"/>
+          </a:xfrm>
+          <a:prstGeom prst="rect">
+            <a:avLst/>
+          </a:prstGeom>
+          <a:noFill/>
+          <a:extLst>
+            <a:ext uri="{909E8E84-426E-40DD-AFC4-6F175D3DCCD1}">
+              <a14:hiddenFill xmlns:a14="http://schemas.microsoft.com/office/drawing/2010/main">
+                <a:solidFill>
+                  <a:srgbClr val="FFFFFF"/>
+                </a:solidFill>
+              </a14:hiddenFill>
+            </a:ext>
+          </a:extLst>
+        </p:spPr>
+      </p:pic>
+      <p:sp>
+        <p:nvSpPr>
+          <p:cNvPr id="18" name="Title 1">
+            <a:extLst>
+              <a:ext uri="{FF2B5EF4-FFF2-40B4-BE49-F238E27FC236}">
+                <a16:creationId xmlns:a16="http://schemas.microsoft.com/office/drawing/2014/main" id="{622CD1D8-C18B-477C-B55A-3E274F7AE342}"/>
+              </a:ext>
+            </a:extLst>
+          </p:cNvPr>
+          <p:cNvSpPr txBox="1">
+            <a:spLocks/>
+          </p:cNvSpPr>
+          <p:nvPr/>
+        </p:nvSpPr>
+        <p:spPr>
+          <a:xfrm>
+            <a:off x="457200" y="271463"/>
+            <a:ext cx="8229600" cy="857250"/>
+          </a:xfrm>
+          <a:prstGeom prst="rect">
+            <a:avLst/>
+          </a:prstGeom>
+        </p:spPr>
+        <p:txBody>
+          <a:bodyPr vert="horz" lIns="91440" tIns="45720" rIns="91440" bIns="45720" rtlCol="0" anchor="t">
+            <a:noAutofit/>
+          </a:bodyPr>
+          <a:lstStyle>
+            <a:lvl1pPr marL="0" marR="0" indent="0" algn="l" defTabSz="457200" rtl="0" eaLnBrk="1" fontAlgn="auto" latinLnBrk="0" hangingPunct="1">
+              <a:lnSpc>
+                <a:spcPct val="90000"/>
+              </a:lnSpc>
+              <a:spcBef>
+                <a:spcPct val="0"/>
+              </a:spcBef>
+              <a:spcAft>
+                <a:spcPts val="0"/>
+              </a:spcAft>
+              <a:buClrTx/>
+              <a:buSzTx/>
+              <a:buFontTx/>
+              <a:buNone/>
+              <a:tabLst/>
+              <a:defRPr kumimoji="0" lang="en-US" sz="3400" b="0" i="0" u="none" strike="noStrike" kern="1200" cap="none" spc="0" normalizeH="0" baseline="0">
+                <a:ln>
+                  <a:noFill/>
+                </a:ln>
+                <a:solidFill>
+                  <a:schemeClr val="tx2"/>
+                </a:solidFill>
+                <a:effectLst/>
+                <a:uLnTx/>
+                <a:uFillTx/>
+                <a:latin typeface="Segoe"/>
+                <a:ea typeface="+mj-ea"/>
+                <a:cs typeface="Segoe"/>
+              </a:defRPr>
+            </a:lvl1pPr>
+          </a:lstStyle>
+          <a:p>
+            <a:r>
+              <a:rPr lang="en-CA" dirty="0">
+                <a:solidFill>
+                  <a:srgbClr val="0090D2"/>
+                </a:solidFill>
+                <a:latin typeface="Segoe UI" charset="0"/>
+                <a:ea typeface="Segoe UI" charset="0"/>
+                <a:cs typeface="Segoe UI" charset="0"/>
+              </a:rPr>
+              <a:t>About Me…</a:t>
+            </a:r>
+          </a:p>
+        </p:txBody>
+      </p:sp>
+      <p:pic>
+        <p:nvPicPr>
+          <p:cNvPr id="19" name="Picture 18" descr="A picture containing grass, person, outdoor, child&#10;&#10;Description automatically generated">
+            <a:extLst>
+              <a:ext uri="{FF2B5EF4-FFF2-40B4-BE49-F238E27FC236}">
+                <a16:creationId xmlns:a16="http://schemas.microsoft.com/office/drawing/2014/main" id="{BDDB6F9C-ED8E-4134-B063-F167FBD620BD}"/>
+              </a:ext>
+            </a:extLst>
+          </p:cNvPr>
+          <p:cNvPicPr>
+            <a:picLocks noChangeAspect="1"/>
+          </p:cNvPicPr>
+          <p:nvPr/>
+        </p:nvPicPr>
+        <p:blipFill rotWithShape="1">
+          <a:blip r:embed="rId10" cstate="screen">
+            <a:extLst>
+              <a:ext uri="{28A0092B-C50C-407E-A947-70E740481C1C}">
+                <a14:useLocalDpi xmlns:a14="http://schemas.microsoft.com/office/drawing/2010/main"/>
+              </a:ext>
+            </a:extLst>
+          </a:blip>
+          <a:srcRect/>
+          <a:stretch/>
+        </p:blipFill>
+        <p:spPr>
+          <a:xfrm>
+            <a:off x="5665154" y="161365"/>
+            <a:ext cx="3260709" cy="2162287"/>
+          </a:xfrm>
+          <a:prstGeom prst="rect">
+            <a:avLst/>
+          </a:prstGeom>
+        </p:spPr>
+      </p:pic>
+      <p:sp>
+        <p:nvSpPr>
+          <p:cNvPr id="7" name="Rectangle 6">
+            <a:extLst>
+              <a:ext uri="{FF2B5EF4-FFF2-40B4-BE49-F238E27FC236}">
+                <a16:creationId xmlns:a16="http://schemas.microsoft.com/office/drawing/2014/main" id="{02492056-A1A8-4B4C-9D33-2C0F4FDED6EA}"/>
+              </a:ext>
+            </a:extLst>
+          </p:cNvPr>
+          <p:cNvSpPr/>
+          <p:nvPr/>
+        </p:nvSpPr>
+        <p:spPr>
+          <a:xfrm>
+            <a:off x="7052654" y="2602986"/>
+            <a:ext cx="1694967" cy="646331"/>
+          </a:xfrm>
+          <a:prstGeom prst="rect">
+            <a:avLst/>
+          </a:prstGeom>
+        </p:spPr>
+        <p:txBody>
+          <a:bodyPr wrap="square">
+            <a:spAutoFit/>
+          </a:bodyPr>
+          <a:lstStyle/>
           <a:p>
             <a:pPr algn="ctr"/>
             <a:r>
@@ -31026,13 +30979,13 @@
   <p:clrMapOvr>
     <a:masterClrMapping/>
   </p:clrMapOvr>
-  <mc:AlternateContent xmlns:mc="http://schemas.openxmlformats.org/markup-compatibility/2006">
-    <mc:Choice xmlns:p14="http://schemas.microsoft.com/office/powerpoint/2010/main" Requires="p14">
+  <mc:AlternateContent xmlns:mc="http://schemas.openxmlformats.org/markup-compatibility/2006" xmlns:p14="http://schemas.microsoft.com/office/powerpoint/2010/main">
+    <mc:Choice Requires="p14">
       <p:transition spd="med" p14:dur="700">
         <p:fade/>
       </p:transition>
     </mc:Choice>
-    <mc:Fallback>
+    <mc:Fallback xmlns="">
       <p:transition spd="med">
         <p:fade/>
       </p:transition>
@@ -31283,13 +31236,13 @@
   <p:clrMapOvr>
     <a:masterClrMapping/>
   </p:clrMapOvr>
-  <mc:AlternateContent xmlns:mc="http://schemas.openxmlformats.org/markup-compatibility/2006">
-    <mc:Choice xmlns:p14="http://schemas.microsoft.com/office/powerpoint/2010/main" Requires="p14">
+  <mc:AlternateContent xmlns:mc="http://schemas.openxmlformats.org/markup-compatibility/2006" xmlns:p14="http://schemas.microsoft.com/office/powerpoint/2010/main">
+    <mc:Choice Requires="p14">
       <p:transition spd="med" p14:dur="700">
         <p:fade/>
       </p:transition>
     </mc:Choice>
-    <mc:Fallback>
+    <mc:Fallback xmlns="">
       <p:transition spd="med">
         <p:fade/>
       </p:transition>
@@ -31521,13 +31474,13 @@
   <p:clrMapOvr>
     <a:masterClrMapping/>
   </p:clrMapOvr>
-  <mc:AlternateContent xmlns:mc="http://schemas.openxmlformats.org/markup-compatibility/2006">
-    <mc:Choice xmlns:p14="http://schemas.microsoft.com/office/powerpoint/2010/main" Requires="p14">
+  <mc:AlternateContent xmlns:mc="http://schemas.openxmlformats.org/markup-compatibility/2006" xmlns:p14="http://schemas.microsoft.com/office/powerpoint/2010/main">
+    <mc:Choice Requires="p14">
       <p:transition spd="med" p14:dur="700">
         <p:fade/>
       </p:transition>
     </mc:Choice>
-    <mc:Fallback>
+    <mc:Fallback xmlns="">
       <p:transition spd="med">
         <p:fade/>
       </p:transition>
@@ -31643,13 +31596,13 @@
   <p:clrMapOvr>
     <a:masterClrMapping/>
   </p:clrMapOvr>
-  <mc:AlternateContent xmlns:mc="http://schemas.openxmlformats.org/markup-compatibility/2006">
-    <mc:Choice xmlns:p14="http://schemas.microsoft.com/office/powerpoint/2010/main" Requires="p14">
+  <mc:AlternateContent xmlns:mc="http://schemas.openxmlformats.org/markup-compatibility/2006" xmlns:p14="http://schemas.microsoft.com/office/powerpoint/2010/main">
+    <mc:Choice Requires="p14">
       <p:transition spd="med" p14:dur="700">
         <p:fade/>
       </p:transition>
     </mc:Choice>
-    <mc:Fallback>
+    <mc:Fallback xmlns="">
       <p:transition spd="med">
         <p:fade/>
       </p:transition>
@@ -32742,13 +32695,13 @@
   <p:clrMapOvr>
     <a:masterClrMapping/>
   </p:clrMapOvr>
-  <mc:AlternateContent xmlns:mc="http://schemas.openxmlformats.org/markup-compatibility/2006">
-    <mc:Choice xmlns:p14="http://schemas.microsoft.com/office/powerpoint/2010/main" Requires="p14">
+  <mc:AlternateContent xmlns:mc="http://schemas.openxmlformats.org/markup-compatibility/2006" xmlns:p14="http://schemas.microsoft.com/office/powerpoint/2010/main">
+    <mc:Choice Requires="p14">
       <p:transition spd="med" p14:dur="700">
         <p:fade/>
       </p:transition>
     </mc:Choice>
-    <mc:Fallback>
+    <mc:Fallback xmlns="">
       <p:transition spd="med">
         <p:fade/>
       </p:transition>
@@ -33922,13 +33875,13 @@
   <p:clrMapOvr>
     <a:masterClrMapping/>
   </p:clrMapOvr>
-  <mc:AlternateContent xmlns:mc="http://schemas.openxmlformats.org/markup-compatibility/2006">
-    <mc:Choice xmlns:p14="http://schemas.microsoft.com/office/powerpoint/2010/main" Requires="p14">
+  <mc:AlternateContent xmlns:mc="http://schemas.openxmlformats.org/markup-compatibility/2006" xmlns:p14="http://schemas.microsoft.com/office/powerpoint/2010/main">
+    <mc:Choice Requires="p14">
       <p:transition spd="med" p14:dur="700">
         <p:fade/>
       </p:transition>
     </mc:Choice>
-    <mc:Fallback>
+    <mc:Fallback xmlns="">
       <p:transition spd="med">
         <p:fade/>
       </p:transition>
@@ -35024,13 +34977,13 @@
   <p:clrMapOvr>
     <a:masterClrMapping/>
   </p:clrMapOvr>
-  <mc:AlternateContent xmlns:mc="http://schemas.openxmlformats.org/markup-compatibility/2006">
-    <mc:Choice xmlns:p14="http://schemas.microsoft.com/office/powerpoint/2010/main" Requires="p14">
+  <mc:AlternateContent xmlns:mc="http://schemas.openxmlformats.org/markup-compatibility/2006" xmlns:p14="http://schemas.microsoft.com/office/powerpoint/2010/main">
+    <mc:Choice Requires="p14">
       <p:transition spd="med" p14:dur="700">
         <p:fade/>
       </p:transition>
     </mc:Choice>
-    <mc:Fallback>
+    <mc:Fallback xmlns="">
       <p:transition spd="med">
         <p:fade/>
       </p:transition>

--- a/DynamicFilters_Presentation_Eng.pptx
+++ b/DynamicFilters_Presentation_Eng.pptx
@@ -3282,7 +3282,7 @@
           <a:p>
             <a:fld id="{61F4F17F-797E-F743-99C7-34FA65335D3C}" type="datetimeFigureOut">
               <a:rPr lang="en-US" smtClean="0"/>
-              <a:t>9/16/2019</a:t>
+              <a:t>9/26/2019</a:t>
             </a:fld>
             <a:endParaRPr lang="en-US"/>
           </a:p>
@@ -3448,7 +3448,7 @@
           <a:p>
             <a:fld id="{A76353FC-0869-45D3-95AF-CC29198471C2}" type="datetimeFigureOut">
               <a:rPr lang="en-US" smtClean="0"/>
-              <a:t>9/16/2019</a:t>
+              <a:t>9/26/2019</a:t>
             </a:fld>
             <a:endParaRPr lang="en-US"/>
           </a:p>
@@ -8695,10 +8695,13 @@
       </p:grpSpPr>
       <p:pic>
         <p:nvPicPr>
-          <p:cNvPr id="9" name="Picture 8" descr="A picture containing colorful, stationary, photo&#10;&#10;Description automatically generated">
+          <p:cNvPr id="9" name="Picture 8">
             <a:extLst>
               <a:ext uri="{FF2B5EF4-FFF2-40B4-BE49-F238E27FC236}">
                 <a16:creationId xmlns:a16="http://schemas.microsoft.com/office/drawing/2014/main" id="{FBE8FF2F-D360-4199-A799-7FB8331BDD2E}"/>
+              </a:ext>
+              <a:ext uri="{C183D7F6-B498-43B3-948B-1728B52AA6E4}">
+                <adec:decorative xmlns:adec="http://schemas.microsoft.com/office/drawing/2017/decorative" val="1"/>
               </a:ext>
             </a:extLst>
           </p:cNvPr>

--- a/DynamicFilters_Presentation_Eng.pptx
+++ b/DynamicFilters_Presentation_Eng.pptx
@@ -3282,7 +3282,7 @@
           <a:p>
             <a:fld id="{61F4F17F-797E-F743-99C7-34FA65335D3C}" type="datetimeFigureOut">
               <a:rPr lang="en-US" smtClean="0"/>
-              <a:t>9/26/2019</a:t>
+              <a:t>10/7/2019</a:t>
             </a:fld>
             <a:endParaRPr lang="en-US"/>
           </a:p>
@@ -3448,7 +3448,7 @@
           <a:p>
             <a:fld id="{A76353FC-0869-45D3-95AF-CC29198471C2}" type="datetimeFigureOut">
               <a:rPr lang="en-US" smtClean="0"/>
-              <a:t>9/26/2019</a:t>
+              <a:t>10/7/2019</a:t>
             </a:fld>
             <a:endParaRPr lang="en-US"/>
           </a:p>
@@ -5154,7 +5154,10 @@
           <a:bodyPr/>
           <a:lstStyle/>
           <a:p>
-            <a:endParaRPr lang="en-US" dirty="0"/>
+            <a:r>
+              <a:rPr lang="en-US" dirty="0"/>
+              <a:t>Also: In-between scenario where the “abstraction layer” is implemented by the app instead of the DB</a:t>
+            </a:r>
           </a:p>
         </p:txBody>
       </p:sp>

--- a/DynamicFilters_Presentation_Eng.pptx
+++ b/DynamicFilters_Presentation_Eng.pptx
@@ -5,10 +5,10 @@
     <p:sldMasterId id="2147483648" r:id="rId1"/>
   </p:sldMasterIdLst>
   <p:notesMasterIdLst>
-    <p:notesMasterId r:id="rId30"/>
+    <p:notesMasterId r:id="rId31"/>
   </p:notesMasterIdLst>
   <p:handoutMasterIdLst>
-    <p:handoutMasterId r:id="rId31"/>
+    <p:handoutMasterId r:id="rId32"/>
   </p:handoutMasterIdLst>
   <p:sldIdLst>
     <p:sldId id="285" r:id="rId2"/>
@@ -31,14 +31,15 @@
     <p:sldId id="577" r:id="rId19"/>
     <p:sldId id="578" r:id="rId20"/>
     <p:sldId id="586" r:id="rId21"/>
-    <p:sldId id="587" r:id="rId22"/>
-    <p:sldId id="580" r:id="rId23"/>
-    <p:sldId id="579" r:id="rId24"/>
-    <p:sldId id="588" r:id="rId25"/>
-    <p:sldId id="581" r:id="rId26"/>
-    <p:sldId id="590" r:id="rId27"/>
-    <p:sldId id="350" r:id="rId28"/>
-    <p:sldId id="567" r:id="rId29"/>
+    <p:sldId id="594" r:id="rId22"/>
+    <p:sldId id="595" r:id="rId23"/>
+    <p:sldId id="580" r:id="rId24"/>
+    <p:sldId id="579" r:id="rId25"/>
+    <p:sldId id="588" r:id="rId26"/>
+    <p:sldId id="581" r:id="rId27"/>
+    <p:sldId id="590" r:id="rId28"/>
+    <p:sldId id="350" r:id="rId29"/>
+    <p:sldId id="567" r:id="rId30"/>
   </p:sldIdLst>
   <p:sldSz cx="9144000" cy="5143500" type="screen16x9"/>
   <p:notesSz cx="9144000" cy="6858000"/>
@@ -162,7 +163,8 @@
             <p14:sldId id="577"/>
             <p14:sldId id="578"/>
             <p14:sldId id="586"/>
-            <p14:sldId id="587"/>
+            <p14:sldId id="594"/>
+            <p14:sldId id="595"/>
             <p14:sldId id="580"/>
             <p14:sldId id="579"/>
             <p14:sldId id="588"/>
@@ -1067,7 +1069,7 @@
           </a:br>
           <a:r>
             <a:rPr lang="en-US" sz="1400" dirty="0"/>
-            <a:t>Go to your developers and tell them you have a nice surprise for them</a:t>
+            <a:t>Go to your developers / PMs and tell them you have a nice surprise for them</a:t>
           </a:r>
           <a:endParaRPr lang="en-US" sz="1500" dirty="0"/>
         </a:p>
@@ -1827,7 +1829,7 @@
           </a:br>
           <a:r>
             <a:rPr lang="en-US" sz="1400" kern="1200" dirty="0"/>
-            <a:t>Go to your developers and tell them you have a nice surprise for them</a:t>
+            <a:t>Go to your developers / PMs and tell them you have a nice surprise for them</a:t>
           </a:r>
           <a:endParaRPr lang="en-US" sz="1500" kern="1200" dirty="0"/>
         </a:p>
@@ -3282,7 +3284,7 @@
           <a:p>
             <a:fld id="{61F4F17F-797E-F743-99C7-34FA65335D3C}" type="datetimeFigureOut">
               <a:rPr lang="en-US" smtClean="0"/>
-              <a:t>10/7/2019</a:t>
+              <a:t>26/05/2021</a:t>
             </a:fld>
             <a:endParaRPr lang="en-US"/>
           </a:p>
@@ -3448,7 +3450,7 @@
           <a:p>
             <a:fld id="{A76353FC-0869-45D3-95AF-CC29198471C2}" type="datetimeFigureOut">
               <a:rPr lang="en-US" smtClean="0"/>
-              <a:t>10/7/2019</a:t>
+              <a:t>26/05/2021</a:t>
             </a:fld>
             <a:endParaRPr lang="en-US"/>
           </a:p>
@@ -5156,7 +5158,27 @@
           <a:p>
             <a:r>
               <a:rPr lang="en-US" dirty="0"/>
-              <a:t>Also: In-between scenario where the “abstraction layer” is implemented by the app instead of the DB</a:t>
+              <a:t>The generated parsed SQL consists of two main parts: 1) parameter initialization. 2) generated query.</a:t>
+            </a:r>
+          </a:p>
+          <a:p>
+            <a:r>
+              <a:rPr lang="en-US" dirty="0"/>
+              <a:t>These two parts could either be executed as a single command [1] or as “encapsulated” </a:t>
+            </a:r>
+            <a:r>
+              <a:rPr lang="en-US" dirty="0" err="1"/>
+              <a:t>sp_executesql</a:t>
+            </a:r>
+            <a:r>
+              <a:rPr lang="en-US" dirty="0"/>
+              <a:t> [2].</a:t>
+            </a:r>
+          </a:p>
+          <a:p>
+            <a:r>
+              <a:rPr lang="en-US" dirty="0"/>
+              <a:t>The parameter collection itself could be either of the following: XML, JSON, or Table-Valued Parameter. Anything that can serve as a collection of values but also have its individual values be accessible deterministically (using an “indexer” of sorts).</a:t>
             </a:r>
           </a:p>
         </p:txBody>
@@ -5187,7 +5209,7 @@
     </p:spTree>
     <p:extLst>
       <p:ext uri="{BB962C8B-B14F-4D97-AF65-F5344CB8AC3E}">
-        <p14:creationId xmlns:p14="http://schemas.microsoft.com/office/powerpoint/2010/main" val="574470720"/>
+        <p14:creationId xmlns:p14="http://schemas.microsoft.com/office/powerpoint/2010/main" val="1461120354"/>
       </p:ext>
     </p:extLst>
   </p:cSld>
@@ -5243,16 +5265,7 @@
           <a:p>
             <a:r>
               <a:rPr lang="en-US" dirty="0"/>
-              <a:t>Demo steps:</a:t>
-            </a:r>
-          </a:p>
-          <a:p>
-            <a:pPr marL="228496" indent="-228496">
-              <a:buAutoNum type="arabicPeriod"/>
-            </a:pPr>
-            <a:r>
-              <a:rPr lang="en-US" dirty="0"/>
-              <a:t>Demonstrate the GUI + SQL Profiler to capture resulting DB commands</a:t>
+              <a:t>Also: In-between scenario where the “abstraction layer” is implemented by the app instead of the DB</a:t>
             </a:r>
           </a:p>
         </p:txBody>
@@ -5283,7 +5296,7 @@
     </p:spTree>
     <p:extLst>
       <p:ext uri="{BB962C8B-B14F-4D97-AF65-F5344CB8AC3E}">
-        <p14:creationId xmlns:p14="http://schemas.microsoft.com/office/powerpoint/2010/main" val="412368633"/>
+        <p14:creationId xmlns:p14="http://schemas.microsoft.com/office/powerpoint/2010/main" val="574470720"/>
       </p:ext>
     </p:extLst>
   </p:cSld>
@@ -5343,9 +5356,12 @@
             </a:r>
           </a:p>
           <a:p>
+            <a:pPr marL="228496" indent="-228496">
+              <a:buAutoNum type="arabicPeriod"/>
+            </a:pPr>
             <a:r>
               <a:rPr lang="en-US" dirty="0"/>
-              <a:t>2. Show tables ERD and contents of meta-data</a:t>
+              <a:t>Demonstrate the GUI + SQL Profiler to capture resulting DB commands</a:t>
             </a:r>
           </a:p>
         </p:txBody>
@@ -5376,7 +5392,7 @@
     </p:spTree>
     <p:extLst>
       <p:ext uri="{BB962C8B-B14F-4D97-AF65-F5344CB8AC3E}">
-        <p14:creationId xmlns:p14="http://schemas.microsoft.com/office/powerpoint/2010/main" val="1113233021"/>
+        <p14:creationId xmlns:p14="http://schemas.microsoft.com/office/powerpoint/2010/main" val="412368633"/>
       </p:ext>
     </p:extLst>
   </p:cSld>
@@ -5432,43 +5448,13 @@
           <a:p>
             <a:r>
               <a:rPr lang="en-US" dirty="0"/>
-              <a:t>Alternative methods:</a:t>
-            </a:r>
-          </a:p>
-          <a:p>
-            <a:pPr marL="228496" indent="-228496">
-              <a:buAutoNum type="arabicPeriod"/>
-            </a:pPr>
+              <a:t>Demo steps:</a:t>
+            </a:r>
+          </a:p>
+          <a:p>
             <a:r>
               <a:rPr lang="en-US" dirty="0"/>
-              <a:t>Talk about recursive nested conditions with dynamic AND/OR setting.</a:t>
-            </a:r>
-          </a:p>
-          <a:p>
-            <a:pPr marL="228496" indent="-228496">
-              <a:buAutoNum type="arabicPeriod"/>
-            </a:pPr>
-            <a:r>
-              <a:rPr lang="en-US" dirty="0"/>
-              <a:t>Talk about various alternative methods:</a:t>
-            </a:r>
-          </a:p>
-          <a:p>
-            <a:pPr marL="685486" lvl="1" indent="-228496">
-              <a:buAutoNum type="arabicPeriod"/>
-            </a:pPr>
-            <a:r>
-              <a:rPr lang="en-US" dirty="0"/>
-              <a:t>Column -&gt; Operators vs. Column -&gt; Type -&gt; Operators</a:t>
-            </a:r>
-          </a:p>
-          <a:p>
-            <a:pPr marL="685486" lvl="1" indent="-228496">
-              <a:buAutoNum type="arabicPeriod"/>
-            </a:pPr>
-            <a:r>
-              <a:rPr lang="en-US" dirty="0"/>
-              <a:t>LINQ for SQL and other BL-only logic for parameter generation/parsing</a:t>
+              <a:t>2. Show tables ERD and contents of meta-data</a:t>
             </a:r>
           </a:p>
         </p:txBody>
@@ -5499,7 +5485,7 @@
     </p:spTree>
     <p:extLst>
       <p:ext uri="{BB962C8B-B14F-4D97-AF65-F5344CB8AC3E}">
-        <p14:creationId xmlns:p14="http://schemas.microsoft.com/office/powerpoint/2010/main" val="4035299044"/>
+        <p14:creationId xmlns:p14="http://schemas.microsoft.com/office/powerpoint/2010/main" val="1113233021"/>
       </p:ext>
     </p:extLst>
   </p:cSld>
@@ -5553,7 +5539,46 @@
           <a:bodyPr/>
           <a:lstStyle/>
           <a:p>
-            <a:endParaRPr lang="en-US"/>
+            <a:r>
+              <a:rPr lang="en-US" dirty="0"/>
+              <a:t>Alternative methods:</a:t>
+            </a:r>
+          </a:p>
+          <a:p>
+            <a:pPr marL="228496" indent="-228496">
+              <a:buAutoNum type="arabicPeriod"/>
+            </a:pPr>
+            <a:r>
+              <a:rPr lang="en-US" dirty="0"/>
+              <a:t>Talk about recursive nested conditions with dynamic AND/OR setting.</a:t>
+            </a:r>
+          </a:p>
+          <a:p>
+            <a:pPr marL="228496" indent="-228496">
+              <a:buAutoNum type="arabicPeriod"/>
+            </a:pPr>
+            <a:r>
+              <a:rPr lang="en-US" dirty="0"/>
+              <a:t>Talk about various alternative methods:</a:t>
+            </a:r>
+          </a:p>
+          <a:p>
+            <a:pPr marL="685486" lvl="1" indent="-228496">
+              <a:buAutoNum type="arabicPeriod"/>
+            </a:pPr>
+            <a:r>
+              <a:rPr lang="en-US" dirty="0"/>
+              <a:t>Column -&gt; Operators vs. Column -&gt; Type -&gt; Operators</a:t>
+            </a:r>
+          </a:p>
+          <a:p>
+            <a:pPr marL="685486" lvl="1" indent="-228496">
+              <a:buAutoNum type="arabicPeriod"/>
+            </a:pPr>
+            <a:r>
+              <a:rPr lang="en-US" dirty="0"/>
+              <a:t>LINQ for SQL and other BL-only logic for parameter generation/parsing</a:t>
+            </a:r>
           </a:p>
         </p:txBody>
       </p:sp>
@@ -5583,7 +5608,7 @@
     </p:spTree>
     <p:extLst>
       <p:ext uri="{BB962C8B-B14F-4D97-AF65-F5344CB8AC3E}">
-        <p14:creationId xmlns:p14="http://schemas.microsoft.com/office/powerpoint/2010/main" val="2012672048"/>
+        <p14:creationId xmlns:p14="http://schemas.microsoft.com/office/powerpoint/2010/main" val="4035299044"/>
       </p:ext>
     </p:extLst>
   </p:cSld>
@@ -5637,7 +5662,7 @@
           <a:bodyPr/>
           <a:lstStyle/>
           <a:p>
-            <a:endParaRPr lang="en-US" dirty="0"/>
+            <a:endParaRPr lang="en-US"/>
           </a:p>
         </p:txBody>
       </p:sp>
@@ -5667,7 +5692,7 @@
     </p:spTree>
     <p:extLst>
       <p:ext uri="{BB962C8B-B14F-4D97-AF65-F5344CB8AC3E}">
-        <p14:creationId xmlns:p14="http://schemas.microsoft.com/office/powerpoint/2010/main" val="1749025522"/>
+        <p14:creationId xmlns:p14="http://schemas.microsoft.com/office/powerpoint/2010/main" val="2012672048"/>
       </p:ext>
     </p:extLst>
   </p:cSld>
@@ -5743,6 +5768,90 @@
             <a:fld id="{DDD65AC4-17B0-4E19-8496-B264E70A18D3}" type="slidenum">
               <a:rPr lang="en-US" smtClean="0"/>
               <a:t>28</a:t>
+            </a:fld>
+            <a:endParaRPr lang="en-US"/>
+          </a:p>
+        </p:txBody>
+      </p:sp>
+    </p:spTree>
+    <p:extLst>
+      <p:ext uri="{BB962C8B-B14F-4D97-AF65-F5344CB8AC3E}">
+        <p14:creationId xmlns:p14="http://schemas.microsoft.com/office/powerpoint/2010/main" val="1749025522"/>
+      </p:ext>
+    </p:extLst>
+  </p:cSld>
+  <p:clrMapOvr>
+    <a:masterClrMapping/>
+  </p:clrMapOvr>
+</p:notes>
+</file>
+
+<file path=ppt/notesSlides/notesSlide29.xml><?xml version="1.0" encoding="utf-8"?>
+<p:notes xmlns:a="http://schemas.openxmlformats.org/drawingml/2006/main" xmlns:r="http://schemas.openxmlformats.org/officeDocument/2006/relationships" xmlns:p="http://schemas.openxmlformats.org/presentationml/2006/main">
+  <p:cSld>
+    <p:spTree>
+      <p:nvGrpSpPr>
+        <p:cNvPr id="1" name=""/>
+        <p:cNvGrpSpPr/>
+        <p:nvPr/>
+      </p:nvGrpSpPr>
+      <p:grpSpPr>
+        <a:xfrm>
+          <a:off x="0" y="0"/>
+          <a:ext cx="0" cy="0"/>
+          <a:chOff x="0" y="0"/>
+          <a:chExt cx="0" cy="0"/>
+        </a:xfrm>
+      </p:grpSpPr>
+      <p:sp>
+        <p:nvSpPr>
+          <p:cNvPr id="2" name="Slide Image Placeholder 1"/>
+          <p:cNvSpPr>
+            <a:spLocks noGrp="1" noRot="1" noChangeAspect="1"/>
+          </p:cNvSpPr>
+          <p:nvPr>
+            <p:ph type="sldImg"/>
+          </p:nvPr>
+        </p:nvSpPr>
+        <p:spPr/>
+      </p:sp>
+      <p:sp>
+        <p:nvSpPr>
+          <p:cNvPr id="3" name="Notes Placeholder 2"/>
+          <p:cNvSpPr>
+            <a:spLocks noGrp="1"/>
+          </p:cNvSpPr>
+          <p:nvPr>
+            <p:ph type="body" idx="1"/>
+          </p:nvPr>
+        </p:nvSpPr>
+        <p:spPr/>
+        <p:txBody>
+          <a:bodyPr/>
+          <a:lstStyle/>
+          <a:p>
+            <a:endParaRPr lang="en-US" dirty="0"/>
+          </a:p>
+        </p:txBody>
+      </p:sp>
+      <p:sp>
+        <p:nvSpPr>
+          <p:cNvPr id="4" name="Slide Number Placeholder 3"/>
+          <p:cNvSpPr>
+            <a:spLocks noGrp="1"/>
+          </p:cNvSpPr>
+          <p:nvPr>
+            <p:ph type="sldNum" sz="quarter" idx="5"/>
+          </p:nvPr>
+        </p:nvSpPr>
+        <p:spPr/>
+        <p:txBody>
+          <a:bodyPr/>
+          <a:lstStyle/>
+          <a:p>
+            <a:fld id="{DDD65AC4-17B0-4E19-8496-B264E70A18D3}" type="slidenum">
+              <a:rPr lang="en-US" smtClean="0"/>
+              <a:t>29</a:t>
             </a:fld>
             <a:endParaRPr lang="en-US"/>
           </a:p>
@@ -6260,7 +6369,15 @@
           <a:p>
             <a:r>
               <a:rPr lang="en-US" dirty="0"/>
-              <a:t>More sophisticated example preventing SQL injection (e.g. LINQ or Entity Framework)</a:t>
+              <a:t>More sophisticated example preventing SQL injection (e.g. LINQ for SQL, Entity Framework, </a:t>
+            </a:r>
+            <a:r>
+              <a:rPr lang="en-US" dirty="0" err="1"/>
+              <a:t>nHibernate</a:t>
+            </a:r>
+            <a:r>
+              <a:rPr lang="en-US" dirty="0"/>
+              <a:t>, etc.)</a:t>
             </a:r>
           </a:p>
         </p:txBody>
@@ -6347,7 +6464,7 @@
           <a:p>
             <a:r>
               <a:rPr lang="en-US" dirty="0"/>
-              <a:t>Example stored procedure implementing dynamic search.</a:t>
+              <a:t>Example stored procedure implementing dynamic search (“kitchen sink” method).</a:t>
             </a:r>
           </a:p>
           <a:p>
@@ -14351,6 +14468,162 @@
           </p:spPr>
         </p:pic>
       </p:grpSp>
+      <p:sp>
+        <p:nvSpPr>
+          <p:cNvPr id="26" name="Rectangle 25">
+            <a:extLst>
+              <a:ext uri="{FF2B5EF4-FFF2-40B4-BE49-F238E27FC236}">
+                <a16:creationId xmlns:a16="http://schemas.microsoft.com/office/drawing/2014/main" id="{136AC3CD-F3F8-4FA1-ADFB-C925AFB8AF1F}"/>
+              </a:ext>
+            </a:extLst>
+          </p:cNvPr>
+          <p:cNvSpPr/>
+          <p:nvPr/>
+        </p:nvSpPr>
+        <p:spPr>
+          <a:xfrm>
+            <a:off x="1434845" y="3855550"/>
+            <a:ext cx="914400" cy="667370"/>
+          </a:xfrm>
+          <a:prstGeom prst="rect">
+            <a:avLst/>
+          </a:prstGeom>
+          <a:noFill/>
+          <a:ln w="38100">
+            <a:solidFill>
+              <a:srgbClr val="00B050"/>
+            </a:solidFill>
+          </a:ln>
+        </p:spPr>
+        <p:style>
+          <a:lnRef idx="2">
+            <a:schemeClr val="accent1">
+              <a:shade val="50000"/>
+            </a:schemeClr>
+          </a:lnRef>
+          <a:fillRef idx="1">
+            <a:schemeClr val="accent1"/>
+          </a:fillRef>
+          <a:effectRef idx="0">
+            <a:schemeClr val="accent1"/>
+          </a:effectRef>
+          <a:fontRef idx="minor">
+            <a:schemeClr val="lt1"/>
+          </a:fontRef>
+        </p:style>
+        <p:txBody>
+          <a:bodyPr rtlCol="0" anchor="ctr"/>
+          <a:lstStyle/>
+          <a:p>
+            <a:pPr algn="ctr"/>
+            <a:endParaRPr lang="en-US"/>
+          </a:p>
+        </p:txBody>
+      </p:sp>
+      <p:sp>
+        <p:nvSpPr>
+          <p:cNvPr id="28" name="Rectangle 27">
+            <a:extLst>
+              <a:ext uri="{FF2B5EF4-FFF2-40B4-BE49-F238E27FC236}">
+                <a16:creationId xmlns:a16="http://schemas.microsoft.com/office/drawing/2014/main" id="{E6C4AAAB-30AF-4A11-B088-4D5477A667DD}"/>
+              </a:ext>
+            </a:extLst>
+          </p:cNvPr>
+          <p:cNvSpPr/>
+          <p:nvPr/>
+        </p:nvSpPr>
+        <p:spPr>
+          <a:xfrm>
+            <a:off x="3033051" y="3888541"/>
+            <a:ext cx="2753151" cy="667370"/>
+          </a:xfrm>
+          <a:prstGeom prst="rect">
+            <a:avLst/>
+          </a:prstGeom>
+          <a:noFill/>
+          <a:ln w="38100">
+            <a:solidFill>
+              <a:srgbClr val="00B050"/>
+            </a:solidFill>
+          </a:ln>
+        </p:spPr>
+        <p:style>
+          <a:lnRef idx="2">
+            <a:schemeClr val="accent1">
+              <a:shade val="50000"/>
+            </a:schemeClr>
+          </a:lnRef>
+          <a:fillRef idx="1">
+            <a:schemeClr val="accent1"/>
+          </a:fillRef>
+          <a:effectRef idx="0">
+            <a:schemeClr val="accent1"/>
+          </a:effectRef>
+          <a:fontRef idx="minor">
+            <a:schemeClr val="lt1"/>
+          </a:fontRef>
+        </p:style>
+        <p:txBody>
+          <a:bodyPr rtlCol="0" anchor="ctr"/>
+          <a:lstStyle/>
+          <a:p>
+            <a:pPr algn="ctr"/>
+            <a:endParaRPr lang="en-US"/>
+          </a:p>
+        </p:txBody>
+      </p:sp>
+      <p:sp>
+        <p:nvSpPr>
+          <p:cNvPr id="29" name="Rectangle 28">
+            <a:extLst>
+              <a:ext uri="{FF2B5EF4-FFF2-40B4-BE49-F238E27FC236}">
+                <a16:creationId xmlns:a16="http://schemas.microsoft.com/office/drawing/2014/main" id="{7FF7E2A5-706E-4183-95E6-E30692155B80}"/>
+              </a:ext>
+            </a:extLst>
+          </p:cNvPr>
+          <p:cNvSpPr/>
+          <p:nvPr/>
+        </p:nvSpPr>
+        <p:spPr>
+          <a:xfrm>
+            <a:off x="6904799" y="4091462"/>
+            <a:ext cx="1378632" cy="630569"/>
+          </a:xfrm>
+          <a:prstGeom prst="rect">
+            <a:avLst/>
+          </a:prstGeom>
+          <a:noFill/>
+          <a:ln w="38100">
+            <a:solidFill>
+              <a:srgbClr val="00B050"/>
+            </a:solidFill>
+          </a:ln>
+        </p:spPr>
+        <p:style>
+          <a:lnRef idx="2">
+            <a:schemeClr val="accent1">
+              <a:shade val="50000"/>
+            </a:schemeClr>
+          </a:lnRef>
+          <a:fillRef idx="1">
+            <a:schemeClr val="accent1"/>
+          </a:fillRef>
+          <a:effectRef idx="0">
+            <a:schemeClr val="accent1"/>
+          </a:effectRef>
+          <a:fontRef idx="minor">
+            <a:schemeClr val="lt1"/>
+          </a:fontRef>
+        </p:style>
+        <p:txBody>
+          <a:bodyPr rtlCol="0" anchor="ctr"/>
+          <a:lstStyle/>
+          <a:p>
+            <a:pPr algn="ctr"/>
+            <a:endParaRPr lang="en-US"/>
+          </a:p>
+        </p:txBody>
+      </p:sp>
     </p:spTree>
     <p:extLst>
       <p:ext uri="{BB962C8B-B14F-4D97-AF65-F5344CB8AC3E}">
@@ -14373,6 +14646,182 @@
       </p:transition>
     </mc:Fallback>
   </mc:AlternateContent>
+  <p:timing>
+    <p:tnLst>
+      <p:par>
+        <p:cTn id="1" dur="indefinite" restart="never" nodeType="tmRoot">
+          <p:childTnLst>
+            <p:seq concurrent="1" nextAc="seek">
+              <p:cTn id="2" dur="indefinite" nodeType="mainSeq">
+                <p:childTnLst>
+                  <p:par>
+                    <p:cTn id="3" fill="hold">
+                      <p:stCondLst>
+                        <p:cond delay="indefinite"/>
+                      </p:stCondLst>
+                      <p:childTnLst>
+                        <p:par>
+                          <p:cTn id="4" fill="hold">
+                            <p:stCondLst>
+                              <p:cond delay="0"/>
+                            </p:stCondLst>
+                            <p:childTnLst>
+                              <p:par>
+                                <p:cTn id="5" presetID="21" presetClass="entr" presetSubtype="1" fill="hold" grpId="0" nodeType="clickEffect">
+                                  <p:stCondLst>
+                                    <p:cond delay="0"/>
+                                  </p:stCondLst>
+                                  <p:childTnLst>
+                                    <p:set>
+                                      <p:cBhvr>
+                                        <p:cTn id="6" dur="1" fill="hold">
+                                          <p:stCondLst>
+                                            <p:cond delay="0"/>
+                                          </p:stCondLst>
+                                        </p:cTn>
+                                        <p:tgtEl>
+                                          <p:spTgt spid="26"/>
+                                        </p:tgtEl>
+                                        <p:attrNameLst>
+                                          <p:attrName>style.visibility</p:attrName>
+                                        </p:attrNameLst>
+                                      </p:cBhvr>
+                                      <p:to>
+                                        <p:strVal val="visible"/>
+                                      </p:to>
+                                    </p:set>
+                                    <p:animEffect transition="in" filter="wheel(1)">
+                                      <p:cBhvr>
+                                        <p:cTn id="7" dur="1500"/>
+                                        <p:tgtEl>
+                                          <p:spTgt spid="26"/>
+                                        </p:tgtEl>
+                                      </p:cBhvr>
+                                    </p:animEffect>
+                                  </p:childTnLst>
+                                </p:cTn>
+                              </p:par>
+                            </p:childTnLst>
+                          </p:cTn>
+                        </p:par>
+                        <p:par>
+                          <p:cTn id="8" fill="hold">
+                            <p:stCondLst>
+                              <p:cond delay="1500"/>
+                            </p:stCondLst>
+                            <p:childTnLst>
+                              <p:par>
+                                <p:cTn id="9" presetID="21" presetClass="entr" presetSubtype="1" fill="hold" grpId="0" nodeType="afterEffect">
+                                  <p:stCondLst>
+                                    <p:cond delay="0"/>
+                                  </p:stCondLst>
+                                  <p:childTnLst>
+                                    <p:set>
+                                      <p:cBhvr>
+                                        <p:cTn id="10" dur="1" fill="hold">
+                                          <p:stCondLst>
+                                            <p:cond delay="0"/>
+                                          </p:stCondLst>
+                                        </p:cTn>
+                                        <p:tgtEl>
+                                          <p:spTgt spid="28"/>
+                                        </p:tgtEl>
+                                        <p:attrNameLst>
+                                          <p:attrName>style.visibility</p:attrName>
+                                        </p:attrNameLst>
+                                      </p:cBhvr>
+                                      <p:to>
+                                        <p:strVal val="visible"/>
+                                      </p:to>
+                                    </p:set>
+                                    <p:animEffect transition="in" filter="wheel(1)">
+                                      <p:cBhvr>
+                                        <p:cTn id="11" dur="1500"/>
+                                        <p:tgtEl>
+                                          <p:spTgt spid="28"/>
+                                        </p:tgtEl>
+                                      </p:cBhvr>
+                                    </p:animEffect>
+                                  </p:childTnLst>
+                                </p:cTn>
+                              </p:par>
+                            </p:childTnLst>
+                          </p:cTn>
+                        </p:par>
+                        <p:par>
+                          <p:cTn id="12" fill="hold">
+                            <p:stCondLst>
+                              <p:cond delay="3000"/>
+                            </p:stCondLst>
+                            <p:childTnLst>
+                              <p:par>
+                                <p:cTn id="13" presetID="21" presetClass="entr" presetSubtype="1" fill="hold" grpId="0" nodeType="afterEffect">
+                                  <p:stCondLst>
+                                    <p:cond delay="0"/>
+                                  </p:stCondLst>
+                                  <p:childTnLst>
+                                    <p:set>
+                                      <p:cBhvr>
+                                        <p:cTn id="14" dur="1" fill="hold">
+                                          <p:stCondLst>
+                                            <p:cond delay="0"/>
+                                          </p:stCondLst>
+                                        </p:cTn>
+                                        <p:tgtEl>
+                                          <p:spTgt spid="29"/>
+                                        </p:tgtEl>
+                                        <p:attrNameLst>
+                                          <p:attrName>style.visibility</p:attrName>
+                                        </p:attrNameLst>
+                                      </p:cBhvr>
+                                      <p:to>
+                                        <p:strVal val="visible"/>
+                                      </p:to>
+                                    </p:set>
+                                    <p:animEffect transition="in" filter="wheel(1)">
+                                      <p:cBhvr>
+                                        <p:cTn id="15" dur="1500"/>
+                                        <p:tgtEl>
+                                          <p:spTgt spid="29"/>
+                                        </p:tgtEl>
+                                      </p:cBhvr>
+                                    </p:animEffect>
+                                  </p:childTnLst>
+                                </p:cTn>
+                              </p:par>
+                            </p:childTnLst>
+                          </p:cTn>
+                        </p:par>
+                      </p:childTnLst>
+                    </p:cTn>
+                  </p:par>
+                </p:childTnLst>
+              </p:cTn>
+              <p:prevCondLst>
+                <p:cond evt="onPrev" delay="0">
+                  <p:tgtEl>
+                    <p:sldTgt/>
+                  </p:tgtEl>
+                </p:cond>
+              </p:prevCondLst>
+              <p:nextCondLst>
+                <p:cond evt="onNext" delay="0">
+                  <p:tgtEl>
+                    <p:sldTgt/>
+                  </p:tgtEl>
+                </p:cond>
+              </p:nextCondLst>
+            </p:seq>
+          </p:childTnLst>
+        </p:cTn>
+      </p:par>
+    </p:tnLst>
+    <p:bldLst>
+      <p:bldP spid="26" grpId="0" animBg="1"/>
+      <p:bldP spid="28" grpId="0" animBg="1"/>
+      <p:bldP spid="29" grpId="0" animBg="1"/>
+    </p:bldLst>
+  </p:timing>
 </p:sld>
 </file>
 
@@ -15579,13 +16028,18 @@
         </p:nvSpPr>
         <p:spPr>
           <a:xfrm>
-            <a:off x="6709237" y="2415243"/>
+            <a:off x="6007467" y="2307882"/>
             <a:ext cx="691215" cy="369332"/>
           </a:xfrm>
           <a:prstGeom prst="rect">
             <a:avLst/>
           </a:prstGeom>
           <a:noFill/>
+          <a:ln>
+            <a:solidFill>
+              <a:srgbClr val="7030A0"/>
+            </a:solidFill>
+          </a:ln>
         </p:spPr>
         <p:txBody>
           <a:bodyPr wrap="none" rtlCol="0">
@@ -15618,13 +16072,18 @@
         </p:nvSpPr>
         <p:spPr>
           <a:xfrm>
-            <a:off x="7439269" y="3460802"/>
+            <a:off x="6780432" y="3224135"/>
             <a:ext cx="691215" cy="369332"/>
           </a:xfrm>
           <a:prstGeom prst="rect">
             <a:avLst/>
           </a:prstGeom>
           <a:noFill/>
+          <a:ln>
+            <a:solidFill>
+              <a:srgbClr val="7030A0"/>
+            </a:solidFill>
+          </a:ln>
         </p:spPr>
         <p:txBody>
           <a:bodyPr wrap="none" rtlCol="0">
@@ -22230,10 +22689,9 @@
           <a:lstStyle/>
           <a:p>
             <a:r>
-              <a:rPr lang="en-US"/>
+              <a:rPr lang="en-US" dirty="0"/>
               <a:t>Adding another layer of abstraction</a:t>
             </a:r>
-            <a:endParaRPr lang="en-US" dirty="0"/>
           </a:p>
         </p:txBody>
       </p:sp>
@@ -23554,56 +24012,6 @@
           </a:prstGeom>
         </p:spPr>
       </p:pic>
-      <p:cxnSp>
-        <p:nvCxnSpPr>
-          <p:cNvPr id="38" name="Straight Arrow Connector 37">
-            <a:extLst>
-              <a:ext uri="{FF2B5EF4-FFF2-40B4-BE49-F238E27FC236}">
-                <a16:creationId xmlns:a16="http://schemas.microsoft.com/office/drawing/2014/main" id="{1772E8DD-1982-4870-839E-C0922D91FFC8}"/>
-              </a:ext>
-            </a:extLst>
-          </p:cNvPr>
-          <p:cNvCxnSpPr>
-            <a:cxnSpLocks/>
-            <a:stCxn id="2" idx="1"/>
-            <a:endCxn id="37" idx="3"/>
-          </p:cNvCxnSpPr>
-          <p:nvPr/>
-        </p:nvCxnSpPr>
-        <p:spPr>
-          <a:xfrm flipH="1" flipV="1">
-            <a:off x="6148880" y="2201602"/>
-            <a:ext cx="1178043" cy="1856102"/>
-          </a:xfrm>
-          <a:prstGeom prst="straightConnector1">
-            <a:avLst/>
-          </a:prstGeom>
-          <a:ln w="57150">
-            <a:tailEnd type="triangle"/>
-          </a:ln>
-          <a:effectLst>
-            <a:outerShdw blurRad="50800" dist="38100" dir="5400000" algn="t" rotWithShape="0">
-              <a:prstClr val="black">
-                <a:alpha val="40000"/>
-              </a:prstClr>
-            </a:outerShdw>
-          </a:effectLst>
-        </p:spPr>
-        <p:style>
-          <a:lnRef idx="1">
-            <a:schemeClr val="accent1"/>
-          </a:lnRef>
-          <a:fillRef idx="0">
-            <a:schemeClr val="accent1"/>
-          </a:fillRef>
-          <a:effectRef idx="0">
-            <a:schemeClr val="accent1"/>
-          </a:effectRef>
-          <a:fontRef idx="minor">
-            <a:schemeClr val="tx1"/>
-          </a:fontRef>
-        </p:style>
-      </p:cxnSp>
       <p:pic>
         <p:nvPicPr>
           <p:cNvPr id="27" name="Graphic 26" descr="Robot">
@@ -23643,56 +24051,6 @@
           </a:prstGeom>
         </p:spPr>
       </p:pic>
-      <p:sp>
-        <p:nvSpPr>
-          <p:cNvPr id="2" name="Rectangle 1">
-            <a:extLst>
-              <a:ext uri="{FF2B5EF4-FFF2-40B4-BE49-F238E27FC236}">
-                <a16:creationId xmlns:a16="http://schemas.microsoft.com/office/drawing/2014/main" id="{4F594694-94D9-4F86-8AD0-B9FDDD4415CB}"/>
-              </a:ext>
-            </a:extLst>
-          </p:cNvPr>
-          <p:cNvSpPr/>
-          <p:nvPr/>
-        </p:nvSpPr>
-        <p:spPr>
-          <a:xfrm>
-            <a:off x="7326923" y="3907570"/>
-            <a:ext cx="1057562" cy="300267"/>
-          </a:xfrm>
-          <a:prstGeom prst="rect">
-            <a:avLst/>
-          </a:prstGeom>
-          <a:noFill/>
-          <a:ln>
-            <a:solidFill>
-              <a:srgbClr val="FF0000"/>
-            </a:solidFill>
-          </a:ln>
-        </p:spPr>
-        <p:style>
-          <a:lnRef idx="2">
-            <a:schemeClr val="accent6"/>
-          </a:lnRef>
-          <a:fillRef idx="1">
-            <a:schemeClr val="lt1"/>
-          </a:fillRef>
-          <a:effectRef idx="0">
-            <a:schemeClr val="accent6"/>
-          </a:effectRef>
-          <a:fontRef idx="minor">
-            <a:schemeClr val="dk1"/>
-          </a:fontRef>
-        </p:style>
-        <p:txBody>
-          <a:bodyPr rtlCol="0" anchor="ctr"/>
-          <a:lstStyle/>
-          <a:p>
-            <a:pPr algn="ctr"/>
-            <a:endParaRPr lang="en-US"/>
-          </a:p>
-        </p:txBody>
-      </p:sp>
       <p:pic>
         <p:nvPicPr>
           <p:cNvPr id="35" name="Graphic 34" descr="List">
@@ -23780,6 +24138,13 @@
             <a:prstGeom prst="rect">
               <a:avLst/>
             </a:prstGeom>
+            <a:effectLst>
+              <a:outerShdw blurRad="50800" dist="38100" dir="2700000" algn="tl" rotWithShape="0">
+                <a:prstClr val="black">
+                  <a:alpha val="40000"/>
+                </a:prstClr>
+              </a:outerShdw>
+            </a:effectLst>
           </p:spPr>
         </p:pic>
         <p:pic>
@@ -23810,6 +24175,13 @@
             <a:prstGeom prst="rect">
               <a:avLst/>
             </a:prstGeom>
+            <a:effectLst>
+              <a:outerShdw blurRad="50800" dist="38100" dir="2700000" algn="tl" rotWithShape="0">
+                <a:prstClr val="black">
+                  <a:alpha val="40000"/>
+                </a:prstClr>
+              </a:outerShdw>
+            </a:effectLst>
           </p:spPr>
         </p:pic>
       </p:grpSp>
@@ -24009,683 +24381,6 @@
           </a:p>
         </p:txBody>
       </p:sp>
-      <p:sp>
-        <p:nvSpPr>
-          <p:cNvPr id="39" name="Rectangle 38">
-            <a:extLst>
-              <a:ext uri="{FF2B5EF4-FFF2-40B4-BE49-F238E27FC236}">
-                <a16:creationId xmlns:a16="http://schemas.microsoft.com/office/drawing/2014/main" id="{AB75F5BB-0BF4-4A4A-A8BC-3DEC469924FA}"/>
-              </a:ext>
-            </a:extLst>
-          </p:cNvPr>
-          <p:cNvSpPr/>
-          <p:nvPr/>
-        </p:nvSpPr>
-        <p:spPr>
-          <a:xfrm>
-            <a:off x="1379820" y="787737"/>
-            <a:ext cx="787234" cy="250779"/>
-          </a:xfrm>
-          <a:prstGeom prst="rect">
-            <a:avLst/>
-          </a:prstGeom>
-          <a:noFill/>
-          <a:ln>
-            <a:solidFill>
-              <a:srgbClr val="FF0000"/>
-            </a:solidFill>
-          </a:ln>
-        </p:spPr>
-        <p:style>
-          <a:lnRef idx="2">
-            <a:schemeClr val="accent6"/>
-          </a:lnRef>
-          <a:fillRef idx="1">
-            <a:schemeClr val="lt1"/>
-          </a:fillRef>
-          <a:effectRef idx="0">
-            <a:schemeClr val="accent6"/>
-          </a:effectRef>
-          <a:fontRef idx="minor">
-            <a:schemeClr val="dk1"/>
-          </a:fontRef>
-        </p:style>
-        <p:txBody>
-          <a:bodyPr rtlCol="0" anchor="ctr"/>
-          <a:lstStyle/>
-          <a:p>
-            <a:pPr algn="ctr"/>
-            <a:endParaRPr lang="en-US"/>
-          </a:p>
-        </p:txBody>
-      </p:sp>
-      <p:sp>
-        <p:nvSpPr>
-          <p:cNvPr id="40" name="Rectangle 39">
-            <a:extLst>
-              <a:ext uri="{FF2B5EF4-FFF2-40B4-BE49-F238E27FC236}">
-                <a16:creationId xmlns:a16="http://schemas.microsoft.com/office/drawing/2014/main" id="{C73733EE-B1B2-400D-A1AC-00F6588758F1}"/>
-              </a:ext>
-            </a:extLst>
-          </p:cNvPr>
-          <p:cNvSpPr/>
-          <p:nvPr/>
-        </p:nvSpPr>
-        <p:spPr>
-          <a:xfrm>
-            <a:off x="3546707" y="1231586"/>
-            <a:ext cx="787234" cy="250779"/>
-          </a:xfrm>
-          <a:prstGeom prst="rect">
-            <a:avLst/>
-          </a:prstGeom>
-          <a:noFill/>
-          <a:ln>
-            <a:solidFill>
-              <a:srgbClr val="FF0000"/>
-            </a:solidFill>
-          </a:ln>
-        </p:spPr>
-        <p:style>
-          <a:lnRef idx="2">
-            <a:schemeClr val="accent6"/>
-          </a:lnRef>
-          <a:fillRef idx="1">
-            <a:schemeClr val="lt1"/>
-          </a:fillRef>
-          <a:effectRef idx="0">
-            <a:schemeClr val="accent6"/>
-          </a:effectRef>
-          <a:fontRef idx="minor">
-            <a:schemeClr val="dk1"/>
-          </a:fontRef>
-        </p:style>
-        <p:txBody>
-          <a:bodyPr rtlCol="0" anchor="ctr"/>
-          <a:lstStyle/>
-          <a:p>
-            <a:pPr algn="ctr"/>
-            <a:endParaRPr lang="en-US"/>
-          </a:p>
-        </p:txBody>
-      </p:sp>
-      <p:sp>
-        <p:nvSpPr>
-          <p:cNvPr id="5" name="TextBox 4">
-            <a:extLst>
-              <a:ext uri="{FF2B5EF4-FFF2-40B4-BE49-F238E27FC236}">
-                <a16:creationId xmlns:a16="http://schemas.microsoft.com/office/drawing/2014/main" id="{2C0BB72D-F040-4E3D-B5C1-0730249F795D}"/>
-              </a:ext>
-            </a:extLst>
-          </p:cNvPr>
-          <p:cNvSpPr txBox="1"/>
-          <p:nvPr/>
-        </p:nvSpPr>
-        <p:spPr>
-          <a:xfrm>
-            <a:off x="954905" y="2563168"/>
-            <a:ext cx="5172122" cy="1489104"/>
-          </a:xfrm>
-          <a:prstGeom prst="rect">
-            <a:avLst/>
-          </a:prstGeom>
-          <a:solidFill>
-            <a:schemeClr val="bg1">
-              <a:lumMod val="95000"/>
-            </a:schemeClr>
-          </a:solidFill>
-          <a:ln>
-            <a:solidFill>
-              <a:schemeClr val="accent2"/>
-            </a:solidFill>
-          </a:ln>
-        </p:spPr>
-        <p:style>
-          <a:lnRef idx="2">
-            <a:schemeClr val="accent6"/>
-          </a:lnRef>
-          <a:fillRef idx="1">
-            <a:schemeClr val="lt1"/>
-          </a:fillRef>
-          <a:effectRef idx="0">
-            <a:schemeClr val="accent6"/>
-          </a:effectRef>
-          <a:fontRef idx="minor">
-            <a:schemeClr val="dk1"/>
-          </a:fontRef>
-        </p:style>
-        <p:txBody>
-          <a:bodyPr rtlCol="0" anchor="ctr"/>
-          <a:lstStyle>
-            <a:defPPr>
-              <a:defRPr lang="en-US"/>
-            </a:defPPr>
-            <a:lvl1pPr>
-              <a:defRPr sz="1400">
-                <a:solidFill>
-                  <a:schemeClr val="dk1"/>
-                </a:solidFill>
-              </a:defRPr>
-            </a:lvl1pPr>
-            <a:lvl2pPr>
-              <a:defRPr>
-                <a:solidFill>
-                  <a:schemeClr val="dk1"/>
-                </a:solidFill>
-              </a:defRPr>
-            </a:lvl2pPr>
-            <a:lvl3pPr>
-              <a:defRPr>
-                <a:solidFill>
-                  <a:schemeClr val="dk1"/>
-                </a:solidFill>
-              </a:defRPr>
-            </a:lvl3pPr>
-            <a:lvl4pPr>
-              <a:defRPr>
-                <a:solidFill>
-                  <a:schemeClr val="dk1"/>
-                </a:solidFill>
-              </a:defRPr>
-            </a:lvl4pPr>
-            <a:lvl5pPr>
-              <a:defRPr>
-                <a:solidFill>
-                  <a:schemeClr val="dk1"/>
-                </a:solidFill>
-              </a:defRPr>
-            </a:lvl5pPr>
-            <a:lvl6pPr>
-              <a:defRPr>
-                <a:solidFill>
-                  <a:schemeClr val="dk1"/>
-                </a:solidFill>
-              </a:defRPr>
-            </a:lvl6pPr>
-            <a:lvl7pPr>
-              <a:defRPr>
-                <a:solidFill>
-                  <a:schemeClr val="dk1"/>
-                </a:solidFill>
-              </a:defRPr>
-            </a:lvl7pPr>
-            <a:lvl8pPr>
-              <a:defRPr>
-                <a:solidFill>
-                  <a:schemeClr val="dk1"/>
-                </a:solidFill>
-              </a:defRPr>
-            </a:lvl8pPr>
-            <a:lvl9pPr>
-              <a:defRPr>
-                <a:solidFill>
-                  <a:schemeClr val="dk1"/>
-                </a:solidFill>
-              </a:defRPr>
-            </a:lvl9pPr>
-          </a:lstStyle>
-          <a:p>
-            <a:r>
-              <a:rPr lang="en-US" dirty="0"/>
-              <a:t>DECLARE </a:t>
-            </a:r>
-            <a:r>
-              <a:rPr lang="en-US" dirty="0">
-                <a:highlight>
-                  <a:srgbClr val="00FFFF"/>
-                </a:highlight>
-              </a:rPr>
-              <a:t>@p1 nvarchar(50)</a:t>
-            </a:r>
-          </a:p>
-          <a:p>
-            <a:r>
-              <a:rPr lang="en-US" dirty="0"/>
-              <a:t>    SET </a:t>
-            </a:r>
-            <a:r>
-              <a:rPr lang="en-US" dirty="0">
-                <a:highlight>
-                  <a:srgbClr val="00FFFF"/>
-                </a:highlight>
-              </a:rPr>
-              <a:t>@p1</a:t>
-            </a:r>
-            <a:r>
-              <a:rPr lang="en-US" dirty="0"/>
-              <a:t> = @</a:t>
-            </a:r>
-            <a:r>
-              <a:rPr lang="en-US" dirty="0" err="1"/>
-              <a:t>Params.value</a:t>
-            </a:r>
-            <a:r>
-              <a:rPr lang="en-US" dirty="0"/>
-              <a:t>[</a:t>
-            </a:r>
-            <a:r>
-              <a:rPr lang="en-US" dirty="0">
-                <a:highlight>
-                  <a:srgbClr val="00FFFF"/>
-                </a:highlight>
-              </a:rPr>
-              <a:t>id=1</a:t>
-            </a:r>
-            <a:r>
-              <a:rPr lang="en-US" dirty="0"/>
-              <a:t>]</a:t>
-            </a:r>
-          </a:p>
-          <a:p>
-            <a:r>
-              <a:rPr lang="en-US" dirty="0"/>
-              <a:t>DECLARE </a:t>
-            </a:r>
-            <a:r>
-              <a:rPr lang="en-US" dirty="0">
-                <a:highlight>
-                  <a:srgbClr val="00FFFF"/>
-                </a:highlight>
-              </a:rPr>
-              <a:t>@p2 TABLE (int)</a:t>
-            </a:r>
-          </a:p>
-          <a:p>
-            <a:r>
-              <a:rPr lang="en-US" dirty="0"/>
-              <a:t>    INSERT INTO </a:t>
-            </a:r>
-            <a:r>
-              <a:rPr lang="en-US" dirty="0">
-                <a:highlight>
-                  <a:srgbClr val="00FFFF"/>
-                </a:highlight>
-              </a:rPr>
-              <a:t>@p2 </a:t>
-            </a:r>
-            <a:r>
-              <a:rPr lang="en-US" dirty="0"/>
-              <a:t>SELECT value FROM @</a:t>
-            </a:r>
-            <a:r>
-              <a:rPr lang="en-US" dirty="0" err="1"/>
-              <a:t>Params.value</a:t>
-            </a:r>
-            <a:r>
-              <a:rPr lang="en-US" dirty="0"/>
-              <a:t>[</a:t>
-            </a:r>
-            <a:r>
-              <a:rPr lang="en-US" dirty="0">
-                <a:highlight>
-                  <a:srgbClr val="00FFFF"/>
-                </a:highlight>
-              </a:rPr>
-              <a:t>id=2</a:t>
-            </a:r>
-            <a:r>
-              <a:rPr lang="en-US" dirty="0"/>
-              <a:t>]</a:t>
-            </a:r>
-          </a:p>
-          <a:p>
-            <a:endParaRPr lang="en-US" dirty="0"/>
-          </a:p>
-          <a:p>
-            <a:r>
-              <a:rPr lang="en-US" dirty="0"/>
-              <a:t>EXEC </a:t>
-            </a:r>
-            <a:r>
-              <a:rPr lang="en-US" dirty="0" err="1"/>
-              <a:t>sp_executesql</a:t>
-            </a:r>
-            <a:r>
-              <a:rPr lang="en-US" dirty="0"/>
-              <a:t> </a:t>
-            </a:r>
-            <a:r>
-              <a:rPr lang="en-US" dirty="0">
-                <a:highlight>
-                  <a:srgbClr val="00FFFF"/>
-                </a:highlight>
-              </a:rPr>
-              <a:t>@CMD</a:t>
-            </a:r>
-            <a:r>
-              <a:rPr lang="en-US" dirty="0"/>
-              <a:t>, </a:t>
-            </a:r>
-            <a:r>
-              <a:rPr lang="en-US" dirty="0">
-                <a:highlight>
-                  <a:srgbClr val="00FFFF"/>
-                </a:highlight>
-              </a:rPr>
-              <a:t>@</a:t>
-            </a:r>
-            <a:r>
-              <a:rPr lang="en-US" dirty="0" err="1">
-                <a:highlight>
-                  <a:srgbClr val="00FFFF"/>
-                </a:highlight>
-              </a:rPr>
-              <a:t>CMDParams</a:t>
-            </a:r>
-            <a:r>
-              <a:rPr lang="en-US" dirty="0"/>
-              <a:t>, </a:t>
-            </a:r>
-            <a:r>
-              <a:rPr lang="en-US" dirty="0">
-                <a:highlight>
-                  <a:srgbClr val="00FFFF"/>
-                </a:highlight>
-              </a:rPr>
-              <a:t>@p1, @p2</a:t>
-            </a:r>
-          </a:p>
-        </p:txBody>
-      </p:sp>
-      <p:sp>
-        <p:nvSpPr>
-          <p:cNvPr id="37" name="TextBox 36">
-            <a:extLst>
-              <a:ext uri="{FF2B5EF4-FFF2-40B4-BE49-F238E27FC236}">
-                <a16:creationId xmlns:a16="http://schemas.microsoft.com/office/drawing/2014/main" id="{C799E325-A5FE-4DA0-84AB-C53D2EB94D1F}"/>
-              </a:ext>
-            </a:extLst>
-          </p:cNvPr>
-          <p:cNvSpPr txBox="1"/>
-          <p:nvPr/>
-        </p:nvSpPr>
-        <p:spPr>
-          <a:xfrm>
-            <a:off x="2954081" y="1170550"/>
-            <a:ext cx="3194799" cy="2062103"/>
-          </a:xfrm>
-          <a:prstGeom prst="rect">
-            <a:avLst/>
-          </a:prstGeom>
-          <a:ln/>
-        </p:spPr>
-        <p:style>
-          <a:lnRef idx="0">
-            <a:schemeClr val="accent1"/>
-          </a:lnRef>
-          <a:fillRef idx="3">
-            <a:schemeClr val="accent1"/>
-          </a:fillRef>
-          <a:effectRef idx="3">
-            <a:schemeClr val="accent1"/>
-          </a:effectRef>
-          <a:fontRef idx="minor">
-            <a:schemeClr val="lt1"/>
-          </a:fontRef>
-        </p:style>
-        <p:txBody>
-          <a:bodyPr wrap="square" rtlCol="0">
-            <a:spAutoFit/>
-          </a:bodyPr>
-          <a:lstStyle/>
-          <a:p>
-            <a:pPr marL="285750" indent="-285750">
-              <a:buFont typeface="Arial" panose="020B0604020202020204" pitchFamily="34" charset="0"/>
-              <a:buChar char="•"/>
-            </a:pPr>
-            <a:r>
-              <a:rPr lang="en-US" sz="3200" dirty="0">
-                <a:solidFill>
-                  <a:schemeClr val="bg1"/>
-                </a:solidFill>
-              </a:rPr>
-              <a:t>XML      &lt;/&gt;</a:t>
-            </a:r>
-          </a:p>
-          <a:p>
-            <a:pPr marL="285750" indent="-285750">
-              <a:buFont typeface="Arial" panose="020B0604020202020204" pitchFamily="34" charset="0"/>
-              <a:buChar char="•"/>
-            </a:pPr>
-            <a:r>
-              <a:rPr lang="en-US" sz="3200" dirty="0">
-                <a:solidFill>
-                  <a:schemeClr val="bg1"/>
-                </a:solidFill>
-              </a:rPr>
-              <a:t>JSON      { }</a:t>
-            </a:r>
-          </a:p>
-          <a:p>
-            <a:pPr marL="285750" indent="-285750">
-              <a:buFont typeface="Arial" panose="020B0604020202020204" pitchFamily="34" charset="0"/>
-              <a:buChar char="•"/>
-            </a:pPr>
-            <a:r>
-              <a:rPr lang="en-US" sz="3200" dirty="0">
-                <a:solidFill>
-                  <a:schemeClr val="bg1"/>
-                </a:solidFill>
-              </a:rPr>
-              <a:t>TVP       @T</a:t>
-            </a:r>
-          </a:p>
-          <a:p>
-            <a:pPr marL="285750" indent="-285750">
-              <a:buFont typeface="Arial" panose="020B0604020202020204" pitchFamily="34" charset="0"/>
-              <a:buChar char="•"/>
-            </a:pPr>
-            <a:r>
-              <a:rPr lang="en-US" sz="3200" dirty="0">
-                <a:solidFill>
-                  <a:schemeClr val="bg1"/>
-                </a:solidFill>
-              </a:rPr>
-              <a:t>CLR        ???</a:t>
-            </a:r>
-          </a:p>
-        </p:txBody>
-      </p:sp>
-      <p:sp>
-        <p:nvSpPr>
-          <p:cNvPr id="44" name="Rectangle 43">
-            <a:extLst>
-              <a:ext uri="{FF2B5EF4-FFF2-40B4-BE49-F238E27FC236}">
-                <a16:creationId xmlns:a16="http://schemas.microsoft.com/office/drawing/2014/main" id="{7A033662-5671-42A1-9A13-3E969F51B2E9}"/>
-              </a:ext>
-            </a:extLst>
-          </p:cNvPr>
-          <p:cNvSpPr/>
-          <p:nvPr/>
-        </p:nvSpPr>
-        <p:spPr>
-          <a:xfrm>
-            <a:off x="4322053" y="3295114"/>
-            <a:ext cx="787234" cy="250779"/>
-          </a:xfrm>
-          <a:prstGeom prst="rect">
-            <a:avLst/>
-          </a:prstGeom>
-          <a:noFill/>
-          <a:ln>
-            <a:solidFill>
-              <a:srgbClr val="FF0000"/>
-            </a:solidFill>
-          </a:ln>
-        </p:spPr>
-        <p:style>
-          <a:lnRef idx="2">
-            <a:schemeClr val="accent6"/>
-          </a:lnRef>
-          <a:fillRef idx="1">
-            <a:schemeClr val="lt1"/>
-          </a:fillRef>
-          <a:effectRef idx="0">
-            <a:schemeClr val="accent6"/>
-          </a:effectRef>
-          <a:fontRef idx="minor">
-            <a:schemeClr val="dk1"/>
-          </a:fontRef>
-        </p:style>
-        <p:txBody>
-          <a:bodyPr rtlCol="0" anchor="ctr"/>
-          <a:lstStyle/>
-          <a:p>
-            <a:pPr algn="ctr"/>
-            <a:endParaRPr lang="en-US"/>
-          </a:p>
-        </p:txBody>
-      </p:sp>
-      <p:sp>
-        <p:nvSpPr>
-          <p:cNvPr id="45" name="Rectangle 44">
-            <a:extLst>
-              <a:ext uri="{FF2B5EF4-FFF2-40B4-BE49-F238E27FC236}">
-                <a16:creationId xmlns:a16="http://schemas.microsoft.com/office/drawing/2014/main" id="{FE76FC4C-FE4E-42F6-AC74-7DA0D6D2CA76}"/>
-              </a:ext>
-            </a:extLst>
-          </p:cNvPr>
-          <p:cNvSpPr/>
-          <p:nvPr/>
-        </p:nvSpPr>
-        <p:spPr>
-          <a:xfrm>
-            <a:off x="2130469" y="2856025"/>
-            <a:ext cx="787234" cy="250779"/>
-          </a:xfrm>
-          <a:prstGeom prst="rect">
-            <a:avLst/>
-          </a:prstGeom>
-          <a:noFill/>
-          <a:ln>
-            <a:solidFill>
-              <a:srgbClr val="FF0000"/>
-            </a:solidFill>
-          </a:ln>
-        </p:spPr>
-        <p:style>
-          <a:lnRef idx="2">
-            <a:schemeClr val="accent6"/>
-          </a:lnRef>
-          <a:fillRef idx="1">
-            <a:schemeClr val="lt1"/>
-          </a:fillRef>
-          <a:effectRef idx="0">
-            <a:schemeClr val="accent6"/>
-          </a:effectRef>
-          <a:fontRef idx="minor">
-            <a:schemeClr val="dk1"/>
-          </a:fontRef>
-        </p:style>
-        <p:txBody>
-          <a:bodyPr rtlCol="0" anchor="ctr"/>
-          <a:lstStyle/>
-          <a:p>
-            <a:pPr algn="ctr"/>
-            <a:endParaRPr lang="en-US"/>
-          </a:p>
-        </p:txBody>
-      </p:sp>
-      <p:sp>
-        <p:nvSpPr>
-          <p:cNvPr id="50" name="Rectangle 49">
-            <a:extLst>
-              <a:ext uri="{FF2B5EF4-FFF2-40B4-BE49-F238E27FC236}">
-                <a16:creationId xmlns:a16="http://schemas.microsoft.com/office/drawing/2014/main" id="{E5878D29-D7F1-4717-8BE8-959911BAD982}"/>
-              </a:ext>
-            </a:extLst>
-          </p:cNvPr>
-          <p:cNvSpPr/>
-          <p:nvPr/>
-        </p:nvSpPr>
-        <p:spPr>
-          <a:xfrm>
-            <a:off x="5884005" y="4254353"/>
-            <a:ext cx="782845" cy="211682"/>
-          </a:xfrm>
-          <a:prstGeom prst="rect">
-            <a:avLst/>
-          </a:prstGeom>
-          <a:noFill/>
-          <a:ln>
-            <a:solidFill>
-              <a:srgbClr val="FF0000"/>
-            </a:solidFill>
-          </a:ln>
-        </p:spPr>
-        <p:style>
-          <a:lnRef idx="2">
-            <a:schemeClr val="accent6"/>
-          </a:lnRef>
-          <a:fillRef idx="1">
-            <a:schemeClr val="lt1"/>
-          </a:fillRef>
-          <a:effectRef idx="0">
-            <a:schemeClr val="accent6"/>
-          </a:effectRef>
-          <a:fontRef idx="minor">
-            <a:schemeClr val="dk1"/>
-          </a:fontRef>
-        </p:style>
-        <p:txBody>
-          <a:bodyPr rtlCol="0" anchor="ctr"/>
-          <a:lstStyle/>
-          <a:p>
-            <a:pPr algn="ctr"/>
-            <a:endParaRPr lang="en-US"/>
-          </a:p>
-        </p:txBody>
-      </p:sp>
-      <p:sp>
-        <p:nvSpPr>
-          <p:cNvPr id="51" name="Rectangle 50">
-            <a:extLst>
-              <a:ext uri="{FF2B5EF4-FFF2-40B4-BE49-F238E27FC236}">
-                <a16:creationId xmlns:a16="http://schemas.microsoft.com/office/drawing/2014/main" id="{4F1C6A34-6302-409A-BD2C-DF64A7686B65}"/>
-              </a:ext>
-            </a:extLst>
-          </p:cNvPr>
-          <p:cNvSpPr/>
-          <p:nvPr/>
-        </p:nvSpPr>
-        <p:spPr>
-          <a:xfrm>
-            <a:off x="2336309" y="4912573"/>
-            <a:ext cx="852373" cy="194107"/>
-          </a:xfrm>
-          <a:prstGeom prst="rect">
-            <a:avLst/>
-          </a:prstGeom>
-          <a:noFill/>
-          <a:ln>
-            <a:solidFill>
-              <a:srgbClr val="FF0000"/>
-            </a:solidFill>
-          </a:ln>
-        </p:spPr>
-        <p:style>
-          <a:lnRef idx="2">
-            <a:schemeClr val="accent6"/>
-          </a:lnRef>
-          <a:fillRef idx="1">
-            <a:schemeClr val="lt1"/>
-          </a:fillRef>
-          <a:effectRef idx="0">
-            <a:schemeClr val="accent6"/>
-          </a:effectRef>
-          <a:fontRef idx="minor">
-            <a:schemeClr val="dk1"/>
-          </a:fontRef>
-        </p:style>
-        <p:txBody>
-          <a:bodyPr rtlCol="0" anchor="ctr"/>
-          <a:lstStyle/>
-          <a:p>
-            <a:pPr algn="ctr"/>
-            <a:endParaRPr lang="en-US"/>
-          </a:p>
-        </p:txBody>
-      </p:sp>
       <p:grpSp>
         <p:nvGrpSpPr>
           <p:cNvPr id="16" name="Group 15">
@@ -24701,9 +24396,9 @@
         <p:grpSpPr>
           <a:xfrm>
             <a:off x="43244" y="414275"/>
-            <a:ext cx="8442585" cy="4734231"/>
+            <a:ext cx="6724166" cy="4087901"/>
             <a:chOff x="43244" y="414275"/>
-            <a:chExt cx="8442585" cy="4734231"/>
+            <a:chExt cx="6724166" cy="4087901"/>
           </a:xfrm>
         </p:grpSpPr>
         <p:sp>
@@ -24721,7 +24416,7 @@
           <p:spPr>
             <a:xfrm>
               <a:off x="1215890" y="4194399"/>
-              <a:ext cx="7269939" cy="954107"/>
+              <a:ext cx="5551520" cy="307777"/>
             </a:xfrm>
             <a:prstGeom prst="rect">
               <a:avLst/>
@@ -24780,16 +24475,7 @@
                   </a:solidFill>
                   <a:latin typeface="Consolas" panose="020B0609020204030204" pitchFamily="49" charset="0"/>
                 </a:rPr>
-                <a:t>@</a:t>
-              </a:r>
-              <a:r>
-                <a:rPr lang="en-US" sz="1400" dirty="0" err="1">
-                  <a:solidFill>
-                    <a:srgbClr val="000000"/>
-                  </a:solidFill>
-                  <a:latin typeface="Consolas" panose="020B0609020204030204" pitchFamily="49" charset="0"/>
-                </a:rPr>
-                <a:t>ParsedSQL</a:t>
+                <a:t>@ParsedSQL</a:t>
               </a:r>
               <a:r>
                 <a:rPr lang="en-US" sz="1400" dirty="0">
@@ -24845,213 +24531,6 @@
                 </a:rPr>
                 <a:t> @Params</a:t>
               </a:r>
-            </a:p>
-            <a:p>
-              <a:r>
-                <a:rPr lang="en-US" sz="1400" dirty="0">
-                  <a:solidFill>
-                    <a:srgbClr val="0000FF"/>
-                  </a:solidFill>
-                  <a:latin typeface="Consolas" panose="020B0609020204030204" pitchFamily="49" charset="0"/>
-                </a:rPr>
-                <a:t>EXEC</a:t>
-              </a:r>
-              <a:r>
-                <a:rPr lang="en-US" sz="1400" dirty="0">
-                  <a:solidFill>
-                    <a:srgbClr val="000000"/>
-                  </a:solidFill>
-                  <a:latin typeface="Consolas" panose="020B0609020204030204" pitchFamily="49" charset="0"/>
-                </a:rPr>
-                <a:t> </a:t>
-              </a:r>
-              <a:r>
-                <a:rPr lang="en-US" sz="1400" dirty="0" err="1">
-                  <a:solidFill>
-                    <a:srgbClr val="800000"/>
-                  </a:solidFill>
-                  <a:latin typeface="Consolas" panose="020B0609020204030204" pitchFamily="49" charset="0"/>
-                </a:rPr>
-                <a:t>sp_executesql</a:t>
-              </a:r>
-              <a:r>
-                <a:rPr lang="en-US" sz="1400" dirty="0">
-                  <a:solidFill>
-                    <a:srgbClr val="0000FF"/>
-                  </a:solidFill>
-                  <a:latin typeface="Consolas" panose="020B0609020204030204" pitchFamily="49" charset="0"/>
-                </a:rPr>
-                <a:t> </a:t>
-              </a:r>
-              <a:r>
-                <a:rPr lang="en-US" sz="1400" dirty="0">
-                  <a:solidFill>
-                    <a:srgbClr val="000000"/>
-                  </a:solidFill>
-                  <a:latin typeface="Consolas" panose="020B0609020204030204" pitchFamily="49" charset="0"/>
-                </a:rPr>
-                <a:t>@</a:t>
-              </a:r>
-              <a:r>
-                <a:rPr lang="en-US" sz="1400" dirty="0" err="1">
-                  <a:solidFill>
-                    <a:srgbClr val="000000"/>
-                  </a:solidFill>
-                  <a:latin typeface="Consolas" panose="020B0609020204030204" pitchFamily="49" charset="0"/>
-                </a:rPr>
-                <a:t>ParsedSQL</a:t>
-              </a:r>
-              <a:endParaRPr lang="en-US" sz="1400" dirty="0">
-                <a:solidFill>
-                  <a:srgbClr val="000000"/>
-                </a:solidFill>
-                <a:latin typeface="Consolas" panose="020B0609020204030204" pitchFamily="49" charset="0"/>
-              </a:endParaRPr>
-            </a:p>
-            <a:p>
-              <a:r>
-                <a:rPr lang="en-US" sz="1400" dirty="0">
-                  <a:solidFill>
-                    <a:srgbClr val="000000"/>
-                  </a:solidFill>
-                  <a:latin typeface="Consolas" panose="020B0609020204030204" pitchFamily="49" charset="0"/>
-                </a:rPr>
-                <a:t>	</a:t>
-              </a:r>
-              <a:r>
-                <a:rPr lang="en-US" sz="1400" dirty="0">
-                  <a:solidFill>
-                    <a:srgbClr val="808080"/>
-                  </a:solidFill>
-                  <a:latin typeface="Consolas" panose="020B0609020204030204" pitchFamily="49" charset="0"/>
-                </a:rPr>
-                <a:t>,</a:t>
-              </a:r>
-              <a:r>
-                <a:rPr lang="en-US" sz="1400" dirty="0">
-                  <a:solidFill>
-                    <a:srgbClr val="000000"/>
-                  </a:solidFill>
-                  <a:latin typeface="Consolas" panose="020B0609020204030204" pitchFamily="49" charset="0"/>
-                </a:rPr>
-                <a:t> </a:t>
-              </a:r>
-              <a:r>
-                <a:rPr lang="en-US" sz="1400" dirty="0" err="1">
-                  <a:solidFill>
-                    <a:srgbClr val="FF0000"/>
-                  </a:solidFill>
-                  <a:latin typeface="Consolas" panose="020B0609020204030204" pitchFamily="49" charset="0"/>
-                </a:rPr>
-                <a:t>N'@Params</a:t>
-              </a:r>
-              <a:r>
-                <a:rPr lang="en-US" sz="1400" dirty="0">
-                  <a:solidFill>
-                    <a:srgbClr val="FF0000"/>
-                  </a:solidFill>
-                  <a:latin typeface="Consolas" panose="020B0609020204030204" pitchFamily="49" charset="0"/>
-                </a:rPr>
-                <a:t> ???, @CMD nvarchar(max), @</a:t>
-              </a:r>
-              <a:r>
-                <a:rPr lang="en-US" sz="1400" dirty="0" err="1">
-                  <a:solidFill>
-                    <a:srgbClr val="FF0000"/>
-                  </a:solidFill>
-                  <a:latin typeface="Consolas" panose="020B0609020204030204" pitchFamily="49" charset="0"/>
-                </a:rPr>
-                <a:t>CMDParams</a:t>
-              </a:r>
-              <a:r>
-                <a:rPr lang="en-US" sz="1400" dirty="0">
-                  <a:solidFill>
-                    <a:srgbClr val="FF0000"/>
-                  </a:solidFill>
-                  <a:latin typeface="Consolas" panose="020B0609020204030204" pitchFamily="49" charset="0"/>
-                </a:rPr>
-                <a:t> nvarchar(max)’</a:t>
-              </a:r>
-            </a:p>
-            <a:p>
-              <a:r>
-                <a:rPr lang="en-US" sz="1400" dirty="0">
-                  <a:solidFill>
-                    <a:srgbClr val="FF0000"/>
-                  </a:solidFill>
-                  <a:latin typeface="Consolas" panose="020B0609020204030204" pitchFamily="49" charset="0"/>
-                </a:rPr>
-                <a:t>	</a:t>
-              </a:r>
-              <a:r>
-                <a:rPr lang="en-US" sz="1400" dirty="0">
-                  <a:solidFill>
-                    <a:srgbClr val="808080"/>
-                  </a:solidFill>
-                  <a:latin typeface="Consolas" panose="020B0609020204030204" pitchFamily="49" charset="0"/>
-                </a:rPr>
-                <a:t>,</a:t>
-              </a:r>
-              <a:r>
-                <a:rPr lang="en-US" sz="1400" dirty="0">
-                  <a:solidFill>
-                    <a:srgbClr val="000000"/>
-                  </a:solidFill>
-                  <a:latin typeface="Consolas" panose="020B0609020204030204" pitchFamily="49" charset="0"/>
-                </a:rPr>
-                <a:t> @Params</a:t>
-              </a:r>
-              <a:r>
-                <a:rPr lang="en-US" sz="1400" dirty="0">
-                  <a:solidFill>
-                    <a:srgbClr val="808080"/>
-                  </a:solidFill>
-                  <a:latin typeface="Consolas" panose="020B0609020204030204" pitchFamily="49" charset="0"/>
-                </a:rPr>
-                <a:t>,</a:t>
-              </a:r>
-              <a:r>
-                <a:rPr lang="en-US" sz="1400" dirty="0">
-                  <a:solidFill>
-                    <a:srgbClr val="000000"/>
-                  </a:solidFill>
-                  <a:latin typeface="Consolas" panose="020B0609020204030204" pitchFamily="49" charset="0"/>
-                </a:rPr>
-                <a:t> @CMD</a:t>
-              </a:r>
-              <a:r>
-                <a:rPr lang="en-US" sz="1400" dirty="0">
-                  <a:solidFill>
-                    <a:srgbClr val="808080"/>
-                  </a:solidFill>
-                  <a:latin typeface="Consolas" panose="020B0609020204030204" pitchFamily="49" charset="0"/>
-                </a:rPr>
-                <a:t>,</a:t>
-              </a:r>
-              <a:r>
-                <a:rPr lang="en-US" sz="1400" dirty="0">
-                  <a:solidFill>
-                    <a:srgbClr val="000000"/>
-                  </a:solidFill>
-                  <a:latin typeface="Consolas" panose="020B0609020204030204" pitchFamily="49" charset="0"/>
-                </a:rPr>
-                <a:t> @</a:t>
-              </a:r>
-              <a:r>
-                <a:rPr lang="en-US" sz="1400" dirty="0" err="1">
-                  <a:solidFill>
-                    <a:srgbClr val="000000"/>
-                  </a:solidFill>
-                  <a:latin typeface="Consolas" panose="020B0609020204030204" pitchFamily="49" charset="0"/>
-                </a:rPr>
-                <a:t>CMDParams</a:t>
-              </a:r>
-              <a:endParaRPr lang="en-US" sz="1400" dirty="0">
-                <a:solidFill>
-                  <a:srgbClr val="000000"/>
-                </a:solidFill>
-                <a:latin typeface="Consolas" panose="020B0609020204030204" pitchFamily="49" charset="0"/>
-              </a:endParaRPr>
             </a:p>
           </p:txBody>
         </p:sp>
@@ -25151,102 +24630,6 @@
             </a:p>
           </p:txBody>
         </p:sp>
-        <p:sp>
-          <p:nvSpPr>
-            <p:cNvPr id="53" name="TextBox 52">
-              <a:extLst>
-                <a:ext uri="{FF2B5EF4-FFF2-40B4-BE49-F238E27FC236}">
-                  <a16:creationId xmlns:a16="http://schemas.microsoft.com/office/drawing/2014/main" id="{6549E8D0-9EAA-4DB2-A14F-6E66542A4503}"/>
-                </a:ext>
-              </a:extLst>
-            </p:cNvPr>
-            <p:cNvSpPr txBox="1"/>
-            <p:nvPr/>
-          </p:nvSpPr>
-          <p:spPr>
-            <a:xfrm>
-              <a:off x="1004095" y="4466358"/>
-              <a:ext cx="253596" cy="246221"/>
-            </a:xfrm>
-            <a:prstGeom prst="rect">
-              <a:avLst/>
-            </a:prstGeom>
-          </p:spPr>
-          <p:style>
-            <a:lnRef idx="1">
-              <a:schemeClr val="accent2"/>
-            </a:lnRef>
-            <a:fillRef idx="3">
-              <a:schemeClr val="accent2"/>
-            </a:fillRef>
-            <a:effectRef idx="2">
-              <a:schemeClr val="accent2"/>
-            </a:effectRef>
-            <a:fontRef idx="minor">
-              <a:schemeClr val="lt1"/>
-            </a:fontRef>
-          </p:style>
-          <p:txBody>
-            <a:bodyPr wrap="square" rtlCol="0">
-              <a:spAutoFit/>
-            </a:bodyPr>
-            <a:lstStyle/>
-            <a:p>
-              <a:r>
-                <a:rPr lang="en-US" sz="1000" dirty="0"/>
-                <a:t>2</a:t>
-              </a:r>
-            </a:p>
-          </p:txBody>
-        </p:sp>
-        <p:sp>
-          <p:nvSpPr>
-            <p:cNvPr id="55" name="TextBox 54">
-              <a:extLst>
-                <a:ext uri="{FF2B5EF4-FFF2-40B4-BE49-F238E27FC236}">
-                  <a16:creationId xmlns:a16="http://schemas.microsoft.com/office/drawing/2014/main" id="{E570C592-C1E7-40BB-B886-5247FCA34619}"/>
-                </a:ext>
-              </a:extLst>
-            </p:cNvPr>
-            <p:cNvSpPr txBox="1"/>
-            <p:nvPr/>
-          </p:nvSpPr>
-          <p:spPr>
-            <a:xfrm>
-              <a:off x="828107" y="2451143"/>
-              <a:ext cx="253596" cy="246221"/>
-            </a:xfrm>
-            <a:prstGeom prst="rect">
-              <a:avLst/>
-            </a:prstGeom>
-          </p:spPr>
-          <p:style>
-            <a:lnRef idx="1">
-              <a:schemeClr val="accent2"/>
-            </a:lnRef>
-            <a:fillRef idx="3">
-              <a:schemeClr val="accent2"/>
-            </a:fillRef>
-            <a:effectRef idx="2">
-              <a:schemeClr val="accent2"/>
-            </a:effectRef>
-            <a:fontRef idx="minor">
-              <a:schemeClr val="lt1"/>
-            </a:fontRef>
-          </p:style>
-          <p:txBody>
-            <a:bodyPr wrap="square" rtlCol="0">
-              <a:spAutoFit/>
-            </a:bodyPr>
-            <a:lstStyle/>
-            <a:p>
-              <a:r>
-                <a:rPr lang="en-US" sz="1000" dirty="0"/>
-                <a:t>2</a:t>
-              </a:r>
-            </a:p>
-          </p:txBody>
-        </p:sp>
       </p:grpSp>
     </p:spTree>
     <p:custDataLst>
@@ -25254,7 +24637,7 @@
     </p:custDataLst>
     <p:extLst>
       <p:ext uri="{BB962C8B-B14F-4D97-AF65-F5344CB8AC3E}">
-        <p14:creationId xmlns:p14="http://schemas.microsoft.com/office/powerpoint/2010/main" val="3976323445"/>
+        <p14:creationId xmlns:p14="http://schemas.microsoft.com/office/powerpoint/2010/main" val="2245337755"/>
       </p:ext>
     </p:extLst>
   </p:cSld>
@@ -26075,59 +25458,24 @@
                                   </p:childTnLst>
                                 </p:cTn>
                               </p:par>
+                            </p:childTnLst>
+                          </p:cTn>
+                        </p:par>
+                        <p:par>
+                          <p:cTn id="57" fill="hold">
+                            <p:stCondLst>
+                              <p:cond delay="500"/>
+                            </p:stCondLst>
+                            <p:childTnLst>
                               <p:par>
-                                <p:cTn id="57" presetID="10" presetClass="entr" presetSubtype="0" fill="hold" grpId="0" nodeType="withEffect">
+                                <p:cTn id="58" presetID="42" presetClass="entr" presetSubtype="0" fill="hold" nodeType="afterEffect">
                                   <p:stCondLst>
                                     <p:cond delay="0"/>
                                   </p:stCondLst>
                                   <p:childTnLst>
                                     <p:set>
                                       <p:cBhvr>
-                                        <p:cTn id="58" dur="1" fill="hold">
-                                          <p:stCondLst>
-                                            <p:cond delay="0"/>
-                                          </p:stCondLst>
-                                        </p:cTn>
-                                        <p:tgtEl>
-                                          <p:spTgt spid="5"/>
-                                        </p:tgtEl>
-                                        <p:attrNameLst>
-                                          <p:attrName>style.visibility</p:attrName>
-                                        </p:attrNameLst>
-                                      </p:cBhvr>
-                                      <p:to>
-                                        <p:strVal val="visible"/>
-                                      </p:to>
-                                    </p:set>
-                                    <p:animEffect transition="in" filter="fade">
-                                      <p:cBhvr>
-                                        <p:cTn id="59" dur="500"/>
-                                        <p:tgtEl>
-                                          <p:spTgt spid="5"/>
-                                        </p:tgtEl>
-                                      </p:cBhvr>
-                                    </p:animEffect>
-                                  </p:childTnLst>
-                                </p:cTn>
-                              </p:par>
-                            </p:childTnLst>
-                          </p:cTn>
-                        </p:par>
-                        <p:par>
-                          <p:cTn id="60" fill="hold">
-                            <p:stCondLst>
-                              <p:cond delay="500"/>
-                            </p:stCondLst>
-                            <p:childTnLst>
-                              <p:par>
-                                <p:cTn id="61" presetID="42" presetClass="entr" presetSubtype="0" fill="hold" nodeType="afterEffect">
-                                  <p:stCondLst>
-                                    <p:cond delay="0"/>
-                                  </p:stCondLst>
-                                  <p:childTnLst>
-                                    <p:set>
-                                      <p:cBhvr>
-                                        <p:cTn id="62" dur="1" fill="hold">
+                                        <p:cTn id="59" dur="1" fill="hold">
                                           <p:stCondLst>
                                             <p:cond delay="0"/>
                                           </p:stCondLst>
@@ -26145,7 +25493,7 @@
                                     </p:set>
                                     <p:animEffect transition="in" filter="fade">
                                       <p:cBhvr>
-                                        <p:cTn id="63" dur="1000"/>
+                                        <p:cTn id="60" dur="1000"/>
                                         <p:tgtEl>
                                           <p:spTgt spid="16"/>
                                         </p:tgtEl>
@@ -26153,7 +25501,7 @@
                                     </p:animEffect>
                                     <p:anim calcmode="lin" valueType="num">
                                       <p:cBhvr>
-                                        <p:cTn id="64" dur="1000" fill="hold"/>
+                                        <p:cTn id="61" dur="1000" fill="hold"/>
                                         <p:tgtEl>
                                           <p:spTgt spid="16"/>
                                         </p:tgtEl>
@@ -26176,7 +25524,7 @@
                                     </p:anim>
                                     <p:anim calcmode="lin" valueType="num">
                                       <p:cBhvr>
-                                        <p:cTn id="65" dur="1000" fill="hold"/>
+                                        <p:cTn id="62" dur="1000" fill="hold"/>
                                         <p:tgtEl>
                                           <p:spTgt spid="16"/>
                                         </p:tgtEl>
@@ -26206,27 +25554,3219 @@
                       </p:childTnLst>
                     </p:cTn>
                   </p:par>
+                </p:childTnLst>
+              </p:cTn>
+              <p:prevCondLst>
+                <p:cond evt="onPrev" delay="0">
+                  <p:tgtEl>
+                    <p:sldTgt/>
+                  </p:tgtEl>
+                </p:cond>
+              </p:prevCondLst>
+              <p:nextCondLst>
+                <p:cond evt="onNext" delay="0">
+                  <p:tgtEl>
+                    <p:sldTgt/>
+                  </p:tgtEl>
+                </p:cond>
+              </p:nextCondLst>
+            </p:seq>
+          </p:childTnLst>
+        </p:cTn>
+      </p:par>
+    </p:tnLst>
+    <p:bldLst>
+      <p:bldP spid="29" grpId="0" animBg="1"/>
+      <p:bldP spid="29" grpId="1" animBg="1"/>
+      <p:bldP spid="34" grpId="0" animBg="1"/>
+    </p:bldLst>
+  </p:timing>
+</p:sld>
+</file>
+
+<file path=ppt/slides/slide22.xml><?xml version="1.0" encoding="utf-8"?>
+<p:sld xmlns:a="http://schemas.openxmlformats.org/drawingml/2006/main" xmlns:r="http://schemas.openxmlformats.org/officeDocument/2006/relationships" xmlns:p="http://schemas.openxmlformats.org/presentationml/2006/main">
+  <p:cSld>
+    <p:spTree>
+      <p:nvGrpSpPr>
+        <p:cNvPr id="1" name=""/>
+        <p:cNvGrpSpPr/>
+        <p:nvPr/>
+      </p:nvGrpSpPr>
+      <p:grpSpPr>
+        <a:xfrm>
+          <a:off x="0" y="0"/>
+          <a:ext cx="0" cy="0"/>
+          <a:chOff x="0" y="0"/>
+          <a:chExt cx="0" cy="0"/>
+        </a:xfrm>
+      </p:grpSpPr>
+      <p:grpSp>
+        <p:nvGrpSpPr>
+          <p:cNvPr id="46" name="Group 45">
+            <a:extLst>
+              <a:ext uri="{FF2B5EF4-FFF2-40B4-BE49-F238E27FC236}">
+                <a16:creationId xmlns:a16="http://schemas.microsoft.com/office/drawing/2014/main" id="{57ED0DEA-3FCA-429C-A80E-16D6C7E8C664}"/>
+              </a:ext>
+            </a:extLst>
+          </p:cNvPr>
+          <p:cNvGrpSpPr/>
+          <p:nvPr/>
+        </p:nvGrpSpPr>
+        <p:grpSpPr>
+          <a:xfrm>
+            <a:off x="8610655" y="777218"/>
+            <a:ext cx="363303" cy="1085173"/>
+            <a:chOff x="8135703" y="0"/>
+            <a:chExt cx="914400" cy="2731279"/>
+          </a:xfrm>
+        </p:grpSpPr>
+        <p:pic>
+          <p:nvPicPr>
+            <p:cNvPr id="47" name="Content Placeholder 4" descr="Warning">
+              <a:extLst>
+                <a:ext uri="{FF2B5EF4-FFF2-40B4-BE49-F238E27FC236}">
+                  <a16:creationId xmlns:a16="http://schemas.microsoft.com/office/drawing/2014/main" id="{39A4160D-74CB-4981-8BE4-D1B037CF7554}"/>
+                </a:ext>
+              </a:extLst>
+            </p:cNvPr>
+            <p:cNvPicPr>
+              <a:picLocks noChangeAspect="1"/>
+            </p:cNvPicPr>
+            <p:nvPr/>
+          </p:nvPicPr>
+          <p:blipFill>
+            <a:blip r:embed="rId4" cstate="print">
+              <a:extLst>
+                <a:ext uri="{28A0092B-C50C-407E-A947-70E740481C1C}">
+                  <a14:useLocalDpi xmlns:a14="http://schemas.microsoft.com/office/drawing/2010/main" val="0"/>
+                </a:ext>
+                <a:ext uri="{96DAC541-7B7A-43D3-8B79-37D633B846F1}">
+                  <asvg:svgBlip xmlns:asvg="http://schemas.microsoft.com/office/drawing/2016/SVG/main" r:embed="rId5"/>
+                </a:ext>
+              </a:extLst>
+            </a:blip>
+            <a:stretch>
+              <a:fillRect/>
+            </a:stretch>
+          </p:blipFill>
+          <p:spPr>
+            <a:xfrm>
+              <a:off x="8135703" y="1816879"/>
+              <a:ext cx="914400" cy="914400"/>
+            </a:xfrm>
+            <a:prstGeom prst="rect">
+              <a:avLst/>
+            </a:prstGeom>
+          </p:spPr>
+        </p:pic>
+        <p:pic>
+          <p:nvPicPr>
+            <p:cNvPr id="48" name="Graphic 47" descr="Filter">
+              <a:extLst>
+                <a:ext uri="{FF2B5EF4-FFF2-40B4-BE49-F238E27FC236}">
+                  <a16:creationId xmlns:a16="http://schemas.microsoft.com/office/drawing/2014/main" id="{D0C472ED-C39C-4518-A4C5-33E3C9756361}"/>
+                </a:ext>
+              </a:extLst>
+            </p:cNvPr>
+            <p:cNvPicPr>
+              <a:picLocks noChangeAspect="1"/>
+            </p:cNvPicPr>
+            <p:nvPr/>
+          </p:nvPicPr>
+          <p:blipFill>
+            <a:blip r:embed="rId6" cstate="print">
+              <a:extLst>
+                <a:ext uri="{28A0092B-C50C-407E-A947-70E740481C1C}">
+                  <a14:useLocalDpi xmlns:a14="http://schemas.microsoft.com/office/drawing/2010/main" val="0"/>
+                </a:ext>
+                <a:ext uri="{96DAC541-7B7A-43D3-8B79-37D633B846F1}">
+                  <asvg:svgBlip xmlns:asvg="http://schemas.microsoft.com/office/drawing/2016/SVG/main" r:embed="rId7"/>
+                </a:ext>
+              </a:extLst>
+            </a:blip>
+            <a:stretch>
+              <a:fillRect/>
+            </a:stretch>
+          </p:blipFill>
+          <p:spPr>
+            <a:xfrm>
+              <a:off x="8135703" y="914400"/>
+              <a:ext cx="914400" cy="914400"/>
+            </a:xfrm>
+            <a:prstGeom prst="rect">
+              <a:avLst/>
+            </a:prstGeom>
+          </p:spPr>
+        </p:pic>
+        <p:pic>
+          <p:nvPicPr>
+            <p:cNvPr id="49" name="Graphic 48" descr="List">
+              <a:extLst>
+                <a:ext uri="{FF2B5EF4-FFF2-40B4-BE49-F238E27FC236}">
+                  <a16:creationId xmlns:a16="http://schemas.microsoft.com/office/drawing/2014/main" id="{5BB23186-7527-42F7-B772-B09684BA969A}"/>
+                </a:ext>
+              </a:extLst>
+            </p:cNvPr>
+            <p:cNvPicPr>
+              <a:picLocks noChangeAspect="1"/>
+            </p:cNvPicPr>
+            <p:nvPr/>
+          </p:nvPicPr>
+          <p:blipFill>
+            <a:blip r:embed="rId8" cstate="print">
+              <a:extLst>
+                <a:ext uri="{28A0092B-C50C-407E-A947-70E740481C1C}">
+                  <a14:useLocalDpi xmlns:a14="http://schemas.microsoft.com/office/drawing/2010/main" val="0"/>
+                </a:ext>
+                <a:ext uri="{96DAC541-7B7A-43D3-8B79-37D633B846F1}">
+                  <asvg:svgBlip xmlns:asvg="http://schemas.microsoft.com/office/drawing/2016/SVG/main" r:embed="rId9"/>
+                </a:ext>
+              </a:extLst>
+            </a:blip>
+            <a:stretch>
+              <a:fillRect/>
+            </a:stretch>
+          </p:blipFill>
+          <p:spPr>
+            <a:xfrm>
+              <a:off x="8135703" y="0"/>
+              <a:ext cx="914400" cy="914400"/>
+            </a:xfrm>
+            <a:prstGeom prst="rect">
+              <a:avLst/>
+            </a:prstGeom>
+          </p:spPr>
+        </p:pic>
+      </p:grpSp>
+      <p:sp>
+        <p:nvSpPr>
+          <p:cNvPr id="3" name="Title 2">
+            <a:extLst>
+              <a:ext uri="{FF2B5EF4-FFF2-40B4-BE49-F238E27FC236}">
+                <a16:creationId xmlns:a16="http://schemas.microsoft.com/office/drawing/2014/main" id="{B8F59366-E6E2-4A96-B298-2AA88AD25263}"/>
+              </a:ext>
+            </a:extLst>
+          </p:cNvPr>
+          <p:cNvSpPr>
+            <a:spLocks noGrp="1"/>
+          </p:cNvSpPr>
+          <p:nvPr>
+            <p:ph type="title"/>
+          </p:nvPr>
+        </p:nvSpPr>
+        <p:spPr>
+          <a:xfrm>
+            <a:off x="457200" y="230908"/>
+            <a:ext cx="8229600" cy="612956"/>
+          </a:xfrm>
+        </p:spPr>
+        <p:txBody>
+          <a:bodyPr/>
+          <a:lstStyle/>
+          <a:p>
+            <a:r>
+              <a:rPr lang="en-US" dirty="0"/>
+              <a:t>Adding another layer of abstraction</a:t>
+            </a:r>
+          </a:p>
+        </p:txBody>
+      </p:sp>
+      <p:pic>
+        <p:nvPicPr>
+          <p:cNvPr id="6" name="Graphic 5" descr="Computer">
+            <a:extLst>
+              <a:ext uri="{FF2B5EF4-FFF2-40B4-BE49-F238E27FC236}">
+                <a16:creationId xmlns:a16="http://schemas.microsoft.com/office/drawing/2014/main" id="{A7E257B5-CB17-4F03-B7C6-667D6483947C}"/>
+              </a:ext>
+            </a:extLst>
+          </p:cNvPr>
+          <p:cNvPicPr>
+            <a:picLocks noChangeAspect="1"/>
+          </p:cNvPicPr>
+          <p:nvPr/>
+        </p:nvPicPr>
+        <p:blipFill>
+          <a:blip r:embed="rId10">
+            <a:extLst>
+              <a:ext uri="{28A0092B-C50C-407E-A947-70E740481C1C}">
+                <a14:useLocalDpi xmlns:a14="http://schemas.microsoft.com/office/drawing/2010/main" val="0"/>
+              </a:ext>
+              <a:ext uri="{96DAC541-7B7A-43D3-8B79-37D633B846F1}">
+                <asvg:svgBlip xmlns:asvg="http://schemas.microsoft.com/office/drawing/2016/SVG/main" r:embed="rId11"/>
+              </a:ext>
+            </a:extLst>
+          </a:blip>
+          <a:stretch>
+            <a:fillRect/>
+          </a:stretch>
+        </p:blipFill>
+        <p:spPr>
+          <a:xfrm>
+            <a:off x="1297172" y="2519730"/>
+            <a:ext cx="914400" cy="914400"/>
+          </a:xfrm>
+          <a:prstGeom prst="rect">
+            <a:avLst/>
+          </a:prstGeom>
+        </p:spPr>
+      </p:pic>
+      <p:pic>
+        <p:nvPicPr>
+          <p:cNvPr id="8" name="Graphic 7" descr="Server">
+            <a:extLst>
+              <a:ext uri="{FF2B5EF4-FFF2-40B4-BE49-F238E27FC236}">
+                <a16:creationId xmlns:a16="http://schemas.microsoft.com/office/drawing/2014/main" id="{93CFB907-C022-4C49-AA47-8D0A53A98CB1}"/>
+              </a:ext>
+            </a:extLst>
+          </p:cNvPr>
+          <p:cNvPicPr>
+            <a:picLocks noChangeAspect="1"/>
+          </p:cNvPicPr>
+          <p:nvPr/>
+        </p:nvPicPr>
+        <p:blipFill>
+          <a:blip r:embed="rId12">
+            <a:extLst>
+              <a:ext uri="{28A0092B-C50C-407E-A947-70E740481C1C}">
+                <a14:useLocalDpi xmlns:a14="http://schemas.microsoft.com/office/drawing/2010/main" val="0"/>
+              </a:ext>
+              <a:ext uri="{96DAC541-7B7A-43D3-8B79-37D633B846F1}">
+                <asvg:svgBlip xmlns:asvg="http://schemas.microsoft.com/office/drawing/2016/SVG/main" r:embed="rId13"/>
+              </a:ext>
+            </a:extLst>
+          </a:blip>
+          <a:stretch>
+            <a:fillRect/>
+          </a:stretch>
+        </p:blipFill>
+        <p:spPr>
+          <a:xfrm>
+            <a:off x="4011906" y="2519730"/>
+            <a:ext cx="914400" cy="914400"/>
+          </a:xfrm>
+          <a:prstGeom prst="rect">
+            <a:avLst/>
+          </a:prstGeom>
+        </p:spPr>
+      </p:pic>
+      <p:pic>
+        <p:nvPicPr>
+          <p:cNvPr id="10" name="Graphic 9" descr="Database">
+            <a:extLst>
+              <a:ext uri="{FF2B5EF4-FFF2-40B4-BE49-F238E27FC236}">
+                <a16:creationId xmlns:a16="http://schemas.microsoft.com/office/drawing/2014/main" id="{56816C58-FFC8-4246-8546-15C0F480BC92}"/>
+              </a:ext>
+            </a:extLst>
+          </p:cNvPr>
+          <p:cNvPicPr>
+            <a:picLocks noChangeAspect="1"/>
+          </p:cNvPicPr>
+          <p:nvPr/>
+        </p:nvPicPr>
+        <p:blipFill>
+          <a:blip r:embed="rId14">
+            <a:extLst>
+              <a:ext uri="{28A0092B-C50C-407E-A947-70E740481C1C}">
+                <a14:useLocalDpi xmlns:a14="http://schemas.microsoft.com/office/drawing/2010/main" val="0"/>
+              </a:ext>
+              <a:ext uri="{96DAC541-7B7A-43D3-8B79-37D633B846F1}">
+                <asvg:svgBlip xmlns:asvg="http://schemas.microsoft.com/office/drawing/2016/SVG/main" r:embed="rId15"/>
+              </a:ext>
+            </a:extLst>
+          </a:blip>
+          <a:stretch>
+            <a:fillRect/>
+          </a:stretch>
+        </p:blipFill>
+        <p:spPr>
+          <a:xfrm>
+            <a:off x="6826102" y="2519730"/>
+            <a:ext cx="914400" cy="914400"/>
+          </a:xfrm>
+          <a:prstGeom prst="rect">
+            <a:avLst/>
+          </a:prstGeom>
+        </p:spPr>
+      </p:pic>
+      <p:cxnSp>
+        <p:nvCxnSpPr>
+          <p:cNvPr id="19" name="Straight Arrow Connector 18">
+            <a:extLst>
+              <a:ext uri="{FF2B5EF4-FFF2-40B4-BE49-F238E27FC236}">
+                <a16:creationId xmlns:a16="http://schemas.microsoft.com/office/drawing/2014/main" id="{FA28C692-7AF7-4D48-AA49-B899AB5F8F63}"/>
+              </a:ext>
+            </a:extLst>
+          </p:cNvPr>
+          <p:cNvCxnSpPr>
+            <a:stCxn id="6" idx="3"/>
+            <a:endCxn id="8" idx="1"/>
+          </p:cNvCxnSpPr>
+          <p:nvPr/>
+        </p:nvCxnSpPr>
+        <p:spPr>
+          <a:xfrm>
+            <a:off x="2211572" y="2976930"/>
+            <a:ext cx="1800334" cy="0"/>
+          </a:xfrm>
+          <a:prstGeom prst="straightConnector1">
+            <a:avLst/>
+          </a:prstGeom>
+          <a:ln w="28575">
+            <a:tailEnd type="triangle"/>
+          </a:ln>
+        </p:spPr>
+        <p:style>
+          <a:lnRef idx="1">
+            <a:schemeClr val="accent1"/>
+          </a:lnRef>
+          <a:fillRef idx="0">
+            <a:schemeClr val="accent1"/>
+          </a:fillRef>
+          <a:effectRef idx="0">
+            <a:schemeClr val="accent1"/>
+          </a:effectRef>
+          <a:fontRef idx="minor">
+            <a:schemeClr val="tx1"/>
+          </a:fontRef>
+        </p:style>
+      </p:cxnSp>
+      <p:cxnSp>
+        <p:nvCxnSpPr>
+          <p:cNvPr id="20" name="Straight Arrow Connector 19">
+            <a:extLst>
+              <a:ext uri="{FF2B5EF4-FFF2-40B4-BE49-F238E27FC236}">
+                <a16:creationId xmlns:a16="http://schemas.microsoft.com/office/drawing/2014/main" id="{0AD3B85B-558A-4444-BAEA-F0166C061CA6}"/>
+              </a:ext>
+            </a:extLst>
+          </p:cNvPr>
+          <p:cNvCxnSpPr>
+            <a:cxnSpLocks/>
+            <a:stCxn id="8" idx="3"/>
+            <a:endCxn id="10" idx="1"/>
+          </p:cNvCxnSpPr>
+          <p:nvPr/>
+        </p:nvCxnSpPr>
+        <p:spPr>
+          <a:xfrm>
+            <a:off x="4926306" y="2976930"/>
+            <a:ext cx="1899796" cy="0"/>
+          </a:xfrm>
+          <a:prstGeom prst="straightConnector1">
+            <a:avLst/>
+          </a:prstGeom>
+          <a:ln w="28575">
+            <a:tailEnd type="triangle"/>
+          </a:ln>
+        </p:spPr>
+        <p:style>
+          <a:lnRef idx="1">
+            <a:schemeClr val="accent1"/>
+          </a:lnRef>
+          <a:fillRef idx="0">
+            <a:schemeClr val="accent1"/>
+          </a:fillRef>
+          <a:effectRef idx="0">
+            <a:schemeClr val="accent1"/>
+          </a:effectRef>
+          <a:fontRef idx="minor">
+            <a:schemeClr val="tx1"/>
+          </a:fontRef>
+        </p:style>
+      </p:cxnSp>
+      <p:sp>
+        <p:nvSpPr>
+          <p:cNvPr id="23" name="TextBox 22">
+            <a:extLst>
+              <a:ext uri="{FF2B5EF4-FFF2-40B4-BE49-F238E27FC236}">
+                <a16:creationId xmlns:a16="http://schemas.microsoft.com/office/drawing/2014/main" id="{A9322676-19E9-4AA2-9341-BF063A4E5D83}"/>
+              </a:ext>
+            </a:extLst>
+          </p:cNvPr>
+          <p:cNvSpPr txBox="1"/>
+          <p:nvPr/>
+        </p:nvSpPr>
+        <p:spPr>
+          <a:xfrm>
+            <a:off x="1329070" y="3434130"/>
+            <a:ext cx="562975" cy="369332"/>
+          </a:xfrm>
+          <a:prstGeom prst="rect">
+            <a:avLst/>
+          </a:prstGeom>
+          <a:noFill/>
+        </p:spPr>
+        <p:txBody>
+          <a:bodyPr wrap="none" rtlCol="0">
+            <a:spAutoFit/>
+          </a:bodyPr>
+          <a:lstStyle/>
+          <a:p>
+            <a:r>
+              <a:rPr lang="en-US" dirty="0"/>
+              <a:t>GUI</a:t>
+            </a:r>
+          </a:p>
+        </p:txBody>
+      </p:sp>
+      <p:sp>
+        <p:nvSpPr>
+          <p:cNvPr id="24" name="TextBox 23">
+            <a:extLst>
+              <a:ext uri="{FF2B5EF4-FFF2-40B4-BE49-F238E27FC236}">
+                <a16:creationId xmlns:a16="http://schemas.microsoft.com/office/drawing/2014/main" id="{B8027ED4-2694-411F-BE14-789AAC05772A}"/>
+              </a:ext>
+            </a:extLst>
+          </p:cNvPr>
+          <p:cNvSpPr txBox="1"/>
+          <p:nvPr/>
+        </p:nvSpPr>
+        <p:spPr>
+          <a:xfrm>
+            <a:off x="4251880" y="3420504"/>
+            <a:ext cx="426720" cy="369332"/>
+          </a:xfrm>
+          <a:prstGeom prst="rect">
+            <a:avLst/>
+          </a:prstGeom>
+          <a:noFill/>
+        </p:spPr>
+        <p:txBody>
+          <a:bodyPr wrap="none" rtlCol="0">
+            <a:spAutoFit/>
+          </a:bodyPr>
+          <a:lstStyle/>
+          <a:p>
+            <a:r>
+              <a:rPr lang="en-US" dirty="0"/>
+              <a:t>BL</a:t>
+            </a:r>
+          </a:p>
+        </p:txBody>
+      </p:sp>
+      <p:sp>
+        <p:nvSpPr>
+          <p:cNvPr id="25" name="TextBox 24">
+            <a:extLst>
+              <a:ext uri="{FF2B5EF4-FFF2-40B4-BE49-F238E27FC236}">
+                <a16:creationId xmlns:a16="http://schemas.microsoft.com/office/drawing/2014/main" id="{45CE26B7-E75D-4FC9-A8AC-E8E75E375106}"/>
+              </a:ext>
+            </a:extLst>
+          </p:cNvPr>
+          <p:cNvSpPr txBox="1"/>
+          <p:nvPr/>
+        </p:nvSpPr>
+        <p:spPr>
+          <a:xfrm>
+            <a:off x="7043493" y="3434130"/>
+            <a:ext cx="479618" cy="369332"/>
+          </a:xfrm>
+          <a:prstGeom prst="rect">
+            <a:avLst/>
+          </a:prstGeom>
+          <a:noFill/>
+        </p:spPr>
+        <p:txBody>
+          <a:bodyPr wrap="none" rtlCol="0">
+            <a:spAutoFit/>
+          </a:bodyPr>
+          <a:lstStyle/>
+          <a:p>
+            <a:r>
+              <a:rPr lang="en-US" dirty="0"/>
+              <a:t>DB</a:t>
+            </a:r>
+          </a:p>
+        </p:txBody>
+      </p:sp>
+      <p:sp>
+        <p:nvSpPr>
+          <p:cNvPr id="30" name="Content Placeholder 3">
+            <a:extLst>
+              <a:ext uri="{FF2B5EF4-FFF2-40B4-BE49-F238E27FC236}">
+                <a16:creationId xmlns:a16="http://schemas.microsoft.com/office/drawing/2014/main" id="{749FDFCA-6C60-4CC5-BF25-99F8F6E8ADFF}"/>
+              </a:ext>
+            </a:extLst>
+          </p:cNvPr>
+          <p:cNvSpPr txBox="1">
+            <a:spLocks/>
+          </p:cNvSpPr>
+          <p:nvPr/>
+        </p:nvSpPr>
+        <p:spPr>
+          <a:xfrm>
+            <a:off x="477814" y="3907571"/>
+            <a:ext cx="2553115" cy="525457"/>
+          </a:xfrm>
+          <a:prstGeom prst="rect">
+            <a:avLst/>
+          </a:prstGeom>
+        </p:spPr>
+        <p:txBody>
+          <a:bodyPr>
+            <a:normAutofit/>
+          </a:bodyPr>
+          <a:lstStyle>
+            <a:lvl1pPr marL="0" indent="0" algn="l" defTabSz="914400" rtl="0" eaLnBrk="1" latinLnBrk="0" hangingPunct="1">
+              <a:spcBef>
+                <a:spcPct val="20000"/>
+              </a:spcBef>
+              <a:buFont typeface="Arial"/>
+              <a:buNone/>
+              <a:defRPr sz="2400" kern="1200">
+                <a:solidFill>
+                  <a:srgbClr val="58585A"/>
+                </a:solidFill>
+                <a:latin typeface="+mn-lt"/>
+                <a:ea typeface="+mn-ea"/>
+                <a:cs typeface="Segoe UI"/>
+              </a:defRPr>
+            </a:lvl1pPr>
+            <a:lvl2pPr marL="342900" indent="-342900" algn="l" defTabSz="914400" rtl="0" eaLnBrk="1" latinLnBrk="0" hangingPunct="1">
+              <a:spcBef>
+                <a:spcPct val="20000"/>
+              </a:spcBef>
+              <a:buClr>
+                <a:schemeClr val="accent4"/>
+              </a:buClr>
+              <a:buFont typeface="Arial"/>
+              <a:buChar char="•"/>
+              <a:defRPr lang="en-US" sz="2000" kern="1200" dirty="0" smtClean="0">
+                <a:solidFill>
+                  <a:srgbClr val="58585A"/>
+                </a:solidFill>
+                <a:latin typeface="+mn-lt"/>
+                <a:ea typeface="+mn-ea"/>
+                <a:cs typeface="Segoe UI"/>
+              </a:defRPr>
+            </a:lvl2pPr>
+            <a:lvl3pPr marL="638175" indent="-342900" algn="l" defTabSz="914400" rtl="0" eaLnBrk="1" latinLnBrk="0" hangingPunct="1">
+              <a:spcBef>
+                <a:spcPct val="20000"/>
+              </a:spcBef>
+              <a:buClr>
+                <a:schemeClr val="accent4"/>
+              </a:buClr>
+              <a:buFont typeface="Arial"/>
+              <a:buChar char="•"/>
+              <a:defRPr lang="en-US" sz="1800" kern="1200" dirty="0" smtClean="0">
+                <a:solidFill>
+                  <a:srgbClr val="58585A"/>
+                </a:solidFill>
+                <a:latin typeface="+mn-lt"/>
+                <a:ea typeface="+mn-ea"/>
+                <a:cs typeface="Segoe UI"/>
+              </a:defRPr>
+            </a:lvl3pPr>
+            <a:lvl4pPr marL="922338" indent="-342900" algn="l" defTabSz="914400" rtl="0" eaLnBrk="1" latinLnBrk="0" hangingPunct="1">
+              <a:spcBef>
+                <a:spcPct val="20000"/>
+              </a:spcBef>
+              <a:buClr>
+                <a:schemeClr val="accent4"/>
+              </a:buClr>
+              <a:buFont typeface="Arial"/>
+              <a:buChar char="•"/>
+              <a:defRPr lang="en-US" sz="1800" kern="1200" dirty="0" smtClean="0">
+                <a:solidFill>
+                  <a:srgbClr val="58585A"/>
+                </a:solidFill>
+                <a:latin typeface="+mn-lt"/>
+                <a:ea typeface="+mn-ea"/>
+                <a:cs typeface="Segoe UI"/>
+              </a:defRPr>
+            </a:lvl4pPr>
+            <a:lvl5pPr marL="1189038" indent="-342900" algn="l" defTabSz="914400" rtl="0" eaLnBrk="1" latinLnBrk="0" hangingPunct="1">
+              <a:spcBef>
+                <a:spcPct val="20000"/>
+              </a:spcBef>
+              <a:buClr>
+                <a:schemeClr val="accent4"/>
+              </a:buClr>
+              <a:buFont typeface="Arial"/>
+              <a:buChar char="•"/>
+              <a:defRPr lang="en-US" sz="1800" kern="1200" dirty="0">
+                <a:solidFill>
+                  <a:srgbClr val="58585A"/>
+                </a:solidFill>
+                <a:latin typeface="+mn-lt"/>
+                <a:ea typeface="+mn-ea"/>
+                <a:cs typeface="Segoe UI"/>
+              </a:defRPr>
+            </a:lvl5pPr>
+            <a:lvl6pPr marL="2514600" indent="-228600" algn="l" defTabSz="914400" rtl="0" eaLnBrk="1" latinLnBrk="0" hangingPunct="1">
+              <a:spcBef>
+                <a:spcPct val="20000"/>
+              </a:spcBef>
+              <a:buFont typeface="Arial" pitchFamily="34" charset="0"/>
+              <a:buChar char="•"/>
+              <a:defRPr sz="2000" kern="1200">
+                <a:solidFill>
+                  <a:schemeClr val="tx1"/>
+                </a:solidFill>
+                <a:latin typeface="+mn-lt"/>
+                <a:ea typeface="+mn-ea"/>
+                <a:cs typeface="+mn-cs"/>
+              </a:defRPr>
+            </a:lvl6pPr>
+            <a:lvl7pPr marL="2971800" indent="-228600" algn="l" defTabSz="914400" rtl="0" eaLnBrk="1" latinLnBrk="0" hangingPunct="1">
+              <a:spcBef>
+                <a:spcPct val="20000"/>
+              </a:spcBef>
+              <a:buFont typeface="Arial" pitchFamily="34" charset="0"/>
+              <a:buChar char="•"/>
+              <a:defRPr sz="2000" kern="1200">
+                <a:solidFill>
+                  <a:schemeClr val="tx1"/>
+                </a:solidFill>
+                <a:latin typeface="+mn-lt"/>
+                <a:ea typeface="+mn-ea"/>
+                <a:cs typeface="+mn-cs"/>
+              </a:defRPr>
+            </a:lvl7pPr>
+            <a:lvl8pPr marL="3429000" indent="-228600" algn="l" defTabSz="914400" rtl="0" eaLnBrk="1" latinLnBrk="0" hangingPunct="1">
+              <a:spcBef>
+                <a:spcPct val="20000"/>
+              </a:spcBef>
+              <a:buFont typeface="Arial" pitchFamily="34" charset="0"/>
+              <a:buChar char="•"/>
+              <a:defRPr sz="2000" kern="1200">
+                <a:solidFill>
+                  <a:schemeClr val="tx1"/>
+                </a:solidFill>
+                <a:latin typeface="+mn-lt"/>
+                <a:ea typeface="+mn-ea"/>
+                <a:cs typeface="+mn-cs"/>
+              </a:defRPr>
+            </a:lvl8pPr>
+            <a:lvl9pPr marL="3886200" indent="-228600" algn="l" defTabSz="914400" rtl="0" eaLnBrk="1" latinLnBrk="0" hangingPunct="1">
+              <a:spcBef>
+                <a:spcPct val="20000"/>
+              </a:spcBef>
+              <a:buFont typeface="Arial" pitchFamily="34" charset="0"/>
+              <a:buChar char="•"/>
+              <a:defRPr sz="2000" kern="1200">
+                <a:solidFill>
+                  <a:schemeClr val="tx1"/>
+                </a:solidFill>
+                <a:latin typeface="+mn-lt"/>
+                <a:ea typeface="+mn-ea"/>
+                <a:cs typeface="+mn-cs"/>
+              </a:defRPr>
+            </a:lvl9pPr>
+          </a:lstStyle>
+          <a:p>
+            <a:r>
+              <a:rPr lang="en-US" sz="1100" dirty="0" err="1"/>
+              <a:t>callMethod</a:t>
+            </a:r>
+            <a:r>
+              <a:rPr lang="en-US" sz="1100" dirty="0"/>
+              <a:t>(</a:t>
+            </a:r>
+            <a:r>
+              <a:rPr lang="en-US" sz="1100" dirty="0" err="1">
+                <a:highlight>
+                  <a:srgbClr val="05F170"/>
+                </a:highlight>
+              </a:rPr>
+              <a:t>frm.parametersObj</a:t>
+            </a:r>
+            <a:r>
+              <a:rPr lang="en-US" sz="1100" dirty="0"/>
+              <a:t>)</a:t>
+            </a:r>
+          </a:p>
+        </p:txBody>
+      </p:sp>
+      <p:sp>
+        <p:nvSpPr>
+          <p:cNvPr id="31" name="Content Placeholder 3">
+            <a:extLst>
+              <a:ext uri="{FF2B5EF4-FFF2-40B4-BE49-F238E27FC236}">
+                <a16:creationId xmlns:a16="http://schemas.microsoft.com/office/drawing/2014/main" id="{54C00BF8-BFE6-4733-8B83-5B31D6D6CEC5}"/>
+              </a:ext>
+            </a:extLst>
+          </p:cNvPr>
+          <p:cNvSpPr txBox="1">
+            <a:spLocks/>
+          </p:cNvSpPr>
+          <p:nvPr/>
+        </p:nvSpPr>
+        <p:spPr>
+          <a:xfrm>
+            <a:off x="3188682" y="3907570"/>
+            <a:ext cx="2740092" cy="525457"/>
+          </a:xfrm>
+          <a:prstGeom prst="rect">
+            <a:avLst/>
+          </a:prstGeom>
+        </p:spPr>
+        <p:txBody>
+          <a:bodyPr>
+            <a:normAutofit/>
+          </a:bodyPr>
+          <a:lstStyle>
+            <a:lvl1pPr marL="0" indent="0" algn="l" defTabSz="914400" rtl="0" eaLnBrk="1" latinLnBrk="0" hangingPunct="1">
+              <a:spcBef>
+                <a:spcPct val="20000"/>
+              </a:spcBef>
+              <a:buFont typeface="Arial"/>
+              <a:buNone/>
+              <a:defRPr sz="2400" kern="1200">
+                <a:solidFill>
+                  <a:srgbClr val="58585A"/>
+                </a:solidFill>
+                <a:latin typeface="+mn-lt"/>
+                <a:ea typeface="+mn-ea"/>
+                <a:cs typeface="Segoe UI"/>
+              </a:defRPr>
+            </a:lvl1pPr>
+            <a:lvl2pPr marL="342900" indent="-342900" algn="l" defTabSz="914400" rtl="0" eaLnBrk="1" latinLnBrk="0" hangingPunct="1">
+              <a:spcBef>
+                <a:spcPct val="20000"/>
+              </a:spcBef>
+              <a:buClr>
+                <a:schemeClr val="accent4"/>
+              </a:buClr>
+              <a:buFont typeface="Arial"/>
+              <a:buChar char="•"/>
+              <a:defRPr lang="en-US" sz="2000" kern="1200" dirty="0" smtClean="0">
+                <a:solidFill>
+                  <a:srgbClr val="58585A"/>
+                </a:solidFill>
+                <a:latin typeface="+mn-lt"/>
+                <a:ea typeface="+mn-ea"/>
+                <a:cs typeface="Segoe UI"/>
+              </a:defRPr>
+            </a:lvl2pPr>
+            <a:lvl3pPr marL="638175" indent="-342900" algn="l" defTabSz="914400" rtl="0" eaLnBrk="1" latinLnBrk="0" hangingPunct="1">
+              <a:spcBef>
+                <a:spcPct val="20000"/>
+              </a:spcBef>
+              <a:buClr>
+                <a:schemeClr val="accent4"/>
+              </a:buClr>
+              <a:buFont typeface="Arial"/>
+              <a:buChar char="•"/>
+              <a:defRPr lang="en-US" sz="1800" kern="1200" dirty="0" smtClean="0">
+                <a:solidFill>
+                  <a:srgbClr val="58585A"/>
+                </a:solidFill>
+                <a:latin typeface="+mn-lt"/>
+                <a:ea typeface="+mn-ea"/>
+                <a:cs typeface="Segoe UI"/>
+              </a:defRPr>
+            </a:lvl3pPr>
+            <a:lvl4pPr marL="922338" indent="-342900" algn="l" defTabSz="914400" rtl="0" eaLnBrk="1" latinLnBrk="0" hangingPunct="1">
+              <a:spcBef>
+                <a:spcPct val="20000"/>
+              </a:spcBef>
+              <a:buClr>
+                <a:schemeClr val="accent4"/>
+              </a:buClr>
+              <a:buFont typeface="Arial"/>
+              <a:buChar char="•"/>
+              <a:defRPr lang="en-US" sz="1800" kern="1200" dirty="0" smtClean="0">
+                <a:solidFill>
+                  <a:srgbClr val="58585A"/>
+                </a:solidFill>
+                <a:latin typeface="+mn-lt"/>
+                <a:ea typeface="+mn-ea"/>
+                <a:cs typeface="Segoe UI"/>
+              </a:defRPr>
+            </a:lvl4pPr>
+            <a:lvl5pPr marL="1189038" indent="-342900" algn="l" defTabSz="914400" rtl="0" eaLnBrk="1" latinLnBrk="0" hangingPunct="1">
+              <a:spcBef>
+                <a:spcPct val="20000"/>
+              </a:spcBef>
+              <a:buClr>
+                <a:schemeClr val="accent4"/>
+              </a:buClr>
+              <a:buFont typeface="Arial"/>
+              <a:buChar char="•"/>
+              <a:defRPr lang="en-US" sz="1800" kern="1200" dirty="0">
+                <a:solidFill>
+                  <a:srgbClr val="58585A"/>
+                </a:solidFill>
+                <a:latin typeface="+mn-lt"/>
+                <a:ea typeface="+mn-ea"/>
+                <a:cs typeface="Segoe UI"/>
+              </a:defRPr>
+            </a:lvl5pPr>
+            <a:lvl6pPr marL="2514600" indent="-228600" algn="l" defTabSz="914400" rtl="0" eaLnBrk="1" latinLnBrk="0" hangingPunct="1">
+              <a:spcBef>
+                <a:spcPct val="20000"/>
+              </a:spcBef>
+              <a:buFont typeface="Arial" pitchFamily="34" charset="0"/>
+              <a:buChar char="•"/>
+              <a:defRPr sz="2000" kern="1200">
+                <a:solidFill>
+                  <a:schemeClr val="tx1"/>
+                </a:solidFill>
+                <a:latin typeface="+mn-lt"/>
+                <a:ea typeface="+mn-ea"/>
+                <a:cs typeface="+mn-cs"/>
+              </a:defRPr>
+            </a:lvl6pPr>
+            <a:lvl7pPr marL="2971800" indent="-228600" algn="l" defTabSz="914400" rtl="0" eaLnBrk="1" latinLnBrk="0" hangingPunct="1">
+              <a:spcBef>
+                <a:spcPct val="20000"/>
+              </a:spcBef>
+              <a:buFont typeface="Arial" pitchFamily="34" charset="0"/>
+              <a:buChar char="•"/>
+              <a:defRPr sz="2000" kern="1200">
+                <a:solidFill>
+                  <a:schemeClr val="tx1"/>
+                </a:solidFill>
+                <a:latin typeface="+mn-lt"/>
+                <a:ea typeface="+mn-ea"/>
+                <a:cs typeface="+mn-cs"/>
+              </a:defRPr>
+            </a:lvl7pPr>
+            <a:lvl8pPr marL="3429000" indent="-228600" algn="l" defTabSz="914400" rtl="0" eaLnBrk="1" latinLnBrk="0" hangingPunct="1">
+              <a:spcBef>
+                <a:spcPct val="20000"/>
+              </a:spcBef>
+              <a:buFont typeface="Arial" pitchFamily="34" charset="0"/>
+              <a:buChar char="•"/>
+              <a:defRPr sz="2000" kern="1200">
+                <a:solidFill>
+                  <a:schemeClr val="tx1"/>
+                </a:solidFill>
+                <a:latin typeface="+mn-lt"/>
+                <a:ea typeface="+mn-ea"/>
+                <a:cs typeface="+mn-cs"/>
+              </a:defRPr>
+            </a:lvl8pPr>
+            <a:lvl9pPr marL="3886200" indent="-228600" algn="l" defTabSz="914400" rtl="0" eaLnBrk="1" latinLnBrk="0" hangingPunct="1">
+              <a:spcBef>
+                <a:spcPct val="20000"/>
+              </a:spcBef>
+              <a:buFont typeface="Arial" pitchFamily="34" charset="0"/>
+              <a:buChar char="•"/>
+              <a:defRPr sz="2000" kern="1200">
+                <a:solidFill>
+                  <a:schemeClr val="tx1"/>
+                </a:solidFill>
+                <a:latin typeface="+mn-lt"/>
+                <a:ea typeface="+mn-ea"/>
+                <a:cs typeface="+mn-cs"/>
+              </a:defRPr>
+            </a:lvl9pPr>
+          </a:lstStyle>
+          <a:p>
+            <a:r>
+              <a:rPr lang="en-US" sz="1100" dirty="0" err="1"/>
+              <a:t>cmd.parameters.add</a:t>
+            </a:r>
+            <a:r>
+              <a:rPr lang="en-US" sz="1100" dirty="0"/>
+              <a:t> </a:t>
+            </a:r>
+            <a:r>
+              <a:rPr lang="en-US" sz="1100" dirty="0">
+                <a:highlight>
+                  <a:srgbClr val="05F170"/>
+                </a:highlight>
+              </a:rPr>
+              <a:t>@Params, params</a:t>
+            </a:r>
+          </a:p>
+        </p:txBody>
+      </p:sp>
+      <p:sp>
+        <p:nvSpPr>
+          <p:cNvPr id="32" name="Content Placeholder 3">
+            <a:extLst>
+              <a:ext uri="{FF2B5EF4-FFF2-40B4-BE49-F238E27FC236}">
+                <a16:creationId xmlns:a16="http://schemas.microsoft.com/office/drawing/2014/main" id="{B1EA0278-E093-41E6-9051-7F53B72A1F64}"/>
+              </a:ext>
+            </a:extLst>
+          </p:cNvPr>
+          <p:cNvSpPr txBox="1">
+            <a:spLocks/>
+          </p:cNvSpPr>
+          <p:nvPr/>
+        </p:nvSpPr>
+        <p:spPr>
+          <a:xfrm>
+            <a:off x="5928774" y="3907570"/>
+            <a:ext cx="2871442" cy="525457"/>
+          </a:xfrm>
+          <a:prstGeom prst="rect">
+            <a:avLst/>
+          </a:prstGeom>
+        </p:spPr>
+        <p:txBody>
+          <a:bodyPr>
+            <a:normAutofit/>
+          </a:bodyPr>
+          <a:lstStyle>
+            <a:lvl1pPr marL="0" indent="0" algn="l" defTabSz="914400" rtl="0" eaLnBrk="1" latinLnBrk="0" hangingPunct="1">
+              <a:spcBef>
+                <a:spcPct val="20000"/>
+              </a:spcBef>
+              <a:buFont typeface="Arial"/>
+              <a:buNone/>
+              <a:defRPr sz="2400" kern="1200">
+                <a:solidFill>
+                  <a:srgbClr val="58585A"/>
+                </a:solidFill>
+                <a:latin typeface="+mn-lt"/>
+                <a:ea typeface="+mn-ea"/>
+                <a:cs typeface="Segoe UI"/>
+              </a:defRPr>
+            </a:lvl1pPr>
+            <a:lvl2pPr marL="342900" indent="-342900" algn="l" defTabSz="914400" rtl="0" eaLnBrk="1" latinLnBrk="0" hangingPunct="1">
+              <a:spcBef>
+                <a:spcPct val="20000"/>
+              </a:spcBef>
+              <a:buClr>
+                <a:schemeClr val="accent4"/>
+              </a:buClr>
+              <a:buFont typeface="Arial"/>
+              <a:buChar char="•"/>
+              <a:defRPr lang="en-US" sz="2000" kern="1200" dirty="0" smtClean="0">
+                <a:solidFill>
+                  <a:srgbClr val="58585A"/>
+                </a:solidFill>
+                <a:latin typeface="+mn-lt"/>
+                <a:ea typeface="+mn-ea"/>
+                <a:cs typeface="Segoe UI"/>
+              </a:defRPr>
+            </a:lvl2pPr>
+            <a:lvl3pPr marL="638175" indent="-342900" algn="l" defTabSz="914400" rtl="0" eaLnBrk="1" latinLnBrk="0" hangingPunct="1">
+              <a:spcBef>
+                <a:spcPct val="20000"/>
+              </a:spcBef>
+              <a:buClr>
+                <a:schemeClr val="accent4"/>
+              </a:buClr>
+              <a:buFont typeface="Arial"/>
+              <a:buChar char="•"/>
+              <a:defRPr lang="en-US" sz="1800" kern="1200" dirty="0" smtClean="0">
+                <a:solidFill>
+                  <a:srgbClr val="58585A"/>
+                </a:solidFill>
+                <a:latin typeface="+mn-lt"/>
+                <a:ea typeface="+mn-ea"/>
+                <a:cs typeface="Segoe UI"/>
+              </a:defRPr>
+            </a:lvl3pPr>
+            <a:lvl4pPr marL="922338" indent="-342900" algn="l" defTabSz="914400" rtl="0" eaLnBrk="1" latinLnBrk="0" hangingPunct="1">
+              <a:spcBef>
+                <a:spcPct val="20000"/>
+              </a:spcBef>
+              <a:buClr>
+                <a:schemeClr val="accent4"/>
+              </a:buClr>
+              <a:buFont typeface="Arial"/>
+              <a:buChar char="•"/>
+              <a:defRPr lang="en-US" sz="1800" kern="1200" dirty="0" smtClean="0">
+                <a:solidFill>
+                  <a:srgbClr val="58585A"/>
+                </a:solidFill>
+                <a:latin typeface="+mn-lt"/>
+                <a:ea typeface="+mn-ea"/>
+                <a:cs typeface="Segoe UI"/>
+              </a:defRPr>
+            </a:lvl4pPr>
+            <a:lvl5pPr marL="1189038" indent="-342900" algn="l" defTabSz="914400" rtl="0" eaLnBrk="1" latinLnBrk="0" hangingPunct="1">
+              <a:spcBef>
+                <a:spcPct val="20000"/>
+              </a:spcBef>
+              <a:buClr>
+                <a:schemeClr val="accent4"/>
+              </a:buClr>
+              <a:buFont typeface="Arial"/>
+              <a:buChar char="•"/>
+              <a:defRPr lang="en-US" sz="1800" kern="1200" dirty="0">
+                <a:solidFill>
+                  <a:srgbClr val="58585A"/>
+                </a:solidFill>
+                <a:latin typeface="+mn-lt"/>
+                <a:ea typeface="+mn-ea"/>
+                <a:cs typeface="Segoe UI"/>
+              </a:defRPr>
+            </a:lvl5pPr>
+            <a:lvl6pPr marL="2514600" indent="-228600" algn="l" defTabSz="914400" rtl="0" eaLnBrk="1" latinLnBrk="0" hangingPunct="1">
+              <a:spcBef>
+                <a:spcPct val="20000"/>
+              </a:spcBef>
+              <a:buFont typeface="Arial" pitchFamily="34" charset="0"/>
+              <a:buChar char="•"/>
+              <a:defRPr sz="2000" kern="1200">
+                <a:solidFill>
+                  <a:schemeClr val="tx1"/>
+                </a:solidFill>
+                <a:latin typeface="+mn-lt"/>
+                <a:ea typeface="+mn-ea"/>
+                <a:cs typeface="+mn-cs"/>
+              </a:defRPr>
+            </a:lvl6pPr>
+            <a:lvl7pPr marL="2971800" indent="-228600" algn="l" defTabSz="914400" rtl="0" eaLnBrk="1" latinLnBrk="0" hangingPunct="1">
+              <a:spcBef>
+                <a:spcPct val="20000"/>
+              </a:spcBef>
+              <a:buFont typeface="Arial" pitchFamily="34" charset="0"/>
+              <a:buChar char="•"/>
+              <a:defRPr sz="2000" kern="1200">
+                <a:solidFill>
+                  <a:schemeClr val="tx1"/>
+                </a:solidFill>
+                <a:latin typeface="+mn-lt"/>
+                <a:ea typeface="+mn-ea"/>
+                <a:cs typeface="+mn-cs"/>
+              </a:defRPr>
+            </a:lvl7pPr>
+            <a:lvl8pPr marL="3429000" indent="-228600" algn="l" defTabSz="914400" rtl="0" eaLnBrk="1" latinLnBrk="0" hangingPunct="1">
+              <a:spcBef>
+                <a:spcPct val="20000"/>
+              </a:spcBef>
+              <a:buFont typeface="Arial" pitchFamily="34" charset="0"/>
+              <a:buChar char="•"/>
+              <a:defRPr sz="2000" kern="1200">
+                <a:solidFill>
+                  <a:schemeClr val="tx1"/>
+                </a:solidFill>
+                <a:latin typeface="+mn-lt"/>
+                <a:ea typeface="+mn-ea"/>
+                <a:cs typeface="+mn-cs"/>
+              </a:defRPr>
+            </a:lvl8pPr>
+            <a:lvl9pPr marL="3886200" indent="-228600" algn="l" defTabSz="914400" rtl="0" eaLnBrk="1" latinLnBrk="0" hangingPunct="1">
+              <a:spcBef>
+                <a:spcPct val="20000"/>
+              </a:spcBef>
+              <a:buFont typeface="Arial" pitchFamily="34" charset="0"/>
+              <a:buChar char="•"/>
+              <a:defRPr sz="2000" kern="1200">
+                <a:solidFill>
+                  <a:schemeClr val="tx1"/>
+                </a:solidFill>
+                <a:latin typeface="+mn-lt"/>
+                <a:ea typeface="+mn-ea"/>
+                <a:cs typeface="+mn-cs"/>
+              </a:defRPr>
+            </a:lvl9pPr>
+          </a:lstStyle>
+          <a:p>
+            <a:r>
+              <a:rPr lang="en-US" sz="1100" dirty="0"/>
+              <a:t>PROC </a:t>
+            </a:r>
+            <a:r>
+              <a:rPr lang="en-US" sz="1100" dirty="0" err="1"/>
+              <a:t>SearchContacts</a:t>
+            </a:r>
+            <a:r>
+              <a:rPr lang="en-US" sz="1100" dirty="0"/>
+              <a:t> </a:t>
+            </a:r>
+            <a:r>
+              <a:rPr lang="en-US" sz="1100" dirty="0">
+                <a:highlight>
+                  <a:srgbClr val="05F170"/>
+                </a:highlight>
+              </a:rPr>
+              <a:t>@Params (???)</a:t>
+            </a:r>
+          </a:p>
+        </p:txBody>
+      </p:sp>
+      <p:pic>
+        <p:nvPicPr>
+          <p:cNvPr id="21" name="Graphic 20" descr="Robot">
+            <a:extLst>
+              <a:ext uri="{FF2B5EF4-FFF2-40B4-BE49-F238E27FC236}">
+                <a16:creationId xmlns:a16="http://schemas.microsoft.com/office/drawing/2014/main" id="{892BC7B4-AAA4-463D-B709-0ABA06DF79EE}"/>
+              </a:ext>
+            </a:extLst>
+          </p:cNvPr>
+          <p:cNvPicPr>
+            <a:picLocks noChangeAspect="1"/>
+          </p:cNvPicPr>
+          <p:nvPr/>
+        </p:nvPicPr>
+        <p:blipFill>
+          <a:blip r:embed="rId16">
+            <a:extLst>
+              <a:ext uri="{28A0092B-C50C-407E-A947-70E740481C1C}">
+                <a14:useLocalDpi xmlns:a14="http://schemas.microsoft.com/office/drawing/2010/main" val="0"/>
+              </a:ext>
+              <a:ext uri="{96DAC541-7B7A-43D3-8B79-37D633B846F1}">
+                <asvg:svgBlip xmlns:asvg="http://schemas.microsoft.com/office/drawing/2016/SVG/main" r:embed="rId17"/>
+              </a:ext>
+            </a:extLst>
+          </a:blip>
+          <a:stretch>
+            <a:fillRect/>
+          </a:stretch>
+        </p:blipFill>
+        <p:spPr>
+          <a:xfrm>
+            <a:off x="1153357" y="1613450"/>
+            <a:ext cx="914400" cy="914400"/>
+          </a:xfrm>
+          <a:prstGeom prst="rect">
+            <a:avLst/>
+          </a:prstGeom>
+        </p:spPr>
+      </p:pic>
+      <p:pic>
+        <p:nvPicPr>
+          <p:cNvPr id="26" name="Graphic 25" descr="Robot">
+            <a:extLst>
+              <a:ext uri="{FF2B5EF4-FFF2-40B4-BE49-F238E27FC236}">
+                <a16:creationId xmlns:a16="http://schemas.microsoft.com/office/drawing/2014/main" id="{EB2777E1-DB1D-4B25-A895-DCB92AC598F2}"/>
+              </a:ext>
+            </a:extLst>
+          </p:cNvPr>
+          <p:cNvPicPr>
+            <a:picLocks noChangeAspect="1"/>
+          </p:cNvPicPr>
+          <p:nvPr/>
+        </p:nvPicPr>
+        <p:blipFill>
+          <a:blip r:embed="rId16">
+            <a:extLst>
+              <a:ext uri="{28A0092B-C50C-407E-A947-70E740481C1C}">
+                <a14:useLocalDpi xmlns:a14="http://schemas.microsoft.com/office/drawing/2010/main" val="0"/>
+              </a:ext>
+              <a:ext uri="{96DAC541-7B7A-43D3-8B79-37D633B846F1}">
+                <asvg:svgBlip xmlns:asvg="http://schemas.microsoft.com/office/drawing/2016/SVG/main" r:embed="rId17"/>
+              </a:ext>
+            </a:extLst>
+          </a:blip>
+          <a:stretch>
+            <a:fillRect/>
+          </a:stretch>
+        </p:blipFill>
+        <p:spPr>
+          <a:xfrm>
+            <a:off x="6826102" y="1648570"/>
+            <a:ext cx="914400" cy="914400"/>
+          </a:xfrm>
+          <a:prstGeom prst="rect">
+            <a:avLst/>
+          </a:prstGeom>
+        </p:spPr>
+      </p:pic>
+      <p:cxnSp>
+        <p:nvCxnSpPr>
+          <p:cNvPr id="9" name="Straight Connector 8">
+            <a:extLst>
+              <a:ext uri="{FF2B5EF4-FFF2-40B4-BE49-F238E27FC236}">
+                <a16:creationId xmlns:a16="http://schemas.microsoft.com/office/drawing/2014/main" id="{1A8BBA76-26F1-4271-AD62-DBA18857B944}"/>
+              </a:ext>
+            </a:extLst>
+          </p:cNvPr>
+          <p:cNvCxnSpPr>
+            <a:cxnSpLocks/>
+            <a:stCxn id="10" idx="3"/>
+          </p:cNvCxnSpPr>
+          <p:nvPr/>
+        </p:nvCxnSpPr>
+        <p:spPr>
+          <a:xfrm>
+            <a:off x="7740502" y="2976930"/>
+            <a:ext cx="1059714" cy="0"/>
+          </a:xfrm>
+          <a:prstGeom prst="line">
+            <a:avLst/>
+          </a:prstGeom>
+          <a:ln w="28575"/>
+        </p:spPr>
+        <p:style>
+          <a:lnRef idx="1">
+            <a:schemeClr val="accent1"/>
+          </a:lnRef>
+          <a:fillRef idx="0">
+            <a:schemeClr val="accent1"/>
+          </a:fillRef>
+          <a:effectRef idx="0">
+            <a:schemeClr val="accent1"/>
+          </a:effectRef>
+          <a:fontRef idx="minor">
+            <a:schemeClr val="tx1"/>
+          </a:fontRef>
+        </p:style>
+      </p:cxnSp>
+      <p:cxnSp>
+        <p:nvCxnSpPr>
+          <p:cNvPr id="28" name="Straight Connector 27">
+            <a:extLst>
+              <a:ext uri="{FF2B5EF4-FFF2-40B4-BE49-F238E27FC236}">
+                <a16:creationId xmlns:a16="http://schemas.microsoft.com/office/drawing/2014/main" id="{FF1EC2AB-E2BE-45C1-AE28-1054E2BCF127}"/>
+              </a:ext>
+            </a:extLst>
+          </p:cNvPr>
+          <p:cNvCxnSpPr>
+            <a:cxnSpLocks/>
+          </p:cNvCxnSpPr>
+          <p:nvPr/>
+        </p:nvCxnSpPr>
+        <p:spPr>
+          <a:xfrm flipH="1" flipV="1">
+            <a:off x="8800216" y="935665"/>
+            <a:ext cx="1" cy="2046011"/>
+          </a:xfrm>
+          <a:prstGeom prst="line">
+            <a:avLst/>
+          </a:prstGeom>
+          <a:ln w="28575"/>
+        </p:spPr>
+        <p:style>
+          <a:lnRef idx="1">
+            <a:schemeClr val="accent1"/>
+          </a:lnRef>
+          <a:fillRef idx="0">
+            <a:schemeClr val="accent1"/>
+          </a:fillRef>
+          <a:effectRef idx="0">
+            <a:schemeClr val="accent1"/>
+          </a:effectRef>
+          <a:fontRef idx="minor">
+            <a:schemeClr val="tx1"/>
+          </a:fontRef>
+        </p:style>
+      </p:cxnSp>
+      <p:cxnSp>
+        <p:nvCxnSpPr>
+          <p:cNvPr id="33" name="Straight Arrow Connector 32">
+            <a:extLst>
+              <a:ext uri="{FF2B5EF4-FFF2-40B4-BE49-F238E27FC236}">
+                <a16:creationId xmlns:a16="http://schemas.microsoft.com/office/drawing/2014/main" id="{1906FCC7-1F09-4200-9475-0C33184EDFCE}"/>
+              </a:ext>
+            </a:extLst>
+          </p:cNvPr>
+          <p:cNvCxnSpPr>
+            <a:cxnSpLocks/>
+            <a:endCxn id="26" idx="3"/>
+          </p:cNvCxnSpPr>
+          <p:nvPr/>
+        </p:nvCxnSpPr>
+        <p:spPr>
+          <a:xfrm flipH="1">
+            <a:off x="7740502" y="2105770"/>
+            <a:ext cx="1059714" cy="0"/>
+          </a:xfrm>
+          <a:prstGeom prst="straightConnector1">
+            <a:avLst/>
+          </a:prstGeom>
+          <a:ln w="28575">
+            <a:tailEnd type="triangle"/>
+          </a:ln>
+        </p:spPr>
+        <p:style>
+          <a:lnRef idx="1">
+            <a:schemeClr val="accent1"/>
+          </a:lnRef>
+          <a:fillRef idx="0">
+            <a:schemeClr val="accent1"/>
+          </a:fillRef>
+          <a:effectRef idx="0">
+            <a:schemeClr val="accent1"/>
+          </a:effectRef>
+          <a:fontRef idx="minor">
+            <a:schemeClr val="tx1"/>
+          </a:fontRef>
+        </p:style>
+      </p:cxnSp>
+      <p:cxnSp>
+        <p:nvCxnSpPr>
+          <p:cNvPr id="42" name="Connector: Elbow 41">
+            <a:extLst>
+              <a:ext uri="{FF2B5EF4-FFF2-40B4-BE49-F238E27FC236}">
+                <a16:creationId xmlns:a16="http://schemas.microsoft.com/office/drawing/2014/main" id="{E5D599EB-0108-47D8-89FC-920A574A1206}"/>
+              </a:ext>
+            </a:extLst>
+          </p:cNvPr>
+          <p:cNvCxnSpPr>
+            <a:endCxn id="21" idx="0"/>
+          </p:cNvCxnSpPr>
+          <p:nvPr/>
+        </p:nvCxnSpPr>
+        <p:spPr>
+          <a:xfrm rot="10800000" flipV="1">
+            <a:off x="1610558" y="935664"/>
+            <a:ext cx="7189659" cy="677785"/>
+          </a:xfrm>
+          <a:prstGeom prst="bentConnector2">
+            <a:avLst/>
+          </a:prstGeom>
+          <a:ln w="28575">
+            <a:tailEnd type="triangle"/>
+          </a:ln>
+        </p:spPr>
+        <p:style>
+          <a:lnRef idx="1">
+            <a:schemeClr val="accent1"/>
+          </a:lnRef>
+          <a:fillRef idx="0">
+            <a:schemeClr val="accent1"/>
+          </a:fillRef>
+          <a:effectRef idx="0">
+            <a:schemeClr val="accent1"/>
+          </a:effectRef>
+          <a:fontRef idx="minor">
+            <a:schemeClr val="tx1"/>
+          </a:fontRef>
+        </p:style>
+      </p:cxnSp>
+      <p:pic>
+        <p:nvPicPr>
+          <p:cNvPr id="54" name="Graphic 53" descr="Magnifying glass">
+            <a:extLst>
+              <a:ext uri="{FF2B5EF4-FFF2-40B4-BE49-F238E27FC236}">
+                <a16:creationId xmlns:a16="http://schemas.microsoft.com/office/drawing/2014/main" id="{DA2839B0-A4B8-4191-A243-EC509AF67983}"/>
+              </a:ext>
+            </a:extLst>
+          </p:cNvPr>
+          <p:cNvPicPr>
+            <a:picLocks noChangeAspect="1"/>
+          </p:cNvPicPr>
+          <p:nvPr/>
+        </p:nvPicPr>
+        <p:blipFill>
+          <a:blip r:embed="rId18">
+            <a:extLst>
+              <a:ext uri="{28A0092B-C50C-407E-A947-70E740481C1C}">
+                <a14:useLocalDpi xmlns:a14="http://schemas.microsoft.com/office/drawing/2010/main" val="0"/>
+              </a:ext>
+              <a:ext uri="{96DAC541-7B7A-43D3-8B79-37D633B846F1}">
+                <asvg:svgBlip xmlns:asvg="http://schemas.microsoft.com/office/drawing/2016/SVG/main" r:embed="rId19"/>
+              </a:ext>
+            </a:extLst>
+          </a:blip>
+          <a:stretch>
+            <a:fillRect/>
+          </a:stretch>
+        </p:blipFill>
+        <p:spPr>
+          <a:xfrm>
+            <a:off x="7470085" y="3106804"/>
+            <a:ext cx="914400" cy="914400"/>
+          </a:xfrm>
+          <a:prstGeom prst="rect">
+            <a:avLst/>
+          </a:prstGeom>
+        </p:spPr>
+      </p:pic>
+      <p:pic>
+        <p:nvPicPr>
+          <p:cNvPr id="36" name="Graphic 35" descr="Robot">
+            <a:extLst>
+              <a:ext uri="{FF2B5EF4-FFF2-40B4-BE49-F238E27FC236}">
+                <a16:creationId xmlns:a16="http://schemas.microsoft.com/office/drawing/2014/main" id="{08477763-FBE2-4E28-AA4F-A633D4B5D67B}"/>
+              </a:ext>
+            </a:extLst>
+          </p:cNvPr>
+          <p:cNvPicPr>
+            <a:picLocks noChangeAspect="1"/>
+          </p:cNvPicPr>
+          <p:nvPr/>
+        </p:nvPicPr>
+        <p:blipFill>
+          <a:blip r:embed="rId16">
+            <a:extLst>
+              <a:ext uri="{28A0092B-C50C-407E-A947-70E740481C1C}">
+                <a14:useLocalDpi xmlns:a14="http://schemas.microsoft.com/office/drawing/2010/main" val="0"/>
+              </a:ext>
+              <a:ext uri="{96DAC541-7B7A-43D3-8B79-37D633B846F1}">
+                <asvg:svgBlip xmlns:asvg="http://schemas.microsoft.com/office/drawing/2016/SVG/main" r:embed="rId17"/>
+              </a:ext>
+            </a:extLst>
+          </a:blip>
+          <a:stretch>
+            <a:fillRect/>
+          </a:stretch>
+        </p:blipFill>
+        <p:spPr>
+          <a:xfrm>
+            <a:off x="6826101" y="1662147"/>
+            <a:ext cx="914400" cy="914400"/>
+          </a:xfrm>
+          <a:prstGeom prst="rect">
+            <a:avLst/>
+          </a:prstGeom>
+        </p:spPr>
+      </p:pic>
+      <p:cxnSp>
+        <p:nvCxnSpPr>
+          <p:cNvPr id="38" name="Straight Arrow Connector 37">
+            <a:extLst>
+              <a:ext uri="{FF2B5EF4-FFF2-40B4-BE49-F238E27FC236}">
+                <a16:creationId xmlns:a16="http://schemas.microsoft.com/office/drawing/2014/main" id="{1772E8DD-1982-4870-839E-C0922D91FFC8}"/>
+              </a:ext>
+            </a:extLst>
+          </p:cNvPr>
+          <p:cNvCxnSpPr>
+            <a:cxnSpLocks/>
+            <a:stCxn id="2" idx="1"/>
+            <a:endCxn id="37" idx="3"/>
+          </p:cNvCxnSpPr>
+          <p:nvPr/>
+        </p:nvCxnSpPr>
+        <p:spPr>
+          <a:xfrm flipH="1" flipV="1">
+            <a:off x="6148880" y="2201602"/>
+            <a:ext cx="1178043" cy="1856102"/>
+          </a:xfrm>
+          <a:prstGeom prst="straightConnector1">
+            <a:avLst/>
+          </a:prstGeom>
+          <a:ln w="57150">
+            <a:tailEnd type="triangle"/>
+          </a:ln>
+          <a:effectLst>
+            <a:outerShdw blurRad="50800" dist="38100" dir="5400000" algn="t" rotWithShape="0">
+              <a:prstClr val="black">
+                <a:alpha val="40000"/>
+              </a:prstClr>
+            </a:outerShdw>
+          </a:effectLst>
+        </p:spPr>
+        <p:style>
+          <a:lnRef idx="1">
+            <a:schemeClr val="accent1"/>
+          </a:lnRef>
+          <a:fillRef idx="0">
+            <a:schemeClr val="accent1"/>
+          </a:fillRef>
+          <a:effectRef idx="0">
+            <a:schemeClr val="accent1"/>
+          </a:effectRef>
+          <a:fontRef idx="minor">
+            <a:schemeClr val="tx1"/>
+          </a:fontRef>
+        </p:style>
+      </p:cxnSp>
+      <p:pic>
+        <p:nvPicPr>
+          <p:cNvPr id="27" name="Graphic 26" descr="Robot">
+            <a:extLst>
+              <a:ext uri="{FF2B5EF4-FFF2-40B4-BE49-F238E27FC236}">
+                <a16:creationId xmlns:a16="http://schemas.microsoft.com/office/drawing/2014/main" id="{350D0CF2-4960-4211-B16A-F37D6D217353}"/>
+              </a:ext>
+            </a:extLst>
+          </p:cNvPr>
+          <p:cNvPicPr>
+            <a:picLocks noChangeAspect="1"/>
+          </p:cNvPicPr>
+          <p:nvPr/>
+        </p:nvPicPr>
+        <p:blipFill>
+          <a:blip r:embed="rId16">
+            <a:extLst>
+              <a:ext uri="{28A0092B-C50C-407E-A947-70E740481C1C}">
+                <a14:useLocalDpi xmlns:a14="http://schemas.microsoft.com/office/drawing/2010/main" val="0"/>
+              </a:ext>
+              <a:ext uri="{96DAC541-7B7A-43D3-8B79-37D633B846F1}">
+                <asvg:svgBlip xmlns:asvg="http://schemas.microsoft.com/office/drawing/2016/SVG/main" r:embed="rId17"/>
+              </a:ext>
+            </a:extLst>
+          </a:blip>
+          <a:stretch>
+            <a:fillRect/>
+          </a:stretch>
+        </p:blipFill>
+        <p:spPr>
+          <a:xfrm>
+            <a:off x="8485829" y="172293"/>
+            <a:ext cx="612956" cy="612956"/>
+          </a:xfrm>
+          <a:prstGeom prst="rect">
+            <a:avLst/>
+          </a:prstGeom>
+        </p:spPr>
+      </p:pic>
+      <p:sp>
+        <p:nvSpPr>
+          <p:cNvPr id="2" name="Rectangle 1">
+            <a:extLst>
+              <a:ext uri="{FF2B5EF4-FFF2-40B4-BE49-F238E27FC236}">
+                <a16:creationId xmlns:a16="http://schemas.microsoft.com/office/drawing/2014/main" id="{4F594694-94D9-4F86-8AD0-B9FDDD4415CB}"/>
+              </a:ext>
+            </a:extLst>
+          </p:cNvPr>
+          <p:cNvSpPr/>
+          <p:nvPr/>
+        </p:nvSpPr>
+        <p:spPr>
+          <a:xfrm>
+            <a:off x="7326923" y="3907570"/>
+            <a:ext cx="1057562" cy="300267"/>
+          </a:xfrm>
+          <a:prstGeom prst="rect">
+            <a:avLst/>
+          </a:prstGeom>
+          <a:noFill/>
+          <a:ln>
+            <a:solidFill>
+              <a:srgbClr val="FF0000"/>
+            </a:solidFill>
+          </a:ln>
+        </p:spPr>
+        <p:style>
+          <a:lnRef idx="2">
+            <a:schemeClr val="accent6"/>
+          </a:lnRef>
+          <a:fillRef idx="1">
+            <a:schemeClr val="lt1"/>
+          </a:fillRef>
+          <a:effectRef idx="0">
+            <a:schemeClr val="accent6"/>
+          </a:effectRef>
+          <a:fontRef idx="minor">
+            <a:schemeClr val="dk1"/>
+          </a:fontRef>
+        </p:style>
+        <p:txBody>
+          <a:bodyPr rtlCol="0" anchor="ctr"/>
+          <a:lstStyle/>
+          <a:p>
+            <a:pPr algn="ctr"/>
+            <a:endParaRPr lang="en-US"/>
+          </a:p>
+        </p:txBody>
+      </p:sp>
+      <p:sp>
+        <p:nvSpPr>
+          <p:cNvPr id="34" name="Callout: Line 33">
+            <a:extLst>
+              <a:ext uri="{FF2B5EF4-FFF2-40B4-BE49-F238E27FC236}">
+                <a16:creationId xmlns:a16="http://schemas.microsoft.com/office/drawing/2014/main" id="{995EF453-4B78-432C-9EDA-A59DC5BFA48C}"/>
+              </a:ext>
+            </a:extLst>
+          </p:cNvPr>
+          <p:cNvSpPr/>
+          <p:nvPr/>
+        </p:nvSpPr>
+        <p:spPr>
+          <a:xfrm>
+            <a:off x="199292" y="486801"/>
+            <a:ext cx="5229725" cy="1915195"/>
+          </a:xfrm>
+          <a:prstGeom prst="borderCallout1">
+            <a:avLst>
+              <a:gd name="adj1" fmla="val 46995"/>
+              <a:gd name="adj2" fmla="val 100068"/>
+              <a:gd name="adj3" fmla="val 92624"/>
+              <a:gd name="adj4" fmla="val 128690"/>
+            </a:avLst>
+          </a:prstGeom>
+          <a:solidFill>
+            <a:schemeClr val="bg1">
+              <a:lumMod val="95000"/>
+            </a:schemeClr>
+          </a:solidFill>
+          <a:ln>
+            <a:solidFill>
+              <a:schemeClr val="accent2"/>
+            </a:solidFill>
+          </a:ln>
+        </p:spPr>
+        <p:style>
+          <a:lnRef idx="2">
+            <a:schemeClr val="accent6"/>
+          </a:lnRef>
+          <a:fillRef idx="1">
+            <a:schemeClr val="lt1"/>
+          </a:fillRef>
+          <a:effectRef idx="0">
+            <a:schemeClr val="accent6"/>
+          </a:effectRef>
+          <a:fontRef idx="minor">
+            <a:schemeClr val="dk1"/>
+          </a:fontRef>
+        </p:style>
+        <p:txBody>
+          <a:bodyPr rtlCol="0" anchor="ctr"/>
+          <a:lstStyle/>
+          <a:p>
+            <a:r>
+              <a:rPr lang="en-US" sz="1400" dirty="0"/>
+              <a:t>DECLARE </a:t>
+            </a:r>
+            <a:r>
+              <a:rPr lang="en-US" sz="1400" dirty="0">
+                <a:highlight>
+                  <a:srgbClr val="00FFFF"/>
+                </a:highlight>
+              </a:rPr>
+              <a:t>@p1 nvarchar(50)</a:t>
+            </a:r>
+          </a:p>
+          <a:p>
+            <a:r>
+              <a:rPr lang="en-US" sz="1400" dirty="0"/>
+              <a:t>    SET </a:t>
+            </a:r>
+            <a:r>
+              <a:rPr lang="en-US" sz="1400" dirty="0">
+                <a:highlight>
+                  <a:srgbClr val="00FFFF"/>
+                </a:highlight>
+              </a:rPr>
+              <a:t>@p1</a:t>
+            </a:r>
+            <a:r>
+              <a:rPr lang="en-US" sz="1400" dirty="0"/>
+              <a:t> = @</a:t>
+            </a:r>
+            <a:r>
+              <a:rPr lang="en-US" sz="1400" dirty="0" err="1"/>
+              <a:t>Params.value</a:t>
+            </a:r>
+            <a:r>
+              <a:rPr lang="en-US" sz="1400" dirty="0"/>
+              <a:t>[</a:t>
+            </a:r>
+            <a:r>
+              <a:rPr lang="en-US" sz="1400" dirty="0">
+                <a:highlight>
+                  <a:srgbClr val="00FFFF"/>
+                </a:highlight>
+              </a:rPr>
+              <a:t>id=1</a:t>
+            </a:r>
+            <a:r>
+              <a:rPr lang="en-US" sz="1400" dirty="0"/>
+              <a:t>]</a:t>
+            </a:r>
+          </a:p>
+          <a:p>
+            <a:r>
+              <a:rPr lang="en-US" sz="1400" dirty="0"/>
+              <a:t>DECLARE </a:t>
+            </a:r>
+            <a:r>
+              <a:rPr lang="en-US" sz="1400" dirty="0">
+                <a:highlight>
+                  <a:srgbClr val="00FFFF"/>
+                </a:highlight>
+              </a:rPr>
+              <a:t>@p2 TABLE (int)</a:t>
+            </a:r>
+          </a:p>
+          <a:p>
+            <a:r>
+              <a:rPr lang="en-US" sz="1400" dirty="0"/>
+              <a:t>    INSERT INTO </a:t>
+            </a:r>
+            <a:r>
+              <a:rPr lang="en-US" sz="1400" dirty="0">
+                <a:highlight>
+                  <a:srgbClr val="00FFFF"/>
+                </a:highlight>
+              </a:rPr>
+              <a:t>@p2 </a:t>
+            </a:r>
+            <a:r>
+              <a:rPr lang="en-US" sz="1400" dirty="0"/>
+              <a:t>SELECT value FROM @</a:t>
+            </a:r>
+            <a:r>
+              <a:rPr lang="en-US" sz="1400" dirty="0" err="1"/>
+              <a:t>Params.value</a:t>
+            </a:r>
+            <a:r>
+              <a:rPr lang="en-US" sz="1400" dirty="0"/>
+              <a:t>[</a:t>
+            </a:r>
+            <a:r>
+              <a:rPr lang="en-US" sz="1400" dirty="0">
+                <a:highlight>
+                  <a:srgbClr val="00FFFF"/>
+                </a:highlight>
+              </a:rPr>
+              <a:t>id=2</a:t>
+            </a:r>
+            <a:r>
+              <a:rPr lang="en-US" sz="1400" dirty="0"/>
+              <a:t>]</a:t>
+            </a:r>
+          </a:p>
+          <a:p>
+            <a:endParaRPr lang="en-US" sz="1400" dirty="0"/>
+          </a:p>
+          <a:p>
+            <a:r>
+              <a:rPr lang="en-US" sz="1400" dirty="0"/>
+              <a:t>SELECT * FROM Members WHERE 1=1</a:t>
+            </a:r>
+          </a:p>
+          <a:p>
+            <a:r>
+              <a:rPr lang="en-US" sz="1400" dirty="0"/>
+              <a:t>AND </a:t>
+            </a:r>
+            <a:r>
+              <a:rPr lang="en-US" sz="1400" dirty="0">
+                <a:highlight>
+                  <a:srgbClr val="00FFFF"/>
+                </a:highlight>
+              </a:rPr>
+              <a:t>Name = @p1</a:t>
+            </a:r>
+          </a:p>
+          <a:p>
+            <a:r>
+              <a:rPr lang="en-US" sz="1400" dirty="0"/>
+              <a:t>AND </a:t>
+            </a:r>
+            <a:r>
+              <a:rPr lang="en-US" sz="1400" dirty="0">
+                <a:highlight>
+                  <a:srgbClr val="00FFFF"/>
+                </a:highlight>
+              </a:rPr>
+              <a:t>Country IN (SELECT value FROM @p2)</a:t>
+            </a:r>
+          </a:p>
+        </p:txBody>
+      </p:sp>
+      <p:sp>
+        <p:nvSpPr>
+          <p:cNvPr id="39" name="Rectangle 38">
+            <a:extLst>
+              <a:ext uri="{FF2B5EF4-FFF2-40B4-BE49-F238E27FC236}">
+                <a16:creationId xmlns:a16="http://schemas.microsoft.com/office/drawing/2014/main" id="{AB75F5BB-0BF4-4A4A-A8BC-3DEC469924FA}"/>
+              </a:ext>
+            </a:extLst>
+          </p:cNvPr>
+          <p:cNvSpPr/>
+          <p:nvPr/>
+        </p:nvSpPr>
+        <p:spPr>
+          <a:xfrm>
+            <a:off x="1379820" y="787737"/>
+            <a:ext cx="787234" cy="250779"/>
+          </a:xfrm>
+          <a:prstGeom prst="rect">
+            <a:avLst/>
+          </a:prstGeom>
+          <a:noFill/>
+          <a:ln>
+            <a:solidFill>
+              <a:srgbClr val="FF0000"/>
+            </a:solidFill>
+          </a:ln>
+        </p:spPr>
+        <p:style>
+          <a:lnRef idx="2">
+            <a:schemeClr val="accent6"/>
+          </a:lnRef>
+          <a:fillRef idx="1">
+            <a:schemeClr val="lt1"/>
+          </a:fillRef>
+          <a:effectRef idx="0">
+            <a:schemeClr val="accent6"/>
+          </a:effectRef>
+          <a:fontRef idx="minor">
+            <a:schemeClr val="dk1"/>
+          </a:fontRef>
+        </p:style>
+        <p:txBody>
+          <a:bodyPr rtlCol="0" anchor="ctr"/>
+          <a:lstStyle/>
+          <a:p>
+            <a:pPr algn="ctr"/>
+            <a:endParaRPr lang="en-US"/>
+          </a:p>
+        </p:txBody>
+      </p:sp>
+      <p:sp>
+        <p:nvSpPr>
+          <p:cNvPr id="40" name="Rectangle 39">
+            <a:extLst>
+              <a:ext uri="{FF2B5EF4-FFF2-40B4-BE49-F238E27FC236}">
+                <a16:creationId xmlns:a16="http://schemas.microsoft.com/office/drawing/2014/main" id="{C73733EE-B1B2-400D-A1AC-00F6588758F1}"/>
+              </a:ext>
+            </a:extLst>
+          </p:cNvPr>
+          <p:cNvSpPr/>
+          <p:nvPr/>
+        </p:nvSpPr>
+        <p:spPr>
+          <a:xfrm>
+            <a:off x="3546707" y="1231586"/>
+            <a:ext cx="787234" cy="250779"/>
+          </a:xfrm>
+          <a:prstGeom prst="rect">
+            <a:avLst/>
+          </a:prstGeom>
+          <a:noFill/>
+          <a:ln>
+            <a:solidFill>
+              <a:srgbClr val="FF0000"/>
+            </a:solidFill>
+          </a:ln>
+        </p:spPr>
+        <p:style>
+          <a:lnRef idx="2">
+            <a:schemeClr val="accent6"/>
+          </a:lnRef>
+          <a:fillRef idx="1">
+            <a:schemeClr val="lt1"/>
+          </a:fillRef>
+          <a:effectRef idx="0">
+            <a:schemeClr val="accent6"/>
+          </a:effectRef>
+          <a:fontRef idx="minor">
+            <a:schemeClr val="dk1"/>
+          </a:fontRef>
+        </p:style>
+        <p:txBody>
+          <a:bodyPr rtlCol="0" anchor="ctr"/>
+          <a:lstStyle/>
+          <a:p>
+            <a:pPr algn="ctr"/>
+            <a:endParaRPr lang="en-US"/>
+          </a:p>
+        </p:txBody>
+      </p:sp>
+      <p:sp>
+        <p:nvSpPr>
+          <p:cNvPr id="5" name="TextBox 4">
+            <a:extLst>
+              <a:ext uri="{FF2B5EF4-FFF2-40B4-BE49-F238E27FC236}">
+                <a16:creationId xmlns:a16="http://schemas.microsoft.com/office/drawing/2014/main" id="{2C0BB72D-F040-4E3D-B5C1-0730249F795D}"/>
+              </a:ext>
+            </a:extLst>
+          </p:cNvPr>
+          <p:cNvSpPr txBox="1"/>
+          <p:nvPr/>
+        </p:nvSpPr>
+        <p:spPr>
+          <a:xfrm>
+            <a:off x="954905" y="2563168"/>
+            <a:ext cx="5172122" cy="1489104"/>
+          </a:xfrm>
+          <a:prstGeom prst="rect">
+            <a:avLst/>
+          </a:prstGeom>
+          <a:solidFill>
+            <a:schemeClr val="bg1">
+              <a:lumMod val="95000"/>
+            </a:schemeClr>
+          </a:solidFill>
+          <a:ln>
+            <a:solidFill>
+              <a:schemeClr val="accent2"/>
+            </a:solidFill>
+          </a:ln>
+        </p:spPr>
+        <p:style>
+          <a:lnRef idx="2">
+            <a:schemeClr val="accent6"/>
+          </a:lnRef>
+          <a:fillRef idx="1">
+            <a:schemeClr val="lt1"/>
+          </a:fillRef>
+          <a:effectRef idx="0">
+            <a:schemeClr val="accent6"/>
+          </a:effectRef>
+          <a:fontRef idx="minor">
+            <a:schemeClr val="dk1"/>
+          </a:fontRef>
+        </p:style>
+        <p:txBody>
+          <a:bodyPr rtlCol="0" anchor="ctr"/>
+          <a:lstStyle>
+            <a:defPPr>
+              <a:defRPr lang="en-US"/>
+            </a:defPPr>
+            <a:lvl1pPr>
+              <a:defRPr sz="1400">
+                <a:solidFill>
+                  <a:schemeClr val="dk1"/>
+                </a:solidFill>
+              </a:defRPr>
+            </a:lvl1pPr>
+            <a:lvl2pPr>
+              <a:defRPr>
+                <a:solidFill>
+                  <a:schemeClr val="dk1"/>
+                </a:solidFill>
+              </a:defRPr>
+            </a:lvl2pPr>
+            <a:lvl3pPr>
+              <a:defRPr>
+                <a:solidFill>
+                  <a:schemeClr val="dk1"/>
+                </a:solidFill>
+              </a:defRPr>
+            </a:lvl3pPr>
+            <a:lvl4pPr>
+              <a:defRPr>
+                <a:solidFill>
+                  <a:schemeClr val="dk1"/>
+                </a:solidFill>
+              </a:defRPr>
+            </a:lvl4pPr>
+            <a:lvl5pPr>
+              <a:defRPr>
+                <a:solidFill>
+                  <a:schemeClr val="dk1"/>
+                </a:solidFill>
+              </a:defRPr>
+            </a:lvl5pPr>
+            <a:lvl6pPr>
+              <a:defRPr>
+                <a:solidFill>
+                  <a:schemeClr val="dk1"/>
+                </a:solidFill>
+              </a:defRPr>
+            </a:lvl6pPr>
+            <a:lvl7pPr>
+              <a:defRPr>
+                <a:solidFill>
+                  <a:schemeClr val="dk1"/>
+                </a:solidFill>
+              </a:defRPr>
+            </a:lvl7pPr>
+            <a:lvl8pPr>
+              <a:defRPr>
+                <a:solidFill>
+                  <a:schemeClr val="dk1"/>
+                </a:solidFill>
+              </a:defRPr>
+            </a:lvl8pPr>
+            <a:lvl9pPr>
+              <a:defRPr>
+                <a:solidFill>
+                  <a:schemeClr val="dk1"/>
+                </a:solidFill>
+              </a:defRPr>
+            </a:lvl9pPr>
+          </a:lstStyle>
+          <a:p>
+            <a:r>
+              <a:rPr lang="en-US" dirty="0"/>
+              <a:t>DECLARE </a:t>
+            </a:r>
+            <a:r>
+              <a:rPr lang="en-US" dirty="0">
+                <a:highlight>
+                  <a:srgbClr val="00FFFF"/>
+                </a:highlight>
+              </a:rPr>
+              <a:t>@p1 nvarchar(50)</a:t>
+            </a:r>
+          </a:p>
+          <a:p>
+            <a:r>
+              <a:rPr lang="en-US" dirty="0"/>
+              <a:t>    SET </a:t>
+            </a:r>
+            <a:r>
+              <a:rPr lang="en-US" dirty="0">
+                <a:highlight>
+                  <a:srgbClr val="00FFFF"/>
+                </a:highlight>
+              </a:rPr>
+              <a:t>@p1</a:t>
+            </a:r>
+            <a:r>
+              <a:rPr lang="en-US" dirty="0"/>
+              <a:t> = @</a:t>
+            </a:r>
+            <a:r>
+              <a:rPr lang="en-US" dirty="0" err="1"/>
+              <a:t>Params.value</a:t>
+            </a:r>
+            <a:r>
+              <a:rPr lang="en-US" dirty="0"/>
+              <a:t>[</a:t>
+            </a:r>
+            <a:r>
+              <a:rPr lang="en-US" dirty="0">
+                <a:highlight>
+                  <a:srgbClr val="00FFFF"/>
+                </a:highlight>
+              </a:rPr>
+              <a:t>id=1</a:t>
+            </a:r>
+            <a:r>
+              <a:rPr lang="en-US" dirty="0"/>
+              <a:t>]</a:t>
+            </a:r>
+          </a:p>
+          <a:p>
+            <a:r>
+              <a:rPr lang="en-US" dirty="0"/>
+              <a:t>DECLARE </a:t>
+            </a:r>
+            <a:r>
+              <a:rPr lang="en-US" dirty="0">
+                <a:highlight>
+                  <a:srgbClr val="00FFFF"/>
+                </a:highlight>
+              </a:rPr>
+              <a:t>@p2 TABLE (int)</a:t>
+            </a:r>
+          </a:p>
+          <a:p>
+            <a:r>
+              <a:rPr lang="en-US" dirty="0"/>
+              <a:t>    INSERT INTO </a:t>
+            </a:r>
+            <a:r>
+              <a:rPr lang="en-US" dirty="0">
+                <a:highlight>
+                  <a:srgbClr val="00FFFF"/>
+                </a:highlight>
+              </a:rPr>
+              <a:t>@p2 </a:t>
+            </a:r>
+            <a:r>
+              <a:rPr lang="en-US" dirty="0"/>
+              <a:t>SELECT value FROM @</a:t>
+            </a:r>
+            <a:r>
+              <a:rPr lang="en-US" dirty="0" err="1"/>
+              <a:t>Params.value</a:t>
+            </a:r>
+            <a:r>
+              <a:rPr lang="en-US" dirty="0"/>
+              <a:t>[</a:t>
+            </a:r>
+            <a:r>
+              <a:rPr lang="en-US" dirty="0">
+                <a:highlight>
+                  <a:srgbClr val="00FFFF"/>
+                </a:highlight>
+              </a:rPr>
+              <a:t>id=2</a:t>
+            </a:r>
+            <a:r>
+              <a:rPr lang="en-US" dirty="0"/>
+              <a:t>]</a:t>
+            </a:r>
+          </a:p>
+          <a:p>
+            <a:endParaRPr lang="en-US" dirty="0"/>
+          </a:p>
+          <a:p>
+            <a:r>
+              <a:rPr lang="en-US" dirty="0"/>
+              <a:t>EXEC </a:t>
+            </a:r>
+            <a:r>
+              <a:rPr lang="en-US" dirty="0" err="1"/>
+              <a:t>sp_executesql</a:t>
+            </a:r>
+            <a:r>
+              <a:rPr lang="en-US" dirty="0"/>
+              <a:t> </a:t>
+            </a:r>
+            <a:r>
+              <a:rPr lang="en-US" dirty="0">
+                <a:highlight>
+                  <a:srgbClr val="00FFFF"/>
+                </a:highlight>
+              </a:rPr>
+              <a:t>@CMD</a:t>
+            </a:r>
+            <a:r>
+              <a:rPr lang="en-US" dirty="0"/>
+              <a:t>, </a:t>
+            </a:r>
+            <a:r>
+              <a:rPr lang="en-US" dirty="0">
+                <a:highlight>
+                  <a:srgbClr val="00FFFF"/>
+                </a:highlight>
+              </a:rPr>
+              <a:t>@</a:t>
+            </a:r>
+            <a:r>
+              <a:rPr lang="en-US" dirty="0" err="1">
+                <a:highlight>
+                  <a:srgbClr val="00FFFF"/>
+                </a:highlight>
+              </a:rPr>
+              <a:t>CMDParams</a:t>
+            </a:r>
+            <a:r>
+              <a:rPr lang="en-US" dirty="0"/>
+              <a:t>, </a:t>
+            </a:r>
+            <a:r>
+              <a:rPr lang="en-US" dirty="0">
+                <a:highlight>
+                  <a:srgbClr val="00FFFF"/>
+                </a:highlight>
+              </a:rPr>
+              <a:t>@p1, @p2</a:t>
+            </a:r>
+          </a:p>
+        </p:txBody>
+      </p:sp>
+      <p:sp>
+        <p:nvSpPr>
+          <p:cNvPr id="37" name="TextBox 36">
+            <a:extLst>
+              <a:ext uri="{FF2B5EF4-FFF2-40B4-BE49-F238E27FC236}">
+                <a16:creationId xmlns:a16="http://schemas.microsoft.com/office/drawing/2014/main" id="{C799E325-A5FE-4DA0-84AB-C53D2EB94D1F}"/>
+              </a:ext>
+            </a:extLst>
+          </p:cNvPr>
+          <p:cNvSpPr txBox="1"/>
+          <p:nvPr/>
+        </p:nvSpPr>
+        <p:spPr>
+          <a:xfrm>
+            <a:off x="2954081" y="1170550"/>
+            <a:ext cx="3194799" cy="2062103"/>
+          </a:xfrm>
+          <a:prstGeom prst="rect">
+            <a:avLst/>
+          </a:prstGeom>
+          <a:ln/>
+        </p:spPr>
+        <p:style>
+          <a:lnRef idx="0">
+            <a:schemeClr val="accent1"/>
+          </a:lnRef>
+          <a:fillRef idx="3">
+            <a:schemeClr val="accent1"/>
+          </a:fillRef>
+          <a:effectRef idx="3">
+            <a:schemeClr val="accent1"/>
+          </a:effectRef>
+          <a:fontRef idx="minor">
+            <a:schemeClr val="lt1"/>
+          </a:fontRef>
+        </p:style>
+        <p:txBody>
+          <a:bodyPr wrap="square" rtlCol="0">
+            <a:spAutoFit/>
+          </a:bodyPr>
+          <a:lstStyle/>
+          <a:p>
+            <a:pPr marL="285750" indent="-285750">
+              <a:buFont typeface="Arial" panose="020B0604020202020204" pitchFamily="34" charset="0"/>
+              <a:buChar char="•"/>
+            </a:pPr>
+            <a:r>
+              <a:rPr lang="en-US" sz="3200" dirty="0">
+                <a:solidFill>
+                  <a:schemeClr val="bg1"/>
+                </a:solidFill>
+              </a:rPr>
+              <a:t>XML      &lt;/&gt;</a:t>
+            </a:r>
+          </a:p>
+          <a:p>
+            <a:pPr marL="285750" indent="-285750">
+              <a:buFont typeface="Arial" panose="020B0604020202020204" pitchFamily="34" charset="0"/>
+              <a:buChar char="•"/>
+            </a:pPr>
+            <a:r>
+              <a:rPr lang="en-US" sz="3200" dirty="0">
+                <a:solidFill>
+                  <a:schemeClr val="bg1"/>
+                </a:solidFill>
+              </a:rPr>
+              <a:t>JSON      { }</a:t>
+            </a:r>
+          </a:p>
+          <a:p>
+            <a:pPr marL="285750" indent="-285750">
+              <a:buFont typeface="Arial" panose="020B0604020202020204" pitchFamily="34" charset="0"/>
+              <a:buChar char="•"/>
+            </a:pPr>
+            <a:r>
+              <a:rPr lang="en-US" sz="3200" dirty="0">
+                <a:solidFill>
+                  <a:schemeClr val="bg1"/>
+                </a:solidFill>
+              </a:rPr>
+              <a:t>TVP       @T</a:t>
+            </a:r>
+          </a:p>
+          <a:p>
+            <a:pPr marL="285750" indent="-285750">
+              <a:buFont typeface="Arial" panose="020B0604020202020204" pitchFamily="34" charset="0"/>
+              <a:buChar char="•"/>
+            </a:pPr>
+            <a:r>
+              <a:rPr lang="en-US" sz="3200" dirty="0">
+                <a:solidFill>
+                  <a:schemeClr val="bg1"/>
+                </a:solidFill>
+              </a:rPr>
+              <a:t>CLR        ???</a:t>
+            </a:r>
+          </a:p>
+        </p:txBody>
+      </p:sp>
+      <p:sp>
+        <p:nvSpPr>
+          <p:cNvPr id="44" name="Rectangle 43">
+            <a:extLst>
+              <a:ext uri="{FF2B5EF4-FFF2-40B4-BE49-F238E27FC236}">
+                <a16:creationId xmlns:a16="http://schemas.microsoft.com/office/drawing/2014/main" id="{7A033662-5671-42A1-9A13-3E969F51B2E9}"/>
+              </a:ext>
+            </a:extLst>
+          </p:cNvPr>
+          <p:cNvSpPr/>
+          <p:nvPr/>
+        </p:nvSpPr>
+        <p:spPr>
+          <a:xfrm>
+            <a:off x="4322053" y="3295114"/>
+            <a:ext cx="787234" cy="250779"/>
+          </a:xfrm>
+          <a:prstGeom prst="rect">
+            <a:avLst/>
+          </a:prstGeom>
+          <a:noFill/>
+          <a:ln>
+            <a:solidFill>
+              <a:srgbClr val="FF0000"/>
+            </a:solidFill>
+          </a:ln>
+        </p:spPr>
+        <p:style>
+          <a:lnRef idx="2">
+            <a:schemeClr val="accent6"/>
+          </a:lnRef>
+          <a:fillRef idx="1">
+            <a:schemeClr val="lt1"/>
+          </a:fillRef>
+          <a:effectRef idx="0">
+            <a:schemeClr val="accent6"/>
+          </a:effectRef>
+          <a:fontRef idx="minor">
+            <a:schemeClr val="dk1"/>
+          </a:fontRef>
+        </p:style>
+        <p:txBody>
+          <a:bodyPr rtlCol="0" anchor="ctr"/>
+          <a:lstStyle/>
+          <a:p>
+            <a:pPr algn="ctr"/>
+            <a:endParaRPr lang="en-US"/>
+          </a:p>
+        </p:txBody>
+      </p:sp>
+      <p:sp>
+        <p:nvSpPr>
+          <p:cNvPr id="45" name="Rectangle 44">
+            <a:extLst>
+              <a:ext uri="{FF2B5EF4-FFF2-40B4-BE49-F238E27FC236}">
+                <a16:creationId xmlns:a16="http://schemas.microsoft.com/office/drawing/2014/main" id="{FE76FC4C-FE4E-42F6-AC74-7DA0D6D2CA76}"/>
+              </a:ext>
+            </a:extLst>
+          </p:cNvPr>
+          <p:cNvSpPr/>
+          <p:nvPr/>
+        </p:nvSpPr>
+        <p:spPr>
+          <a:xfrm>
+            <a:off x="2130469" y="2856025"/>
+            <a:ext cx="787234" cy="250779"/>
+          </a:xfrm>
+          <a:prstGeom prst="rect">
+            <a:avLst/>
+          </a:prstGeom>
+          <a:noFill/>
+          <a:ln>
+            <a:solidFill>
+              <a:srgbClr val="FF0000"/>
+            </a:solidFill>
+          </a:ln>
+        </p:spPr>
+        <p:style>
+          <a:lnRef idx="2">
+            <a:schemeClr val="accent6"/>
+          </a:lnRef>
+          <a:fillRef idx="1">
+            <a:schemeClr val="lt1"/>
+          </a:fillRef>
+          <a:effectRef idx="0">
+            <a:schemeClr val="accent6"/>
+          </a:effectRef>
+          <a:fontRef idx="minor">
+            <a:schemeClr val="dk1"/>
+          </a:fontRef>
+        </p:style>
+        <p:txBody>
+          <a:bodyPr rtlCol="0" anchor="ctr"/>
+          <a:lstStyle/>
+          <a:p>
+            <a:pPr algn="ctr"/>
+            <a:endParaRPr lang="en-US"/>
+          </a:p>
+        </p:txBody>
+      </p:sp>
+      <p:sp>
+        <p:nvSpPr>
+          <p:cNvPr id="50" name="Rectangle 49">
+            <a:extLst>
+              <a:ext uri="{FF2B5EF4-FFF2-40B4-BE49-F238E27FC236}">
+                <a16:creationId xmlns:a16="http://schemas.microsoft.com/office/drawing/2014/main" id="{E5878D29-D7F1-4717-8BE8-959911BAD982}"/>
+              </a:ext>
+            </a:extLst>
+          </p:cNvPr>
+          <p:cNvSpPr/>
+          <p:nvPr/>
+        </p:nvSpPr>
+        <p:spPr>
+          <a:xfrm>
+            <a:off x="5884005" y="4254353"/>
+            <a:ext cx="782845" cy="211682"/>
+          </a:xfrm>
+          <a:prstGeom prst="rect">
+            <a:avLst/>
+          </a:prstGeom>
+          <a:noFill/>
+          <a:ln>
+            <a:solidFill>
+              <a:srgbClr val="FF0000"/>
+            </a:solidFill>
+          </a:ln>
+        </p:spPr>
+        <p:style>
+          <a:lnRef idx="2">
+            <a:schemeClr val="accent6"/>
+          </a:lnRef>
+          <a:fillRef idx="1">
+            <a:schemeClr val="lt1"/>
+          </a:fillRef>
+          <a:effectRef idx="0">
+            <a:schemeClr val="accent6"/>
+          </a:effectRef>
+          <a:fontRef idx="minor">
+            <a:schemeClr val="dk1"/>
+          </a:fontRef>
+        </p:style>
+        <p:txBody>
+          <a:bodyPr rtlCol="0" anchor="ctr"/>
+          <a:lstStyle/>
+          <a:p>
+            <a:pPr algn="ctr"/>
+            <a:endParaRPr lang="en-US"/>
+          </a:p>
+        </p:txBody>
+      </p:sp>
+      <p:sp>
+        <p:nvSpPr>
+          <p:cNvPr id="51" name="Rectangle 50">
+            <a:extLst>
+              <a:ext uri="{FF2B5EF4-FFF2-40B4-BE49-F238E27FC236}">
+                <a16:creationId xmlns:a16="http://schemas.microsoft.com/office/drawing/2014/main" id="{4F1C6A34-6302-409A-BD2C-DF64A7686B65}"/>
+              </a:ext>
+            </a:extLst>
+          </p:cNvPr>
+          <p:cNvSpPr/>
+          <p:nvPr/>
+        </p:nvSpPr>
+        <p:spPr>
+          <a:xfrm>
+            <a:off x="2336309" y="4912573"/>
+            <a:ext cx="852373" cy="194107"/>
+          </a:xfrm>
+          <a:prstGeom prst="rect">
+            <a:avLst/>
+          </a:prstGeom>
+          <a:noFill/>
+          <a:ln>
+            <a:solidFill>
+              <a:srgbClr val="FF0000"/>
+            </a:solidFill>
+          </a:ln>
+        </p:spPr>
+        <p:style>
+          <a:lnRef idx="2">
+            <a:schemeClr val="accent6"/>
+          </a:lnRef>
+          <a:fillRef idx="1">
+            <a:schemeClr val="lt1"/>
+          </a:fillRef>
+          <a:effectRef idx="0">
+            <a:schemeClr val="accent6"/>
+          </a:effectRef>
+          <a:fontRef idx="minor">
+            <a:schemeClr val="dk1"/>
+          </a:fontRef>
+        </p:style>
+        <p:txBody>
+          <a:bodyPr rtlCol="0" anchor="ctr"/>
+          <a:lstStyle/>
+          <a:p>
+            <a:pPr algn="ctr"/>
+            <a:endParaRPr lang="en-US"/>
+          </a:p>
+        </p:txBody>
+      </p:sp>
+      <p:sp>
+        <p:nvSpPr>
+          <p:cNvPr id="14" name="TextBox 13">
+            <a:extLst>
+              <a:ext uri="{FF2B5EF4-FFF2-40B4-BE49-F238E27FC236}">
+                <a16:creationId xmlns:a16="http://schemas.microsoft.com/office/drawing/2014/main" id="{B414F939-7D1D-4BDB-BE21-3B4ABFE403F1}"/>
+              </a:ext>
+            </a:extLst>
+          </p:cNvPr>
+          <p:cNvSpPr txBox="1"/>
+          <p:nvPr/>
+        </p:nvSpPr>
+        <p:spPr>
+          <a:xfrm>
+            <a:off x="1215890" y="4194399"/>
+            <a:ext cx="5551520" cy="307777"/>
+          </a:xfrm>
+          <a:prstGeom prst="rect">
+            <a:avLst/>
+          </a:prstGeom>
+          <a:noFill/>
+          <a:ln>
+            <a:noFill/>
+          </a:ln>
+        </p:spPr>
+        <p:txBody>
+          <a:bodyPr wrap="none" rtlCol="0">
+            <a:spAutoFit/>
+          </a:bodyPr>
+          <a:lstStyle/>
+          <a:p>
+            <a:r>
+              <a:rPr lang="en-US" sz="1400" dirty="0">
+                <a:solidFill>
+                  <a:srgbClr val="0000FF"/>
+                </a:solidFill>
+                <a:latin typeface="Consolas" panose="020B0609020204030204" pitchFamily="49" charset="0"/>
+              </a:rPr>
+              <a:t>EXEC</a:t>
+            </a:r>
+            <a:r>
+              <a:rPr lang="en-US" sz="1400" dirty="0">
+                <a:solidFill>
+                  <a:srgbClr val="000000"/>
+                </a:solidFill>
+                <a:latin typeface="Consolas" panose="020B0609020204030204" pitchFamily="49" charset="0"/>
+              </a:rPr>
+              <a:t> </a:t>
+            </a:r>
+            <a:r>
+              <a:rPr lang="en-US" sz="1400" dirty="0" err="1">
+                <a:solidFill>
+                  <a:srgbClr val="800000"/>
+                </a:solidFill>
+                <a:latin typeface="Consolas" panose="020B0609020204030204" pitchFamily="49" charset="0"/>
+              </a:rPr>
+              <a:t>sp_executesql</a:t>
+            </a:r>
+            <a:r>
+              <a:rPr lang="en-US" sz="1400" dirty="0">
+                <a:solidFill>
+                  <a:srgbClr val="0000FF"/>
+                </a:solidFill>
+                <a:latin typeface="Consolas" panose="020B0609020204030204" pitchFamily="49" charset="0"/>
+              </a:rPr>
+              <a:t> </a:t>
+            </a:r>
+            <a:r>
+              <a:rPr lang="en-US" sz="1400" dirty="0">
+                <a:solidFill>
+                  <a:srgbClr val="000000"/>
+                </a:solidFill>
+                <a:latin typeface="Consolas" panose="020B0609020204030204" pitchFamily="49" charset="0"/>
+              </a:rPr>
+              <a:t>@ParsedSQL</a:t>
+            </a:r>
+            <a:r>
+              <a:rPr lang="en-US" sz="1400" dirty="0">
+                <a:solidFill>
+                  <a:srgbClr val="808080"/>
+                </a:solidFill>
+                <a:latin typeface="Consolas" panose="020B0609020204030204" pitchFamily="49" charset="0"/>
+              </a:rPr>
+              <a:t>,</a:t>
+            </a:r>
+            <a:r>
+              <a:rPr lang="en-US" sz="1400" dirty="0">
+                <a:solidFill>
+                  <a:srgbClr val="000000"/>
+                </a:solidFill>
+                <a:latin typeface="Consolas" panose="020B0609020204030204" pitchFamily="49" charset="0"/>
+              </a:rPr>
+              <a:t> </a:t>
+            </a:r>
+            <a:r>
+              <a:rPr lang="en-US" sz="1400" dirty="0" err="1">
+                <a:solidFill>
+                  <a:srgbClr val="FF0000"/>
+                </a:solidFill>
+                <a:latin typeface="Consolas" panose="020B0609020204030204" pitchFamily="49" charset="0"/>
+              </a:rPr>
+              <a:t>N'@Params</a:t>
+            </a:r>
+            <a:r>
+              <a:rPr lang="en-US" sz="1400" dirty="0">
+                <a:solidFill>
+                  <a:srgbClr val="FF0000"/>
+                </a:solidFill>
+                <a:latin typeface="Consolas" panose="020B0609020204030204" pitchFamily="49" charset="0"/>
+              </a:rPr>
+              <a:t> ???'</a:t>
+            </a:r>
+            <a:r>
+              <a:rPr lang="en-US" sz="1400" dirty="0">
+                <a:solidFill>
+                  <a:srgbClr val="808080"/>
+                </a:solidFill>
+                <a:latin typeface="Consolas" panose="020B0609020204030204" pitchFamily="49" charset="0"/>
+              </a:rPr>
+              <a:t>,</a:t>
+            </a:r>
+            <a:r>
+              <a:rPr lang="en-US" sz="1400" dirty="0">
+                <a:solidFill>
+                  <a:srgbClr val="000000"/>
+                </a:solidFill>
+                <a:latin typeface="Consolas" panose="020B0609020204030204" pitchFamily="49" charset="0"/>
+              </a:rPr>
+              <a:t> @Params</a:t>
+            </a:r>
+          </a:p>
+        </p:txBody>
+      </p:sp>
+      <p:sp>
+        <p:nvSpPr>
+          <p:cNvPr id="15" name="TextBox 14">
+            <a:extLst>
+              <a:ext uri="{FF2B5EF4-FFF2-40B4-BE49-F238E27FC236}">
+                <a16:creationId xmlns:a16="http://schemas.microsoft.com/office/drawing/2014/main" id="{40AAE880-D614-453A-9D6B-D0F66BD88F08}"/>
+              </a:ext>
+            </a:extLst>
+          </p:cNvPr>
+          <p:cNvSpPr txBox="1"/>
+          <p:nvPr/>
+        </p:nvSpPr>
+        <p:spPr>
+          <a:xfrm>
+            <a:off x="1004095" y="4219814"/>
+            <a:ext cx="253596" cy="246221"/>
+          </a:xfrm>
+          <a:prstGeom prst="rect">
+            <a:avLst/>
+          </a:prstGeom>
+        </p:spPr>
+        <p:style>
+          <a:lnRef idx="1">
+            <a:schemeClr val="accent2"/>
+          </a:lnRef>
+          <a:fillRef idx="3">
+            <a:schemeClr val="accent2"/>
+          </a:fillRef>
+          <a:effectRef idx="2">
+            <a:schemeClr val="accent2"/>
+          </a:effectRef>
+          <a:fontRef idx="minor">
+            <a:schemeClr val="lt1"/>
+          </a:fontRef>
+        </p:style>
+        <p:txBody>
+          <a:bodyPr wrap="square" rtlCol="0">
+            <a:spAutoFit/>
+          </a:bodyPr>
+          <a:lstStyle/>
+          <a:p>
+            <a:r>
+              <a:rPr lang="en-US" sz="1000" dirty="0"/>
+              <a:t>1</a:t>
+            </a:r>
+          </a:p>
+        </p:txBody>
+      </p:sp>
+      <p:sp>
+        <p:nvSpPr>
+          <p:cNvPr id="52" name="TextBox 51">
+            <a:extLst>
+              <a:ext uri="{FF2B5EF4-FFF2-40B4-BE49-F238E27FC236}">
+                <a16:creationId xmlns:a16="http://schemas.microsoft.com/office/drawing/2014/main" id="{1088EDCE-B756-4C14-83FF-01C07FB63158}"/>
+              </a:ext>
+            </a:extLst>
+          </p:cNvPr>
+          <p:cNvSpPr txBox="1"/>
+          <p:nvPr/>
+        </p:nvSpPr>
+        <p:spPr>
+          <a:xfrm>
+            <a:off x="43244" y="414275"/>
+            <a:ext cx="253596" cy="246221"/>
+          </a:xfrm>
+          <a:prstGeom prst="rect">
+            <a:avLst/>
+          </a:prstGeom>
+        </p:spPr>
+        <p:style>
+          <a:lnRef idx="1">
+            <a:schemeClr val="accent2"/>
+          </a:lnRef>
+          <a:fillRef idx="3">
+            <a:schemeClr val="accent2"/>
+          </a:fillRef>
+          <a:effectRef idx="2">
+            <a:schemeClr val="accent2"/>
+          </a:effectRef>
+          <a:fontRef idx="minor">
+            <a:schemeClr val="lt1"/>
+          </a:fontRef>
+        </p:style>
+        <p:txBody>
+          <a:bodyPr wrap="square" rtlCol="0">
+            <a:spAutoFit/>
+          </a:bodyPr>
+          <a:lstStyle/>
+          <a:p>
+            <a:r>
+              <a:rPr lang="en-US" sz="1000" dirty="0"/>
+              <a:t>1</a:t>
+            </a:r>
+          </a:p>
+        </p:txBody>
+      </p:sp>
+      <p:grpSp>
+        <p:nvGrpSpPr>
+          <p:cNvPr id="17" name="Group 16">
+            <a:extLst>
+              <a:ext uri="{FF2B5EF4-FFF2-40B4-BE49-F238E27FC236}">
+                <a16:creationId xmlns:a16="http://schemas.microsoft.com/office/drawing/2014/main" id="{3D915473-2CD0-40A3-B937-716975BFE8BD}"/>
+              </a:ext>
+            </a:extLst>
+          </p:cNvPr>
+          <p:cNvGrpSpPr/>
+          <p:nvPr/>
+        </p:nvGrpSpPr>
+        <p:grpSpPr>
+          <a:xfrm>
+            <a:off x="828107" y="2451143"/>
+            <a:ext cx="8145846" cy="2716460"/>
+            <a:chOff x="828107" y="2451143"/>
+            <a:chExt cx="8145846" cy="2716460"/>
+          </a:xfrm>
+        </p:grpSpPr>
+        <p:sp>
+          <p:nvSpPr>
+            <p:cNvPr id="53" name="TextBox 52">
+              <a:extLst>
+                <a:ext uri="{FF2B5EF4-FFF2-40B4-BE49-F238E27FC236}">
+                  <a16:creationId xmlns:a16="http://schemas.microsoft.com/office/drawing/2014/main" id="{6549E8D0-9EAA-4DB2-A14F-6E66542A4503}"/>
+                </a:ext>
+              </a:extLst>
+            </p:cNvPr>
+            <p:cNvSpPr txBox="1"/>
+            <p:nvPr/>
+          </p:nvSpPr>
+          <p:spPr>
+            <a:xfrm>
+              <a:off x="1004095" y="4466358"/>
+              <a:ext cx="253596" cy="246221"/>
+            </a:xfrm>
+            <a:prstGeom prst="rect">
+              <a:avLst/>
+            </a:prstGeom>
+          </p:spPr>
+          <p:style>
+            <a:lnRef idx="1">
+              <a:schemeClr val="accent2"/>
+            </a:lnRef>
+            <a:fillRef idx="3">
+              <a:schemeClr val="accent2"/>
+            </a:fillRef>
+            <a:effectRef idx="2">
+              <a:schemeClr val="accent2"/>
+            </a:effectRef>
+            <a:fontRef idx="minor">
+              <a:schemeClr val="lt1"/>
+            </a:fontRef>
+          </p:style>
+          <p:txBody>
+            <a:bodyPr wrap="square" rtlCol="0">
+              <a:spAutoFit/>
+            </a:bodyPr>
+            <a:lstStyle/>
+            <a:p>
+              <a:r>
+                <a:rPr lang="en-US" sz="1000" dirty="0"/>
+                <a:t>2</a:t>
+              </a:r>
+            </a:p>
+          </p:txBody>
+        </p:sp>
+        <p:sp>
+          <p:nvSpPr>
+            <p:cNvPr id="55" name="TextBox 54">
+              <a:extLst>
+                <a:ext uri="{FF2B5EF4-FFF2-40B4-BE49-F238E27FC236}">
+                  <a16:creationId xmlns:a16="http://schemas.microsoft.com/office/drawing/2014/main" id="{E570C592-C1E7-40BB-B886-5247FCA34619}"/>
+                </a:ext>
+              </a:extLst>
+            </p:cNvPr>
+            <p:cNvSpPr txBox="1"/>
+            <p:nvPr/>
+          </p:nvSpPr>
+          <p:spPr>
+            <a:xfrm>
+              <a:off x="828107" y="2451143"/>
+              <a:ext cx="253596" cy="246221"/>
+            </a:xfrm>
+            <a:prstGeom prst="rect">
+              <a:avLst/>
+            </a:prstGeom>
+          </p:spPr>
+          <p:style>
+            <a:lnRef idx="1">
+              <a:schemeClr val="accent2"/>
+            </a:lnRef>
+            <a:fillRef idx="3">
+              <a:schemeClr val="accent2"/>
+            </a:fillRef>
+            <a:effectRef idx="2">
+              <a:schemeClr val="accent2"/>
+            </a:effectRef>
+            <a:fontRef idx="minor">
+              <a:schemeClr val="lt1"/>
+            </a:fontRef>
+          </p:style>
+          <p:txBody>
+            <a:bodyPr wrap="square" rtlCol="0">
+              <a:spAutoFit/>
+            </a:bodyPr>
+            <a:lstStyle/>
+            <a:p>
+              <a:r>
+                <a:rPr lang="en-US" sz="1000" dirty="0"/>
+                <a:t>2</a:t>
+              </a:r>
+            </a:p>
+          </p:txBody>
+        </p:sp>
+        <p:sp>
+          <p:nvSpPr>
+            <p:cNvPr id="56" name="TextBox 55">
+              <a:extLst>
+                <a:ext uri="{FF2B5EF4-FFF2-40B4-BE49-F238E27FC236}">
+                  <a16:creationId xmlns:a16="http://schemas.microsoft.com/office/drawing/2014/main" id="{511C8896-BF7E-44AC-BF98-F4A84D28AE15}"/>
+                </a:ext>
+              </a:extLst>
+            </p:cNvPr>
+            <p:cNvSpPr txBox="1"/>
+            <p:nvPr/>
+          </p:nvSpPr>
+          <p:spPr>
+            <a:xfrm>
+              <a:off x="1205168" y="4428939"/>
+              <a:ext cx="7768785" cy="738664"/>
+            </a:xfrm>
+            <a:prstGeom prst="rect">
+              <a:avLst/>
+            </a:prstGeom>
+            <a:noFill/>
+          </p:spPr>
+          <p:txBody>
+            <a:bodyPr wrap="square">
+              <a:spAutoFit/>
+            </a:bodyPr>
+            <a:lstStyle/>
+            <a:p>
+              <a:r>
+                <a:rPr lang="en-US" sz="1400" dirty="0">
+                  <a:solidFill>
+                    <a:srgbClr val="0000FF"/>
+                  </a:solidFill>
+                  <a:latin typeface="Consolas" panose="020B0609020204030204" pitchFamily="49" charset="0"/>
+                </a:rPr>
+                <a:t>EXEC</a:t>
+              </a:r>
+              <a:r>
+                <a:rPr lang="en-US" sz="1400" dirty="0">
+                  <a:solidFill>
+                    <a:srgbClr val="000000"/>
+                  </a:solidFill>
+                  <a:latin typeface="Consolas" panose="020B0609020204030204" pitchFamily="49" charset="0"/>
+                </a:rPr>
+                <a:t> </a:t>
+              </a:r>
+              <a:r>
+                <a:rPr lang="en-US" sz="1400" dirty="0" err="1">
+                  <a:solidFill>
+                    <a:srgbClr val="800000"/>
+                  </a:solidFill>
+                  <a:latin typeface="Consolas" panose="020B0609020204030204" pitchFamily="49" charset="0"/>
+                </a:rPr>
+                <a:t>sp_executesql</a:t>
+              </a:r>
+              <a:r>
+                <a:rPr lang="en-US" sz="1400" dirty="0">
+                  <a:solidFill>
+                    <a:srgbClr val="0000FF"/>
+                  </a:solidFill>
+                  <a:latin typeface="Consolas" panose="020B0609020204030204" pitchFamily="49" charset="0"/>
+                </a:rPr>
+                <a:t> </a:t>
+              </a:r>
+              <a:r>
+                <a:rPr lang="en-US" sz="1400" dirty="0">
+                  <a:solidFill>
+                    <a:srgbClr val="000000"/>
+                  </a:solidFill>
+                  <a:latin typeface="Consolas" panose="020B0609020204030204" pitchFamily="49" charset="0"/>
+                </a:rPr>
+                <a:t>@ParsedSQL</a:t>
+              </a:r>
+            </a:p>
+            <a:p>
+              <a:r>
+                <a:rPr lang="en-US" sz="1400" dirty="0">
+                  <a:solidFill>
+                    <a:srgbClr val="000000"/>
+                  </a:solidFill>
+                  <a:latin typeface="Consolas" panose="020B0609020204030204" pitchFamily="49" charset="0"/>
+                </a:rPr>
+                <a:t>	</a:t>
+              </a:r>
+              <a:r>
+                <a:rPr lang="en-US" sz="1400" dirty="0">
+                  <a:solidFill>
+                    <a:srgbClr val="808080"/>
+                  </a:solidFill>
+                  <a:latin typeface="Consolas" panose="020B0609020204030204" pitchFamily="49" charset="0"/>
+                </a:rPr>
+                <a:t>,</a:t>
+              </a:r>
+              <a:r>
+                <a:rPr lang="en-US" sz="1400" dirty="0">
+                  <a:solidFill>
+                    <a:srgbClr val="000000"/>
+                  </a:solidFill>
+                  <a:latin typeface="Consolas" panose="020B0609020204030204" pitchFamily="49" charset="0"/>
+                </a:rPr>
+                <a:t> </a:t>
+              </a:r>
+              <a:r>
+                <a:rPr lang="en-US" sz="1400" dirty="0" err="1">
+                  <a:solidFill>
+                    <a:srgbClr val="FF0000"/>
+                  </a:solidFill>
+                  <a:latin typeface="Consolas" panose="020B0609020204030204" pitchFamily="49" charset="0"/>
+                </a:rPr>
+                <a:t>N'@Params</a:t>
+              </a:r>
+              <a:r>
+                <a:rPr lang="en-US" sz="1400" dirty="0">
+                  <a:solidFill>
+                    <a:srgbClr val="FF0000"/>
+                  </a:solidFill>
+                  <a:latin typeface="Consolas" panose="020B0609020204030204" pitchFamily="49" charset="0"/>
+                </a:rPr>
+                <a:t> ???, @CMD </a:t>
+              </a:r>
+              <a:r>
+                <a:rPr lang="en-US" sz="1400" dirty="0" err="1">
+                  <a:solidFill>
+                    <a:srgbClr val="FF0000"/>
+                  </a:solidFill>
+                  <a:latin typeface="Consolas" panose="020B0609020204030204" pitchFamily="49" charset="0"/>
+                </a:rPr>
+                <a:t>nvarchar</a:t>
+              </a:r>
+              <a:r>
+                <a:rPr lang="en-US" sz="1400" dirty="0">
+                  <a:solidFill>
+                    <a:srgbClr val="FF0000"/>
+                  </a:solidFill>
+                  <a:latin typeface="Consolas" panose="020B0609020204030204" pitchFamily="49" charset="0"/>
+                </a:rPr>
+                <a:t>(max), @CMDParams </a:t>
+              </a:r>
+              <a:r>
+                <a:rPr lang="en-US" sz="1400" dirty="0" err="1">
+                  <a:solidFill>
+                    <a:srgbClr val="FF0000"/>
+                  </a:solidFill>
+                  <a:latin typeface="Consolas" panose="020B0609020204030204" pitchFamily="49" charset="0"/>
+                </a:rPr>
+                <a:t>nvarchar</a:t>
+              </a:r>
+              <a:r>
+                <a:rPr lang="en-US" sz="1400" dirty="0">
+                  <a:solidFill>
+                    <a:srgbClr val="FF0000"/>
+                  </a:solidFill>
+                  <a:latin typeface="Consolas" panose="020B0609020204030204" pitchFamily="49" charset="0"/>
+                </a:rPr>
+                <a:t>(max)’</a:t>
+              </a:r>
+            </a:p>
+            <a:p>
+              <a:r>
+                <a:rPr lang="en-US" sz="1400" dirty="0">
+                  <a:solidFill>
+                    <a:srgbClr val="FF0000"/>
+                  </a:solidFill>
+                  <a:latin typeface="Consolas" panose="020B0609020204030204" pitchFamily="49" charset="0"/>
+                </a:rPr>
+                <a:t>	</a:t>
+              </a:r>
+              <a:r>
+                <a:rPr lang="en-US" sz="1400" dirty="0">
+                  <a:solidFill>
+                    <a:srgbClr val="808080"/>
+                  </a:solidFill>
+                  <a:latin typeface="Consolas" panose="020B0609020204030204" pitchFamily="49" charset="0"/>
+                </a:rPr>
+                <a:t>,</a:t>
+              </a:r>
+              <a:r>
+                <a:rPr lang="en-US" sz="1400" dirty="0">
+                  <a:solidFill>
+                    <a:srgbClr val="000000"/>
+                  </a:solidFill>
+                  <a:latin typeface="Consolas" panose="020B0609020204030204" pitchFamily="49" charset="0"/>
+                </a:rPr>
+                <a:t> @Params</a:t>
+              </a:r>
+              <a:r>
+                <a:rPr lang="en-US" sz="1400" dirty="0">
+                  <a:solidFill>
+                    <a:srgbClr val="808080"/>
+                  </a:solidFill>
+                  <a:latin typeface="Consolas" panose="020B0609020204030204" pitchFamily="49" charset="0"/>
+                </a:rPr>
+                <a:t>,</a:t>
+              </a:r>
+              <a:r>
+                <a:rPr lang="en-US" sz="1400" dirty="0">
+                  <a:solidFill>
+                    <a:srgbClr val="000000"/>
+                  </a:solidFill>
+                  <a:latin typeface="Consolas" panose="020B0609020204030204" pitchFamily="49" charset="0"/>
+                </a:rPr>
+                <a:t> @CMD</a:t>
+              </a:r>
+              <a:r>
+                <a:rPr lang="en-US" sz="1400" dirty="0">
+                  <a:solidFill>
+                    <a:srgbClr val="808080"/>
+                  </a:solidFill>
+                  <a:latin typeface="Consolas" panose="020B0609020204030204" pitchFamily="49" charset="0"/>
+                </a:rPr>
+                <a:t>,</a:t>
+              </a:r>
+              <a:r>
+                <a:rPr lang="en-US" sz="1400" dirty="0">
+                  <a:solidFill>
+                    <a:srgbClr val="000000"/>
+                  </a:solidFill>
+                  <a:latin typeface="Consolas" panose="020B0609020204030204" pitchFamily="49" charset="0"/>
+                </a:rPr>
+                <a:t> @CMDParams</a:t>
+              </a:r>
+            </a:p>
+          </p:txBody>
+        </p:sp>
+      </p:grpSp>
+    </p:spTree>
+    <p:custDataLst>
+      <p:tags r:id="rId1"/>
+    </p:custDataLst>
+    <p:extLst>
+      <p:ext uri="{BB962C8B-B14F-4D97-AF65-F5344CB8AC3E}">
+        <p14:creationId xmlns:p14="http://schemas.microsoft.com/office/powerpoint/2010/main" val="462230184"/>
+      </p:ext>
+    </p:extLst>
+  </p:cSld>
+  <p:clrMapOvr>
+    <a:masterClrMapping/>
+  </p:clrMapOvr>
+  <mc:AlternateContent xmlns:mc="http://schemas.openxmlformats.org/markup-compatibility/2006" xmlns:p14="http://schemas.microsoft.com/office/powerpoint/2010/main">
+    <mc:Choice Requires="p14">
+      <p:transition spd="med" p14:dur="700">
+        <p:fade/>
+      </p:transition>
+    </mc:Choice>
+    <mc:Fallback xmlns="">
+      <p:transition spd="med">
+        <p:fade/>
+      </p:transition>
+    </mc:Fallback>
+  </mc:AlternateContent>
+  <p:timing>
+    <p:tnLst>
+      <p:par>
+        <p:cTn id="1" dur="indefinite" restart="never" nodeType="tmRoot">
+          <p:childTnLst>
+            <p:seq concurrent="1" nextAc="seek">
+              <p:cTn id="2" dur="indefinite" nodeType="mainSeq">
+                <p:childTnLst>
                   <p:par>
-                    <p:cTn id="66" fill="hold">
+                    <p:cTn id="3" fill="hold">
                       <p:stCondLst>
                         <p:cond delay="indefinite"/>
+                        <p:cond evt="onBegin" delay="0">
+                          <p:tn val="2"/>
+                        </p:cond>
                       </p:stCondLst>
                       <p:childTnLst>
                         <p:par>
-                          <p:cTn id="67" fill="hold">
+                          <p:cTn id="4" fill="hold">
                             <p:stCondLst>
                               <p:cond delay="0"/>
                             </p:stCondLst>
                             <p:childTnLst>
                               <p:par>
-                                <p:cTn id="68" presetID="21" presetClass="entr" presetSubtype="1" fill="hold" grpId="0" nodeType="clickEffect">
+                                <p:cTn id="5" presetID="10" presetClass="entr" presetSubtype="0" fill="hold" grpId="0" nodeType="withEffect">
                                   <p:stCondLst>
                                     <p:cond delay="0"/>
                                   </p:stCondLst>
                                   <p:childTnLst>
                                     <p:set>
                                       <p:cBhvr>
-                                        <p:cTn id="69" dur="1" fill="hold">
+                                        <p:cTn id="6" dur="1" fill="hold">
+                                          <p:stCondLst>
+                                            <p:cond delay="0"/>
+                                          </p:stCondLst>
+                                        </p:cTn>
+                                        <p:tgtEl>
+                                          <p:spTgt spid="5"/>
+                                        </p:tgtEl>
+                                        <p:attrNameLst>
+                                          <p:attrName>style.visibility</p:attrName>
+                                        </p:attrNameLst>
+                                      </p:cBhvr>
+                                      <p:to>
+                                        <p:strVal val="visible"/>
+                                      </p:to>
+                                    </p:set>
+                                    <p:animEffect transition="in" filter="fade">
+                                      <p:cBhvr>
+                                        <p:cTn id="7" dur="500"/>
+                                        <p:tgtEl>
+                                          <p:spTgt spid="5"/>
+                                        </p:tgtEl>
+                                      </p:cBhvr>
+                                    </p:animEffect>
+                                  </p:childTnLst>
+                                </p:cTn>
+                              </p:par>
+                            </p:childTnLst>
+                          </p:cTn>
+                        </p:par>
+                        <p:par>
+                          <p:cTn id="8" fill="hold">
+                            <p:stCondLst>
+                              <p:cond delay="500"/>
+                            </p:stCondLst>
+                            <p:childTnLst>
+                              <p:par>
+                                <p:cTn id="9" presetID="2" presetClass="entr" presetSubtype="4" fill="hold" nodeType="afterEffect">
+                                  <p:stCondLst>
+                                    <p:cond delay="0"/>
+                                  </p:stCondLst>
+                                  <p:childTnLst>
+                                    <p:set>
+                                      <p:cBhvr>
+                                        <p:cTn id="10" dur="1" fill="hold">
+                                          <p:stCondLst>
+                                            <p:cond delay="0"/>
+                                          </p:stCondLst>
+                                        </p:cTn>
+                                        <p:tgtEl>
+                                          <p:spTgt spid="17"/>
+                                        </p:tgtEl>
+                                        <p:attrNameLst>
+                                          <p:attrName>style.visibility</p:attrName>
+                                        </p:attrNameLst>
+                                      </p:cBhvr>
+                                      <p:to>
+                                        <p:strVal val="visible"/>
+                                      </p:to>
+                                    </p:set>
+                                    <p:anim calcmode="lin" valueType="num">
+                                      <p:cBhvr additive="base">
+                                        <p:cTn id="11" dur="500" fill="hold"/>
+                                        <p:tgtEl>
+                                          <p:spTgt spid="17"/>
+                                        </p:tgtEl>
+                                        <p:attrNameLst>
+                                          <p:attrName>ppt_x</p:attrName>
+                                        </p:attrNameLst>
+                                      </p:cBhvr>
+                                      <p:tavLst>
+                                        <p:tav tm="0">
+                                          <p:val>
+                                            <p:strVal val="#ppt_x"/>
+                                          </p:val>
+                                        </p:tav>
+                                        <p:tav tm="100000">
+                                          <p:val>
+                                            <p:strVal val="#ppt_x"/>
+                                          </p:val>
+                                        </p:tav>
+                                      </p:tavLst>
+                                    </p:anim>
+                                    <p:anim calcmode="lin" valueType="num">
+                                      <p:cBhvr additive="base">
+                                        <p:cTn id="12" dur="500" fill="hold"/>
+                                        <p:tgtEl>
+                                          <p:spTgt spid="17"/>
+                                        </p:tgtEl>
+                                        <p:attrNameLst>
+                                          <p:attrName>ppt_y</p:attrName>
+                                        </p:attrNameLst>
+                                      </p:cBhvr>
+                                      <p:tavLst>
+                                        <p:tav tm="0">
+                                          <p:val>
+                                            <p:strVal val="1+#ppt_h/2"/>
+                                          </p:val>
+                                        </p:tav>
+                                        <p:tav tm="100000">
+                                          <p:val>
+                                            <p:strVal val="#ppt_y"/>
+                                          </p:val>
+                                        </p:tav>
+                                      </p:tavLst>
+                                    </p:anim>
+                                  </p:childTnLst>
+                                </p:cTn>
+                              </p:par>
+                            </p:childTnLst>
+                          </p:cTn>
+                        </p:par>
+                      </p:childTnLst>
+                    </p:cTn>
+                  </p:par>
+                  <p:par>
+                    <p:cTn id="13" fill="hold">
+                      <p:stCondLst>
+                        <p:cond delay="indefinite"/>
+                      </p:stCondLst>
+                      <p:childTnLst>
+                        <p:par>
+                          <p:cTn id="14" fill="hold">
+                            <p:stCondLst>
+                              <p:cond delay="0"/>
+                            </p:stCondLst>
+                            <p:childTnLst>
+                              <p:par>
+                                <p:cTn id="15" presetID="21" presetClass="entr" presetSubtype="1" fill="hold" grpId="0" nodeType="clickEffect">
+                                  <p:stCondLst>
+                                    <p:cond delay="0"/>
+                                  </p:stCondLst>
+                                  <p:childTnLst>
+                                    <p:set>
+                                      <p:cBhvr>
+                                        <p:cTn id="16" dur="1" fill="hold">
                                           <p:stCondLst>
                                             <p:cond delay="0"/>
                                           </p:stCondLst>
@@ -26244,7 +28784,7 @@
                                     </p:set>
                                     <p:animEffect transition="in" filter="wheel(1)">
                                       <p:cBhvr>
-                                        <p:cTn id="70" dur="2000"/>
+                                        <p:cTn id="17" dur="2000"/>
                                         <p:tgtEl>
                                           <p:spTgt spid="2"/>
                                         </p:tgtEl>
@@ -26254,14 +28794,14 @@
                                 </p:cTn>
                               </p:par>
                               <p:par>
-                                <p:cTn id="71" presetID="21" presetClass="entr" presetSubtype="1" fill="hold" grpId="0" nodeType="withEffect">
+                                <p:cTn id="18" presetID="21" presetClass="entr" presetSubtype="1" fill="hold" grpId="0" nodeType="withEffect">
                                   <p:stCondLst>
                                     <p:cond delay="0"/>
                                   </p:stCondLst>
                                   <p:childTnLst>
                                     <p:set>
                                       <p:cBhvr>
-                                        <p:cTn id="72" dur="1" fill="hold">
+                                        <p:cTn id="19" dur="1" fill="hold">
                                           <p:stCondLst>
                                             <p:cond delay="0"/>
                                           </p:stCondLst>
@@ -26279,7 +28819,7 @@
                                     </p:set>
                                     <p:animEffect transition="in" filter="wheel(1)">
                                       <p:cBhvr>
-                                        <p:cTn id="73" dur="2000"/>
+                                        <p:cTn id="20" dur="2000"/>
                                         <p:tgtEl>
                                           <p:spTgt spid="39"/>
                                         </p:tgtEl>
@@ -26289,14 +28829,14 @@
                                 </p:cTn>
                               </p:par>
                               <p:par>
-                                <p:cTn id="74" presetID="21" presetClass="entr" presetSubtype="1" fill="hold" grpId="0" nodeType="withEffect">
+                                <p:cTn id="21" presetID="21" presetClass="entr" presetSubtype="1" fill="hold" grpId="0" nodeType="withEffect">
                                   <p:stCondLst>
                                     <p:cond delay="0"/>
                                   </p:stCondLst>
                                   <p:childTnLst>
                                     <p:set>
                                       <p:cBhvr>
-                                        <p:cTn id="75" dur="1" fill="hold">
+                                        <p:cTn id="22" dur="1" fill="hold">
                                           <p:stCondLst>
                                             <p:cond delay="0"/>
                                           </p:stCondLst>
@@ -26314,7 +28854,7 @@
                                     </p:set>
                                     <p:animEffect transition="in" filter="wheel(1)">
                                       <p:cBhvr>
-                                        <p:cTn id="76" dur="2000"/>
+                                        <p:cTn id="23" dur="2000"/>
                                         <p:tgtEl>
                                           <p:spTgt spid="40"/>
                                         </p:tgtEl>
@@ -26324,14 +28864,14 @@
                                 </p:cTn>
                               </p:par>
                               <p:par>
-                                <p:cTn id="77" presetID="21" presetClass="entr" presetSubtype="1" fill="hold" grpId="0" nodeType="withEffect">
+                                <p:cTn id="24" presetID="21" presetClass="entr" presetSubtype="1" fill="hold" grpId="0" nodeType="withEffect">
                                   <p:stCondLst>
                                     <p:cond delay="0"/>
                                   </p:stCondLst>
                                   <p:childTnLst>
                                     <p:set>
                                       <p:cBhvr>
-                                        <p:cTn id="78" dur="1" fill="hold">
+                                        <p:cTn id="25" dur="1" fill="hold">
                                           <p:stCondLst>
                                             <p:cond delay="0"/>
                                           </p:stCondLst>
@@ -26349,7 +28889,7 @@
                                     </p:set>
                                     <p:animEffect transition="in" filter="wheel(1)">
                                       <p:cBhvr>
-                                        <p:cTn id="79" dur="2000"/>
+                                        <p:cTn id="26" dur="2000"/>
                                         <p:tgtEl>
                                           <p:spTgt spid="44"/>
                                         </p:tgtEl>
@@ -26359,14 +28899,14 @@
                                 </p:cTn>
                               </p:par>
                               <p:par>
-                                <p:cTn id="80" presetID="21" presetClass="entr" presetSubtype="1" fill="hold" grpId="0" nodeType="withEffect">
+                                <p:cTn id="27" presetID="21" presetClass="entr" presetSubtype="1" fill="hold" grpId="0" nodeType="withEffect">
                                   <p:stCondLst>
                                     <p:cond delay="0"/>
                                   </p:stCondLst>
                                   <p:childTnLst>
                                     <p:set>
                                       <p:cBhvr>
-                                        <p:cTn id="81" dur="1" fill="hold">
+                                        <p:cTn id="28" dur="1" fill="hold">
                                           <p:stCondLst>
                                             <p:cond delay="0"/>
                                           </p:stCondLst>
@@ -26384,7 +28924,7 @@
                                     </p:set>
                                     <p:animEffect transition="in" filter="wheel(1)">
                                       <p:cBhvr>
-                                        <p:cTn id="82" dur="2000"/>
+                                        <p:cTn id="29" dur="2000"/>
                                         <p:tgtEl>
                                           <p:spTgt spid="50"/>
                                         </p:tgtEl>
@@ -26394,14 +28934,14 @@
                                 </p:cTn>
                               </p:par>
                               <p:par>
-                                <p:cTn id="83" presetID="21" presetClass="entr" presetSubtype="1" fill="hold" grpId="0" nodeType="withEffect">
+                                <p:cTn id="30" presetID="21" presetClass="entr" presetSubtype="1" fill="hold" grpId="0" nodeType="withEffect">
                                   <p:stCondLst>
                                     <p:cond delay="0"/>
                                   </p:stCondLst>
                                   <p:childTnLst>
                                     <p:set>
                                       <p:cBhvr>
-                                        <p:cTn id="84" dur="1" fill="hold">
+                                        <p:cTn id="31" dur="1" fill="hold">
                                           <p:stCondLst>
                                             <p:cond delay="0"/>
                                           </p:stCondLst>
@@ -26419,7 +28959,7 @@
                                     </p:set>
                                     <p:animEffect transition="in" filter="wheel(1)">
                                       <p:cBhvr>
-                                        <p:cTn id="85" dur="2000"/>
+                                        <p:cTn id="32" dur="2000"/>
                                         <p:tgtEl>
                                           <p:spTgt spid="51"/>
                                         </p:tgtEl>
@@ -26429,14 +28969,14 @@
                                 </p:cTn>
                               </p:par>
                               <p:par>
-                                <p:cTn id="86" presetID="21" presetClass="entr" presetSubtype="1" fill="hold" grpId="0" nodeType="withEffect">
+                                <p:cTn id="33" presetID="21" presetClass="entr" presetSubtype="1" fill="hold" grpId="0" nodeType="withEffect">
                                   <p:stCondLst>
                                     <p:cond delay="0"/>
                                   </p:stCondLst>
                                   <p:childTnLst>
                                     <p:set>
                                       <p:cBhvr>
-                                        <p:cTn id="87" dur="1" fill="hold">
+                                        <p:cTn id="34" dur="1" fill="hold">
                                           <p:stCondLst>
                                             <p:cond delay="0"/>
                                           </p:stCondLst>
@@ -26454,7 +28994,7 @@
                                     </p:set>
                                     <p:animEffect transition="in" filter="wheel(1)">
                                       <p:cBhvr>
-                                        <p:cTn id="88" dur="2000"/>
+                                        <p:cTn id="35" dur="2000"/>
                                         <p:tgtEl>
                                           <p:spTgt spid="45"/>
                                         </p:tgtEl>
@@ -26470,26 +29010,26 @@
                     </p:cTn>
                   </p:par>
                   <p:par>
-                    <p:cTn id="89" fill="hold">
+                    <p:cTn id="36" fill="hold">
                       <p:stCondLst>
                         <p:cond delay="indefinite"/>
                       </p:stCondLst>
                       <p:childTnLst>
                         <p:par>
-                          <p:cTn id="90" fill="hold">
+                          <p:cTn id="37" fill="hold">
                             <p:stCondLst>
                               <p:cond delay="0"/>
                             </p:stCondLst>
                             <p:childTnLst>
                               <p:par>
-                                <p:cTn id="91" presetID="22" presetClass="entr" presetSubtype="4" fill="hold" nodeType="clickEffect">
+                                <p:cTn id="38" presetID="22" presetClass="entr" presetSubtype="4" fill="hold" nodeType="clickEffect">
                                   <p:stCondLst>
                                     <p:cond delay="0"/>
                                   </p:stCondLst>
                                   <p:childTnLst>
                                     <p:set>
                                       <p:cBhvr>
-                                        <p:cTn id="92" dur="1" fill="hold">
+                                        <p:cTn id="39" dur="1" fill="hold">
                                           <p:stCondLst>
                                             <p:cond delay="0"/>
                                           </p:stCondLst>
@@ -26507,7 +29047,7 @@
                                     </p:set>
                                     <p:animEffect transition="in" filter="wipe(down)">
                                       <p:cBhvr>
-                                        <p:cTn id="93" dur="1000"/>
+                                        <p:cTn id="40" dur="1000"/>
                                         <p:tgtEl>
                                           <p:spTgt spid="38"/>
                                         </p:tgtEl>
@@ -26520,20 +29060,20 @@
                           </p:cTn>
                         </p:par>
                         <p:par>
-                          <p:cTn id="94" fill="hold">
+                          <p:cTn id="41" fill="hold">
                             <p:stCondLst>
                               <p:cond delay="1000"/>
                             </p:stCondLst>
                             <p:childTnLst>
                               <p:par>
-                                <p:cTn id="95" presetID="22" presetClass="entr" presetSubtype="1" fill="hold" grpId="0" nodeType="afterEffect">
+                                <p:cTn id="42" presetID="22" presetClass="entr" presetSubtype="1" fill="hold" grpId="0" nodeType="afterEffect">
                                   <p:stCondLst>
                                     <p:cond delay="0"/>
                                   </p:stCondLst>
                                   <p:childTnLst>
                                     <p:set>
                                       <p:cBhvr>
-                                        <p:cTn id="96" dur="1" fill="hold">
+                                        <p:cTn id="43" dur="1" fill="hold">
                                           <p:stCondLst>
                                             <p:cond delay="0"/>
                                           </p:stCondLst>
@@ -26553,7 +29093,7 @@
                                     </p:set>
                                     <p:animEffect transition="in" filter="wipe(up)">
                                       <p:cBhvr>
-                                        <p:cTn id="97" dur="500"/>
+                                        <p:cTn id="44" dur="500"/>
                                         <p:tgtEl>
                                           <p:spTgt spid="37">
                                             <p:bg/>
@@ -26568,20 +29108,20 @@
                           </p:cTn>
                         </p:par>
                         <p:par>
-                          <p:cTn id="98" fill="hold">
+                          <p:cTn id="45" fill="hold">
                             <p:stCondLst>
                               <p:cond delay="1500"/>
                             </p:stCondLst>
                             <p:childTnLst>
                               <p:par>
-                                <p:cTn id="99" presetID="22" presetClass="entr" presetSubtype="1" fill="hold" grpId="0" nodeType="afterEffect">
+                                <p:cTn id="46" presetID="22" presetClass="entr" presetSubtype="1" fill="hold" grpId="0" nodeType="afterEffect">
                                   <p:stCondLst>
                                     <p:cond delay="0"/>
                                   </p:stCondLst>
                                   <p:childTnLst>
                                     <p:set>
                                       <p:cBhvr>
-                                        <p:cTn id="100" dur="1" fill="hold">
+                                        <p:cTn id="47" dur="1" fill="hold">
                                           <p:stCondLst>
                                             <p:cond delay="0"/>
                                           </p:stCondLst>
@@ -26603,7 +29143,7 @@
                                     </p:set>
                                     <p:animEffect transition="in" filter="wipe(up)">
                                       <p:cBhvr>
-                                        <p:cTn id="101" dur="500"/>
+                                        <p:cTn id="48" dur="500"/>
                                         <p:tgtEl>
                                           <p:spTgt spid="37">
                                             <p:txEl>
@@ -26620,20 +29160,20 @@
                           </p:cTn>
                         </p:par>
                         <p:par>
-                          <p:cTn id="102" fill="hold">
+                          <p:cTn id="49" fill="hold">
                             <p:stCondLst>
                               <p:cond delay="2000"/>
                             </p:stCondLst>
                             <p:childTnLst>
                               <p:par>
-                                <p:cTn id="103" presetID="22" presetClass="entr" presetSubtype="1" fill="hold" grpId="0" nodeType="afterEffect">
+                                <p:cTn id="50" presetID="22" presetClass="entr" presetSubtype="1" fill="hold" grpId="0" nodeType="afterEffect">
                                   <p:stCondLst>
                                     <p:cond delay="0"/>
                                   </p:stCondLst>
                                   <p:childTnLst>
                                     <p:set>
                                       <p:cBhvr>
-                                        <p:cTn id="104" dur="1" fill="hold">
+                                        <p:cTn id="51" dur="1" fill="hold">
                                           <p:stCondLst>
                                             <p:cond delay="0"/>
                                           </p:stCondLst>
@@ -26655,7 +29195,7 @@
                                     </p:set>
                                     <p:animEffect transition="in" filter="wipe(up)">
                                       <p:cBhvr>
-                                        <p:cTn id="105" dur="500"/>
+                                        <p:cTn id="52" dur="500"/>
                                         <p:tgtEl>
                                           <p:spTgt spid="37">
                                             <p:txEl>
@@ -26672,20 +29212,20 @@
                           </p:cTn>
                         </p:par>
                         <p:par>
-                          <p:cTn id="106" fill="hold">
+                          <p:cTn id="53" fill="hold">
                             <p:stCondLst>
                               <p:cond delay="2500"/>
                             </p:stCondLst>
                             <p:childTnLst>
                               <p:par>
-                                <p:cTn id="107" presetID="22" presetClass="entr" presetSubtype="1" fill="hold" grpId="0" nodeType="afterEffect">
+                                <p:cTn id="54" presetID="22" presetClass="entr" presetSubtype="1" fill="hold" grpId="0" nodeType="afterEffect">
                                   <p:stCondLst>
                                     <p:cond delay="0"/>
                                   </p:stCondLst>
                                   <p:childTnLst>
                                     <p:set>
                                       <p:cBhvr>
-                                        <p:cTn id="108" dur="1" fill="hold">
+                                        <p:cTn id="55" dur="1" fill="hold">
                                           <p:stCondLst>
                                             <p:cond delay="0"/>
                                           </p:stCondLst>
@@ -26707,7 +29247,7 @@
                                     </p:set>
                                     <p:animEffect transition="in" filter="wipe(up)">
                                       <p:cBhvr>
-                                        <p:cTn id="109" dur="500"/>
+                                        <p:cTn id="56" dur="500"/>
                                         <p:tgtEl>
                                           <p:spTgt spid="37">
                                             <p:txEl>
@@ -26724,20 +29264,20 @@
                           </p:cTn>
                         </p:par>
                         <p:par>
-                          <p:cTn id="110" fill="hold">
+                          <p:cTn id="57" fill="hold">
                             <p:stCondLst>
                               <p:cond delay="3000"/>
                             </p:stCondLst>
                             <p:childTnLst>
                               <p:par>
-                                <p:cTn id="111" presetID="22" presetClass="entr" presetSubtype="1" fill="hold" grpId="0" nodeType="afterEffect">
+                                <p:cTn id="58" presetID="22" presetClass="entr" presetSubtype="1" fill="hold" grpId="0" nodeType="afterEffect">
                                   <p:stCondLst>
                                     <p:cond delay="0"/>
                                   </p:stCondLst>
                                   <p:childTnLst>
                                     <p:set>
                                       <p:cBhvr>
-                                        <p:cTn id="112" dur="1" fill="hold">
+                                        <p:cTn id="59" dur="1" fill="hold">
                                           <p:stCondLst>
                                             <p:cond delay="0"/>
                                           </p:stCondLst>
@@ -26759,7 +29299,7 @@
                                     </p:set>
                                     <p:animEffect transition="in" filter="wipe(up)">
                                       <p:cBhvr>
-                                        <p:cTn id="113" dur="500"/>
+                                        <p:cTn id="60" dur="500"/>
                                         <p:tgtEl>
                                           <p:spTgt spid="37">
                                             <p:txEl>
@@ -26800,14 +29340,11 @@
       </p:par>
     </p:tnLst>
     <p:bldLst>
-      <p:bldP spid="29" grpId="0" animBg="1"/>
-      <p:bldP spid="29" grpId="1" animBg="1"/>
       <p:bldP spid="2" grpId="0" animBg="1"/>
-      <p:bldP spid="34" grpId="0" animBg="1"/>
       <p:bldP spid="39" grpId="0" animBg="1"/>
       <p:bldP spid="40" grpId="0" animBg="1"/>
       <p:bldP spid="5" grpId="0" animBg="1"/>
-      <p:bldP spid="37" grpId="0" build="p" animBg="1"/>
+      <p:bldP spid="37" grpId="0" uiExpand="1" build="p" animBg="1"/>
       <p:bldP spid="44" grpId="0" animBg="1"/>
       <p:bldP spid="45" grpId="0" animBg="1"/>
       <p:bldP spid="50" grpId="0" animBg="1"/>
@@ -26817,7 +29354,7 @@
 </p:sld>
 </file>
 
-<file path=ppt/slides/slide22.xml><?xml version="1.0" encoding="utf-8"?>
+<file path=ppt/slides/slide23.xml><?xml version="1.0" encoding="utf-8"?>
 <p:sld xmlns:a="http://schemas.openxmlformats.org/drawingml/2006/main" xmlns:r="http://schemas.openxmlformats.org/officeDocument/2006/relationships" xmlns:p="http://schemas.openxmlformats.org/presentationml/2006/main">
   <p:cSld>
     <p:spTree>
@@ -26850,7 +29387,7 @@
             <p:ph sz="quarter" idx="10"/>
             <p:extLst>
               <p:ext uri="{D42A27DB-BD31-4B8C-83A1-F6EECF244321}">
-                <p14:modId xmlns:p14="http://schemas.microsoft.com/office/powerpoint/2010/main" val="2358291263"/>
+                <p14:modId xmlns:p14="http://schemas.microsoft.com/office/powerpoint/2010/main" val="2078886449"/>
               </p:ext>
             </p:extLst>
           </p:nvPr>
@@ -27013,7 +29550,23 @@
                       </a:pPr>
                       <a:r>
                         <a:rPr lang="en-US" dirty="0"/>
-                        <a:t>GUI receives meta-data from DB and uses it to generate search form</a:t>
+                        <a:t>GUI receives </a:t>
+                      </a:r>
+                      <a:r>
+                        <a:rPr lang="en-US" b="1" dirty="0"/>
+                        <a:t>meta-data</a:t>
+                      </a:r>
+                      <a:r>
+                        <a:rPr lang="en-US" dirty="0"/>
+                        <a:t> from DB and uses it to </a:t>
+                      </a:r>
+                      <a:r>
+                        <a:rPr lang="en-US" b="1" dirty="0"/>
+                        <a:t>generate</a:t>
+                      </a:r>
+                      <a:r>
+                        <a:rPr lang="en-US" dirty="0"/>
+                        <a:t> search form</a:t>
                       </a:r>
                     </a:p>
                   </a:txBody>
@@ -27078,7 +29631,11 @@
                       </a:pPr>
                       <a:r>
                         <a:rPr lang="en-US" dirty="0"/>
-                        <a:t>GUI is hard-coded</a:t>
+                        <a:t>GUI is </a:t>
+                      </a:r>
+                      <a:r>
+                        <a:rPr lang="en-US" b="1" dirty="0"/>
+                        <a:t>hard-coded</a:t>
                       </a:r>
                     </a:p>
                   </a:txBody>
@@ -27133,7 +29690,19 @@
                     <a:p>
                       <a:r>
                         <a:rPr lang="en-US" dirty="0"/>
-                        <a:t>BL receives single object from GUI and executes DB proc with single param</a:t>
+                        <a:t>BL receives a </a:t>
+                      </a:r>
+                      <a:r>
+                        <a:rPr lang="en-US" b="1" dirty="0"/>
+                        <a:t>single object </a:t>
+                      </a:r>
+                      <a:r>
+                        <a:rPr lang="en-US" dirty="0"/>
+                        <a:t>from GUI and executes DB proc with a </a:t>
+                      </a:r>
+                      <a:r>
+                        <a:rPr lang="en-US" b="1" dirty="0"/>
+                        <a:t>single param</a:t>
                       </a:r>
                     </a:p>
                   </a:txBody>
@@ -27179,7 +29748,23 @@
                     <a:p>
                       <a:r>
                         <a:rPr lang="en-US" dirty="0"/>
-                        <a:t>BL executes DB proc with multiple params (and again: hard-coded)</a:t>
+                        <a:t>BL executes DB proc with </a:t>
+                      </a:r>
+                      <a:r>
+                        <a:rPr lang="en-US" b="1" dirty="0"/>
+                        <a:t>multiple params</a:t>
+                      </a:r>
+                      <a:r>
+                        <a:rPr lang="en-US" dirty="0"/>
+                        <a:t> (and again: </a:t>
+                      </a:r>
+                      <a:r>
+                        <a:rPr lang="en-US" b="1" dirty="0"/>
+                        <a:t>hard-coded</a:t>
+                      </a:r>
+                      <a:r>
+                        <a:rPr lang="en-US" dirty="0"/>
+                        <a:t>)</a:t>
                       </a:r>
                     </a:p>
                   </a:txBody>
@@ -27232,7 +29817,15 @@
                     <a:p>
                       <a:r>
                         <a:rPr lang="en-US" dirty="0"/>
-                        <a:t>DB proc parses param collection and dynamically generates command</a:t>
+                        <a:t>DB proc </a:t>
+                      </a:r>
+                      <a:r>
+                        <a:rPr lang="en-US" b="1" dirty="0"/>
+                        <a:t>parses the param collection </a:t>
+                      </a:r>
+                      <a:r>
+                        <a:rPr lang="en-US" dirty="0"/>
+                        <a:t>and dynamically generates command</a:t>
                       </a:r>
                     </a:p>
                   </a:txBody>
@@ -27280,7 +29873,11 @@
                     <a:p>
                       <a:r>
                         <a:rPr lang="en-US" dirty="0"/>
-                        <a:t>DB proc dynamically generates command based on hard-coded logic</a:t>
+                        <a:t>DB proc dynamically generates command based on </a:t>
+                      </a:r>
+                      <a:r>
+                        <a:rPr lang="en-US" b="1" dirty="0"/>
+                        <a:t>hard-coded logic</a:t>
                       </a:r>
                     </a:p>
                   </a:txBody>
@@ -27373,7 +29970,7 @@
         </p:nvGrpSpPr>
         <p:grpSpPr>
           <a:xfrm>
-            <a:off x="3083169" y="621377"/>
+            <a:off x="3315249" y="580792"/>
             <a:ext cx="691662" cy="628187"/>
             <a:chOff x="6529754" y="0"/>
             <a:chExt cx="926123" cy="841131"/>
@@ -27480,7 +30077,7 @@
         </p:nvSpPr>
         <p:spPr>
           <a:xfrm>
-            <a:off x="7561384" y="580792"/>
+            <a:off x="7664340" y="580792"/>
             <a:ext cx="691662" cy="628187"/>
           </a:xfrm>
           <a:prstGeom prst="star7">
@@ -27574,7 +30171,7 @@
         </p:nvCxnSpPr>
         <p:spPr>
           <a:xfrm flipH="1">
-            <a:off x="7682703" y="705213"/>
+            <a:off x="7785659" y="705213"/>
             <a:ext cx="501847" cy="337393"/>
           </a:xfrm>
           <a:prstGeom prst="line">
@@ -27626,151 +30223,6 @@
 </p:sld>
 </file>
 
-<file path=ppt/slides/slide23.xml><?xml version="1.0" encoding="utf-8"?>
-<p:sld xmlns:a="http://schemas.openxmlformats.org/drawingml/2006/main" xmlns:r="http://schemas.openxmlformats.org/officeDocument/2006/relationships" xmlns:p="http://schemas.openxmlformats.org/presentationml/2006/main">
-  <p:cSld>
-    <p:spTree>
-      <p:nvGrpSpPr>
-        <p:cNvPr id="1" name=""/>
-        <p:cNvGrpSpPr/>
-        <p:nvPr/>
-      </p:nvGrpSpPr>
-      <p:grpSpPr>
-        <a:xfrm>
-          <a:off x="0" y="0"/>
-          <a:ext cx="0" cy="0"/>
-          <a:chOff x="0" y="0"/>
-          <a:chExt cx="0" cy="0"/>
-        </a:xfrm>
-      </p:grpSpPr>
-      <p:sp>
-        <p:nvSpPr>
-          <p:cNvPr id="2" name="Title 1">
-            <a:extLst>
-              <a:ext uri="{FF2B5EF4-FFF2-40B4-BE49-F238E27FC236}">
-                <a16:creationId xmlns:a16="http://schemas.microsoft.com/office/drawing/2014/main" id="{00AE6D5F-AD7E-416E-945B-E7A98B71FDBA}"/>
-              </a:ext>
-            </a:extLst>
-          </p:cNvPr>
-          <p:cNvSpPr>
-            <a:spLocks noGrp="1"/>
-          </p:cNvSpPr>
-          <p:nvPr>
-            <p:ph type="ctrTitle"/>
-          </p:nvPr>
-        </p:nvSpPr>
-        <p:spPr>
-          <a:xfrm>
-            <a:off x="4572000" y="423946"/>
-            <a:ext cx="4445659" cy="706657"/>
-          </a:xfrm>
-        </p:spPr>
-        <p:txBody>
-          <a:bodyPr/>
-          <a:lstStyle/>
-          <a:p>
-            <a:r>
-              <a:rPr lang="en-US" sz="3600" dirty="0"/>
-              <a:t>Let’s see it in action!</a:t>
-            </a:r>
-          </a:p>
-        </p:txBody>
-      </p:sp>
-      <p:pic>
-        <p:nvPicPr>
-          <p:cNvPr id="4" name="Picture 3">
-            <a:extLst>
-              <a:ext uri="{FF2B5EF4-FFF2-40B4-BE49-F238E27FC236}">
-                <a16:creationId xmlns:a16="http://schemas.microsoft.com/office/drawing/2014/main" id="{635DEF74-0B1A-4134-99D2-8132560BE656}"/>
-              </a:ext>
-            </a:extLst>
-          </p:cNvPr>
-          <p:cNvPicPr>
-            <a:picLocks noChangeAspect="1"/>
-          </p:cNvPicPr>
-          <p:nvPr/>
-        </p:nvPicPr>
-        <p:blipFill rotWithShape="1">
-          <a:blip r:embed="rId3" cstate="print">
-            <a:extLst>
-              <a:ext uri="{28A0092B-C50C-407E-A947-70E740481C1C}">
-                <a14:useLocalDpi xmlns:a14="http://schemas.microsoft.com/office/drawing/2010/main" val="0"/>
-              </a:ext>
-            </a:extLst>
-          </a:blip>
-          <a:srcRect/>
-          <a:stretch/>
-        </p:blipFill>
-        <p:spPr>
-          <a:xfrm>
-            <a:off x="0" y="4595356"/>
-            <a:ext cx="1061163" cy="504794"/>
-          </a:xfrm>
-          <a:prstGeom prst="rect">
-            <a:avLst/>
-          </a:prstGeom>
-        </p:spPr>
-      </p:pic>
-      <p:sp>
-        <p:nvSpPr>
-          <p:cNvPr id="3" name="TextBox 2">
-            <a:extLst>
-              <a:ext uri="{FF2B5EF4-FFF2-40B4-BE49-F238E27FC236}">
-                <a16:creationId xmlns:a16="http://schemas.microsoft.com/office/drawing/2014/main" id="{FB6E2303-D50A-4A10-A751-1E4919C9D24F}"/>
-              </a:ext>
-            </a:extLst>
-          </p:cNvPr>
-          <p:cNvSpPr txBox="1"/>
-          <p:nvPr/>
-        </p:nvSpPr>
-        <p:spPr>
-          <a:xfrm>
-            <a:off x="4572000" y="2202418"/>
-            <a:ext cx="4445659" cy="369332"/>
-          </a:xfrm>
-          <a:prstGeom prst="rect">
-            <a:avLst/>
-          </a:prstGeom>
-          <a:noFill/>
-        </p:spPr>
-        <p:txBody>
-          <a:bodyPr wrap="square" rtlCol="0">
-            <a:spAutoFit/>
-          </a:bodyPr>
-          <a:lstStyle/>
-          <a:p>
-            <a:r>
-              <a:rPr lang="en-US" dirty="0"/>
-              <a:t>1. Demo web GUI + SQL Profiler</a:t>
-            </a:r>
-          </a:p>
-        </p:txBody>
-      </p:sp>
-    </p:spTree>
-    <p:extLst>
-      <p:ext uri="{BB962C8B-B14F-4D97-AF65-F5344CB8AC3E}">
-        <p14:creationId xmlns:p14="http://schemas.microsoft.com/office/powerpoint/2010/main" val="3633769740"/>
-      </p:ext>
-    </p:extLst>
-  </p:cSld>
-  <p:clrMapOvr>
-    <a:masterClrMapping/>
-  </p:clrMapOvr>
-  <mc:AlternateContent xmlns:mc="http://schemas.openxmlformats.org/markup-compatibility/2006" xmlns:p14="http://schemas.microsoft.com/office/powerpoint/2010/main">
-    <mc:Choice Requires="p14">
-      <p:transition spd="med" p14:dur="700">
-        <p:fade/>
-      </p:transition>
-    </mc:Choice>
-    <mc:Fallback xmlns="">
-      <p:transition spd="med">
-        <p:fade/>
-      </p:transition>
-    </mc:Fallback>
-  </mc:AlternateContent>
-</p:sld>
-</file>
-
 <file path=ppt/slides/slide24.xml><?xml version="1.0" encoding="utf-8"?>
 <p:sld xmlns:a="http://schemas.openxmlformats.org/drawingml/2006/main" xmlns:r="http://schemas.openxmlformats.org/officeDocument/2006/relationships" xmlns:p="http://schemas.openxmlformats.org/presentationml/2006/main">
   <p:cSld>
@@ -27886,7 +30338,7 @@
           <a:p>
             <a:r>
               <a:rPr lang="en-US" dirty="0"/>
-              <a:t>2. Database Tables</a:t>
+              <a:t>1. Demo web GUI + SQL Profiler</a:t>
             </a:r>
           </a:p>
         </p:txBody>
@@ -27894,7 +30346,7 @@
     </p:spTree>
     <p:extLst>
       <p:ext uri="{BB962C8B-B14F-4D97-AF65-F5344CB8AC3E}">
-        <p14:creationId xmlns:p14="http://schemas.microsoft.com/office/powerpoint/2010/main" val="3423067104"/>
+        <p14:creationId xmlns:p14="http://schemas.microsoft.com/office/powerpoint/2010/main" val="3633769740"/>
       </p:ext>
     </p:extLst>
   </p:cSld>
@@ -27935,6 +30387,151 @@
       </p:grpSpPr>
       <p:sp>
         <p:nvSpPr>
+          <p:cNvPr id="2" name="Title 1">
+            <a:extLst>
+              <a:ext uri="{FF2B5EF4-FFF2-40B4-BE49-F238E27FC236}">
+                <a16:creationId xmlns:a16="http://schemas.microsoft.com/office/drawing/2014/main" id="{00AE6D5F-AD7E-416E-945B-E7A98B71FDBA}"/>
+              </a:ext>
+            </a:extLst>
+          </p:cNvPr>
+          <p:cNvSpPr>
+            <a:spLocks noGrp="1"/>
+          </p:cNvSpPr>
+          <p:nvPr>
+            <p:ph type="ctrTitle"/>
+          </p:nvPr>
+        </p:nvSpPr>
+        <p:spPr>
+          <a:xfrm>
+            <a:off x="4572000" y="423946"/>
+            <a:ext cx="4445659" cy="706657"/>
+          </a:xfrm>
+        </p:spPr>
+        <p:txBody>
+          <a:bodyPr/>
+          <a:lstStyle/>
+          <a:p>
+            <a:r>
+              <a:rPr lang="en-US" sz="3600" dirty="0"/>
+              <a:t>Let’s see it in action!</a:t>
+            </a:r>
+          </a:p>
+        </p:txBody>
+      </p:sp>
+      <p:pic>
+        <p:nvPicPr>
+          <p:cNvPr id="4" name="Picture 3">
+            <a:extLst>
+              <a:ext uri="{FF2B5EF4-FFF2-40B4-BE49-F238E27FC236}">
+                <a16:creationId xmlns:a16="http://schemas.microsoft.com/office/drawing/2014/main" id="{635DEF74-0B1A-4134-99D2-8132560BE656}"/>
+              </a:ext>
+            </a:extLst>
+          </p:cNvPr>
+          <p:cNvPicPr>
+            <a:picLocks noChangeAspect="1"/>
+          </p:cNvPicPr>
+          <p:nvPr/>
+        </p:nvPicPr>
+        <p:blipFill rotWithShape="1">
+          <a:blip r:embed="rId3" cstate="print">
+            <a:extLst>
+              <a:ext uri="{28A0092B-C50C-407E-A947-70E740481C1C}">
+                <a14:useLocalDpi xmlns:a14="http://schemas.microsoft.com/office/drawing/2010/main" val="0"/>
+              </a:ext>
+            </a:extLst>
+          </a:blip>
+          <a:srcRect/>
+          <a:stretch/>
+        </p:blipFill>
+        <p:spPr>
+          <a:xfrm>
+            <a:off x="0" y="4595356"/>
+            <a:ext cx="1061163" cy="504794"/>
+          </a:xfrm>
+          <a:prstGeom prst="rect">
+            <a:avLst/>
+          </a:prstGeom>
+        </p:spPr>
+      </p:pic>
+      <p:sp>
+        <p:nvSpPr>
+          <p:cNvPr id="3" name="TextBox 2">
+            <a:extLst>
+              <a:ext uri="{FF2B5EF4-FFF2-40B4-BE49-F238E27FC236}">
+                <a16:creationId xmlns:a16="http://schemas.microsoft.com/office/drawing/2014/main" id="{FB6E2303-D50A-4A10-A751-1E4919C9D24F}"/>
+              </a:ext>
+            </a:extLst>
+          </p:cNvPr>
+          <p:cNvSpPr txBox="1"/>
+          <p:nvPr/>
+        </p:nvSpPr>
+        <p:spPr>
+          <a:xfrm>
+            <a:off x="4572000" y="2202418"/>
+            <a:ext cx="4445659" cy="369332"/>
+          </a:xfrm>
+          <a:prstGeom prst="rect">
+            <a:avLst/>
+          </a:prstGeom>
+          <a:noFill/>
+        </p:spPr>
+        <p:txBody>
+          <a:bodyPr wrap="square" rtlCol="0">
+            <a:spAutoFit/>
+          </a:bodyPr>
+          <a:lstStyle/>
+          <a:p>
+            <a:r>
+              <a:rPr lang="en-US" dirty="0"/>
+              <a:t>2. Database Tables</a:t>
+            </a:r>
+          </a:p>
+        </p:txBody>
+      </p:sp>
+    </p:spTree>
+    <p:extLst>
+      <p:ext uri="{BB962C8B-B14F-4D97-AF65-F5344CB8AC3E}">
+        <p14:creationId xmlns:p14="http://schemas.microsoft.com/office/powerpoint/2010/main" val="3423067104"/>
+      </p:ext>
+    </p:extLst>
+  </p:cSld>
+  <p:clrMapOvr>
+    <a:masterClrMapping/>
+  </p:clrMapOvr>
+  <mc:AlternateContent xmlns:mc="http://schemas.openxmlformats.org/markup-compatibility/2006" xmlns:p14="http://schemas.microsoft.com/office/powerpoint/2010/main">
+    <mc:Choice Requires="p14">
+      <p:transition spd="med" p14:dur="700">
+        <p:fade/>
+      </p:transition>
+    </mc:Choice>
+    <mc:Fallback xmlns="">
+      <p:transition spd="med">
+        <p:fade/>
+      </p:transition>
+    </mc:Fallback>
+  </mc:AlternateContent>
+</p:sld>
+</file>
+
+<file path=ppt/slides/slide26.xml><?xml version="1.0" encoding="utf-8"?>
+<p:sld xmlns:a="http://schemas.openxmlformats.org/drawingml/2006/main" xmlns:r="http://schemas.openxmlformats.org/officeDocument/2006/relationships" xmlns:p="http://schemas.openxmlformats.org/presentationml/2006/main">
+  <p:cSld>
+    <p:spTree>
+      <p:nvGrpSpPr>
+        <p:cNvPr id="1" name=""/>
+        <p:cNvGrpSpPr/>
+        <p:nvPr/>
+      </p:nvGrpSpPr>
+      <p:grpSpPr>
+        <a:xfrm>
+          <a:off x="0" y="0"/>
+          <a:ext cx="0" cy="0"/>
+          <a:chOff x="0" y="0"/>
+          <a:chExt cx="0" cy="0"/>
+        </a:xfrm>
+      </p:grpSpPr>
+      <p:sp>
+        <p:nvSpPr>
           <p:cNvPr id="2" name="Content Placeholder 1">
             <a:extLst>
               <a:ext uri="{FF2B5EF4-FFF2-40B4-BE49-F238E27FC236}">
@@ -28017,7 +30614,7 @@
             </a:pPr>
             <a:r>
               <a:rPr lang="en-US" sz="2000" dirty="0"/>
-              <a:t>Despite all of the above:</a:t>
+              <a:t>Despite all the above:</a:t>
             </a:r>
             <a:br>
               <a:rPr lang="en-US" sz="2000" dirty="0"/>
@@ -28641,7 +31238,7 @@
 </p:sld>
 </file>
 
-<file path=ppt/slides/slide26.xml><?xml version="1.0" encoding="utf-8"?>
+<file path=ppt/slides/slide27.xml><?xml version="1.0" encoding="utf-8"?>
 <p:sld xmlns:a="http://schemas.openxmlformats.org/drawingml/2006/main" xmlns:r="http://schemas.openxmlformats.org/officeDocument/2006/relationships" xmlns:p="http://schemas.openxmlformats.org/presentationml/2006/main">
   <p:cSld>
     <p:spTree>
@@ -28699,7 +31296,7 @@
           <p:nvPr>
             <p:extLst>
               <p:ext uri="{D42A27DB-BD31-4B8C-83A1-F6EECF244321}">
-                <p14:modId xmlns:p14="http://schemas.microsoft.com/office/powerpoint/2010/main" val="3631880276"/>
+                <p14:modId xmlns:p14="http://schemas.microsoft.com/office/powerpoint/2010/main" val="2750532814"/>
               </p:ext>
             </p:extLst>
           </p:nvPr>
@@ -29268,7 +31865,7 @@
 </p:sld>
 </file>
 
-<file path=ppt/slides/slide27.xml><?xml version="1.0" encoding="utf-8"?>
+<file path=ppt/slides/slide28.xml><?xml version="1.0" encoding="utf-8"?>
 <p:sld xmlns:a="http://schemas.openxmlformats.org/drawingml/2006/main" xmlns:r="http://schemas.openxmlformats.org/officeDocument/2006/relationships" xmlns:p="http://schemas.openxmlformats.org/presentationml/2006/main" showMasterSp="0">
   <p:cSld>
     <p:spTree>
@@ -29396,7 +31993,7 @@
         <p:spPr>
           <a:xfrm>
             <a:off x="4110184" y="1853585"/>
-            <a:ext cx="4270528" cy="923330"/>
+            <a:ext cx="4376326" cy="923330"/>
           </a:xfrm>
           <a:prstGeom prst="rect">
             <a:avLst/>
@@ -29461,7 +32058,7 @@
                   </a:extLst>
                 </a:hlinkClick>
               </a:rPr>
-              <a:t>EitanBlumin</a:t>
+              <a:t>MadeiraData</a:t>
             </a:r>
             <a:r>
               <a:rPr lang="en-US" dirty="0">
@@ -29558,7 +32155,7 @@
 </p:sld>
 </file>
 
-<file path=ppt/slides/slide28.xml><?xml version="1.0" encoding="utf-8"?>
+<file path=ppt/slides/slide29.xml><?xml version="1.0" encoding="utf-8"?>
 <p:sld xmlns:a="http://schemas.openxmlformats.org/drawingml/2006/main" xmlns:r="http://schemas.openxmlformats.org/officeDocument/2006/relationships" xmlns:p="http://schemas.openxmlformats.org/presentationml/2006/main" showMasterSp="0">
   <p:cSld>
     <p:spTree>
@@ -29590,7 +32187,7 @@
         <p:spPr>
           <a:xfrm>
             <a:off x="815830" y="156402"/>
-            <a:ext cx="4270528" cy="369332"/>
+            <a:ext cx="4376326" cy="369332"/>
           </a:xfrm>
           <a:prstGeom prst="rect">
             <a:avLst/>
@@ -29646,7 +32243,7 @@
                   </a:extLst>
                 </a:hlinkClick>
               </a:rPr>
-              <a:t>EitanBlumin</a:t>
+              <a:t>MadeiraData</a:t>
             </a:r>
             <a:r>
               <a:rPr lang="en-US" dirty="0">
@@ -29771,293 +32368,6 @@
           </a:p>
         </p:txBody>
       </p:sp>
-      <p:sp>
-        <p:nvSpPr>
-          <p:cNvPr id="15" name="TextBox 14">
-            <a:extLst>
-              <a:ext uri="{FF2B5EF4-FFF2-40B4-BE49-F238E27FC236}">
-                <a16:creationId xmlns:a16="http://schemas.microsoft.com/office/drawing/2014/main" id="{81192D26-AB51-4BF0-9072-DED0EE4164ED}"/>
-              </a:ext>
-            </a:extLst>
-          </p:cNvPr>
-          <p:cNvSpPr txBox="1"/>
-          <p:nvPr/>
-        </p:nvSpPr>
-        <p:spPr>
-          <a:xfrm>
-            <a:off x="218137" y="1663111"/>
-            <a:ext cx="6550798" cy="3139321"/>
-          </a:xfrm>
-          <a:prstGeom prst="rect">
-            <a:avLst/>
-          </a:prstGeom>
-          <a:noFill/>
-          <a:ln w="25400">
-            <a:noFill/>
-          </a:ln>
-        </p:spPr>
-        <p:txBody>
-          <a:bodyPr wrap="square" rtlCol="0">
-            <a:spAutoFit/>
-          </a:bodyPr>
-          <a:lstStyle/>
-          <a:p>
-            <a:pPr marL="360000" lvl="0" indent="-360000" algn="l" rtl="0">
-              <a:spcBef>
-                <a:spcPts val="600"/>
-              </a:spcBef>
-              <a:tabLst>
-                <a:tab pos="179388" algn="l"/>
-                <a:tab pos="1978025" algn="l"/>
-              </a:tabLst>
-            </a:pPr>
-            <a:r>
-              <a:rPr lang="en-US" sz="2400" dirty="0">
-                <a:solidFill>
-                  <a:srgbClr val="002060"/>
-                </a:solidFill>
-                <a:latin typeface="Calibri" pitchFamily="34" charset="0"/>
-              </a:rPr>
-              <a:t>Name:	Eitan Blumin</a:t>
-            </a:r>
-          </a:p>
-          <a:p>
-            <a:pPr marL="360000" lvl="0" indent="-360000" algn="l" rtl="0">
-              <a:spcBef>
-                <a:spcPts val="600"/>
-              </a:spcBef>
-              <a:tabLst>
-                <a:tab pos="179388" algn="l"/>
-                <a:tab pos="1978025" algn="l"/>
-              </a:tabLst>
-            </a:pPr>
-            <a:r>
-              <a:rPr lang="en-US" sz="2400" dirty="0">
-                <a:solidFill>
-                  <a:srgbClr val="002060"/>
-                </a:solidFill>
-                <a:latin typeface="Calibri" pitchFamily="34" charset="0"/>
-              </a:rPr>
-              <a:t>Email:	</a:t>
-            </a:r>
-            <a:r>
-              <a:rPr lang="en-US" sz="2400" dirty="0">
-                <a:solidFill>
-                  <a:srgbClr val="002060"/>
-                </a:solidFill>
-                <a:latin typeface="Calibri" pitchFamily="34" charset="0"/>
-                <a:hlinkClick r:id="rId5"/>
-              </a:rPr>
-              <a:t>eitan@madeiradata.com</a:t>
-            </a:r>
-            <a:r>
-              <a:rPr lang="en-US" sz="2400" dirty="0">
-                <a:solidFill>
-                  <a:srgbClr val="002060"/>
-                </a:solidFill>
-                <a:latin typeface="Calibri" pitchFamily="34" charset="0"/>
-              </a:rPr>
-              <a:t> </a:t>
-            </a:r>
-          </a:p>
-          <a:p>
-            <a:pPr marL="360000" lvl="0" indent="-360000" algn="l" rtl="0">
-              <a:spcBef>
-                <a:spcPts val="600"/>
-              </a:spcBef>
-              <a:tabLst>
-                <a:tab pos="179388" algn="l"/>
-                <a:tab pos="1978025" algn="l"/>
-              </a:tabLst>
-            </a:pPr>
-            <a:r>
-              <a:rPr lang="en-US" sz="2400" dirty="0">
-                <a:solidFill>
-                  <a:srgbClr val="002060"/>
-                </a:solidFill>
-                <a:latin typeface="Calibri" pitchFamily="34" charset="0"/>
-              </a:rPr>
-              <a:t>Twitter:	</a:t>
-            </a:r>
-            <a:r>
-              <a:rPr lang="en-US" sz="2400" dirty="0">
-                <a:solidFill>
-                  <a:srgbClr val="002060"/>
-                </a:solidFill>
-                <a:latin typeface="Calibri" pitchFamily="34" charset="0"/>
-                <a:hlinkClick r:id="rId6"/>
-              </a:rPr>
-              <a:t>@EitanBlumin</a:t>
-            </a:r>
-            <a:endParaRPr lang="en-US" sz="2400" dirty="0">
-              <a:solidFill>
-                <a:srgbClr val="002060"/>
-              </a:solidFill>
-              <a:latin typeface="Calibri" pitchFamily="34" charset="0"/>
-            </a:endParaRPr>
-          </a:p>
-          <a:p>
-            <a:pPr marL="360000" lvl="0" indent="-360000">
-              <a:spcBef>
-                <a:spcPts val="600"/>
-              </a:spcBef>
-              <a:tabLst>
-                <a:tab pos="179388" algn="l"/>
-                <a:tab pos="1978025" algn="l"/>
-              </a:tabLst>
-            </a:pPr>
-            <a:r>
-              <a:rPr lang="en-US" sz="2400" dirty="0">
-                <a:solidFill>
-                  <a:srgbClr val="002060"/>
-                </a:solidFill>
-                <a:latin typeface="Calibri" pitchFamily="34" charset="0"/>
-              </a:rPr>
-              <a:t>LinkedIn:	</a:t>
-            </a:r>
-            <a:r>
-              <a:rPr lang="en-US" sz="2400" dirty="0">
-                <a:solidFill>
-                  <a:srgbClr val="002060"/>
-                </a:solidFill>
-                <a:latin typeface="Calibri" pitchFamily="34" charset="0"/>
-                <a:hlinkClick r:id="rId7"/>
-              </a:rPr>
-              <a:t>www.linkedin.com/in/eitanblumin</a:t>
-            </a:r>
-            <a:r>
-              <a:rPr lang="en-US" sz="2400" dirty="0">
-                <a:solidFill>
-                  <a:srgbClr val="002060"/>
-                </a:solidFill>
-                <a:latin typeface="Calibri" pitchFamily="34" charset="0"/>
-              </a:rPr>
-              <a:t> </a:t>
-            </a:r>
-          </a:p>
-          <a:p>
-            <a:pPr marL="360000" lvl="0" indent="-360000" algn="l" rtl="0">
-              <a:spcBef>
-                <a:spcPts val="600"/>
-              </a:spcBef>
-              <a:tabLst>
-                <a:tab pos="179388" algn="l"/>
-                <a:tab pos="1978025" algn="l"/>
-              </a:tabLst>
-            </a:pPr>
-            <a:r>
-              <a:rPr lang="en-US" sz="2400" dirty="0">
-                <a:solidFill>
-                  <a:srgbClr val="002060"/>
-                </a:solidFill>
-                <a:latin typeface="Calibri" pitchFamily="34" charset="0"/>
-              </a:rPr>
-              <a:t>Blog:	</a:t>
-            </a:r>
-            <a:r>
-              <a:rPr lang="en-US" sz="2400" dirty="0">
-                <a:solidFill>
-                  <a:srgbClr val="002060"/>
-                </a:solidFill>
-                <a:latin typeface="Calibri" pitchFamily="34" charset="0"/>
-                <a:hlinkClick r:id="rId8"/>
-              </a:rPr>
-              <a:t>www.eitanblumin.com</a:t>
-            </a:r>
-            <a:r>
-              <a:rPr lang="en-US" sz="2400" dirty="0">
-                <a:solidFill>
-                  <a:srgbClr val="002060"/>
-                </a:solidFill>
-                <a:latin typeface="Calibri" pitchFamily="34" charset="0"/>
-              </a:rPr>
-              <a:t> </a:t>
-            </a:r>
-          </a:p>
-          <a:p>
-            <a:pPr marL="360000" lvl="0" indent="-360000" algn="l" rtl="0">
-              <a:spcBef>
-                <a:spcPts val="600"/>
-              </a:spcBef>
-              <a:tabLst>
-                <a:tab pos="179388" algn="l"/>
-                <a:tab pos="1978025" algn="l"/>
-              </a:tabLst>
-            </a:pPr>
-            <a:r>
-              <a:rPr lang="en-US" sz="2400" dirty="0">
-                <a:solidFill>
-                  <a:srgbClr val="002060"/>
-                </a:solidFill>
-                <a:latin typeface="Calibri" pitchFamily="34" charset="0"/>
-              </a:rPr>
-              <a:t>Also in:</a:t>
-            </a:r>
-          </a:p>
-          <a:p>
-            <a:pPr marL="360000" lvl="0" indent="-360000" algn="l" rtl="0">
-              <a:spcBef>
-                <a:spcPts val="600"/>
-              </a:spcBef>
-              <a:tabLst>
-                <a:tab pos="179388" algn="l"/>
-                <a:tab pos="1978025" algn="l"/>
-              </a:tabLst>
-            </a:pPr>
-            <a:endParaRPr lang="en-US" sz="2400" dirty="0">
-              <a:solidFill>
-                <a:srgbClr val="002060"/>
-              </a:solidFill>
-              <a:latin typeface="Calibri" pitchFamily="34" charset="0"/>
-            </a:endParaRPr>
-          </a:p>
-        </p:txBody>
-      </p:sp>
-      <p:pic>
-        <p:nvPicPr>
-          <p:cNvPr id="16" name="Picture 15" descr="https://pbs.twimg.com/profile_banners/416148647/1541847820/1500x500">
-            <a:extLst>
-              <a:ext uri="{FF2B5EF4-FFF2-40B4-BE49-F238E27FC236}">
-                <a16:creationId xmlns:a16="http://schemas.microsoft.com/office/drawing/2014/main" id="{C9EB4002-42F0-45EB-8E3B-76E2D70CD634}"/>
-              </a:ext>
-            </a:extLst>
-          </p:cNvPr>
-          <p:cNvPicPr>
-            <a:picLocks noChangeAspect="1" noChangeArrowheads="1"/>
-          </p:cNvPicPr>
-          <p:nvPr/>
-        </p:nvPicPr>
-        <p:blipFill rotWithShape="1">
-          <a:blip r:embed="rId9" cstate="screen">
-            <a:extLst>
-              <a:ext uri="{28A0092B-C50C-407E-A947-70E740481C1C}">
-                <a14:useLocalDpi xmlns:a14="http://schemas.microsoft.com/office/drawing/2010/main"/>
-              </a:ext>
-            </a:extLst>
-          </a:blip>
-          <a:srcRect/>
-          <a:stretch/>
-        </p:blipFill>
-        <p:spPr bwMode="auto">
-          <a:xfrm>
-            <a:off x="5602732" y="0"/>
-            <a:ext cx="3323131" cy="2879995"/>
-          </a:xfrm>
-          <a:prstGeom prst="rect">
-            <a:avLst/>
-          </a:prstGeom>
-          <a:noFill/>
-          <a:extLst>
-            <a:ext uri="{909E8E84-426E-40DD-AFC4-6F175D3DCCD1}">
-              <a14:hiddenFill xmlns:a14="http://schemas.microsoft.com/office/drawing/2010/main">
-                <a:solidFill>
-                  <a:srgbClr val="FFFFFF"/>
-                </a:solidFill>
-              </a14:hiddenFill>
-            </a:ext>
-          </a:extLst>
-        </p:spPr>
-      </p:pic>
       <p:grpSp>
         <p:nvGrpSpPr>
           <p:cNvPr id="17" name="Group 16">
@@ -30093,7 +32403,7 @@
             <p:nvPr/>
           </p:nvPicPr>
           <p:blipFill>
-            <a:blip r:embed="rId10" cstate="screen">
+            <a:blip r:embed="rId5" cstate="screen">
               <a:extLst>
                 <a:ext uri="{28A0092B-C50C-407E-A947-70E740481C1C}">
                   <a14:useLocalDpi xmlns:a14="http://schemas.microsoft.com/office/drawing/2010/main"/>
@@ -30144,7 +32454,7 @@
             <a:p>
               <a:r>
                 <a:rPr lang="en-US" b="1" dirty="0">
-                  <a:hlinkClick r:id="rId11"/>
+                  <a:hlinkClick r:id="rId6"/>
                 </a:rPr>
                 <a:t>madeiradata.com</a:t>
               </a:r>
@@ -30157,153 +32467,316 @@
           </p:txBody>
         </p:sp>
       </p:grpSp>
-      <p:pic>
-        <p:nvPicPr>
-          <p:cNvPr id="20" name="Picture 19" descr="https://mspoweruser.com/wp-content/uploads/2019/04/microsoft-technet.png">
+      <p:sp>
+        <p:nvSpPr>
+          <p:cNvPr id="25" name="TextBox 24">
             <a:extLst>
               <a:ext uri="{FF2B5EF4-FFF2-40B4-BE49-F238E27FC236}">
-                <a16:creationId xmlns:a16="http://schemas.microsoft.com/office/drawing/2014/main" id="{E9B8FA39-BDEF-4EF2-8A3A-6ACB3BC2A2A5}"/>
+                <a16:creationId xmlns:a16="http://schemas.microsoft.com/office/drawing/2014/main" id="{7B62A021-B484-4271-B253-524485EE36CE}"/>
               </a:ext>
             </a:extLst>
           </p:cNvPr>
-          <p:cNvPicPr>
-            <a:picLocks noChangeAspect="1" noChangeArrowheads="1"/>
-          </p:cNvPicPr>
+          <p:cNvSpPr txBox="1"/>
           <p:nvPr/>
-        </p:nvPicPr>
-        <p:blipFill>
-          <a:blip r:embed="rId12" cstate="screen">
-            <a:extLst>
-              <a:ext uri="{28A0092B-C50C-407E-A947-70E740481C1C}">
-                <a14:useLocalDpi xmlns:a14="http://schemas.microsoft.com/office/drawing/2010/main"/>
-              </a:ext>
-            </a:extLst>
-          </a:blip>
-          <a:srcRect/>
-          <a:stretch>
-            <a:fillRect/>
-          </a:stretch>
-        </p:blipFill>
-        <p:spPr bwMode="auto">
+        </p:nvSpPr>
+        <p:spPr>
           <a:xfrm>
-            <a:off x="1687744" y="4452736"/>
-            <a:ext cx="1147189" cy="406894"/>
+            <a:off x="218137" y="1663111"/>
+            <a:ext cx="6550798" cy="3585597"/>
           </a:xfrm>
           <a:prstGeom prst="rect">
             <a:avLst/>
           </a:prstGeom>
           <a:noFill/>
-          <a:extLst>
-            <a:ext uri="{909E8E84-426E-40DD-AFC4-6F175D3DCCD1}">
-              <a14:hiddenFill xmlns:a14="http://schemas.microsoft.com/office/drawing/2010/main">
-                <a:solidFill>
-                  <a:srgbClr val="FFFFFF"/>
-                </a:solidFill>
-              </a14:hiddenFill>
-            </a:ext>
-          </a:extLst>
+          <a:ln w="25400">
+            <a:noFill/>
+          </a:ln>
         </p:spPr>
-      </p:pic>
+        <p:txBody>
+          <a:bodyPr wrap="square" rtlCol="0">
+            <a:spAutoFit/>
+          </a:bodyPr>
+          <a:lstStyle/>
+          <a:p>
+            <a:pPr marL="360000" lvl="0" indent="-360000" algn="l" rtl="0">
+              <a:spcBef>
+                <a:spcPts val="600"/>
+              </a:spcBef>
+              <a:tabLst>
+                <a:tab pos="179388" algn="l"/>
+                <a:tab pos="1978025" algn="l"/>
+              </a:tabLst>
+            </a:pPr>
+            <a:r>
+              <a:rPr lang="en-US" sz="2400" dirty="0">
+                <a:solidFill>
+                  <a:srgbClr val="002060"/>
+                </a:solidFill>
+                <a:latin typeface="Calibri" pitchFamily="34" charset="0"/>
+              </a:rPr>
+              <a:t>Name:	Eitan Blumin</a:t>
+            </a:r>
+          </a:p>
+          <a:p>
+            <a:pPr marL="360000" lvl="0" indent="-360000" algn="l" rtl="0">
+              <a:spcBef>
+                <a:spcPts val="600"/>
+              </a:spcBef>
+              <a:tabLst>
+                <a:tab pos="179388" algn="l"/>
+                <a:tab pos="1978025" algn="l"/>
+              </a:tabLst>
+            </a:pPr>
+            <a:r>
+              <a:rPr lang="en-US" sz="2400" dirty="0">
+                <a:solidFill>
+                  <a:srgbClr val="002060"/>
+                </a:solidFill>
+                <a:latin typeface="Calibri" pitchFamily="34" charset="0"/>
+              </a:rPr>
+              <a:t>Email:	</a:t>
+            </a:r>
+            <a:r>
+              <a:rPr lang="en-US" sz="2400" dirty="0">
+                <a:solidFill>
+                  <a:srgbClr val="002060"/>
+                </a:solidFill>
+                <a:latin typeface="Calibri" pitchFamily="34" charset="0"/>
+                <a:hlinkClick r:id="rId7"/>
+              </a:rPr>
+              <a:t>eitan@madeiradata.com</a:t>
+            </a:r>
+            <a:r>
+              <a:rPr lang="en-US" sz="2400" dirty="0">
+                <a:solidFill>
+                  <a:srgbClr val="002060"/>
+                </a:solidFill>
+                <a:latin typeface="Calibri" pitchFamily="34" charset="0"/>
+              </a:rPr>
+              <a:t> </a:t>
+            </a:r>
+          </a:p>
+          <a:p>
+            <a:pPr marL="360000" lvl="0" indent="-360000" algn="l" rtl="0">
+              <a:spcBef>
+                <a:spcPts val="600"/>
+              </a:spcBef>
+              <a:tabLst>
+                <a:tab pos="179388" algn="l"/>
+                <a:tab pos="1978025" algn="l"/>
+              </a:tabLst>
+            </a:pPr>
+            <a:r>
+              <a:rPr lang="en-US" sz="2400" dirty="0">
+                <a:solidFill>
+                  <a:srgbClr val="002060"/>
+                </a:solidFill>
+                <a:latin typeface="Calibri" pitchFamily="34" charset="0"/>
+              </a:rPr>
+              <a:t>Twitter:	</a:t>
+            </a:r>
+            <a:r>
+              <a:rPr lang="en-US" sz="2400" dirty="0">
+                <a:solidFill>
+                  <a:srgbClr val="002060"/>
+                </a:solidFill>
+                <a:latin typeface="Calibri" pitchFamily="34" charset="0"/>
+                <a:hlinkClick r:id="rId8"/>
+              </a:rPr>
+              <a:t>@EitanBlumin</a:t>
+            </a:r>
+            <a:endParaRPr lang="en-US" sz="2400" dirty="0">
+              <a:solidFill>
+                <a:srgbClr val="002060"/>
+              </a:solidFill>
+              <a:latin typeface="Calibri" pitchFamily="34" charset="0"/>
+            </a:endParaRPr>
+          </a:p>
+          <a:p>
+            <a:pPr marL="360000" lvl="0" indent="-360000">
+              <a:spcBef>
+                <a:spcPts val="600"/>
+              </a:spcBef>
+              <a:tabLst>
+                <a:tab pos="179388" algn="l"/>
+                <a:tab pos="1978025" algn="l"/>
+              </a:tabLst>
+            </a:pPr>
+            <a:r>
+              <a:rPr lang="en-US" sz="2400" dirty="0">
+                <a:solidFill>
+                  <a:srgbClr val="002060"/>
+                </a:solidFill>
+                <a:latin typeface="Calibri" pitchFamily="34" charset="0"/>
+              </a:rPr>
+              <a:t>LinkedIn:	</a:t>
+            </a:r>
+            <a:r>
+              <a:rPr lang="en-US" sz="2400" dirty="0">
+                <a:solidFill>
+                  <a:srgbClr val="002060"/>
+                </a:solidFill>
+                <a:latin typeface="Calibri" pitchFamily="34" charset="0"/>
+                <a:hlinkClick r:id="rId9"/>
+              </a:rPr>
+              <a:t>linkedin.com/in/eitanblumin</a:t>
+            </a:r>
+            <a:r>
+              <a:rPr lang="en-US" sz="2400" dirty="0">
+                <a:solidFill>
+                  <a:srgbClr val="002060"/>
+                </a:solidFill>
+                <a:latin typeface="Calibri" pitchFamily="34" charset="0"/>
+              </a:rPr>
+              <a:t> </a:t>
+            </a:r>
+          </a:p>
+          <a:p>
+            <a:pPr marL="360000" lvl="0" indent="-360000" algn="l" rtl="0">
+              <a:spcBef>
+                <a:spcPts val="600"/>
+              </a:spcBef>
+              <a:tabLst>
+                <a:tab pos="179388" algn="l"/>
+                <a:tab pos="1978025" algn="l"/>
+              </a:tabLst>
+            </a:pPr>
+            <a:r>
+              <a:rPr lang="en-US" sz="2400" dirty="0">
+                <a:solidFill>
+                  <a:srgbClr val="002060"/>
+                </a:solidFill>
+                <a:latin typeface="Calibri" pitchFamily="34" charset="0"/>
+              </a:rPr>
+              <a:t>Blog:	</a:t>
+            </a:r>
+            <a:r>
+              <a:rPr lang="en-US" sz="2400" dirty="0">
+                <a:solidFill>
+                  <a:srgbClr val="002060"/>
+                </a:solidFill>
+                <a:latin typeface="Calibri" pitchFamily="34" charset="0"/>
+                <a:hlinkClick r:id="rId10"/>
+              </a:rPr>
+              <a:t>eitanblumin.com</a:t>
+            </a:r>
+            <a:r>
+              <a:rPr lang="en-US" sz="2400" dirty="0">
+                <a:solidFill>
+                  <a:srgbClr val="002060"/>
+                </a:solidFill>
+                <a:latin typeface="Calibri" pitchFamily="34" charset="0"/>
+              </a:rPr>
+              <a:t> </a:t>
+            </a:r>
+          </a:p>
+          <a:p>
+            <a:pPr marL="360000" lvl="0" indent="-360000" algn="l" rtl="0">
+              <a:spcBef>
+                <a:spcPts val="600"/>
+              </a:spcBef>
+              <a:tabLst>
+                <a:tab pos="179388" algn="l"/>
+                <a:tab pos="1978025" algn="l"/>
+              </a:tabLst>
+            </a:pPr>
+            <a:r>
+              <a:rPr lang="en-US" sz="2400" dirty="0">
+                <a:solidFill>
+                  <a:srgbClr val="002060"/>
+                </a:solidFill>
+                <a:latin typeface="Calibri" pitchFamily="34" charset="0"/>
+              </a:rPr>
+              <a:t>GitHub:	</a:t>
+            </a:r>
+            <a:r>
+              <a:rPr lang="en-US" sz="2400" dirty="0">
+                <a:solidFill>
+                  <a:srgbClr val="002060"/>
+                </a:solidFill>
+                <a:latin typeface="Calibri" pitchFamily="34" charset="0"/>
+                <a:hlinkClick r:id="rId11"/>
+              </a:rPr>
+              <a:t>github.com/EitanBlumin</a:t>
+            </a:r>
+            <a:endParaRPr lang="en-US" sz="2400" dirty="0">
+              <a:solidFill>
+                <a:srgbClr val="002060"/>
+              </a:solidFill>
+              <a:latin typeface="Calibri" pitchFamily="34" charset="0"/>
+            </a:endParaRPr>
+          </a:p>
+          <a:p>
+            <a:pPr marL="360000" lvl="0" indent="-360000" algn="l" rtl="0">
+              <a:spcBef>
+                <a:spcPts val="600"/>
+              </a:spcBef>
+              <a:tabLst>
+                <a:tab pos="179388" algn="l"/>
+                <a:tab pos="1978025" algn="l"/>
+              </a:tabLst>
+            </a:pPr>
+            <a:r>
+              <a:rPr lang="en-US" sz="2400" dirty="0">
+                <a:solidFill>
+                  <a:srgbClr val="002060"/>
+                </a:solidFill>
+                <a:latin typeface="Calibri" pitchFamily="34" charset="0"/>
+              </a:rPr>
+              <a:t>			</a:t>
+            </a:r>
+            <a:r>
+              <a:rPr lang="en-US" sz="2400" dirty="0">
+                <a:solidFill>
+                  <a:srgbClr val="002060"/>
+                </a:solidFill>
+                <a:latin typeface="Calibri" pitchFamily="34" charset="0"/>
+                <a:hlinkClick r:id="rId12"/>
+              </a:rPr>
+              <a:t>gist.github.com/</a:t>
+            </a:r>
+            <a:r>
+              <a:rPr lang="en-US" sz="2400" dirty="0" err="1">
+                <a:solidFill>
+                  <a:srgbClr val="002060"/>
+                </a:solidFill>
+                <a:latin typeface="Calibri" pitchFamily="34" charset="0"/>
+                <a:hlinkClick r:id="rId12"/>
+              </a:rPr>
+              <a:t>EitanBlumin</a:t>
+            </a:r>
+            <a:endParaRPr lang="en-US" sz="2400" dirty="0">
+              <a:solidFill>
+                <a:srgbClr val="002060"/>
+              </a:solidFill>
+              <a:latin typeface="Calibri" pitchFamily="34" charset="0"/>
+            </a:endParaRPr>
+          </a:p>
+          <a:p>
+            <a:pPr marL="360000" lvl="0" indent="-360000" algn="l" rtl="0">
+              <a:spcBef>
+                <a:spcPts val="600"/>
+              </a:spcBef>
+              <a:tabLst>
+                <a:tab pos="179388" algn="l"/>
+                <a:tab pos="1978025" algn="l"/>
+              </a:tabLst>
+            </a:pPr>
+            <a:endParaRPr lang="en-US" sz="2400" dirty="0">
+              <a:solidFill>
+                <a:srgbClr val="002060"/>
+              </a:solidFill>
+              <a:latin typeface="Calibri" pitchFamily="34" charset="0"/>
+            </a:endParaRPr>
+          </a:p>
+        </p:txBody>
+      </p:sp>
       <p:pic>
         <p:nvPicPr>
-          <p:cNvPr id="21" name="Picture 6" descr="http://pngimg.com/uploads/github/github_PNG20.png">
+          <p:cNvPr id="26" name="Picture 25" descr="https://pbs.twimg.com/profile_banners/416148647/1541847820/1500x500">
             <a:extLst>
               <a:ext uri="{FF2B5EF4-FFF2-40B4-BE49-F238E27FC236}">
-                <a16:creationId xmlns:a16="http://schemas.microsoft.com/office/drawing/2014/main" id="{D7FC3553-66CF-4F32-91CA-0283D139F9FD}"/>
-              </a:ext>
-            </a:extLst>
-          </p:cNvPr>
-          <p:cNvPicPr>
-            <a:picLocks noChangeAspect="1" noChangeArrowheads="1"/>
-          </p:cNvPicPr>
-          <p:nvPr/>
-        </p:nvPicPr>
-        <p:blipFill>
-          <a:blip r:embed="rId13" cstate="screen">
-            <a:extLst>
-              <a:ext uri="{28A0092B-C50C-407E-A947-70E740481C1C}">
-                <a14:useLocalDpi xmlns:a14="http://schemas.microsoft.com/office/drawing/2010/main"/>
-              </a:ext>
-            </a:extLst>
-          </a:blip>
-          <a:srcRect/>
-          <a:stretch>
-            <a:fillRect/>
-          </a:stretch>
-        </p:blipFill>
-        <p:spPr bwMode="auto">
-          <a:xfrm>
-            <a:off x="4340896" y="4185459"/>
-            <a:ext cx="745462" cy="673160"/>
-          </a:xfrm>
-          <a:prstGeom prst="rect">
-            <a:avLst/>
-          </a:prstGeom>
-          <a:noFill/>
-          <a:extLst>
-            <a:ext uri="{909E8E84-426E-40DD-AFC4-6F175D3DCCD1}">
-              <a14:hiddenFill xmlns:a14="http://schemas.microsoft.com/office/drawing/2010/main">
-                <a:solidFill>
-                  <a:srgbClr val="FFFFFF"/>
-                </a:solidFill>
-              </a14:hiddenFill>
-            </a:ext>
-          </a:extLst>
-        </p:spPr>
-      </p:pic>
-      <p:pic>
-        <p:nvPicPr>
-          <p:cNvPr id="22" name="Picture 8" descr="github gist logo">
-            <a:extLst>
-              <a:ext uri="{FF2B5EF4-FFF2-40B4-BE49-F238E27FC236}">
-                <a16:creationId xmlns:a16="http://schemas.microsoft.com/office/drawing/2014/main" id="{EBA9E7E0-34CD-4749-87E8-7F09C09560BC}"/>
-              </a:ext>
-            </a:extLst>
-          </p:cNvPr>
-          <p:cNvPicPr>
-            <a:picLocks noChangeAspect="1" noChangeArrowheads="1"/>
-          </p:cNvPicPr>
-          <p:nvPr/>
-        </p:nvPicPr>
-        <p:blipFill>
-          <a:blip r:embed="rId14" cstate="screen">
-            <a:extLst>
-              <a:ext uri="{28A0092B-C50C-407E-A947-70E740481C1C}">
-                <a14:useLocalDpi xmlns:a14="http://schemas.microsoft.com/office/drawing/2010/main"/>
-              </a:ext>
-            </a:extLst>
-          </a:blip>
-          <a:srcRect/>
-          <a:stretch>
-            <a:fillRect/>
-          </a:stretch>
-        </p:blipFill>
-        <p:spPr bwMode="auto">
-          <a:xfrm>
-            <a:off x="5271332" y="4483627"/>
-            <a:ext cx="1497603" cy="404696"/>
-          </a:xfrm>
-          <a:prstGeom prst="rect">
-            <a:avLst/>
-          </a:prstGeom>
-          <a:noFill/>
-          <a:extLst>
-            <a:ext uri="{909E8E84-426E-40DD-AFC4-6F175D3DCCD1}">
-              <a14:hiddenFill xmlns:a14="http://schemas.microsoft.com/office/drawing/2010/main">
-                <a:solidFill>
-                  <a:srgbClr val="FFFFFF"/>
-                </a:solidFill>
-              </a14:hiddenFill>
-            </a:ext>
-          </a:extLst>
-        </p:spPr>
-      </p:pic>
-      <p:pic>
-        <p:nvPicPr>
-          <p:cNvPr id="23" name="Picture 14" descr="https://im5.ezgif.com/tmp/ezgif-5-eb799a4d79b5.png">
-            <a:extLst>
-              <a:ext uri="{FF2B5EF4-FFF2-40B4-BE49-F238E27FC236}">
-                <a16:creationId xmlns:a16="http://schemas.microsoft.com/office/drawing/2014/main" id="{C8B9C66C-CCF1-46F7-810A-DCCD4A703026}"/>
+                <a16:creationId xmlns:a16="http://schemas.microsoft.com/office/drawing/2014/main" id="{69BFFD67-EC09-48C2-92AF-B606B15E02C8}"/>
               </a:ext>
             </a:extLst>
           </p:cNvPr>
@@ -30313,7 +32786,7 @@
           <p:nvPr/>
         </p:nvPicPr>
         <p:blipFill rotWithShape="1">
-          <a:blip r:embed="rId15" cstate="screen">
+          <a:blip r:embed="rId13" cstate="screen">
             <a:extLst>
               <a:ext uri="{28A0092B-C50C-407E-A947-70E740481C1C}">
                 <a14:useLocalDpi xmlns:a14="http://schemas.microsoft.com/office/drawing/2010/main"/>
@@ -30325,53 +32798,8 @@
         </p:blipFill>
         <p:spPr bwMode="auto">
           <a:xfrm>
-            <a:off x="2935485" y="4376333"/>
-            <a:ext cx="1220437" cy="723269"/>
-          </a:xfrm>
-          <a:prstGeom prst="rect">
-            <a:avLst/>
-          </a:prstGeom>
-          <a:noFill/>
-          <a:extLst>
-            <a:ext uri="{909E8E84-426E-40DD-AFC4-6F175D3DCCD1}">
-              <a14:hiddenFill xmlns:a14="http://schemas.microsoft.com/office/drawing/2010/main">
-                <a:solidFill>
-                  <a:srgbClr val="FFFFFF"/>
-                </a:solidFill>
-              </a14:hiddenFill>
-            </a:ext>
-          </a:extLst>
-        </p:spPr>
-      </p:pic>
-      <p:pic>
-        <p:nvPicPr>
-          <p:cNvPr id="24" name="Picture 16" descr="Image result for youtube logo">
-            <a:extLst>
-              <a:ext uri="{FF2B5EF4-FFF2-40B4-BE49-F238E27FC236}">
-                <a16:creationId xmlns:a16="http://schemas.microsoft.com/office/drawing/2014/main" id="{A06230CE-B2BE-477E-9EF8-CB076EF323F9}"/>
-              </a:ext>
-            </a:extLst>
-          </p:cNvPr>
-          <p:cNvPicPr>
-            <a:picLocks noChangeAspect="1" noChangeArrowheads="1"/>
-          </p:cNvPicPr>
-          <p:nvPr/>
-        </p:nvPicPr>
-        <p:blipFill rotWithShape="1">
-          <a:blip r:embed="rId16" cstate="screen">
-            <a:extLst>
-              <a:ext uri="{28A0092B-C50C-407E-A947-70E740481C1C}">
-                <a14:useLocalDpi xmlns:a14="http://schemas.microsoft.com/office/drawing/2010/main"/>
-              </a:ext>
-            </a:extLst>
-          </a:blip>
-          <a:srcRect/>
-          <a:stretch/>
-        </p:blipFill>
-        <p:spPr bwMode="auto">
-          <a:xfrm>
-            <a:off x="218137" y="4511486"/>
-            <a:ext cx="1308709" cy="325825"/>
+            <a:off x="6169670" y="156402"/>
+            <a:ext cx="2517180" cy="2181517"/>
           </a:xfrm>
           <a:prstGeom prst="rect">
             <a:avLst/>
@@ -30432,307 +32860,216 @@
       </p:grpSpPr>
       <p:sp>
         <p:nvSpPr>
-          <p:cNvPr id="15" name="TextBox 14">
+          <p:cNvPr id="24" name="Text Placeholder 6">
             <a:extLst>
               <a:ext uri="{FF2B5EF4-FFF2-40B4-BE49-F238E27FC236}">
-                <a16:creationId xmlns:a16="http://schemas.microsoft.com/office/drawing/2014/main" id="{AAD83D0E-5592-4302-BF7D-1646FCE79B7F}"/>
+                <a16:creationId xmlns:a16="http://schemas.microsoft.com/office/drawing/2014/main" id="{D0A96D42-384F-4AA3-8945-8B670C94780B}"/>
               </a:ext>
             </a:extLst>
           </p:cNvPr>
-          <p:cNvSpPr txBox="1"/>
+          <p:cNvSpPr txBox="1">
+            <a:spLocks/>
+          </p:cNvSpPr>
           <p:nvPr/>
         </p:nvSpPr>
         <p:spPr>
           <a:xfrm>
-            <a:off x="218137" y="1128713"/>
-            <a:ext cx="8590306" cy="2246769"/>
-          </a:xfrm>
-          <a:prstGeom prst="rect">
-            <a:avLst/>
-          </a:prstGeom>
-          <a:noFill/>
-          <a:ln w="25400">
-            <a:noFill/>
-          </a:ln>
-        </p:spPr>
-        <p:txBody>
-          <a:bodyPr wrap="square" rtlCol="0">
-            <a:spAutoFit/>
-          </a:bodyPr>
-          <a:lstStyle/>
-          <a:p>
-            <a:pPr marL="360000" lvl="0" indent="-360000" algn="l" rtl="0">
-              <a:spcBef>
-                <a:spcPts val="600"/>
-              </a:spcBef>
-              <a:tabLst>
-                <a:tab pos="179388" algn="l"/>
-                <a:tab pos="1978025" algn="l"/>
-              </a:tabLst>
-            </a:pPr>
-            <a:r>
-              <a:rPr lang="en-US" sz="2400" dirty="0">
-                <a:solidFill>
-                  <a:srgbClr val="002060"/>
-                </a:solidFill>
-                <a:latin typeface="Calibri" pitchFamily="34" charset="0"/>
-              </a:rPr>
-              <a:t>Name:	Eitan Blumin</a:t>
-            </a:r>
-          </a:p>
-          <a:p>
-            <a:pPr marL="360000" lvl="0" indent="-360000" algn="l" rtl="0">
-              <a:spcBef>
-                <a:spcPts val="600"/>
-              </a:spcBef>
-              <a:tabLst>
-                <a:tab pos="179388" algn="l"/>
-                <a:tab pos="1978025" algn="l"/>
-              </a:tabLst>
-            </a:pPr>
-            <a:r>
-              <a:rPr lang="en-US" sz="2400" dirty="0">
-                <a:solidFill>
-                  <a:srgbClr val="002060"/>
-                </a:solidFill>
-                <a:latin typeface="Calibri" pitchFamily="34" charset="0"/>
-              </a:rPr>
-              <a:t>Email Address:	</a:t>
-            </a:r>
-            <a:r>
-              <a:rPr lang="en-US" sz="2400" dirty="0">
-                <a:solidFill>
-                  <a:srgbClr val="002060"/>
-                </a:solidFill>
-                <a:latin typeface="Calibri" pitchFamily="34" charset="0"/>
-                <a:hlinkClick r:id="rId3"/>
-              </a:rPr>
-              <a:t>eitan@madeiradata.com</a:t>
-            </a:r>
-            <a:r>
-              <a:rPr lang="en-US" sz="2400" dirty="0">
-                <a:solidFill>
-                  <a:srgbClr val="002060"/>
-                </a:solidFill>
-                <a:latin typeface="Calibri" pitchFamily="34" charset="0"/>
-              </a:rPr>
-              <a:t> </a:t>
-            </a:r>
-          </a:p>
-          <a:p>
-            <a:pPr marL="360000" lvl="0" indent="-360000" algn="l" rtl="0">
-              <a:spcBef>
-                <a:spcPts val="600"/>
-              </a:spcBef>
-              <a:tabLst>
-                <a:tab pos="179388" algn="l"/>
-                <a:tab pos="1978025" algn="l"/>
-              </a:tabLst>
-            </a:pPr>
-            <a:r>
-              <a:rPr lang="en-US" sz="2400" dirty="0">
-                <a:solidFill>
-                  <a:srgbClr val="002060"/>
-                </a:solidFill>
-                <a:latin typeface="Calibri" pitchFamily="34" charset="0"/>
-              </a:rPr>
-              <a:t>Twitter:	</a:t>
-            </a:r>
-            <a:r>
-              <a:rPr lang="en-US" sz="2400" dirty="0">
-                <a:solidFill>
-                  <a:srgbClr val="002060"/>
-                </a:solidFill>
-                <a:latin typeface="Calibri" pitchFamily="34" charset="0"/>
-                <a:hlinkClick r:id="rId4"/>
-              </a:rPr>
-              <a:t>@EitanBlumin</a:t>
-            </a:r>
-            <a:endParaRPr lang="en-US" sz="2400" dirty="0">
-              <a:solidFill>
-                <a:srgbClr val="002060"/>
-              </a:solidFill>
-              <a:latin typeface="Calibri" pitchFamily="34" charset="0"/>
-            </a:endParaRPr>
-          </a:p>
-          <a:p>
-            <a:pPr marL="360000" lvl="0" indent="-360000">
-              <a:spcBef>
-                <a:spcPts val="600"/>
-              </a:spcBef>
-              <a:tabLst>
-                <a:tab pos="179388" algn="l"/>
-                <a:tab pos="1978025" algn="l"/>
-              </a:tabLst>
-            </a:pPr>
-            <a:r>
-              <a:rPr lang="en-US" sz="2400" dirty="0">
-                <a:solidFill>
-                  <a:srgbClr val="002060"/>
-                </a:solidFill>
-                <a:latin typeface="Calibri" pitchFamily="34" charset="0"/>
-              </a:rPr>
-              <a:t>LinkedIn:	</a:t>
-            </a:r>
-            <a:r>
-              <a:rPr lang="en-US" sz="2400" dirty="0">
-                <a:solidFill>
-                  <a:srgbClr val="002060"/>
-                </a:solidFill>
-                <a:latin typeface="Calibri" pitchFamily="34" charset="0"/>
-                <a:hlinkClick r:id="rId5"/>
-              </a:rPr>
-              <a:t>www.linkedin.com/in/eitanblumin</a:t>
-            </a:r>
-            <a:r>
-              <a:rPr lang="en-US" sz="2400" dirty="0">
-                <a:solidFill>
-                  <a:srgbClr val="002060"/>
-                </a:solidFill>
-                <a:latin typeface="Calibri" pitchFamily="34" charset="0"/>
-              </a:rPr>
-              <a:t> </a:t>
-            </a:r>
-          </a:p>
-          <a:p>
-            <a:pPr marL="360000" lvl="0" indent="-360000" algn="l" rtl="0">
-              <a:spcBef>
-                <a:spcPts val="600"/>
-              </a:spcBef>
-              <a:tabLst>
-                <a:tab pos="179388" algn="l"/>
-                <a:tab pos="1978025" algn="l"/>
-              </a:tabLst>
-            </a:pPr>
-            <a:r>
-              <a:rPr lang="en-US" sz="2400" dirty="0">
-                <a:solidFill>
-                  <a:srgbClr val="002060"/>
-                </a:solidFill>
-                <a:latin typeface="Calibri" pitchFamily="34" charset="0"/>
-              </a:rPr>
-              <a:t>Blog:	</a:t>
-            </a:r>
-            <a:r>
-              <a:rPr lang="en-US" sz="2400" dirty="0">
-                <a:solidFill>
-                  <a:srgbClr val="002060"/>
-                </a:solidFill>
-                <a:latin typeface="Calibri" pitchFamily="34" charset="0"/>
-                <a:hlinkClick r:id="rId6"/>
-              </a:rPr>
-              <a:t>www.eitanblumin.com</a:t>
-            </a:r>
-            <a:r>
-              <a:rPr lang="en-US" sz="2400" dirty="0">
-                <a:solidFill>
-                  <a:srgbClr val="002060"/>
-                </a:solidFill>
-                <a:latin typeface="Calibri" pitchFamily="34" charset="0"/>
-              </a:rPr>
-              <a:t> </a:t>
-            </a:r>
-          </a:p>
-        </p:txBody>
-      </p:sp>
-      <p:pic>
-        <p:nvPicPr>
-          <p:cNvPr id="6" name="Picture 5"/>
-          <p:cNvPicPr>
-            <a:picLocks noChangeAspect="1"/>
-          </p:cNvPicPr>
-          <p:nvPr/>
-        </p:nvPicPr>
-        <p:blipFill>
-          <a:blip r:embed="rId7" cstate="print">
-            <a:extLst>
-              <a:ext uri="{28A0092B-C50C-407E-A947-70E740481C1C}">
-                <a14:useLocalDpi xmlns:a14="http://schemas.microsoft.com/office/drawing/2010/main" val="0"/>
-              </a:ext>
-            </a:extLst>
-          </a:blip>
-          <a:stretch>
-            <a:fillRect/>
-          </a:stretch>
-        </p:blipFill>
-        <p:spPr>
-          <a:xfrm>
-            <a:off x="6991834" y="2878859"/>
-            <a:ext cx="1816608" cy="1816608"/>
+            <a:off x="638503" y="3123721"/>
+            <a:ext cx="5799772" cy="1738295"/>
           </a:xfrm>
           <a:prstGeom prst="rect">
             <a:avLst/>
           </a:prstGeom>
         </p:spPr>
-      </p:pic>
-      <p:sp>
-        <p:nvSpPr>
-          <p:cNvPr id="5" name="TextBox 4">
-            <a:extLst>
-              <a:ext uri="{FF2B5EF4-FFF2-40B4-BE49-F238E27FC236}">
-                <a16:creationId xmlns:a16="http://schemas.microsoft.com/office/drawing/2014/main" id="{44D44E1A-BDF6-4B5F-B6B4-AE260B3E1FFC}"/>
-              </a:ext>
-            </a:extLst>
-          </p:cNvPr>
-          <p:cNvSpPr txBox="1"/>
-          <p:nvPr/>
-        </p:nvSpPr>
-        <p:spPr>
-          <a:xfrm>
-            <a:off x="7257975" y="4268510"/>
-            <a:ext cx="1284326" cy="369332"/>
-          </a:xfrm>
-          <a:prstGeom prst="rect">
-            <a:avLst/>
-          </a:prstGeom>
-          <a:noFill/>
-        </p:spPr>
         <p:txBody>
-          <a:bodyPr wrap="none" rtlCol="0">
-            <a:spAutoFit/>
-          </a:bodyPr>
-          <a:lstStyle/>
-          <a:p>
-            <a:pPr algn="ctr"/>
-            <a:r>
-              <a:rPr lang="en-US" dirty="0"/>
-              <a:t>Since 2010</a:t>
-            </a:r>
-          </a:p>
-        </p:txBody>
-      </p:sp>
-      <p:sp>
-        <p:nvSpPr>
-          <p:cNvPr id="13" name="TextBox 12">
-            <a:extLst>
-              <a:ext uri="{FF2B5EF4-FFF2-40B4-BE49-F238E27FC236}">
-                <a16:creationId xmlns:a16="http://schemas.microsoft.com/office/drawing/2014/main" id="{A870CB67-8182-4045-A192-F6F25B161F53}"/>
-              </a:ext>
-            </a:extLst>
-          </p:cNvPr>
-          <p:cNvSpPr txBox="1"/>
-          <p:nvPr/>
-        </p:nvSpPr>
-        <p:spPr>
-          <a:xfrm>
-            <a:off x="3392266" y="3728586"/>
-            <a:ext cx="1800306" cy="646331"/>
-          </a:xfrm>
-          <a:prstGeom prst="rect">
-            <a:avLst/>
-          </a:prstGeom>
-          <a:noFill/>
-        </p:spPr>
-        <p:txBody>
-          <a:bodyPr wrap="square" rtlCol="0">
-            <a:spAutoFit/>
-          </a:bodyPr>
-          <a:lstStyle/>
-          <a:p>
-            <a:pPr algn="ctr"/>
-            <a:r>
-              <a:rPr lang="en-US" dirty="0"/>
+          <a:bodyPr/>
+          <a:lstStyle>
+            <a:lvl1pPr marL="0" indent="0" algn="l" defTabSz="914400" rtl="0" eaLnBrk="1" latinLnBrk="0" hangingPunct="1">
+              <a:spcBef>
+                <a:spcPct val="20000"/>
+              </a:spcBef>
+              <a:buFont typeface="Arial"/>
+              <a:buNone/>
+              <a:defRPr sz="2400" kern="1200">
+                <a:solidFill>
+                  <a:srgbClr val="58585A"/>
+                </a:solidFill>
+                <a:latin typeface="+mn-lt"/>
+                <a:ea typeface="+mn-ea"/>
+                <a:cs typeface="Segoe UI"/>
+              </a:defRPr>
+            </a:lvl1pPr>
+            <a:lvl2pPr marL="342900" indent="-342900" algn="l" defTabSz="914400" rtl="0" eaLnBrk="1" latinLnBrk="0" hangingPunct="1">
+              <a:spcBef>
+                <a:spcPct val="20000"/>
+              </a:spcBef>
+              <a:buClr>
+                <a:schemeClr val="accent4"/>
+              </a:buClr>
+              <a:buFont typeface="Arial"/>
+              <a:buChar char="•"/>
+              <a:defRPr lang="en-US" sz="2000" kern="1200" dirty="0" smtClean="0">
+                <a:solidFill>
+                  <a:srgbClr val="58585A"/>
+                </a:solidFill>
+                <a:latin typeface="+mn-lt"/>
+                <a:ea typeface="+mn-ea"/>
+                <a:cs typeface="Segoe UI"/>
+              </a:defRPr>
+            </a:lvl2pPr>
+            <a:lvl3pPr marL="638175" indent="-342900" algn="l" defTabSz="914400" rtl="0" eaLnBrk="1" latinLnBrk="0" hangingPunct="1">
+              <a:spcBef>
+                <a:spcPct val="20000"/>
+              </a:spcBef>
+              <a:buClr>
+                <a:schemeClr val="accent4"/>
+              </a:buClr>
+              <a:buFont typeface="Arial"/>
+              <a:buChar char="•"/>
+              <a:defRPr lang="en-US" sz="1800" kern="1200" dirty="0" smtClean="0">
+                <a:solidFill>
+                  <a:srgbClr val="58585A"/>
+                </a:solidFill>
+                <a:latin typeface="+mn-lt"/>
+                <a:ea typeface="+mn-ea"/>
+                <a:cs typeface="Segoe UI"/>
+              </a:defRPr>
+            </a:lvl3pPr>
+            <a:lvl4pPr marL="922338" indent="-342900" algn="l" defTabSz="914400" rtl="0" eaLnBrk="1" latinLnBrk="0" hangingPunct="1">
+              <a:spcBef>
+                <a:spcPct val="20000"/>
+              </a:spcBef>
+              <a:buClr>
+                <a:schemeClr val="accent4"/>
+              </a:buClr>
+              <a:buFont typeface="Arial"/>
+              <a:buChar char="•"/>
+              <a:defRPr lang="en-US" sz="1800" kern="1200" dirty="0" smtClean="0">
+                <a:solidFill>
+                  <a:srgbClr val="58585A"/>
+                </a:solidFill>
+                <a:latin typeface="+mn-lt"/>
+                <a:ea typeface="+mn-ea"/>
+                <a:cs typeface="Segoe UI"/>
+              </a:defRPr>
+            </a:lvl4pPr>
+            <a:lvl5pPr marL="1189038" indent="-342900" algn="l" defTabSz="914400" rtl="0" eaLnBrk="1" latinLnBrk="0" hangingPunct="1">
+              <a:spcBef>
+                <a:spcPct val="20000"/>
+              </a:spcBef>
+              <a:buClr>
+                <a:schemeClr val="accent4"/>
+              </a:buClr>
+              <a:buFont typeface="Arial"/>
+              <a:buChar char="•"/>
+              <a:defRPr lang="en-US" sz="1800" kern="1200" dirty="0">
+                <a:solidFill>
+                  <a:srgbClr val="58585A"/>
+                </a:solidFill>
+                <a:latin typeface="+mn-lt"/>
+                <a:ea typeface="+mn-ea"/>
+                <a:cs typeface="Segoe UI"/>
+              </a:defRPr>
+            </a:lvl5pPr>
+            <a:lvl6pPr marL="2514600" indent="-228600" algn="l" defTabSz="914400" rtl="0" eaLnBrk="1" latinLnBrk="0" hangingPunct="1">
+              <a:spcBef>
+                <a:spcPct val="20000"/>
+              </a:spcBef>
+              <a:buFont typeface="Arial" pitchFamily="34" charset="0"/>
+              <a:buChar char="•"/>
+              <a:defRPr sz="2000" kern="1200">
+                <a:solidFill>
+                  <a:schemeClr val="tx1"/>
+                </a:solidFill>
+                <a:latin typeface="+mn-lt"/>
+                <a:ea typeface="+mn-ea"/>
+                <a:cs typeface="+mn-cs"/>
+              </a:defRPr>
+            </a:lvl6pPr>
+            <a:lvl7pPr marL="2971800" indent="-228600" algn="l" defTabSz="914400" rtl="0" eaLnBrk="1" latinLnBrk="0" hangingPunct="1">
+              <a:spcBef>
+                <a:spcPct val="20000"/>
+              </a:spcBef>
+              <a:buFont typeface="Arial" pitchFamily="34" charset="0"/>
+              <a:buChar char="•"/>
+              <a:defRPr sz="2000" kern="1200">
+                <a:solidFill>
+                  <a:schemeClr val="tx1"/>
+                </a:solidFill>
+                <a:latin typeface="+mn-lt"/>
+                <a:ea typeface="+mn-ea"/>
+                <a:cs typeface="+mn-cs"/>
+              </a:defRPr>
+            </a:lvl7pPr>
+            <a:lvl8pPr marL="3429000" indent="-228600" algn="l" defTabSz="914400" rtl="0" eaLnBrk="1" latinLnBrk="0" hangingPunct="1">
+              <a:spcBef>
+                <a:spcPct val="20000"/>
+              </a:spcBef>
+              <a:buFont typeface="Arial" pitchFamily="34" charset="0"/>
+              <a:buChar char="•"/>
+              <a:defRPr sz="2000" kern="1200">
+                <a:solidFill>
+                  <a:schemeClr val="tx1"/>
+                </a:solidFill>
+                <a:latin typeface="+mn-lt"/>
+                <a:ea typeface="+mn-ea"/>
+                <a:cs typeface="+mn-cs"/>
+              </a:defRPr>
+            </a:lvl8pPr>
+            <a:lvl9pPr marL="3886200" indent="-228600" algn="l" defTabSz="914400" rtl="0" eaLnBrk="1" latinLnBrk="0" hangingPunct="1">
+              <a:spcBef>
+                <a:spcPct val="20000"/>
+              </a:spcBef>
+              <a:buFont typeface="Arial" pitchFamily="34" charset="0"/>
+              <a:buChar char="•"/>
+              <a:defRPr sz="2000" kern="1200">
+                <a:solidFill>
+                  <a:schemeClr val="tx1"/>
+                </a:solidFill>
+                <a:latin typeface="+mn-lt"/>
+                <a:ea typeface="+mn-ea"/>
+                <a:cs typeface="+mn-cs"/>
+              </a:defRPr>
+            </a:lvl9pPr>
+          </a:lstStyle>
+          <a:p>
+            <a:pPr marL="285750" indent="-285750">
+              <a:buFont typeface="Wingdings" panose="05000000000000000000" pitchFamily="2" charset="2"/>
+              <a:buChar char="Ø"/>
+            </a:pPr>
+            <a:r>
+              <a:rPr lang="en-CA" sz="1800" dirty="0"/>
               <a:t>SQL Server DBA since 2005</a:t>
+            </a:r>
+          </a:p>
+          <a:p>
+            <a:pPr marL="285750" indent="-285750">
+              <a:buFont typeface="Wingdings" panose="05000000000000000000" pitchFamily="2" charset="2"/>
+              <a:buChar char="Ø"/>
+            </a:pPr>
+            <a:r>
+              <a:rPr lang="en-CA" sz="1800" dirty="0"/>
+              <a:t>Senior SQL Server Consultant, DBA Team Leader and Solutions Architect at Madeira Data Solutions</a:t>
+            </a:r>
+          </a:p>
+          <a:p>
+            <a:pPr marL="285750" indent="-285750">
+              <a:buFont typeface="Wingdings" panose="05000000000000000000" pitchFamily="2" charset="2"/>
+              <a:buChar char="Ø"/>
+            </a:pPr>
+            <a:r>
+              <a:rPr lang="en-CA" sz="1800" dirty="0"/>
+              <a:t>Microsoft Data Platform MVP since 2020</a:t>
+            </a:r>
+          </a:p>
+          <a:p>
+            <a:pPr marL="285750" indent="-285750">
+              <a:buFont typeface="Wingdings" panose="05000000000000000000" pitchFamily="2" charset="2"/>
+              <a:buChar char="Ø"/>
+            </a:pPr>
+            <a:r>
+              <a:rPr lang="en-CA" sz="1800" dirty="0"/>
+              <a:t>SQL Server Radio podcast co-host since 2020</a:t>
             </a:r>
           </a:p>
         </p:txBody>
@@ -30752,7 +33089,7 @@
           <p:nvPr/>
         </p:nvPicPr>
         <p:blipFill>
-          <a:blip r:embed="rId8" cstate="screen">
+          <a:blip r:embed="rId3" cstate="screen">
             <a:extLst>
               <a:ext uri="{28A0092B-C50C-407E-A947-70E740481C1C}">
                 <a14:useLocalDpi xmlns:a14="http://schemas.microsoft.com/office/drawing/2010/main"/>
@@ -30766,8 +33103,8 @@
         </p:blipFill>
         <p:spPr bwMode="auto">
           <a:xfrm>
-            <a:off x="379502" y="3579741"/>
-            <a:ext cx="1139702" cy="1139702"/>
+            <a:off x="6802960" y="3100185"/>
+            <a:ext cx="941920" cy="941920"/>
           </a:xfrm>
           <a:prstGeom prst="rect">
             <a:avLst/>
@@ -30799,7 +33136,7 @@
           <p:nvPr/>
         </p:nvPicPr>
         <p:blipFill>
-          <a:blip r:embed="rId9" cstate="screen">
+          <a:blip r:embed="rId4" cstate="screen">
             <a:extLst>
               <a:ext uri="{28A0092B-C50C-407E-A947-70E740481C1C}">
                 <a14:useLocalDpi xmlns:a14="http://schemas.microsoft.com/office/drawing/2010/main"/>
@@ -30813,8 +33150,8 @@
         </p:blipFill>
         <p:spPr bwMode="auto">
           <a:xfrm>
-            <a:off x="1885884" y="3579743"/>
-            <a:ext cx="1139702" cy="1139702"/>
+            <a:off x="7744879" y="3100185"/>
+            <a:ext cx="941920" cy="941920"/>
           </a:xfrm>
           <a:prstGeom prst="rect">
             <a:avLst/>
@@ -30907,10 +33244,10 @@
       </p:sp>
       <p:pic>
         <p:nvPicPr>
-          <p:cNvPr id="19" name="Picture 18" descr="A picture containing grass, person, outdoor, child&#10;&#10;Description automatically generated">
+          <p:cNvPr id="10" name="Picture 9" descr="A blue sign with white text&#10;&#10;Description automatically generated with medium confidence">
             <a:extLst>
               <a:ext uri="{FF2B5EF4-FFF2-40B4-BE49-F238E27FC236}">
-                <a16:creationId xmlns:a16="http://schemas.microsoft.com/office/drawing/2014/main" id="{BDDB6F9C-ED8E-4134-B063-F167FBD620BD}"/>
+                <a16:creationId xmlns:a16="http://schemas.microsoft.com/office/drawing/2014/main" id="{00EF3F7B-D8C9-4034-B8E9-7B2321A670AF}"/>
               </a:ext>
             </a:extLst>
           </p:cNvPr>
@@ -30919,21 +33256,22 @@
           </p:cNvPicPr>
           <p:nvPr/>
         </p:nvPicPr>
-        <p:blipFill rotWithShape="1">
-          <a:blip r:embed="rId10" cstate="screen">
+        <p:blipFill>
+          <a:blip r:embed="rId5" cstate="print">
             <a:extLst>
               <a:ext uri="{28A0092B-C50C-407E-A947-70E740481C1C}">
-                <a14:useLocalDpi xmlns:a14="http://schemas.microsoft.com/office/drawing/2010/main"/>
+                <a14:useLocalDpi xmlns:a14="http://schemas.microsoft.com/office/drawing/2010/main" val="0"/>
               </a:ext>
             </a:extLst>
           </a:blip>
-          <a:srcRect/>
-          <a:stretch/>
+          <a:stretch>
+            <a:fillRect/>
+          </a:stretch>
         </p:blipFill>
         <p:spPr>
           <a:xfrm>
-            <a:off x="5665154" y="161365"/>
-            <a:ext cx="3260709" cy="2162287"/>
+            <a:off x="6802960" y="4164696"/>
+            <a:ext cx="1883840" cy="760058"/>
           </a:xfrm>
           <a:prstGeom prst="rect">
             <a:avLst/>
@@ -30942,39 +33280,841 @@
       </p:pic>
       <p:sp>
         <p:nvSpPr>
-          <p:cNvPr id="7" name="Rectangle 6">
+          <p:cNvPr id="20" name="Text Placeholder 2">
             <a:extLst>
               <a:ext uri="{FF2B5EF4-FFF2-40B4-BE49-F238E27FC236}">
-                <a16:creationId xmlns:a16="http://schemas.microsoft.com/office/drawing/2014/main" id="{02492056-A1A8-4B4C-9D33-2C0F4FDED6EA}"/>
+                <a16:creationId xmlns:a16="http://schemas.microsoft.com/office/drawing/2014/main" id="{AA0D5D50-1864-4AC4-BE87-B120FA4D4DDF}"/>
               </a:ext>
             </a:extLst>
           </p:cNvPr>
-          <p:cNvSpPr/>
+          <p:cNvSpPr txBox="1">
+            <a:spLocks/>
+          </p:cNvSpPr>
           <p:nvPr/>
         </p:nvSpPr>
         <p:spPr>
           <a:xfrm>
-            <a:off x="7052654" y="2602986"/>
-            <a:ext cx="1694967" cy="646331"/>
+            <a:off x="3531394" y="511969"/>
+            <a:ext cx="3271566" cy="347840"/>
           </a:xfrm>
           <a:prstGeom prst="rect">
             <a:avLst/>
           </a:prstGeom>
         </p:spPr>
         <p:txBody>
-          <a:bodyPr wrap="square">
-            <a:spAutoFit/>
-          </a:bodyPr>
-          <a:lstStyle/>
-          <a:p>
-            <a:pPr algn="ctr"/>
-            <a:r>
-              <a:rPr lang="en-US" dirty="0"/>
-              <a:t>SQL Server consultant in:</a:t>
+          <a:bodyPr/>
+          <a:lstStyle>
+            <a:lvl1pPr marL="0" indent="0" algn="l" defTabSz="914400" rtl="0" eaLnBrk="1" latinLnBrk="0" hangingPunct="1">
+              <a:spcBef>
+                <a:spcPct val="20000"/>
+              </a:spcBef>
+              <a:buFont typeface="Arial"/>
+              <a:buNone/>
+              <a:defRPr sz="2400" kern="1200">
+                <a:solidFill>
+                  <a:srgbClr val="58585A"/>
+                </a:solidFill>
+                <a:latin typeface="+mn-lt"/>
+                <a:ea typeface="+mn-ea"/>
+                <a:cs typeface="Segoe UI"/>
+              </a:defRPr>
+            </a:lvl1pPr>
+            <a:lvl2pPr marL="342900" indent="-342900" algn="l" defTabSz="914400" rtl="0" eaLnBrk="1" latinLnBrk="0" hangingPunct="1">
+              <a:spcBef>
+                <a:spcPct val="20000"/>
+              </a:spcBef>
+              <a:buClr>
+                <a:schemeClr val="accent4"/>
+              </a:buClr>
+              <a:buFont typeface="Arial"/>
+              <a:buChar char="•"/>
+              <a:defRPr lang="en-US" sz="2000" kern="1200" dirty="0" smtClean="0">
+                <a:solidFill>
+                  <a:srgbClr val="58585A"/>
+                </a:solidFill>
+                <a:latin typeface="+mn-lt"/>
+                <a:ea typeface="+mn-ea"/>
+                <a:cs typeface="Segoe UI"/>
+              </a:defRPr>
+            </a:lvl2pPr>
+            <a:lvl3pPr marL="638175" indent="-342900" algn="l" defTabSz="914400" rtl="0" eaLnBrk="1" latinLnBrk="0" hangingPunct="1">
+              <a:spcBef>
+                <a:spcPct val="20000"/>
+              </a:spcBef>
+              <a:buClr>
+                <a:schemeClr val="accent4"/>
+              </a:buClr>
+              <a:buFont typeface="Arial"/>
+              <a:buChar char="•"/>
+              <a:defRPr lang="en-US" sz="1800" kern="1200" dirty="0" smtClean="0">
+                <a:solidFill>
+                  <a:srgbClr val="58585A"/>
+                </a:solidFill>
+                <a:latin typeface="+mn-lt"/>
+                <a:ea typeface="+mn-ea"/>
+                <a:cs typeface="Segoe UI"/>
+              </a:defRPr>
+            </a:lvl3pPr>
+            <a:lvl4pPr marL="922338" indent="-342900" algn="l" defTabSz="914400" rtl="0" eaLnBrk="1" latinLnBrk="0" hangingPunct="1">
+              <a:spcBef>
+                <a:spcPct val="20000"/>
+              </a:spcBef>
+              <a:buClr>
+                <a:schemeClr val="accent4"/>
+              </a:buClr>
+              <a:buFont typeface="Arial"/>
+              <a:buChar char="•"/>
+              <a:defRPr lang="en-US" sz="1800" kern="1200" dirty="0" smtClean="0">
+                <a:solidFill>
+                  <a:srgbClr val="58585A"/>
+                </a:solidFill>
+                <a:latin typeface="+mn-lt"/>
+                <a:ea typeface="+mn-ea"/>
+                <a:cs typeface="Segoe UI"/>
+              </a:defRPr>
+            </a:lvl4pPr>
+            <a:lvl5pPr marL="1189038" indent="-342900" algn="l" defTabSz="914400" rtl="0" eaLnBrk="1" latinLnBrk="0" hangingPunct="1">
+              <a:spcBef>
+                <a:spcPct val="20000"/>
+              </a:spcBef>
+              <a:buClr>
+                <a:schemeClr val="accent4"/>
+              </a:buClr>
+              <a:buFont typeface="Arial"/>
+              <a:buChar char="•"/>
+              <a:defRPr lang="en-US" sz="1800" kern="1200" dirty="0">
+                <a:solidFill>
+                  <a:srgbClr val="58585A"/>
+                </a:solidFill>
+                <a:latin typeface="+mn-lt"/>
+                <a:ea typeface="+mn-ea"/>
+                <a:cs typeface="Segoe UI"/>
+              </a:defRPr>
+            </a:lvl5pPr>
+            <a:lvl6pPr marL="2514600" indent="-228600" algn="l" defTabSz="914400" rtl="0" eaLnBrk="1" latinLnBrk="0" hangingPunct="1">
+              <a:spcBef>
+                <a:spcPct val="20000"/>
+              </a:spcBef>
+              <a:buFont typeface="Arial" pitchFamily="34" charset="0"/>
+              <a:buChar char="•"/>
+              <a:defRPr sz="2000" kern="1200">
+                <a:solidFill>
+                  <a:schemeClr val="tx1"/>
+                </a:solidFill>
+                <a:latin typeface="+mn-lt"/>
+                <a:ea typeface="+mn-ea"/>
+                <a:cs typeface="+mn-cs"/>
+              </a:defRPr>
+            </a:lvl6pPr>
+            <a:lvl7pPr marL="2971800" indent="-228600" algn="l" defTabSz="914400" rtl="0" eaLnBrk="1" latinLnBrk="0" hangingPunct="1">
+              <a:spcBef>
+                <a:spcPct val="20000"/>
+              </a:spcBef>
+              <a:buFont typeface="Arial" pitchFamily="34" charset="0"/>
+              <a:buChar char="•"/>
+              <a:defRPr sz="2000" kern="1200">
+                <a:solidFill>
+                  <a:schemeClr val="tx1"/>
+                </a:solidFill>
+                <a:latin typeface="+mn-lt"/>
+                <a:ea typeface="+mn-ea"/>
+                <a:cs typeface="+mn-cs"/>
+              </a:defRPr>
+            </a:lvl7pPr>
+            <a:lvl8pPr marL="3429000" indent="-228600" algn="l" defTabSz="914400" rtl="0" eaLnBrk="1" latinLnBrk="0" hangingPunct="1">
+              <a:spcBef>
+                <a:spcPct val="20000"/>
+              </a:spcBef>
+              <a:buFont typeface="Arial" pitchFamily="34" charset="0"/>
+              <a:buChar char="•"/>
+              <a:defRPr sz="2000" kern="1200">
+                <a:solidFill>
+                  <a:schemeClr val="tx1"/>
+                </a:solidFill>
+                <a:latin typeface="+mn-lt"/>
+                <a:ea typeface="+mn-ea"/>
+                <a:cs typeface="+mn-cs"/>
+              </a:defRPr>
+            </a:lvl8pPr>
+            <a:lvl9pPr marL="3886200" indent="-228600" algn="l" defTabSz="914400" rtl="0" eaLnBrk="1" latinLnBrk="0" hangingPunct="1">
+              <a:spcBef>
+                <a:spcPct val="20000"/>
+              </a:spcBef>
+              <a:buFont typeface="Arial" pitchFamily="34" charset="0"/>
+              <a:buChar char="•"/>
+              <a:defRPr sz="2000" kern="1200">
+                <a:solidFill>
+                  <a:schemeClr val="tx1"/>
+                </a:solidFill>
+                <a:latin typeface="+mn-lt"/>
+                <a:ea typeface="+mn-ea"/>
+                <a:cs typeface="+mn-cs"/>
+              </a:defRPr>
+            </a:lvl9pPr>
+          </a:lstStyle>
+          <a:p>
+            <a:r>
+              <a:rPr lang="en-CA" sz="2800" dirty="0"/>
+              <a:t>Eitan Blumin</a:t>
             </a:r>
           </a:p>
         </p:txBody>
       </p:sp>
+      <p:sp>
+        <p:nvSpPr>
+          <p:cNvPr id="21" name="Text Placeholder 3">
+            <a:extLst>
+              <a:ext uri="{FF2B5EF4-FFF2-40B4-BE49-F238E27FC236}">
+                <a16:creationId xmlns:a16="http://schemas.microsoft.com/office/drawing/2014/main" id="{467A1C0C-55A3-4918-B8B3-295B68CA5F3A}"/>
+              </a:ext>
+            </a:extLst>
+          </p:cNvPr>
+          <p:cNvSpPr txBox="1">
+            <a:spLocks/>
+          </p:cNvSpPr>
+          <p:nvPr/>
+        </p:nvSpPr>
+        <p:spPr>
+          <a:xfrm>
+            <a:off x="3531393" y="1004995"/>
+            <a:ext cx="5066110" cy="347840"/>
+          </a:xfrm>
+          <a:prstGeom prst="rect">
+            <a:avLst/>
+          </a:prstGeom>
+        </p:spPr>
+        <p:txBody>
+          <a:bodyPr/>
+          <a:lstStyle>
+            <a:lvl1pPr marL="0" indent="0" algn="l" defTabSz="914400" rtl="0" eaLnBrk="1" latinLnBrk="0" hangingPunct="1">
+              <a:spcBef>
+                <a:spcPct val="20000"/>
+              </a:spcBef>
+              <a:buFont typeface="Arial"/>
+              <a:buNone/>
+              <a:defRPr sz="2400" kern="1200">
+                <a:solidFill>
+                  <a:srgbClr val="58585A"/>
+                </a:solidFill>
+                <a:latin typeface="+mn-lt"/>
+                <a:ea typeface="+mn-ea"/>
+                <a:cs typeface="Segoe UI"/>
+              </a:defRPr>
+            </a:lvl1pPr>
+            <a:lvl2pPr marL="342900" indent="-342900" algn="l" defTabSz="914400" rtl="0" eaLnBrk="1" latinLnBrk="0" hangingPunct="1">
+              <a:spcBef>
+                <a:spcPct val="20000"/>
+              </a:spcBef>
+              <a:buClr>
+                <a:schemeClr val="accent4"/>
+              </a:buClr>
+              <a:buFont typeface="Arial"/>
+              <a:buChar char="•"/>
+              <a:defRPr lang="en-US" sz="2000" kern="1200" dirty="0" smtClean="0">
+                <a:solidFill>
+                  <a:srgbClr val="58585A"/>
+                </a:solidFill>
+                <a:latin typeface="+mn-lt"/>
+                <a:ea typeface="+mn-ea"/>
+                <a:cs typeface="Segoe UI"/>
+              </a:defRPr>
+            </a:lvl2pPr>
+            <a:lvl3pPr marL="638175" indent="-342900" algn="l" defTabSz="914400" rtl="0" eaLnBrk="1" latinLnBrk="0" hangingPunct="1">
+              <a:spcBef>
+                <a:spcPct val="20000"/>
+              </a:spcBef>
+              <a:buClr>
+                <a:schemeClr val="accent4"/>
+              </a:buClr>
+              <a:buFont typeface="Arial"/>
+              <a:buChar char="•"/>
+              <a:defRPr lang="en-US" sz="1800" kern="1200" dirty="0" smtClean="0">
+                <a:solidFill>
+                  <a:srgbClr val="58585A"/>
+                </a:solidFill>
+                <a:latin typeface="+mn-lt"/>
+                <a:ea typeface="+mn-ea"/>
+                <a:cs typeface="Segoe UI"/>
+              </a:defRPr>
+            </a:lvl3pPr>
+            <a:lvl4pPr marL="922338" indent="-342900" algn="l" defTabSz="914400" rtl="0" eaLnBrk="1" latinLnBrk="0" hangingPunct="1">
+              <a:spcBef>
+                <a:spcPct val="20000"/>
+              </a:spcBef>
+              <a:buClr>
+                <a:schemeClr val="accent4"/>
+              </a:buClr>
+              <a:buFont typeface="Arial"/>
+              <a:buChar char="•"/>
+              <a:defRPr lang="en-US" sz="1800" kern="1200" dirty="0" smtClean="0">
+                <a:solidFill>
+                  <a:srgbClr val="58585A"/>
+                </a:solidFill>
+                <a:latin typeface="+mn-lt"/>
+                <a:ea typeface="+mn-ea"/>
+                <a:cs typeface="Segoe UI"/>
+              </a:defRPr>
+            </a:lvl4pPr>
+            <a:lvl5pPr marL="1189038" indent="-342900" algn="l" defTabSz="914400" rtl="0" eaLnBrk="1" latinLnBrk="0" hangingPunct="1">
+              <a:spcBef>
+                <a:spcPct val="20000"/>
+              </a:spcBef>
+              <a:buClr>
+                <a:schemeClr val="accent4"/>
+              </a:buClr>
+              <a:buFont typeface="Arial"/>
+              <a:buChar char="•"/>
+              <a:defRPr lang="en-US" sz="1800" kern="1200" dirty="0">
+                <a:solidFill>
+                  <a:srgbClr val="58585A"/>
+                </a:solidFill>
+                <a:latin typeface="+mn-lt"/>
+                <a:ea typeface="+mn-ea"/>
+                <a:cs typeface="Segoe UI"/>
+              </a:defRPr>
+            </a:lvl5pPr>
+            <a:lvl6pPr marL="2514600" indent="-228600" algn="l" defTabSz="914400" rtl="0" eaLnBrk="1" latinLnBrk="0" hangingPunct="1">
+              <a:spcBef>
+                <a:spcPct val="20000"/>
+              </a:spcBef>
+              <a:buFont typeface="Arial" pitchFamily="34" charset="0"/>
+              <a:buChar char="•"/>
+              <a:defRPr sz="2000" kern="1200">
+                <a:solidFill>
+                  <a:schemeClr val="tx1"/>
+                </a:solidFill>
+                <a:latin typeface="+mn-lt"/>
+                <a:ea typeface="+mn-ea"/>
+                <a:cs typeface="+mn-cs"/>
+              </a:defRPr>
+            </a:lvl6pPr>
+            <a:lvl7pPr marL="2971800" indent="-228600" algn="l" defTabSz="914400" rtl="0" eaLnBrk="1" latinLnBrk="0" hangingPunct="1">
+              <a:spcBef>
+                <a:spcPct val="20000"/>
+              </a:spcBef>
+              <a:buFont typeface="Arial" pitchFamily="34" charset="0"/>
+              <a:buChar char="•"/>
+              <a:defRPr sz="2000" kern="1200">
+                <a:solidFill>
+                  <a:schemeClr val="tx1"/>
+                </a:solidFill>
+                <a:latin typeface="+mn-lt"/>
+                <a:ea typeface="+mn-ea"/>
+                <a:cs typeface="+mn-cs"/>
+              </a:defRPr>
+            </a:lvl7pPr>
+            <a:lvl8pPr marL="3429000" indent="-228600" algn="l" defTabSz="914400" rtl="0" eaLnBrk="1" latinLnBrk="0" hangingPunct="1">
+              <a:spcBef>
+                <a:spcPct val="20000"/>
+              </a:spcBef>
+              <a:buFont typeface="Arial" pitchFamily="34" charset="0"/>
+              <a:buChar char="•"/>
+              <a:defRPr sz="2000" kern="1200">
+                <a:solidFill>
+                  <a:schemeClr val="tx1"/>
+                </a:solidFill>
+                <a:latin typeface="+mn-lt"/>
+                <a:ea typeface="+mn-ea"/>
+                <a:cs typeface="+mn-cs"/>
+              </a:defRPr>
+            </a:lvl8pPr>
+            <a:lvl9pPr marL="3886200" indent="-228600" algn="l" defTabSz="914400" rtl="0" eaLnBrk="1" latinLnBrk="0" hangingPunct="1">
+              <a:spcBef>
+                <a:spcPct val="20000"/>
+              </a:spcBef>
+              <a:buFont typeface="Arial" pitchFamily="34" charset="0"/>
+              <a:buChar char="•"/>
+              <a:defRPr sz="2000" kern="1200">
+                <a:solidFill>
+                  <a:schemeClr val="tx1"/>
+                </a:solidFill>
+                <a:latin typeface="+mn-lt"/>
+                <a:ea typeface="+mn-ea"/>
+                <a:cs typeface="+mn-cs"/>
+              </a:defRPr>
+            </a:lvl9pPr>
+          </a:lstStyle>
+          <a:p>
+            <a:r>
+              <a:rPr lang="en-CA" sz="2000" dirty="0"/>
+              <a:t>Team Leader, Madeira Data Solutions, Israel</a:t>
+            </a:r>
+          </a:p>
+        </p:txBody>
+      </p:sp>
+      <p:sp>
+        <p:nvSpPr>
+          <p:cNvPr id="22" name="Text Placeholder 4">
+            <a:extLst>
+              <a:ext uri="{FF2B5EF4-FFF2-40B4-BE49-F238E27FC236}">
+                <a16:creationId xmlns:a16="http://schemas.microsoft.com/office/drawing/2014/main" id="{2D8D3759-8CEF-460A-90B8-CEDCCE4EC19B}"/>
+              </a:ext>
+            </a:extLst>
+          </p:cNvPr>
+          <p:cNvSpPr txBox="1">
+            <a:spLocks/>
+          </p:cNvSpPr>
+          <p:nvPr/>
+        </p:nvSpPr>
+        <p:spPr>
+          <a:xfrm>
+            <a:off x="3531393" y="1498019"/>
+            <a:ext cx="3101755" cy="1131324"/>
+          </a:xfrm>
+          <a:prstGeom prst="rect">
+            <a:avLst/>
+          </a:prstGeom>
+        </p:spPr>
+        <p:txBody>
+          <a:bodyPr/>
+          <a:lstStyle>
+            <a:lvl1pPr marL="0" indent="0" algn="l" defTabSz="914400" rtl="0" eaLnBrk="1" latinLnBrk="0" hangingPunct="1">
+              <a:spcBef>
+                <a:spcPct val="20000"/>
+              </a:spcBef>
+              <a:buFont typeface="Arial"/>
+              <a:buNone/>
+              <a:defRPr sz="2400" kern="1200">
+                <a:solidFill>
+                  <a:srgbClr val="58585A"/>
+                </a:solidFill>
+                <a:latin typeface="+mn-lt"/>
+                <a:ea typeface="+mn-ea"/>
+                <a:cs typeface="Segoe UI"/>
+              </a:defRPr>
+            </a:lvl1pPr>
+            <a:lvl2pPr marL="342900" indent="-342900" algn="l" defTabSz="914400" rtl="0" eaLnBrk="1" latinLnBrk="0" hangingPunct="1">
+              <a:spcBef>
+                <a:spcPct val="20000"/>
+              </a:spcBef>
+              <a:buClr>
+                <a:schemeClr val="accent4"/>
+              </a:buClr>
+              <a:buFont typeface="Arial"/>
+              <a:buChar char="•"/>
+              <a:defRPr lang="en-US" sz="2000" kern="1200" dirty="0" smtClean="0">
+                <a:solidFill>
+                  <a:srgbClr val="58585A"/>
+                </a:solidFill>
+                <a:latin typeface="+mn-lt"/>
+                <a:ea typeface="+mn-ea"/>
+                <a:cs typeface="Segoe UI"/>
+              </a:defRPr>
+            </a:lvl2pPr>
+            <a:lvl3pPr marL="638175" indent="-342900" algn="l" defTabSz="914400" rtl="0" eaLnBrk="1" latinLnBrk="0" hangingPunct="1">
+              <a:spcBef>
+                <a:spcPct val="20000"/>
+              </a:spcBef>
+              <a:buClr>
+                <a:schemeClr val="accent4"/>
+              </a:buClr>
+              <a:buFont typeface="Arial"/>
+              <a:buChar char="•"/>
+              <a:defRPr lang="en-US" sz="1800" kern="1200" dirty="0" smtClean="0">
+                <a:solidFill>
+                  <a:srgbClr val="58585A"/>
+                </a:solidFill>
+                <a:latin typeface="+mn-lt"/>
+                <a:ea typeface="+mn-ea"/>
+                <a:cs typeface="Segoe UI"/>
+              </a:defRPr>
+            </a:lvl3pPr>
+            <a:lvl4pPr marL="922338" indent="-342900" algn="l" defTabSz="914400" rtl="0" eaLnBrk="1" latinLnBrk="0" hangingPunct="1">
+              <a:spcBef>
+                <a:spcPct val="20000"/>
+              </a:spcBef>
+              <a:buClr>
+                <a:schemeClr val="accent4"/>
+              </a:buClr>
+              <a:buFont typeface="Arial"/>
+              <a:buChar char="•"/>
+              <a:defRPr lang="en-US" sz="1800" kern="1200" dirty="0" smtClean="0">
+                <a:solidFill>
+                  <a:srgbClr val="58585A"/>
+                </a:solidFill>
+                <a:latin typeface="+mn-lt"/>
+                <a:ea typeface="+mn-ea"/>
+                <a:cs typeface="Segoe UI"/>
+              </a:defRPr>
+            </a:lvl4pPr>
+            <a:lvl5pPr marL="1189038" indent="-342900" algn="l" defTabSz="914400" rtl="0" eaLnBrk="1" latinLnBrk="0" hangingPunct="1">
+              <a:spcBef>
+                <a:spcPct val="20000"/>
+              </a:spcBef>
+              <a:buClr>
+                <a:schemeClr val="accent4"/>
+              </a:buClr>
+              <a:buFont typeface="Arial"/>
+              <a:buChar char="•"/>
+              <a:defRPr lang="en-US" sz="1800" kern="1200" dirty="0">
+                <a:solidFill>
+                  <a:srgbClr val="58585A"/>
+                </a:solidFill>
+                <a:latin typeface="+mn-lt"/>
+                <a:ea typeface="+mn-ea"/>
+                <a:cs typeface="Segoe UI"/>
+              </a:defRPr>
+            </a:lvl5pPr>
+            <a:lvl6pPr marL="2514600" indent="-228600" algn="l" defTabSz="914400" rtl="0" eaLnBrk="1" latinLnBrk="0" hangingPunct="1">
+              <a:spcBef>
+                <a:spcPct val="20000"/>
+              </a:spcBef>
+              <a:buFont typeface="Arial" pitchFamily="34" charset="0"/>
+              <a:buChar char="•"/>
+              <a:defRPr sz="2000" kern="1200">
+                <a:solidFill>
+                  <a:schemeClr val="tx1"/>
+                </a:solidFill>
+                <a:latin typeface="+mn-lt"/>
+                <a:ea typeface="+mn-ea"/>
+                <a:cs typeface="+mn-cs"/>
+              </a:defRPr>
+            </a:lvl6pPr>
+            <a:lvl7pPr marL="2971800" indent="-228600" algn="l" defTabSz="914400" rtl="0" eaLnBrk="1" latinLnBrk="0" hangingPunct="1">
+              <a:spcBef>
+                <a:spcPct val="20000"/>
+              </a:spcBef>
+              <a:buFont typeface="Arial" pitchFamily="34" charset="0"/>
+              <a:buChar char="•"/>
+              <a:defRPr sz="2000" kern="1200">
+                <a:solidFill>
+                  <a:schemeClr val="tx1"/>
+                </a:solidFill>
+                <a:latin typeface="+mn-lt"/>
+                <a:ea typeface="+mn-ea"/>
+                <a:cs typeface="+mn-cs"/>
+              </a:defRPr>
+            </a:lvl7pPr>
+            <a:lvl8pPr marL="3429000" indent="-228600" algn="l" defTabSz="914400" rtl="0" eaLnBrk="1" latinLnBrk="0" hangingPunct="1">
+              <a:spcBef>
+                <a:spcPct val="20000"/>
+              </a:spcBef>
+              <a:buFont typeface="Arial" pitchFamily="34" charset="0"/>
+              <a:buChar char="•"/>
+              <a:defRPr sz="2000" kern="1200">
+                <a:solidFill>
+                  <a:schemeClr val="tx1"/>
+                </a:solidFill>
+                <a:latin typeface="+mn-lt"/>
+                <a:ea typeface="+mn-ea"/>
+                <a:cs typeface="+mn-cs"/>
+              </a:defRPr>
+            </a:lvl8pPr>
+            <a:lvl9pPr marL="3886200" indent="-228600" algn="l" defTabSz="914400" rtl="0" eaLnBrk="1" latinLnBrk="0" hangingPunct="1">
+              <a:spcBef>
+                <a:spcPct val="20000"/>
+              </a:spcBef>
+              <a:buFont typeface="Arial" pitchFamily="34" charset="0"/>
+              <a:buChar char="•"/>
+              <a:defRPr sz="2000" kern="1200">
+                <a:solidFill>
+                  <a:schemeClr val="tx1"/>
+                </a:solidFill>
+                <a:latin typeface="+mn-lt"/>
+                <a:ea typeface="+mn-ea"/>
+                <a:cs typeface="+mn-cs"/>
+              </a:defRPr>
+            </a:lvl9pPr>
+          </a:lstStyle>
+          <a:p>
+            <a:pPr marL="342900" indent="-342900">
+              <a:buFont typeface="Arial" panose="020B0604020202020204" pitchFamily="34" charset="0"/>
+              <a:buChar char="•"/>
+            </a:pPr>
+            <a:r>
+              <a:rPr lang="en-CA" sz="2000" dirty="0"/>
+              <a:t>madeiradata.com</a:t>
+            </a:r>
+          </a:p>
+          <a:p>
+            <a:pPr marL="342900" indent="-342900">
+              <a:buFont typeface="Arial" panose="020B0604020202020204" pitchFamily="34" charset="0"/>
+              <a:buChar char="•"/>
+            </a:pPr>
+            <a:r>
+              <a:rPr lang="en-CA" sz="2000" dirty="0"/>
+              <a:t>eitanblumin.com</a:t>
+            </a:r>
+          </a:p>
+          <a:p>
+            <a:pPr marL="342900" indent="-342900">
+              <a:buFont typeface="Arial" panose="020B0604020202020204" pitchFamily="34" charset="0"/>
+              <a:buChar char="•"/>
+            </a:pPr>
+            <a:r>
+              <a:rPr lang="en-CA" sz="2000" dirty="0"/>
+              <a:t>sqlserverradio.com</a:t>
+            </a:r>
+          </a:p>
+        </p:txBody>
+      </p:sp>
+      <p:sp>
+        <p:nvSpPr>
+          <p:cNvPr id="23" name="Text Placeholder 5">
+            <a:extLst>
+              <a:ext uri="{FF2B5EF4-FFF2-40B4-BE49-F238E27FC236}">
+                <a16:creationId xmlns:a16="http://schemas.microsoft.com/office/drawing/2014/main" id="{34E7861A-D314-43BE-8C55-28431E079BC2}"/>
+              </a:ext>
+            </a:extLst>
+          </p:cNvPr>
+          <p:cNvSpPr txBox="1">
+            <a:spLocks/>
+          </p:cNvSpPr>
+          <p:nvPr/>
+        </p:nvSpPr>
+        <p:spPr>
+          <a:xfrm>
+            <a:off x="3531393" y="2702612"/>
+            <a:ext cx="5066110" cy="347840"/>
+          </a:xfrm>
+          <a:prstGeom prst="rect">
+            <a:avLst/>
+          </a:prstGeom>
+        </p:spPr>
+        <p:txBody>
+          <a:bodyPr/>
+          <a:lstStyle>
+            <a:lvl1pPr marL="0" indent="0" algn="l" defTabSz="914400" rtl="0" eaLnBrk="1" latinLnBrk="0" hangingPunct="1">
+              <a:spcBef>
+                <a:spcPct val="20000"/>
+              </a:spcBef>
+              <a:buFont typeface="Arial"/>
+              <a:buNone/>
+              <a:defRPr sz="2400" kern="1200">
+                <a:solidFill>
+                  <a:srgbClr val="58585A"/>
+                </a:solidFill>
+                <a:latin typeface="+mn-lt"/>
+                <a:ea typeface="+mn-ea"/>
+                <a:cs typeface="Segoe UI"/>
+              </a:defRPr>
+            </a:lvl1pPr>
+            <a:lvl2pPr marL="342900" indent="-342900" algn="l" defTabSz="914400" rtl="0" eaLnBrk="1" latinLnBrk="0" hangingPunct="1">
+              <a:spcBef>
+                <a:spcPct val="20000"/>
+              </a:spcBef>
+              <a:buClr>
+                <a:schemeClr val="accent4"/>
+              </a:buClr>
+              <a:buFont typeface="Arial"/>
+              <a:buChar char="•"/>
+              <a:defRPr lang="en-US" sz="2000" kern="1200" dirty="0" smtClean="0">
+                <a:solidFill>
+                  <a:srgbClr val="58585A"/>
+                </a:solidFill>
+                <a:latin typeface="+mn-lt"/>
+                <a:ea typeface="+mn-ea"/>
+                <a:cs typeface="Segoe UI"/>
+              </a:defRPr>
+            </a:lvl2pPr>
+            <a:lvl3pPr marL="638175" indent="-342900" algn="l" defTabSz="914400" rtl="0" eaLnBrk="1" latinLnBrk="0" hangingPunct="1">
+              <a:spcBef>
+                <a:spcPct val="20000"/>
+              </a:spcBef>
+              <a:buClr>
+                <a:schemeClr val="accent4"/>
+              </a:buClr>
+              <a:buFont typeface="Arial"/>
+              <a:buChar char="•"/>
+              <a:defRPr lang="en-US" sz="1800" kern="1200" dirty="0" smtClean="0">
+                <a:solidFill>
+                  <a:srgbClr val="58585A"/>
+                </a:solidFill>
+                <a:latin typeface="+mn-lt"/>
+                <a:ea typeface="+mn-ea"/>
+                <a:cs typeface="Segoe UI"/>
+              </a:defRPr>
+            </a:lvl3pPr>
+            <a:lvl4pPr marL="922338" indent="-342900" algn="l" defTabSz="914400" rtl="0" eaLnBrk="1" latinLnBrk="0" hangingPunct="1">
+              <a:spcBef>
+                <a:spcPct val="20000"/>
+              </a:spcBef>
+              <a:buClr>
+                <a:schemeClr val="accent4"/>
+              </a:buClr>
+              <a:buFont typeface="Arial"/>
+              <a:buChar char="•"/>
+              <a:defRPr lang="en-US" sz="1800" kern="1200" dirty="0" smtClean="0">
+                <a:solidFill>
+                  <a:srgbClr val="58585A"/>
+                </a:solidFill>
+                <a:latin typeface="+mn-lt"/>
+                <a:ea typeface="+mn-ea"/>
+                <a:cs typeface="Segoe UI"/>
+              </a:defRPr>
+            </a:lvl4pPr>
+            <a:lvl5pPr marL="1189038" indent="-342900" algn="l" defTabSz="914400" rtl="0" eaLnBrk="1" latinLnBrk="0" hangingPunct="1">
+              <a:spcBef>
+                <a:spcPct val="20000"/>
+              </a:spcBef>
+              <a:buClr>
+                <a:schemeClr val="accent4"/>
+              </a:buClr>
+              <a:buFont typeface="Arial"/>
+              <a:buChar char="•"/>
+              <a:defRPr lang="en-US" sz="1800" kern="1200" dirty="0">
+                <a:solidFill>
+                  <a:srgbClr val="58585A"/>
+                </a:solidFill>
+                <a:latin typeface="+mn-lt"/>
+                <a:ea typeface="+mn-ea"/>
+                <a:cs typeface="Segoe UI"/>
+              </a:defRPr>
+            </a:lvl5pPr>
+            <a:lvl6pPr marL="2514600" indent="-228600" algn="l" defTabSz="914400" rtl="0" eaLnBrk="1" latinLnBrk="0" hangingPunct="1">
+              <a:spcBef>
+                <a:spcPct val="20000"/>
+              </a:spcBef>
+              <a:buFont typeface="Arial" pitchFamily="34" charset="0"/>
+              <a:buChar char="•"/>
+              <a:defRPr sz="2000" kern="1200">
+                <a:solidFill>
+                  <a:schemeClr val="tx1"/>
+                </a:solidFill>
+                <a:latin typeface="+mn-lt"/>
+                <a:ea typeface="+mn-ea"/>
+                <a:cs typeface="+mn-cs"/>
+              </a:defRPr>
+            </a:lvl6pPr>
+            <a:lvl7pPr marL="2971800" indent="-228600" algn="l" defTabSz="914400" rtl="0" eaLnBrk="1" latinLnBrk="0" hangingPunct="1">
+              <a:spcBef>
+                <a:spcPct val="20000"/>
+              </a:spcBef>
+              <a:buFont typeface="Arial" pitchFamily="34" charset="0"/>
+              <a:buChar char="•"/>
+              <a:defRPr sz="2000" kern="1200">
+                <a:solidFill>
+                  <a:schemeClr val="tx1"/>
+                </a:solidFill>
+                <a:latin typeface="+mn-lt"/>
+                <a:ea typeface="+mn-ea"/>
+                <a:cs typeface="+mn-cs"/>
+              </a:defRPr>
+            </a:lvl7pPr>
+            <a:lvl8pPr marL="3429000" indent="-228600" algn="l" defTabSz="914400" rtl="0" eaLnBrk="1" latinLnBrk="0" hangingPunct="1">
+              <a:spcBef>
+                <a:spcPct val="20000"/>
+              </a:spcBef>
+              <a:buFont typeface="Arial" pitchFamily="34" charset="0"/>
+              <a:buChar char="•"/>
+              <a:defRPr sz="2000" kern="1200">
+                <a:solidFill>
+                  <a:schemeClr val="tx1"/>
+                </a:solidFill>
+                <a:latin typeface="+mn-lt"/>
+                <a:ea typeface="+mn-ea"/>
+                <a:cs typeface="+mn-cs"/>
+              </a:defRPr>
+            </a:lvl8pPr>
+            <a:lvl9pPr marL="3886200" indent="-228600" algn="l" defTabSz="914400" rtl="0" eaLnBrk="1" latinLnBrk="0" hangingPunct="1">
+              <a:spcBef>
+                <a:spcPct val="20000"/>
+              </a:spcBef>
+              <a:buFont typeface="Arial" pitchFamily="34" charset="0"/>
+              <a:buChar char="•"/>
+              <a:defRPr sz="2000" kern="1200">
+                <a:solidFill>
+                  <a:schemeClr val="tx1"/>
+                </a:solidFill>
+                <a:latin typeface="+mn-lt"/>
+                <a:ea typeface="+mn-ea"/>
+                <a:cs typeface="+mn-cs"/>
+              </a:defRPr>
+            </a:lvl9pPr>
+          </a:lstStyle>
+          <a:p>
+            <a:r>
+              <a:rPr lang="en-CA" sz="2000" dirty="0"/>
+              <a:t>Twitter: @EitanBlumin</a:t>
+            </a:r>
+          </a:p>
+        </p:txBody>
+      </p:sp>
+      <p:pic>
+        <p:nvPicPr>
+          <p:cNvPr id="25" name="Picture Placeholder 7">
+            <a:extLst>
+              <a:ext uri="{FF2B5EF4-FFF2-40B4-BE49-F238E27FC236}">
+                <a16:creationId xmlns:a16="http://schemas.microsoft.com/office/drawing/2014/main" id="{5E15E912-BBF7-40D8-9769-79451B47C82D}"/>
+              </a:ext>
+            </a:extLst>
+          </p:cNvPr>
+          <p:cNvPicPr>
+            <a:picLocks noChangeAspect="1"/>
+          </p:cNvPicPr>
+          <p:nvPr/>
+        </p:nvPicPr>
+        <p:blipFill>
+          <a:blip r:embed="rId6">
+            <a:extLst>
+              <a:ext uri="{28A0092B-C50C-407E-A947-70E740481C1C}">
+                <a14:useLocalDpi xmlns:a14="http://schemas.microsoft.com/office/drawing/2010/main" val="0"/>
+              </a:ext>
+            </a:extLst>
+          </a:blip>
+          <a:srcRect t="4715" b="4715"/>
+          <a:stretch/>
+        </p:blipFill>
+        <p:spPr>
+          <a:xfrm>
+            <a:off x="777875" y="859809"/>
+            <a:ext cx="2125068" cy="1924666"/>
+          </a:xfrm>
+          <a:prstGeom prst="rect">
+            <a:avLst/>
+          </a:prstGeom>
+          <a:effectLst>
+            <a:outerShdw blurRad="50800" dist="38100" dir="8100000" algn="tr" rotWithShape="0">
+              <a:prstClr val="black">
+                <a:alpha val="40000"/>
+              </a:prstClr>
+            </a:outerShdw>
+          </a:effectLst>
+        </p:spPr>
+      </p:pic>
+      <p:pic>
+        <p:nvPicPr>
+          <p:cNvPr id="26" name="Picture 25" descr="Logo&#10;&#10;Description automatically generated">
+            <a:extLst>
+              <a:ext uri="{FF2B5EF4-FFF2-40B4-BE49-F238E27FC236}">
+                <a16:creationId xmlns:a16="http://schemas.microsoft.com/office/drawing/2014/main" id="{CDBC513A-0FC3-4350-AA9E-2A91FD7BCA7F}"/>
+              </a:ext>
+            </a:extLst>
+          </p:cNvPr>
+          <p:cNvPicPr>
+            <a:picLocks noChangeAspect="1"/>
+          </p:cNvPicPr>
+          <p:nvPr/>
+        </p:nvPicPr>
+        <p:blipFill>
+          <a:blip r:embed="rId7">
+            <a:extLst>
+              <a:ext uri="{28A0092B-C50C-407E-A947-70E740481C1C}">
+                <a14:useLocalDpi xmlns:a14="http://schemas.microsoft.com/office/drawing/2010/main" val="0"/>
+              </a:ext>
+            </a:extLst>
+          </a:blip>
+          <a:stretch>
+            <a:fillRect/>
+          </a:stretch>
+        </p:blipFill>
+        <p:spPr>
+          <a:xfrm>
+            <a:off x="6802959" y="1966189"/>
+            <a:ext cx="1883839" cy="1011405"/>
+          </a:xfrm>
+          <a:prstGeom prst="rect">
+            <a:avLst/>
+          </a:prstGeom>
+          <a:effectLst>
+            <a:outerShdw blurRad="50800" dist="38100" dir="5400000" algn="t" rotWithShape="0">
+              <a:prstClr val="black">
+                <a:alpha val="40000"/>
+              </a:prstClr>
+            </a:outerShdw>
+          </a:effectLst>
+        </p:spPr>
+      </p:pic>
     </p:spTree>
     <p:extLst>
       <p:ext uri="{BB962C8B-B14F-4D97-AF65-F5344CB8AC3E}">
@@ -31067,7 +34207,7 @@
         <p:spPr>
           <a:xfrm>
             <a:off x="4110184" y="1853585"/>
-            <a:ext cx="4270528" cy="923330"/>
+            <a:ext cx="4376326" cy="923330"/>
           </a:xfrm>
           <a:prstGeom prst="rect">
             <a:avLst/>
@@ -31120,7 +34260,7 @@
               <a:t>/</a:t>
             </a:r>
             <a:r>
-              <a:rPr lang="en-US" dirty="0">
+              <a:rPr lang="en-US" dirty="0" err="1">
                 <a:solidFill>
                   <a:srgbClr val="FF0000"/>
                 </a:solidFill>
@@ -31132,7 +34272,7 @@
                   </a:extLst>
                 </a:hlinkClick>
               </a:rPr>
-              <a:t>EitanBlumin</a:t>
+              <a:t>MadeiraData</a:t>
             </a:r>
             <a:r>
               <a:rPr lang="en-US" dirty="0">
@@ -35196,6 +38336,12 @@
 </file>
 
 <file path=ppt/tags/tag10.xml><?xml version="1.0" encoding="utf-8"?>
+<p:tagLst xmlns:a="http://schemas.openxmlformats.org/drawingml/2006/main" xmlns:r="http://schemas.openxmlformats.org/officeDocument/2006/relationships" xmlns:p="http://schemas.openxmlformats.org/presentationml/2006/main">
+  <p:tag name="TIMING" val="|6.1|87.7|103.2|164"/>
+</p:tagLst>
+</file>
+
+<file path=ppt/tags/tag11.xml><?xml version="1.0" encoding="utf-8"?>
 <p:tagLst xmlns:a="http://schemas.openxmlformats.org/drawingml/2006/main" xmlns:r="http://schemas.openxmlformats.org/officeDocument/2006/relationships" xmlns:p="http://schemas.openxmlformats.org/presentationml/2006/main">
   <p:tag name="TIMING" val="|3|58"/>
 </p:tagLst>
